--- a/Presentation.pptx
+++ b/Presentation.pptx
@@ -1,35 +1,130 @@
 
 <file path=ppt/presentation.xml><?xml version="1.0" encoding="utf-8"?>
-<p:presentation xmlns:a="http://schemas.openxmlformats.org/drawingml/2006/main" xmlns:p="http://schemas.openxmlformats.org/presentationml/2006/main" xmlns:r="http://schemas.openxmlformats.org/officeDocument/2006/relationships" xmlns:p14="http://schemas.microsoft.com/office/powerpoint/2010/main" xmlns:p15="http://schemas.microsoft.com/office/powerpoint/2012/main" xmlns:mc="http://schemas.openxmlformats.org/markup-compatibility/2006">
+<p:presentation xmlns:a="http://schemas.openxmlformats.org/drawingml/2006/main" xmlns:r="http://schemas.openxmlformats.org/officeDocument/2006/relationships" xmlns:p="http://schemas.openxmlformats.org/presentationml/2006/main">
   <p:sldMasterIdLst>
-    <p:sldMasterId id="2147483648" r:id="rId2"/>
-    <p:sldMasterId id="2147483661" r:id="rId3"/>
+    <p:sldMasterId id="2147483648" r:id="rId1"/>
+    <p:sldMasterId id="2147483661" r:id="rId2"/>
   </p:sldMasterIdLst>
   <p:sldIdLst>
-    <p:sldId id="256" r:id="rId4"/>
-    <p:sldId id="257" r:id="rId5"/>
-    <p:sldId id="258" r:id="rId6"/>
-    <p:sldId id="259" r:id="rId7"/>
-    <p:sldId id="260" r:id="rId8"/>
-    <p:sldId id="261" r:id="rId9"/>
-    <p:sldId id="262" r:id="rId10"/>
-    <p:sldId id="263" r:id="rId11"/>
-    <p:sldId id="264" r:id="rId12"/>
-    <p:sldId id="265" r:id="rId13"/>
-    <p:sldId id="266" r:id="rId14"/>
-    <p:sldId id="267" r:id="rId15"/>
-    <p:sldId id="268" r:id="rId16"/>
-    <p:sldId id="269" r:id="rId17"/>
-    <p:sldId id="270" r:id="rId18"/>
-    <p:sldId id="271" r:id="rId19"/>
+    <p:sldId id="256" r:id="rId3"/>
+    <p:sldId id="257" r:id="rId4"/>
+    <p:sldId id="258" r:id="rId5"/>
+    <p:sldId id="259" r:id="rId6"/>
+    <p:sldId id="260" r:id="rId7"/>
+    <p:sldId id="261" r:id="rId8"/>
+    <p:sldId id="262" r:id="rId9"/>
+    <p:sldId id="263" r:id="rId10"/>
+    <p:sldId id="264" r:id="rId11"/>
+    <p:sldId id="265" r:id="rId12"/>
+    <p:sldId id="266" r:id="rId13"/>
+    <p:sldId id="267" r:id="rId14"/>
+    <p:sldId id="268" r:id="rId15"/>
+    <p:sldId id="269" r:id="rId16"/>
+    <p:sldId id="270" r:id="rId17"/>
+    <p:sldId id="271" r:id="rId18"/>
   </p:sldIdLst>
   <p:sldSz cx="10080625" cy="7559675"/>
-  <p:notesSz cx="7559675" cy="10691812"/>
+  <p:notesSz cx="7559675" cy="10691813"/>
+  <p:defaultTextStyle>
+    <a:defPPr>
+      <a:defRPr lang="en-US"/>
+    </a:defPPr>
+    <a:lvl1pPr marL="0" algn="l" defTabSz="914400" rtl="0" eaLnBrk="1" latinLnBrk="0" hangingPunct="1">
+      <a:defRPr sz="1800" kern="1200">
+        <a:solidFill>
+          <a:schemeClr val="tx1"/>
+        </a:solidFill>
+        <a:latin typeface="+mn-lt"/>
+        <a:ea typeface="+mn-ea"/>
+        <a:cs typeface="+mn-cs"/>
+      </a:defRPr>
+    </a:lvl1pPr>
+    <a:lvl2pPr marL="457200" algn="l" defTabSz="914400" rtl="0" eaLnBrk="1" latinLnBrk="0" hangingPunct="1">
+      <a:defRPr sz="1800" kern="1200">
+        <a:solidFill>
+          <a:schemeClr val="tx1"/>
+        </a:solidFill>
+        <a:latin typeface="+mn-lt"/>
+        <a:ea typeface="+mn-ea"/>
+        <a:cs typeface="+mn-cs"/>
+      </a:defRPr>
+    </a:lvl2pPr>
+    <a:lvl3pPr marL="914400" algn="l" defTabSz="914400" rtl="0" eaLnBrk="1" latinLnBrk="0" hangingPunct="1">
+      <a:defRPr sz="1800" kern="1200">
+        <a:solidFill>
+          <a:schemeClr val="tx1"/>
+        </a:solidFill>
+        <a:latin typeface="+mn-lt"/>
+        <a:ea typeface="+mn-ea"/>
+        <a:cs typeface="+mn-cs"/>
+      </a:defRPr>
+    </a:lvl3pPr>
+    <a:lvl4pPr marL="1371600" algn="l" defTabSz="914400" rtl="0" eaLnBrk="1" latinLnBrk="0" hangingPunct="1">
+      <a:defRPr sz="1800" kern="1200">
+        <a:solidFill>
+          <a:schemeClr val="tx1"/>
+        </a:solidFill>
+        <a:latin typeface="+mn-lt"/>
+        <a:ea typeface="+mn-ea"/>
+        <a:cs typeface="+mn-cs"/>
+      </a:defRPr>
+    </a:lvl4pPr>
+    <a:lvl5pPr marL="1828800" algn="l" defTabSz="914400" rtl="0" eaLnBrk="1" latinLnBrk="0" hangingPunct="1">
+      <a:defRPr sz="1800" kern="1200">
+        <a:solidFill>
+          <a:schemeClr val="tx1"/>
+        </a:solidFill>
+        <a:latin typeface="+mn-lt"/>
+        <a:ea typeface="+mn-ea"/>
+        <a:cs typeface="+mn-cs"/>
+      </a:defRPr>
+    </a:lvl5pPr>
+    <a:lvl6pPr marL="2286000" algn="l" defTabSz="914400" rtl="0" eaLnBrk="1" latinLnBrk="0" hangingPunct="1">
+      <a:defRPr sz="1800" kern="1200">
+        <a:solidFill>
+          <a:schemeClr val="tx1"/>
+        </a:solidFill>
+        <a:latin typeface="+mn-lt"/>
+        <a:ea typeface="+mn-ea"/>
+        <a:cs typeface="+mn-cs"/>
+      </a:defRPr>
+    </a:lvl6pPr>
+    <a:lvl7pPr marL="2743200" algn="l" defTabSz="914400" rtl="0" eaLnBrk="1" latinLnBrk="0" hangingPunct="1">
+      <a:defRPr sz="1800" kern="1200">
+        <a:solidFill>
+          <a:schemeClr val="tx1"/>
+        </a:solidFill>
+        <a:latin typeface="+mn-lt"/>
+        <a:ea typeface="+mn-ea"/>
+        <a:cs typeface="+mn-cs"/>
+      </a:defRPr>
+    </a:lvl7pPr>
+    <a:lvl8pPr marL="3200400" algn="l" defTabSz="914400" rtl="0" eaLnBrk="1" latinLnBrk="0" hangingPunct="1">
+      <a:defRPr sz="1800" kern="1200">
+        <a:solidFill>
+          <a:schemeClr val="tx1"/>
+        </a:solidFill>
+        <a:latin typeface="+mn-lt"/>
+        <a:ea typeface="+mn-ea"/>
+        <a:cs typeface="+mn-cs"/>
+      </a:defRPr>
+    </a:lvl8pPr>
+    <a:lvl9pPr marL="3657600" algn="l" defTabSz="914400" rtl="0" eaLnBrk="1" latinLnBrk="0" hangingPunct="1">
+      <a:defRPr sz="1800" kern="1200">
+        <a:solidFill>
+          <a:schemeClr val="tx1"/>
+        </a:solidFill>
+        <a:latin typeface="+mn-lt"/>
+        <a:ea typeface="+mn-ea"/>
+        <a:cs typeface="+mn-cs"/>
+      </a:defRPr>
+    </a:lvl9pPr>
+  </p:defaultTextStyle>
 </p:presentation>
 </file>
 
 <file path=ppt/slideLayouts/slideLayout1.xml><?xml version="1.0" encoding="utf-8"?>
-<p:sldLayout xmlns:a="http://schemas.openxmlformats.org/drawingml/2006/main" xmlns:p="http://schemas.openxmlformats.org/presentationml/2006/main" xmlns:r="http://schemas.openxmlformats.org/officeDocument/2006/relationships" xmlns:p14="http://schemas.microsoft.com/office/powerpoint/2010/main" xmlns:p15="http://schemas.microsoft.com/office/powerpoint/2012/main" xmlns:mc="http://schemas.openxmlformats.org/markup-compatibility/2006" type="blank" preserve="1">
+<p:sldLayout xmlns:a="http://schemas.openxmlformats.org/drawingml/2006/main" xmlns:r="http://schemas.openxmlformats.org/officeDocument/2006/relationships" xmlns:p="http://schemas.openxmlformats.org/presentationml/2006/main" type="blank" preserve="1">
   <p:cSld name="Blank Slide">
     <p:spTree>
       <p:nvGrpSpPr>
@@ -47,11 +142,14 @@
       </p:grpSpPr>
     </p:spTree>
   </p:cSld>
+  <p:clrMapOvr>
+    <a:masterClrMapping/>
+  </p:clrMapOvr>
 </p:sldLayout>
 </file>
 
 <file path=ppt/slideLayouts/slideLayout10.xml><?xml version="1.0" encoding="utf-8"?>
-<p:sldLayout xmlns:a="http://schemas.openxmlformats.org/drawingml/2006/main" xmlns:p="http://schemas.openxmlformats.org/presentationml/2006/main" xmlns:r="http://schemas.openxmlformats.org/officeDocument/2006/relationships" xmlns:p14="http://schemas.microsoft.com/office/powerpoint/2010/main" xmlns:p15="http://schemas.microsoft.com/office/powerpoint/2012/main" xmlns:mc="http://schemas.openxmlformats.org/markup-compatibility/2006" type="objOverTx" preserve="1">
+<p:sldLayout xmlns:a="http://schemas.openxmlformats.org/drawingml/2006/main" xmlns:r="http://schemas.openxmlformats.org/officeDocument/2006/relationships" xmlns:p="http://schemas.openxmlformats.org/presentationml/2006/main" type="objOverTx" preserve="1">
   <p:cSld name="Title, Content over Content">
     <p:spTree>
       <p:nvGrpSpPr>
@@ -87,10 +185,11 @@
           </a:prstGeom>
         </p:spPr>
         <p:txBody>
-          <a:bodyPr lIns="0" rIns="0" tIns="0" bIns="0" anchor="ctr"/>
+          <a:bodyPr lIns="0" tIns="0" rIns="0" bIns="0" anchor="ctr"/>
+          <a:lstStyle/>
           <a:p>
             <a:pPr algn="ctr"/>
-            <a:endParaRPr b="0" lang="en-AU" sz="4400" spc="-1" strike="noStrike">
+            <a:endParaRPr lang="en-AU" sz="4400" b="0" strike="noStrike" spc="-1">
               <a:latin typeface="Arial"/>
             </a:endParaRPr>
           </a:p>
@@ -116,11 +215,12 @@
           </a:prstGeom>
         </p:spPr>
         <p:txBody>
-          <a:bodyPr lIns="0" rIns="0" tIns="0" bIns="0">
+          <a:bodyPr lIns="0" tIns="0" rIns="0" bIns="0">
             <a:normAutofit/>
           </a:bodyPr>
-          <a:p>
-            <a:endParaRPr b="0" lang="en-AU" sz="3200" spc="-1" strike="noStrike">
+          <a:lstStyle/>
+          <a:p>
+            <a:endParaRPr lang="en-AU" sz="3200" b="0" strike="noStrike" spc="-1">
               <a:latin typeface="Arial"/>
             </a:endParaRPr>
           </a:p>
@@ -146,11 +246,12 @@
           </a:prstGeom>
         </p:spPr>
         <p:txBody>
-          <a:bodyPr lIns="0" rIns="0" tIns="0" bIns="0">
+          <a:bodyPr lIns="0" tIns="0" rIns="0" bIns="0">
             <a:normAutofit/>
           </a:bodyPr>
-          <a:p>
-            <a:endParaRPr b="0" lang="en-AU" sz="3200" spc="-1" strike="noStrike">
+          <a:lstStyle/>
+          <a:p>
+            <a:endParaRPr lang="en-AU" sz="3200" b="0" strike="noStrike" spc="-1">
               <a:latin typeface="Arial"/>
             </a:endParaRPr>
           </a:p>
@@ -158,11 +259,14 @@
       </p:sp>
     </p:spTree>
   </p:cSld>
+  <p:clrMapOvr>
+    <a:masterClrMapping/>
+  </p:clrMapOvr>
 </p:sldLayout>
 </file>
 
 <file path=ppt/slideLayouts/slideLayout11.xml><?xml version="1.0" encoding="utf-8"?>
-<p:sldLayout xmlns:a="http://schemas.openxmlformats.org/drawingml/2006/main" xmlns:p="http://schemas.openxmlformats.org/presentationml/2006/main" xmlns:r="http://schemas.openxmlformats.org/officeDocument/2006/relationships" xmlns:p14="http://schemas.microsoft.com/office/powerpoint/2010/main" xmlns:p15="http://schemas.microsoft.com/office/powerpoint/2012/main" xmlns:mc="http://schemas.openxmlformats.org/markup-compatibility/2006" type="fourObj" preserve="1">
+<p:sldLayout xmlns:a="http://schemas.openxmlformats.org/drawingml/2006/main" xmlns:r="http://schemas.openxmlformats.org/officeDocument/2006/relationships" xmlns:p="http://schemas.openxmlformats.org/presentationml/2006/main" type="fourObj" preserve="1">
   <p:cSld name="Title, 4 Content">
     <p:spTree>
       <p:nvGrpSpPr>
@@ -198,10 +302,11 @@
           </a:prstGeom>
         </p:spPr>
         <p:txBody>
-          <a:bodyPr lIns="0" rIns="0" tIns="0" bIns="0" anchor="ctr"/>
+          <a:bodyPr lIns="0" tIns="0" rIns="0" bIns="0" anchor="ctr"/>
+          <a:lstStyle/>
           <a:p>
             <a:pPr algn="ctr"/>
-            <a:endParaRPr b="0" lang="en-AU" sz="4400" spc="-1" strike="noStrike">
+            <a:endParaRPr lang="en-AU" sz="4400" b="0" strike="noStrike" spc="-1">
               <a:latin typeface="Arial"/>
             </a:endParaRPr>
           </a:p>
@@ -227,11 +332,12 @@
           </a:prstGeom>
         </p:spPr>
         <p:txBody>
-          <a:bodyPr lIns="0" rIns="0" tIns="0" bIns="0">
+          <a:bodyPr lIns="0" tIns="0" rIns="0" bIns="0">
             <a:normAutofit/>
           </a:bodyPr>
-          <a:p>
-            <a:endParaRPr b="0" lang="en-AU" sz="3200" spc="-1" strike="noStrike">
+          <a:lstStyle/>
+          <a:p>
+            <a:endParaRPr lang="en-AU" sz="3200" b="0" strike="noStrike" spc="-1">
               <a:latin typeface="Arial"/>
             </a:endParaRPr>
           </a:p>
@@ -257,11 +363,12 @@
           </a:prstGeom>
         </p:spPr>
         <p:txBody>
-          <a:bodyPr lIns="0" rIns="0" tIns="0" bIns="0">
+          <a:bodyPr lIns="0" tIns="0" rIns="0" bIns="0">
             <a:normAutofit/>
           </a:bodyPr>
-          <a:p>
-            <a:endParaRPr b="0" lang="en-AU" sz="3200" spc="-1" strike="noStrike">
+          <a:lstStyle/>
+          <a:p>
+            <a:endParaRPr lang="en-AU" sz="3200" b="0" strike="noStrike" spc="-1">
               <a:latin typeface="Arial"/>
             </a:endParaRPr>
           </a:p>
@@ -287,11 +394,12 @@
           </a:prstGeom>
         </p:spPr>
         <p:txBody>
-          <a:bodyPr lIns="0" rIns="0" tIns="0" bIns="0">
+          <a:bodyPr lIns="0" tIns="0" rIns="0" bIns="0">
             <a:normAutofit/>
           </a:bodyPr>
-          <a:p>
-            <a:endParaRPr b="0" lang="en-AU" sz="3200" spc="-1" strike="noStrike">
+          <a:lstStyle/>
+          <a:p>
+            <a:endParaRPr lang="en-AU" sz="3200" b="0" strike="noStrike" spc="-1">
               <a:latin typeface="Arial"/>
             </a:endParaRPr>
           </a:p>
@@ -317,11 +425,12 @@
           </a:prstGeom>
         </p:spPr>
         <p:txBody>
-          <a:bodyPr lIns="0" rIns="0" tIns="0" bIns="0">
+          <a:bodyPr lIns="0" tIns="0" rIns="0" bIns="0">
             <a:normAutofit/>
           </a:bodyPr>
-          <a:p>
-            <a:endParaRPr b="0" lang="en-AU" sz="3200" spc="-1" strike="noStrike">
+          <a:lstStyle/>
+          <a:p>
+            <a:endParaRPr lang="en-AU" sz="3200" b="0" strike="noStrike" spc="-1">
               <a:latin typeface="Arial"/>
             </a:endParaRPr>
           </a:p>
@@ -329,11 +438,14 @@
       </p:sp>
     </p:spTree>
   </p:cSld>
+  <p:clrMapOvr>
+    <a:masterClrMapping/>
+  </p:clrMapOvr>
 </p:sldLayout>
 </file>
 
 <file path=ppt/slideLayouts/slideLayout12.xml><?xml version="1.0" encoding="utf-8"?>
-<p:sldLayout xmlns:a="http://schemas.openxmlformats.org/drawingml/2006/main" xmlns:p="http://schemas.openxmlformats.org/presentationml/2006/main" xmlns:r="http://schemas.openxmlformats.org/officeDocument/2006/relationships" xmlns:p14="http://schemas.microsoft.com/office/powerpoint/2010/main" xmlns:p15="http://schemas.microsoft.com/office/powerpoint/2012/main" xmlns:mc="http://schemas.openxmlformats.org/markup-compatibility/2006" type="blank" preserve="1">
+<p:sldLayout xmlns:a="http://schemas.openxmlformats.org/drawingml/2006/main" xmlns:r="http://schemas.openxmlformats.org/officeDocument/2006/relationships" xmlns:p="http://schemas.openxmlformats.org/presentationml/2006/main" type="blank" preserve="1">
   <p:cSld name="Title, 6 Content">
     <p:spTree>
       <p:nvGrpSpPr>
@@ -369,10 +481,11 @@
           </a:prstGeom>
         </p:spPr>
         <p:txBody>
-          <a:bodyPr lIns="0" rIns="0" tIns="0" bIns="0" anchor="ctr"/>
+          <a:bodyPr lIns="0" tIns="0" rIns="0" bIns="0" anchor="ctr"/>
+          <a:lstStyle/>
           <a:p>
             <a:pPr algn="ctr"/>
-            <a:endParaRPr b="0" lang="en-AU" sz="4400" spc="-1" strike="noStrike">
+            <a:endParaRPr lang="en-AU" sz="4400" b="0" strike="noStrike" spc="-1">
               <a:latin typeface="Arial"/>
             </a:endParaRPr>
           </a:p>
@@ -398,11 +511,12 @@
           </a:prstGeom>
         </p:spPr>
         <p:txBody>
-          <a:bodyPr lIns="0" rIns="0" tIns="0" bIns="0">
+          <a:bodyPr lIns="0" tIns="0" rIns="0" bIns="0">
             <a:normAutofit/>
           </a:bodyPr>
-          <a:p>
-            <a:endParaRPr b="0" lang="en-AU" sz="3200" spc="-1" strike="noStrike">
+          <a:lstStyle/>
+          <a:p>
+            <a:endParaRPr lang="en-AU" sz="3200" b="0" strike="noStrike" spc="-1">
               <a:latin typeface="Arial"/>
             </a:endParaRPr>
           </a:p>
@@ -428,11 +542,12 @@
           </a:prstGeom>
         </p:spPr>
         <p:txBody>
-          <a:bodyPr lIns="0" rIns="0" tIns="0" bIns="0">
+          <a:bodyPr lIns="0" tIns="0" rIns="0" bIns="0">
             <a:normAutofit/>
           </a:bodyPr>
-          <a:p>
-            <a:endParaRPr b="0" lang="en-AU" sz="3200" spc="-1" strike="noStrike">
+          <a:lstStyle/>
+          <a:p>
+            <a:endParaRPr lang="en-AU" sz="3200" b="0" strike="noStrike" spc="-1">
               <a:latin typeface="Arial"/>
             </a:endParaRPr>
           </a:p>
@@ -458,11 +573,12 @@
           </a:prstGeom>
         </p:spPr>
         <p:txBody>
-          <a:bodyPr lIns="0" rIns="0" tIns="0" bIns="0">
+          <a:bodyPr lIns="0" tIns="0" rIns="0" bIns="0">
             <a:normAutofit/>
           </a:bodyPr>
-          <a:p>
-            <a:endParaRPr b="0" lang="en-AU" sz="3200" spc="-1" strike="noStrike">
+          <a:lstStyle/>
+          <a:p>
+            <a:endParaRPr lang="en-AU" sz="3200" b="0" strike="noStrike" spc="-1">
               <a:latin typeface="Arial"/>
             </a:endParaRPr>
           </a:p>
@@ -488,11 +604,12 @@
           </a:prstGeom>
         </p:spPr>
         <p:txBody>
-          <a:bodyPr lIns="0" rIns="0" tIns="0" bIns="0">
+          <a:bodyPr lIns="0" tIns="0" rIns="0" bIns="0">
             <a:normAutofit/>
           </a:bodyPr>
-          <a:p>
-            <a:endParaRPr b="0" lang="en-AU" sz="3200" spc="-1" strike="noStrike">
+          <a:lstStyle/>
+          <a:p>
+            <a:endParaRPr lang="en-AU" sz="3200" b="0" strike="noStrike" spc="-1">
               <a:latin typeface="Arial"/>
             </a:endParaRPr>
           </a:p>
@@ -518,11 +635,12 @@
           </a:prstGeom>
         </p:spPr>
         <p:txBody>
-          <a:bodyPr lIns="0" rIns="0" tIns="0" bIns="0">
+          <a:bodyPr lIns="0" tIns="0" rIns="0" bIns="0">
             <a:normAutofit/>
           </a:bodyPr>
-          <a:p>
-            <a:endParaRPr b="0" lang="en-AU" sz="3200" spc="-1" strike="noStrike">
+          <a:lstStyle/>
+          <a:p>
+            <a:endParaRPr lang="en-AU" sz="3200" b="0" strike="noStrike" spc="-1">
               <a:latin typeface="Arial"/>
             </a:endParaRPr>
           </a:p>
@@ -548,11 +666,12 @@
           </a:prstGeom>
         </p:spPr>
         <p:txBody>
-          <a:bodyPr lIns="0" rIns="0" tIns="0" bIns="0">
+          <a:bodyPr lIns="0" tIns="0" rIns="0" bIns="0">
             <a:normAutofit/>
           </a:bodyPr>
-          <a:p>
-            <a:endParaRPr b="0" lang="en-AU" sz="3200" spc="-1" strike="noStrike">
+          <a:lstStyle/>
+          <a:p>
+            <a:endParaRPr lang="en-AU" sz="3200" b="0" strike="noStrike" spc="-1">
               <a:latin typeface="Arial"/>
             </a:endParaRPr>
           </a:p>
@@ -560,11 +679,14 @@
       </p:sp>
     </p:spTree>
   </p:cSld>
+  <p:clrMapOvr>
+    <a:masterClrMapping/>
+  </p:clrMapOvr>
 </p:sldLayout>
 </file>
 
 <file path=ppt/slideLayouts/slideLayout13.xml><?xml version="1.0" encoding="utf-8"?>
-<p:sldLayout xmlns:a="http://schemas.openxmlformats.org/drawingml/2006/main" xmlns:p="http://schemas.openxmlformats.org/presentationml/2006/main" xmlns:r="http://schemas.openxmlformats.org/officeDocument/2006/relationships" xmlns:p14="http://schemas.microsoft.com/office/powerpoint/2010/main" xmlns:p15="http://schemas.microsoft.com/office/powerpoint/2012/main" xmlns:mc="http://schemas.openxmlformats.org/markup-compatibility/2006" type="blank" preserve="1">
+<p:sldLayout xmlns:a="http://schemas.openxmlformats.org/drawingml/2006/main" xmlns:r="http://schemas.openxmlformats.org/officeDocument/2006/relationships" xmlns:p="http://schemas.openxmlformats.org/presentationml/2006/main" type="blank" preserve="1">
   <p:cSld name="Blank Slide">
     <p:spTree>
       <p:nvGrpSpPr>
@@ -582,11 +704,14 @@
       </p:grpSpPr>
     </p:spTree>
   </p:cSld>
+  <p:clrMapOvr>
+    <a:masterClrMapping/>
+  </p:clrMapOvr>
 </p:sldLayout>
 </file>
 
 <file path=ppt/slideLayouts/slideLayout14.xml><?xml version="1.0" encoding="utf-8"?>
-<p:sldLayout xmlns:a="http://schemas.openxmlformats.org/drawingml/2006/main" xmlns:p="http://schemas.openxmlformats.org/presentationml/2006/main" xmlns:r="http://schemas.openxmlformats.org/officeDocument/2006/relationships" xmlns:p14="http://schemas.microsoft.com/office/powerpoint/2010/main" xmlns:p15="http://schemas.microsoft.com/office/powerpoint/2012/main" xmlns:mc="http://schemas.openxmlformats.org/markup-compatibility/2006" type="tx" preserve="1">
+<p:sldLayout xmlns:a="http://schemas.openxmlformats.org/drawingml/2006/main" xmlns:r="http://schemas.openxmlformats.org/officeDocument/2006/relationships" xmlns:p="http://schemas.openxmlformats.org/presentationml/2006/main" type="tx" preserve="1">
   <p:cSld name="Title Slide">
     <p:spTree>
       <p:nvGrpSpPr>
@@ -622,10 +747,11 @@
           </a:prstGeom>
         </p:spPr>
         <p:txBody>
-          <a:bodyPr lIns="0" rIns="0" tIns="0" bIns="0" anchor="ctr"/>
+          <a:bodyPr lIns="0" tIns="0" rIns="0" bIns="0" anchor="ctr"/>
+          <a:lstStyle/>
           <a:p>
             <a:pPr algn="ctr"/>
-            <a:endParaRPr b="0" lang="en-AU" sz="4400" spc="-1" strike="noStrike">
+            <a:endParaRPr lang="en-AU" sz="4400" b="0" strike="noStrike" spc="-1">
               <a:latin typeface="Arial"/>
             </a:endParaRPr>
           </a:p>
@@ -651,10 +777,11 @@
           </a:prstGeom>
         </p:spPr>
         <p:txBody>
-          <a:bodyPr lIns="0" rIns="0" tIns="0" bIns="0" anchor="ctr"/>
+          <a:bodyPr lIns="0" tIns="0" rIns="0" bIns="0" anchor="ctr"/>
+          <a:lstStyle/>
           <a:p>
             <a:pPr algn="ctr"/>
-            <a:endParaRPr b="0" lang="en-AU" sz="3200" spc="-1" strike="noStrike">
+            <a:endParaRPr lang="en-AU" sz="3200" b="0" strike="noStrike" spc="-1">
               <a:latin typeface="Arial"/>
             </a:endParaRPr>
           </a:p>
@@ -662,11 +789,14 @@
       </p:sp>
     </p:spTree>
   </p:cSld>
+  <p:clrMapOvr>
+    <a:masterClrMapping/>
+  </p:clrMapOvr>
 </p:sldLayout>
 </file>
 
 <file path=ppt/slideLayouts/slideLayout15.xml><?xml version="1.0" encoding="utf-8"?>
-<p:sldLayout xmlns:a="http://schemas.openxmlformats.org/drawingml/2006/main" xmlns:p="http://schemas.openxmlformats.org/presentationml/2006/main" xmlns:r="http://schemas.openxmlformats.org/officeDocument/2006/relationships" xmlns:p14="http://schemas.microsoft.com/office/powerpoint/2010/main" xmlns:p15="http://schemas.microsoft.com/office/powerpoint/2012/main" xmlns:mc="http://schemas.openxmlformats.org/markup-compatibility/2006" type="obj" preserve="1">
+<p:sldLayout xmlns:a="http://schemas.openxmlformats.org/drawingml/2006/main" xmlns:r="http://schemas.openxmlformats.org/officeDocument/2006/relationships" xmlns:p="http://schemas.openxmlformats.org/presentationml/2006/main" type="obj" preserve="1">
   <p:cSld name="Title, Content">
     <p:spTree>
       <p:nvGrpSpPr>
@@ -702,10 +832,11 @@
           </a:prstGeom>
         </p:spPr>
         <p:txBody>
-          <a:bodyPr lIns="0" rIns="0" tIns="0" bIns="0" anchor="ctr"/>
+          <a:bodyPr lIns="0" tIns="0" rIns="0" bIns="0" anchor="ctr"/>
+          <a:lstStyle/>
           <a:p>
             <a:pPr algn="ctr"/>
-            <a:endParaRPr b="0" lang="en-AU" sz="4400" spc="-1" strike="noStrike">
+            <a:endParaRPr lang="en-AU" sz="4400" b="0" strike="noStrike" spc="-1">
               <a:latin typeface="Arial"/>
             </a:endParaRPr>
           </a:p>
@@ -731,11 +862,12 @@
           </a:prstGeom>
         </p:spPr>
         <p:txBody>
-          <a:bodyPr lIns="0" rIns="0" tIns="0" bIns="0">
+          <a:bodyPr lIns="0" tIns="0" rIns="0" bIns="0">
             <a:normAutofit/>
           </a:bodyPr>
-          <a:p>
-            <a:endParaRPr b="0" lang="en-AU" sz="3200" spc="-1" strike="noStrike">
+          <a:lstStyle/>
+          <a:p>
+            <a:endParaRPr lang="en-AU" sz="3200" b="0" strike="noStrike" spc="-1">
               <a:latin typeface="Arial"/>
             </a:endParaRPr>
           </a:p>
@@ -743,11 +875,14 @@
       </p:sp>
     </p:spTree>
   </p:cSld>
+  <p:clrMapOvr>
+    <a:masterClrMapping/>
+  </p:clrMapOvr>
 </p:sldLayout>
 </file>
 
 <file path=ppt/slideLayouts/slideLayout16.xml><?xml version="1.0" encoding="utf-8"?>
-<p:sldLayout xmlns:a="http://schemas.openxmlformats.org/drawingml/2006/main" xmlns:p="http://schemas.openxmlformats.org/presentationml/2006/main" xmlns:r="http://schemas.openxmlformats.org/officeDocument/2006/relationships" xmlns:p14="http://schemas.microsoft.com/office/powerpoint/2010/main" xmlns:p15="http://schemas.microsoft.com/office/powerpoint/2012/main" xmlns:mc="http://schemas.openxmlformats.org/markup-compatibility/2006" type="twoObj" preserve="1">
+<p:sldLayout xmlns:a="http://schemas.openxmlformats.org/drawingml/2006/main" xmlns:r="http://schemas.openxmlformats.org/officeDocument/2006/relationships" xmlns:p="http://schemas.openxmlformats.org/presentationml/2006/main" type="twoObj" preserve="1">
   <p:cSld name="Title, 2 Content">
     <p:spTree>
       <p:nvGrpSpPr>
@@ -783,10 +918,11 @@
           </a:prstGeom>
         </p:spPr>
         <p:txBody>
-          <a:bodyPr lIns="0" rIns="0" tIns="0" bIns="0" anchor="ctr"/>
+          <a:bodyPr lIns="0" tIns="0" rIns="0" bIns="0" anchor="ctr"/>
+          <a:lstStyle/>
           <a:p>
             <a:pPr algn="ctr"/>
-            <a:endParaRPr b="0" lang="en-AU" sz="4400" spc="-1" strike="noStrike">
+            <a:endParaRPr lang="en-AU" sz="4400" b="0" strike="noStrike" spc="-1">
               <a:latin typeface="Arial"/>
             </a:endParaRPr>
           </a:p>
@@ -812,11 +948,12 @@
           </a:prstGeom>
         </p:spPr>
         <p:txBody>
-          <a:bodyPr lIns="0" rIns="0" tIns="0" bIns="0">
+          <a:bodyPr lIns="0" tIns="0" rIns="0" bIns="0">
             <a:normAutofit/>
           </a:bodyPr>
-          <a:p>
-            <a:endParaRPr b="0" lang="en-AU" sz="3200" spc="-1" strike="noStrike">
+          <a:lstStyle/>
+          <a:p>
+            <a:endParaRPr lang="en-AU" sz="3200" b="0" strike="noStrike" spc="-1">
               <a:latin typeface="Arial"/>
             </a:endParaRPr>
           </a:p>
@@ -842,11 +979,12 @@
           </a:prstGeom>
         </p:spPr>
         <p:txBody>
-          <a:bodyPr lIns="0" rIns="0" tIns="0" bIns="0">
+          <a:bodyPr lIns="0" tIns="0" rIns="0" bIns="0">
             <a:normAutofit/>
           </a:bodyPr>
-          <a:p>
-            <a:endParaRPr b="0" lang="en-AU" sz="3200" spc="-1" strike="noStrike">
+          <a:lstStyle/>
+          <a:p>
+            <a:endParaRPr lang="en-AU" sz="3200" b="0" strike="noStrike" spc="-1">
               <a:latin typeface="Arial"/>
             </a:endParaRPr>
           </a:p>
@@ -854,11 +992,14 @@
       </p:sp>
     </p:spTree>
   </p:cSld>
+  <p:clrMapOvr>
+    <a:masterClrMapping/>
+  </p:clrMapOvr>
 </p:sldLayout>
 </file>
 
 <file path=ppt/slideLayouts/slideLayout17.xml><?xml version="1.0" encoding="utf-8"?>
-<p:sldLayout xmlns:a="http://schemas.openxmlformats.org/drawingml/2006/main" xmlns:p="http://schemas.openxmlformats.org/presentationml/2006/main" xmlns:r="http://schemas.openxmlformats.org/officeDocument/2006/relationships" xmlns:p14="http://schemas.microsoft.com/office/powerpoint/2010/main" xmlns:p15="http://schemas.microsoft.com/office/powerpoint/2012/main" xmlns:mc="http://schemas.openxmlformats.org/markup-compatibility/2006" type="titleOnly" preserve="1">
+<p:sldLayout xmlns:a="http://schemas.openxmlformats.org/drawingml/2006/main" xmlns:r="http://schemas.openxmlformats.org/officeDocument/2006/relationships" xmlns:p="http://schemas.openxmlformats.org/presentationml/2006/main" type="titleOnly" preserve="1">
   <p:cSld name="Title Only">
     <p:spTree>
       <p:nvGrpSpPr>
@@ -894,10 +1035,11 @@
           </a:prstGeom>
         </p:spPr>
         <p:txBody>
-          <a:bodyPr lIns="0" rIns="0" tIns="0" bIns="0" anchor="ctr"/>
+          <a:bodyPr lIns="0" tIns="0" rIns="0" bIns="0" anchor="ctr"/>
+          <a:lstStyle/>
           <a:p>
             <a:pPr algn="ctr"/>
-            <a:endParaRPr b="0" lang="en-AU" sz="4400" spc="-1" strike="noStrike">
+            <a:endParaRPr lang="en-AU" sz="4400" b="0" strike="noStrike" spc="-1">
               <a:latin typeface="Arial"/>
             </a:endParaRPr>
           </a:p>
@@ -905,11 +1047,14 @@
       </p:sp>
     </p:spTree>
   </p:cSld>
+  <p:clrMapOvr>
+    <a:masterClrMapping/>
+  </p:clrMapOvr>
 </p:sldLayout>
 </file>
 
 <file path=ppt/slideLayouts/slideLayout18.xml><?xml version="1.0" encoding="utf-8"?>
-<p:sldLayout xmlns:a="http://schemas.openxmlformats.org/drawingml/2006/main" xmlns:p="http://schemas.openxmlformats.org/presentationml/2006/main" xmlns:r="http://schemas.openxmlformats.org/officeDocument/2006/relationships" xmlns:p14="http://schemas.microsoft.com/office/powerpoint/2010/main" xmlns:p15="http://schemas.microsoft.com/office/powerpoint/2012/main" xmlns:mc="http://schemas.openxmlformats.org/markup-compatibility/2006" type="objOnly" preserve="1">
+<p:sldLayout xmlns:a="http://schemas.openxmlformats.org/drawingml/2006/main" xmlns:r="http://schemas.openxmlformats.org/officeDocument/2006/relationships" xmlns:p="http://schemas.openxmlformats.org/presentationml/2006/main" type="objOnly" preserve="1">
   <p:cSld name="Centered Text">
     <p:spTree>
       <p:nvGrpSpPr>
@@ -945,10 +1090,11 @@
           </a:prstGeom>
         </p:spPr>
         <p:txBody>
-          <a:bodyPr lIns="0" rIns="0" tIns="0" bIns="0" anchor="ctr"/>
+          <a:bodyPr lIns="0" tIns="0" rIns="0" bIns="0" anchor="ctr"/>
+          <a:lstStyle/>
           <a:p>
             <a:pPr algn="ctr"/>
-            <a:endParaRPr b="0" lang="en-AU" sz="3200" spc="-1" strike="noStrike">
+            <a:endParaRPr lang="en-AU" sz="3200" b="0" strike="noStrike" spc="-1">
               <a:latin typeface="Arial"/>
             </a:endParaRPr>
           </a:p>
@@ -956,11 +1102,14 @@
       </p:sp>
     </p:spTree>
   </p:cSld>
+  <p:clrMapOvr>
+    <a:masterClrMapping/>
+  </p:clrMapOvr>
 </p:sldLayout>
 </file>
 
 <file path=ppt/slideLayouts/slideLayout19.xml><?xml version="1.0" encoding="utf-8"?>
-<p:sldLayout xmlns:a="http://schemas.openxmlformats.org/drawingml/2006/main" xmlns:p="http://schemas.openxmlformats.org/presentationml/2006/main" xmlns:r="http://schemas.openxmlformats.org/officeDocument/2006/relationships" xmlns:p14="http://schemas.microsoft.com/office/powerpoint/2010/main" xmlns:p15="http://schemas.microsoft.com/office/powerpoint/2012/main" xmlns:mc="http://schemas.openxmlformats.org/markup-compatibility/2006" type="twoObjAndObj" preserve="1">
+<p:sldLayout xmlns:a="http://schemas.openxmlformats.org/drawingml/2006/main" xmlns:r="http://schemas.openxmlformats.org/officeDocument/2006/relationships" xmlns:p="http://schemas.openxmlformats.org/presentationml/2006/main" type="twoObjAndObj" preserve="1">
   <p:cSld name="Title, 2 Content and Content">
     <p:spTree>
       <p:nvGrpSpPr>
@@ -996,10 +1145,11 @@
           </a:prstGeom>
         </p:spPr>
         <p:txBody>
-          <a:bodyPr lIns="0" rIns="0" tIns="0" bIns="0" anchor="ctr"/>
+          <a:bodyPr lIns="0" tIns="0" rIns="0" bIns="0" anchor="ctr"/>
+          <a:lstStyle/>
           <a:p>
             <a:pPr algn="ctr"/>
-            <a:endParaRPr b="0" lang="en-AU" sz="4400" spc="-1" strike="noStrike">
+            <a:endParaRPr lang="en-AU" sz="4400" b="0" strike="noStrike" spc="-1">
               <a:latin typeface="Arial"/>
             </a:endParaRPr>
           </a:p>
@@ -1025,11 +1175,12 @@
           </a:prstGeom>
         </p:spPr>
         <p:txBody>
-          <a:bodyPr lIns="0" rIns="0" tIns="0" bIns="0">
+          <a:bodyPr lIns="0" tIns="0" rIns="0" bIns="0">
             <a:normAutofit/>
           </a:bodyPr>
-          <a:p>
-            <a:endParaRPr b="0" lang="en-AU" sz="3200" spc="-1" strike="noStrike">
+          <a:lstStyle/>
+          <a:p>
+            <a:endParaRPr lang="en-AU" sz="3200" b="0" strike="noStrike" spc="-1">
               <a:latin typeface="Arial"/>
             </a:endParaRPr>
           </a:p>
@@ -1055,11 +1206,12 @@
           </a:prstGeom>
         </p:spPr>
         <p:txBody>
-          <a:bodyPr lIns="0" rIns="0" tIns="0" bIns="0">
+          <a:bodyPr lIns="0" tIns="0" rIns="0" bIns="0">
             <a:normAutofit/>
           </a:bodyPr>
-          <a:p>
-            <a:endParaRPr b="0" lang="en-AU" sz="3200" spc="-1" strike="noStrike">
+          <a:lstStyle/>
+          <a:p>
+            <a:endParaRPr lang="en-AU" sz="3200" b="0" strike="noStrike" spc="-1">
               <a:latin typeface="Arial"/>
             </a:endParaRPr>
           </a:p>
@@ -1085,11 +1237,12 @@
           </a:prstGeom>
         </p:spPr>
         <p:txBody>
-          <a:bodyPr lIns="0" rIns="0" tIns="0" bIns="0">
+          <a:bodyPr lIns="0" tIns="0" rIns="0" bIns="0">
             <a:normAutofit/>
           </a:bodyPr>
-          <a:p>
-            <a:endParaRPr b="0" lang="en-AU" sz="3200" spc="-1" strike="noStrike">
+          <a:lstStyle/>
+          <a:p>
+            <a:endParaRPr lang="en-AU" sz="3200" b="0" strike="noStrike" spc="-1">
               <a:latin typeface="Arial"/>
             </a:endParaRPr>
           </a:p>
@@ -1097,11 +1250,14 @@
       </p:sp>
     </p:spTree>
   </p:cSld>
+  <p:clrMapOvr>
+    <a:masterClrMapping/>
+  </p:clrMapOvr>
 </p:sldLayout>
 </file>
 
 <file path=ppt/slideLayouts/slideLayout2.xml><?xml version="1.0" encoding="utf-8"?>
-<p:sldLayout xmlns:a="http://schemas.openxmlformats.org/drawingml/2006/main" xmlns:p="http://schemas.openxmlformats.org/presentationml/2006/main" xmlns:r="http://schemas.openxmlformats.org/officeDocument/2006/relationships" xmlns:p14="http://schemas.microsoft.com/office/powerpoint/2010/main" xmlns:p15="http://schemas.microsoft.com/office/powerpoint/2012/main" xmlns:mc="http://schemas.openxmlformats.org/markup-compatibility/2006" type="tx" preserve="1">
+<p:sldLayout xmlns:a="http://schemas.openxmlformats.org/drawingml/2006/main" xmlns:r="http://schemas.openxmlformats.org/officeDocument/2006/relationships" xmlns:p="http://schemas.openxmlformats.org/presentationml/2006/main" type="tx" preserve="1">
   <p:cSld name="Title Slide">
     <p:spTree>
       <p:nvGrpSpPr>
@@ -1137,10 +1293,11 @@
           </a:prstGeom>
         </p:spPr>
         <p:txBody>
-          <a:bodyPr lIns="0" rIns="0" tIns="0" bIns="0" anchor="ctr"/>
+          <a:bodyPr lIns="0" tIns="0" rIns="0" bIns="0" anchor="ctr"/>
+          <a:lstStyle/>
           <a:p>
             <a:pPr algn="ctr"/>
-            <a:endParaRPr b="0" lang="en-AU" sz="4400" spc="-1" strike="noStrike">
+            <a:endParaRPr lang="en-AU" sz="4400" b="0" strike="noStrike" spc="-1">
               <a:latin typeface="Arial"/>
             </a:endParaRPr>
           </a:p>
@@ -1166,10 +1323,11 @@
           </a:prstGeom>
         </p:spPr>
         <p:txBody>
-          <a:bodyPr lIns="0" rIns="0" tIns="0" bIns="0" anchor="ctr"/>
+          <a:bodyPr lIns="0" tIns="0" rIns="0" bIns="0" anchor="ctr"/>
+          <a:lstStyle/>
           <a:p>
             <a:pPr algn="ctr"/>
-            <a:endParaRPr b="0" lang="en-AU" sz="3200" spc="-1" strike="noStrike">
+            <a:endParaRPr lang="en-AU" sz="3200" b="0" strike="noStrike" spc="-1">
               <a:latin typeface="Arial"/>
             </a:endParaRPr>
           </a:p>
@@ -1177,11 +1335,14 @@
       </p:sp>
     </p:spTree>
   </p:cSld>
+  <p:clrMapOvr>
+    <a:masterClrMapping/>
+  </p:clrMapOvr>
 </p:sldLayout>
 </file>
 
 <file path=ppt/slideLayouts/slideLayout20.xml><?xml version="1.0" encoding="utf-8"?>
-<p:sldLayout xmlns:a="http://schemas.openxmlformats.org/drawingml/2006/main" xmlns:p="http://schemas.openxmlformats.org/presentationml/2006/main" xmlns:r="http://schemas.openxmlformats.org/officeDocument/2006/relationships" xmlns:p14="http://schemas.microsoft.com/office/powerpoint/2010/main" xmlns:p15="http://schemas.microsoft.com/office/powerpoint/2012/main" xmlns:mc="http://schemas.openxmlformats.org/markup-compatibility/2006" type="objAndTwoObj" preserve="1">
+<p:sldLayout xmlns:a="http://schemas.openxmlformats.org/drawingml/2006/main" xmlns:r="http://schemas.openxmlformats.org/officeDocument/2006/relationships" xmlns:p="http://schemas.openxmlformats.org/presentationml/2006/main" type="objAndTwoObj" preserve="1">
   <p:cSld name="Title Content and 2 Content">
     <p:spTree>
       <p:nvGrpSpPr>
@@ -1217,10 +1378,11 @@
           </a:prstGeom>
         </p:spPr>
         <p:txBody>
-          <a:bodyPr lIns="0" rIns="0" tIns="0" bIns="0" anchor="ctr"/>
+          <a:bodyPr lIns="0" tIns="0" rIns="0" bIns="0" anchor="ctr"/>
+          <a:lstStyle/>
           <a:p>
             <a:pPr algn="ctr"/>
-            <a:endParaRPr b="0" lang="en-AU" sz="4400" spc="-1" strike="noStrike">
+            <a:endParaRPr lang="en-AU" sz="4400" b="0" strike="noStrike" spc="-1">
               <a:latin typeface="Arial"/>
             </a:endParaRPr>
           </a:p>
@@ -1246,11 +1408,12 @@
           </a:prstGeom>
         </p:spPr>
         <p:txBody>
-          <a:bodyPr lIns="0" rIns="0" tIns="0" bIns="0">
+          <a:bodyPr lIns="0" tIns="0" rIns="0" bIns="0">
             <a:normAutofit/>
           </a:bodyPr>
-          <a:p>
-            <a:endParaRPr b="0" lang="en-AU" sz="3200" spc="-1" strike="noStrike">
+          <a:lstStyle/>
+          <a:p>
+            <a:endParaRPr lang="en-AU" sz="3200" b="0" strike="noStrike" spc="-1">
               <a:latin typeface="Arial"/>
             </a:endParaRPr>
           </a:p>
@@ -1276,11 +1439,12 @@
           </a:prstGeom>
         </p:spPr>
         <p:txBody>
-          <a:bodyPr lIns="0" rIns="0" tIns="0" bIns="0">
+          <a:bodyPr lIns="0" tIns="0" rIns="0" bIns="0">
             <a:normAutofit/>
           </a:bodyPr>
-          <a:p>
-            <a:endParaRPr b="0" lang="en-AU" sz="3200" spc="-1" strike="noStrike">
+          <a:lstStyle/>
+          <a:p>
+            <a:endParaRPr lang="en-AU" sz="3200" b="0" strike="noStrike" spc="-1">
               <a:latin typeface="Arial"/>
             </a:endParaRPr>
           </a:p>
@@ -1306,11 +1470,12 @@
           </a:prstGeom>
         </p:spPr>
         <p:txBody>
-          <a:bodyPr lIns="0" rIns="0" tIns="0" bIns="0">
+          <a:bodyPr lIns="0" tIns="0" rIns="0" bIns="0">
             <a:normAutofit/>
           </a:bodyPr>
-          <a:p>
-            <a:endParaRPr b="0" lang="en-AU" sz="3200" spc="-1" strike="noStrike">
+          <a:lstStyle/>
+          <a:p>
+            <a:endParaRPr lang="en-AU" sz="3200" b="0" strike="noStrike" spc="-1">
               <a:latin typeface="Arial"/>
             </a:endParaRPr>
           </a:p>
@@ -1318,11 +1483,14 @@
       </p:sp>
     </p:spTree>
   </p:cSld>
+  <p:clrMapOvr>
+    <a:masterClrMapping/>
+  </p:clrMapOvr>
 </p:sldLayout>
 </file>
 
 <file path=ppt/slideLayouts/slideLayout21.xml><?xml version="1.0" encoding="utf-8"?>
-<p:sldLayout xmlns:a="http://schemas.openxmlformats.org/drawingml/2006/main" xmlns:p="http://schemas.openxmlformats.org/presentationml/2006/main" xmlns:r="http://schemas.openxmlformats.org/officeDocument/2006/relationships" xmlns:p14="http://schemas.microsoft.com/office/powerpoint/2010/main" xmlns:p15="http://schemas.microsoft.com/office/powerpoint/2012/main" xmlns:mc="http://schemas.openxmlformats.org/markup-compatibility/2006" type="twoObjOverTx" preserve="1">
+<p:sldLayout xmlns:a="http://schemas.openxmlformats.org/drawingml/2006/main" xmlns:r="http://schemas.openxmlformats.org/officeDocument/2006/relationships" xmlns:p="http://schemas.openxmlformats.org/presentationml/2006/main" type="twoObjOverTx" preserve="1">
   <p:cSld name="Title, 2 Content over Content">
     <p:spTree>
       <p:nvGrpSpPr>
@@ -1358,10 +1526,11 @@
           </a:prstGeom>
         </p:spPr>
         <p:txBody>
-          <a:bodyPr lIns="0" rIns="0" tIns="0" bIns="0" anchor="ctr"/>
+          <a:bodyPr lIns="0" tIns="0" rIns="0" bIns="0" anchor="ctr"/>
+          <a:lstStyle/>
           <a:p>
             <a:pPr algn="ctr"/>
-            <a:endParaRPr b="0" lang="en-AU" sz="4400" spc="-1" strike="noStrike">
+            <a:endParaRPr lang="en-AU" sz="4400" b="0" strike="noStrike" spc="-1">
               <a:latin typeface="Arial"/>
             </a:endParaRPr>
           </a:p>
@@ -1387,11 +1556,12 @@
           </a:prstGeom>
         </p:spPr>
         <p:txBody>
-          <a:bodyPr lIns="0" rIns="0" tIns="0" bIns="0">
+          <a:bodyPr lIns="0" tIns="0" rIns="0" bIns="0">
             <a:normAutofit/>
           </a:bodyPr>
-          <a:p>
-            <a:endParaRPr b="0" lang="en-AU" sz="3200" spc="-1" strike="noStrike">
+          <a:lstStyle/>
+          <a:p>
+            <a:endParaRPr lang="en-AU" sz="3200" b="0" strike="noStrike" spc="-1">
               <a:latin typeface="Arial"/>
             </a:endParaRPr>
           </a:p>
@@ -1417,11 +1587,12 @@
           </a:prstGeom>
         </p:spPr>
         <p:txBody>
-          <a:bodyPr lIns="0" rIns="0" tIns="0" bIns="0">
+          <a:bodyPr lIns="0" tIns="0" rIns="0" bIns="0">
             <a:normAutofit/>
           </a:bodyPr>
-          <a:p>
-            <a:endParaRPr b="0" lang="en-AU" sz="3200" spc="-1" strike="noStrike">
+          <a:lstStyle/>
+          <a:p>
+            <a:endParaRPr lang="en-AU" sz="3200" b="0" strike="noStrike" spc="-1">
               <a:latin typeface="Arial"/>
             </a:endParaRPr>
           </a:p>
@@ -1447,11 +1618,12 @@
           </a:prstGeom>
         </p:spPr>
         <p:txBody>
-          <a:bodyPr lIns="0" rIns="0" tIns="0" bIns="0">
+          <a:bodyPr lIns="0" tIns="0" rIns="0" bIns="0">
             <a:normAutofit/>
           </a:bodyPr>
-          <a:p>
-            <a:endParaRPr b="0" lang="en-AU" sz="3200" spc="-1" strike="noStrike">
+          <a:lstStyle/>
+          <a:p>
+            <a:endParaRPr lang="en-AU" sz="3200" b="0" strike="noStrike" spc="-1">
               <a:latin typeface="Arial"/>
             </a:endParaRPr>
           </a:p>
@@ -1459,11 +1631,14 @@
       </p:sp>
     </p:spTree>
   </p:cSld>
+  <p:clrMapOvr>
+    <a:masterClrMapping/>
+  </p:clrMapOvr>
 </p:sldLayout>
 </file>
 
 <file path=ppt/slideLayouts/slideLayout22.xml><?xml version="1.0" encoding="utf-8"?>
-<p:sldLayout xmlns:a="http://schemas.openxmlformats.org/drawingml/2006/main" xmlns:p="http://schemas.openxmlformats.org/presentationml/2006/main" xmlns:r="http://schemas.openxmlformats.org/officeDocument/2006/relationships" xmlns:p14="http://schemas.microsoft.com/office/powerpoint/2010/main" xmlns:p15="http://schemas.microsoft.com/office/powerpoint/2012/main" xmlns:mc="http://schemas.openxmlformats.org/markup-compatibility/2006" type="objOverTx" preserve="1">
+<p:sldLayout xmlns:a="http://schemas.openxmlformats.org/drawingml/2006/main" xmlns:r="http://schemas.openxmlformats.org/officeDocument/2006/relationships" xmlns:p="http://schemas.openxmlformats.org/presentationml/2006/main" type="objOverTx" preserve="1">
   <p:cSld name="Title, Content over Content">
     <p:spTree>
       <p:nvGrpSpPr>
@@ -1499,10 +1674,11 @@
           </a:prstGeom>
         </p:spPr>
         <p:txBody>
-          <a:bodyPr lIns="0" rIns="0" tIns="0" bIns="0" anchor="ctr"/>
+          <a:bodyPr lIns="0" tIns="0" rIns="0" bIns="0" anchor="ctr"/>
+          <a:lstStyle/>
           <a:p>
             <a:pPr algn="ctr"/>
-            <a:endParaRPr b="0" lang="en-AU" sz="4400" spc="-1" strike="noStrike">
+            <a:endParaRPr lang="en-AU" sz="4400" b="0" strike="noStrike" spc="-1">
               <a:latin typeface="Arial"/>
             </a:endParaRPr>
           </a:p>
@@ -1528,11 +1704,12 @@
           </a:prstGeom>
         </p:spPr>
         <p:txBody>
-          <a:bodyPr lIns="0" rIns="0" tIns="0" bIns="0">
+          <a:bodyPr lIns="0" tIns="0" rIns="0" bIns="0">
             <a:normAutofit/>
           </a:bodyPr>
-          <a:p>
-            <a:endParaRPr b="0" lang="en-AU" sz="3200" spc="-1" strike="noStrike">
+          <a:lstStyle/>
+          <a:p>
+            <a:endParaRPr lang="en-AU" sz="3200" b="0" strike="noStrike" spc="-1">
               <a:latin typeface="Arial"/>
             </a:endParaRPr>
           </a:p>
@@ -1558,11 +1735,12 @@
           </a:prstGeom>
         </p:spPr>
         <p:txBody>
-          <a:bodyPr lIns="0" rIns="0" tIns="0" bIns="0">
+          <a:bodyPr lIns="0" tIns="0" rIns="0" bIns="0">
             <a:normAutofit/>
           </a:bodyPr>
-          <a:p>
-            <a:endParaRPr b="0" lang="en-AU" sz="3200" spc="-1" strike="noStrike">
+          <a:lstStyle/>
+          <a:p>
+            <a:endParaRPr lang="en-AU" sz="3200" b="0" strike="noStrike" spc="-1">
               <a:latin typeface="Arial"/>
             </a:endParaRPr>
           </a:p>
@@ -1570,11 +1748,14 @@
       </p:sp>
     </p:spTree>
   </p:cSld>
+  <p:clrMapOvr>
+    <a:masterClrMapping/>
+  </p:clrMapOvr>
 </p:sldLayout>
 </file>
 
 <file path=ppt/slideLayouts/slideLayout23.xml><?xml version="1.0" encoding="utf-8"?>
-<p:sldLayout xmlns:a="http://schemas.openxmlformats.org/drawingml/2006/main" xmlns:p="http://schemas.openxmlformats.org/presentationml/2006/main" xmlns:r="http://schemas.openxmlformats.org/officeDocument/2006/relationships" xmlns:p14="http://schemas.microsoft.com/office/powerpoint/2010/main" xmlns:p15="http://schemas.microsoft.com/office/powerpoint/2012/main" xmlns:mc="http://schemas.openxmlformats.org/markup-compatibility/2006" type="fourObj" preserve="1">
+<p:sldLayout xmlns:a="http://schemas.openxmlformats.org/drawingml/2006/main" xmlns:r="http://schemas.openxmlformats.org/officeDocument/2006/relationships" xmlns:p="http://schemas.openxmlformats.org/presentationml/2006/main" type="fourObj" preserve="1">
   <p:cSld name="Title, 4 Content">
     <p:spTree>
       <p:nvGrpSpPr>
@@ -1610,10 +1791,11 @@
           </a:prstGeom>
         </p:spPr>
         <p:txBody>
-          <a:bodyPr lIns="0" rIns="0" tIns="0" bIns="0" anchor="ctr"/>
+          <a:bodyPr lIns="0" tIns="0" rIns="0" bIns="0" anchor="ctr"/>
+          <a:lstStyle/>
           <a:p>
             <a:pPr algn="ctr"/>
-            <a:endParaRPr b="0" lang="en-AU" sz="4400" spc="-1" strike="noStrike">
+            <a:endParaRPr lang="en-AU" sz="4400" b="0" strike="noStrike" spc="-1">
               <a:latin typeface="Arial"/>
             </a:endParaRPr>
           </a:p>
@@ -1639,11 +1821,12 @@
           </a:prstGeom>
         </p:spPr>
         <p:txBody>
-          <a:bodyPr lIns="0" rIns="0" tIns="0" bIns="0">
+          <a:bodyPr lIns="0" tIns="0" rIns="0" bIns="0">
             <a:normAutofit/>
           </a:bodyPr>
-          <a:p>
-            <a:endParaRPr b="0" lang="en-AU" sz="3200" spc="-1" strike="noStrike">
+          <a:lstStyle/>
+          <a:p>
+            <a:endParaRPr lang="en-AU" sz="3200" b="0" strike="noStrike" spc="-1">
               <a:latin typeface="Arial"/>
             </a:endParaRPr>
           </a:p>
@@ -1669,11 +1852,12 @@
           </a:prstGeom>
         </p:spPr>
         <p:txBody>
-          <a:bodyPr lIns="0" rIns="0" tIns="0" bIns="0">
+          <a:bodyPr lIns="0" tIns="0" rIns="0" bIns="0">
             <a:normAutofit/>
           </a:bodyPr>
-          <a:p>
-            <a:endParaRPr b="0" lang="en-AU" sz="3200" spc="-1" strike="noStrike">
+          <a:lstStyle/>
+          <a:p>
+            <a:endParaRPr lang="en-AU" sz="3200" b="0" strike="noStrike" spc="-1">
               <a:latin typeface="Arial"/>
             </a:endParaRPr>
           </a:p>
@@ -1699,11 +1883,12 @@
           </a:prstGeom>
         </p:spPr>
         <p:txBody>
-          <a:bodyPr lIns="0" rIns="0" tIns="0" bIns="0">
+          <a:bodyPr lIns="0" tIns="0" rIns="0" bIns="0">
             <a:normAutofit/>
           </a:bodyPr>
-          <a:p>
-            <a:endParaRPr b="0" lang="en-AU" sz="3200" spc="-1" strike="noStrike">
+          <a:lstStyle/>
+          <a:p>
+            <a:endParaRPr lang="en-AU" sz="3200" b="0" strike="noStrike" spc="-1">
               <a:latin typeface="Arial"/>
             </a:endParaRPr>
           </a:p>
@@ -1729,11 +1914,12 @@
           </a:prstGeom>
         </p:spPr>
         <p:txBody>
-          <a:bodyPr lIns="0" rIns="0" tIns="0" bIns="0">
+          <a:bodyPr lIns="0" tIns="0" rIns="0" bIns="0">
             <a:normAutofit/>
           </a:bodyPr>
-          <a:p>
-            <a:endParaRPr b="0" lang="en-AU" sz="3200" spc="-1" strike="noStrike">
+          <a:lstStyle/>
+          <a:p>
+            <a:endParaRPr lang="en-AU" sz="3200" b="0" strike="noStrike" spc="-1">
               <a:latin typeface="Arial"/>
             </a:endParaRPr>
           </a:p>
@@ -1741,11 +1927,14 @@
       </p:sp>
     </p:spTree>
   </p:cSld>
+  <p:clrMapOvr>
+    <a:masterClrMapping/>
+  </p:clrMapOvr>
 </p:sldLayout>
 </file>
 
 <file path=ppt/slideLayouts/slideLayout24.xml><?xml version="1.0" encoding="utf-8"?>
-<p:sldLayout xmlns:a="http://schemas.openxmlformats.org/drawingml/2006/main" xmlns:p="http://schemas.openxmlformats.org/presentationml/2006/main" xmlns:r="http://schemas.openxmlformats.org/officeDocument/2006/relationships" xmlns:p14="http://schemas.microsoft.com/office/powerpoint/2010/main" xmlns:p15="http://schemas.microsoft.com/office/powerpoint/2012/main" xmlns:mc="http://schemas.openxmlformats.org/markup-compatibility/2006" type="blank" preserve="1">
+<p:sldLayout xmlns:a="http://schemas.openxmlformats.org/drawingml/2006/main" xmlns:r="http://schemas.openxmlformats.org/officeDocument/2006/relationships" xmlns:p="http://schemas.openxmlformats.org/presentationml/2006/main" type="blank" preserve="1">
   <p:cSld name="Title, 6 Content">
     <p:spTree>
       <p:nvGrpSpPr>
@@ -1781,10 +1970,11 @@
           </a:prstGeom>
         </p:spPr>
         <p:txBody>
-          <a:bodyPr lIns="0" rIns="0" tIns="0" bIns="0" anchor="ctr"/>
+          <a:bodyPr lIns="0" tIns="0" rIns="0" bIns="0" anchor="ctr"/>
+          <a:lstStyle/>
           <a:p>
             <a:pPr algn="ctr"/>
-            <a:endParaRPr b="0" lang="en-AU" sz="4400" spc="-1" strike="noStrike">
+            <a:endParaRPr lang="en-AU" sz="4400" b="0" strike="noStrike" spc="-1">
               <a:latin typeface="Arial"/>
             </a:endParaRPr>
           </a:p>
@@ -1810,11 +2000,12 @@
           </a:prstGeom>
         </p:spPr>
         <p:txBody>
-          <a:bodyPr lIns="0" rIns="0" tIns="0" bIns="0">
+          <a:bodyPr lIns="0" tIns="0" rIns="0" bIns="0">
             <a:normAutofit/>
           </a:bodyPr>
-          <a:p>
-            <a:endParaRPr b="0" lang="en-AU" sz="3200" spc="-1" strike="noStrike">
+          <a:lstStyle/>
+          <a:p>
+            <a:endParaRPr lang="en-AU" sz="3200" b="0" strike="noStrike" spc="-1">
               <a:latin typeface="Arial"/>
             </a:endParaRPr>
           </a:p>
@@ -1840,11 +2031,12 @@
           </a:prstGeom>
         </p:spPr>
         <p:txBody>
-          <a:bodyPr lIns="0" rIns="0" tIns="0" bIns="0">
+          <a:bodyPr lIns="0" tIns="0" rIns="0" bIns="0">
             <a:normAutofit/>
           </a:bodyPr>
-          <a:p>
-            <a:endParaRPr b="0" lang="en-AU" sz="3200" spc="-1" strike="noStrike">
+          <a:lstStyle/>
+          <a:p>
+            <a:endParaRPr lang="en-AU" sz="3200" b="0" strike="noStrike" spc="-1">
               <a:latin typeface="Arial"/>
             </a:endParaRPr>
           </a:p>
@@ -1870,11 +2062,12 @@
           </a:prstGeom>
         </p:spPr>
         <p:txBody>
-          <a:bodyPr lIns="0" rIns="0" tIns="0" bIns="0">
+          <a:bodyPr lIns="0" tIns="0" rIns="0" bIns="0">
             <a:normAutofit/>
           </a:bodyPr>
-          <a:p>
-            <a:endParaRPr b="0" lang="en-AU" sz="3200" spc="-1" strike="noStrike">
+          <a:lstStyle/>
+          <a:p>
+            <a:endParaRPr lang="en-AU" sz="3200" b="0" strike="noStrike" spc="-1">
               <a:latin typeface="Arial"/>
             </a:endParaRPr>
           </a:p>
@@ -1900,11 +2093,12 @@
           </a:prstGeom>
         </p:spPr>
         <p:txBody>
-          <a:bodyPr lIns="0" rIns="0" tIns="0" bIns="0">
+          <a:bodyPr lIns="0" tIns="0" rIns="0" bIns="0">
             <a:normAutofit/>
           </a:bodyPr>
-          <a:p>
-            <a:endParaRPr b="0" lang="en-AU" sz="3200" spc="-1" strike="noStrike">
+          <a:lstStyle/>
+          <a:p>
+            <a:endParaRPr lang="en-AU" sz="3200" b="0" strike="noStrike" spc="-1">
               <a:latin typeface="Arial"/>
             </a:endParaRPr>
           </a:p>
@@ -1930,11 +2124,12 @@
           </a:prstGeom>
         </p:spPr>
         <p:txBody>
-          <a:bodyPr lIns="0" rIns="0" tIns="0" bIns="0">
+          <a:bodyPr lIns="0" tIns="0" rIns="0" bIns="0">
             <a:normAutofit/>
           </a:bodyPr>
-          <a:p>
-            <a:endParaRPr b="0" lang="en-AU" sz="3200" spc="-1" strike="noStrike">
+          <a:lstStyle/>
+          <a:p>
+            <a:endParaRPr lang="en-AU" sz="3200" b="0" strike="noStrike" spc="-1">
               <a:latin typeface="Arial"/>
             </a:endParaRPr>
           </a:p>
@@ -1960,11 +2155,12 @@
           </a:prstGeom>
         </p:spPr>
         <p:txBody>
-          <a:bodyPr lIns="0" rIns="0" tIns="0" bIns="0">
+          <a:bodyPr lIns="0" tIns="0" rIns="0" bIns="0">
             <a:normAutofit/>
           </a:bodyPr>
-          <a:p>
-            <a:endParaRPr b="0" lang="en-AU" sz="3200" spc="-1" strike="noStrike">
+          <a:lstStyle/>
+          <a:p>
+            <a:endParaRPr lang="en-AU" sz="3200" b="0" strike="noStrike" spc="-1">
               <a:latin typeface="Arial"/>
             </a:endParaRPr>
           </a:p>
@@ -1972,11 +2168,14 @@
       </p:sp>
     </p:spTree>
   </p:cSld>
+  <p:clrMapOvr>
+    <a:masterClrMapping/>
+  </p:clrMapOvr>
 </p:sldLayout>
 </file>
 
 <file path=ppt/slideLayouts/slideLayout3.xml><?xml version="1.0" encoding="utf-8"?>
-<p:sldLayout xmlns:a="http://schemas.openxmlformats.org/drawingml/2006/main" xmlns:p="http://schemas.openxmlformats.org/presentationml/2006/main" xmlns:r="http://schemas.openxmlformats.org/officeDocument/2006/relationships" xmlns:p14="http://schemas.microsoft.com/office/powerpoint/2010/main" xmlns:p15="http://schemas.microsoft.com/office/powerpoint/2012/main" xmlns:mc="http://schemas.openxmlformats.org/markup-compatibility/2006" type="obj" preserve="1">
+<p:sldLayout xmlns:a="http://schemas.openxmlformats.org/drawingml/2006/main" xmlns:r="http://schemas.openxmlformats.org/officeDocument/2006/relationships" xmlns:p="http://schemas.openxmlformats.org/presentationml/2006/main" type="obj" preserve="1">
   <p:cSld name="Title, Content">
     <p:spTree>
       <p:nvGrpSpPr>
@@ -2012,10 +2211,11 @@
           </a:prstGeom>
         </p:spPr>
         <p:txBody>
-          <a:bodyPr lIns="0" rIns="0" tIns="0" bIns="0" anchor="ctr"/>
+          <a:bodyPr lIns="0" tIns="0" rIns="0" bIns="0" anchor="ctr"/>
+          <a:lstStyle/>
           <a:p>
             <a:pPr algn="ctr"/>
-            <a:endParaRPr b="0" lang="en-AU" sz="4400" spc="-1" strike="noStrike">
+            <a:endParaRPr lang="en-AU" sz="4400" b="0" strike="noStrike" spc="-1">
               <a:latin typeface="Arial"/>
             </a:endParaRPr>
           </a:p>
@@ -2041,11 +2241,12 @@
           </a:prstGeom>
         </p:spPr>
         <p:txBody>
-          <a:bodyPr lIns="0" rIns="0" tIns="0" bIns="0">
+          <a:bodyPr lIns="0" tIns="0" rIns="0" bIns="0">
             <a:normAutofit/>
           </a:bodyPr>
-          <a:p>
-            <a:endParaRPr b="0" lang="en-AU" sz="3200" spc="-1" strike="noStrike">
+          <a:lstStyle/>
+          <a:p>
+            <a:endParaRPr lang="en-AU" sz="3200" b="0" strike="noStrike" spc="-1">
               <a:latin typeface="Arial"/>
             </a:endParaRPr>
           </a:p>
@@ -2053,11 +2254,14 @@
       </p:sp>
     </p:spTree>
   </p:cSld>
+  <p:clrMapOvr>
+    <a:masterClrMapping/>
+  </p:clrMapOvr>
 </p:sldLayout>
 </file>
 
 <file path=ppt/slideLayouts/slideLayout4.xml><?xml version="1.0" encoding="utf-8"?>
-<p:sldLayout xmlns:a="http://schemas.openxmlformats.org/drawingml/2006/main" xmlns:p="http://schemas.openxmlformats.org/presentationml/2006/main" xmlns:r="http://schemas.openxmlformats.org/officeDocument/2006/relationships" xmlns:p14="http://schemas.microsoft.com/office/powerpoint/2010/main" xmlns:p15="http://schemas.microsoft.com/office/powerpoint/2012/main" xmlns:mc="http://schemas.openxmlformats.org/markup-compatibility/2006" type="twoObj" preserve="1">
+<p:sldLayout xmlns:a="http://schemas.openxmlformats.org/drawingml/2006/main" xmlns:r="http://schemas.openxmlformats.org/officeDocument/2006/relationships" xmlns:p="http://schemas.openxmlformats.org/presentationml/2006/main" type="twoObj" preserve="1">
   <p:cSld name="Title, 2 Content">
     <p:spTree>
       <p:nvGrpSpPr>
@@ -2093,10 +2297,11 @@
           </a:prstGeom>
         </p:spPr>
         <p:txBody>
-          <a:bodyPr lIns="0" rIns="0" tIns="0" bIns="0" anchor="ctr"/>
+          <a:bodyPr lIns="0" tIns="0" rIns="0" bIns="0" anchor="ctr"/>
+          <a:lstStyle/>
           <a:p>
             <a:pPr algn="ctr"/>
-            <a:endParaRPr b="0" lang="en-AU" sz="4400" spc="-1" strike="noStrike">
+            <a:endParaRPr lang="en-AU" sz="4400" b="0" strike="noStrike" spc="-1">
               <a:latin typeface="Arial"/>
             </a:endParaRPr>
           </a:p>
@@ -2122,11 +2327,12 @@
           </a:prstGeom>
         </p:spPr>
         <p:txBody>
-          <a:bodyPr lIns="0" rIns="0" tIns="0" bIns="0">
+          <a:bodyPr lIns="0" tIns="0" rIns="0" bIns="0">
             <a:normAutofit/>
           </a:bodyPr>
-          <a:p>
-            <a:endParaRPr b="0" lang="en-AU" sz="3200" spc="-1" strike="noStrike">
+          <a:lstStyle/>
+          <a:p>
+            <a:endParaRPr lang="en-AU" sz="3200" b="0" strike="noStrike" spc="-1">
               <a:latin typeface="Arial"/>
             </a:endParaRPr>
           </a:p>
@@ -2152,11 +2358,12 @@
           </a:prstGeom>
         </p:spPr>
         <p:txBody>
-          <a:bodyPr lIns="0" rIns="0" tIns="0" bIns="0">
+          <a:bodyPr lIns="0" tIns="0" rIns="0" bIns="0">
             <a:normAutofit/>
           </a:bodyPr>
-          <a:p>
-            <a:endParaRPr b="0" lang="en-AU" sz="3200" spc="-1" strike="noStrike">
+          <a:lstStyle/>
+          <a:p>
+            <a:endParaRPr lang="en-AU" sz="3200" b="0" strike="noStrike" spc="-1">
               <a:latin typeface="Arial"/>
             </a:endParaRPr>
           </a:p>
@@ -2164,11 +2371,14 @@
       </p:sp>
     </p:spTree>
   </p:cSld>
+  <p:clrMapOvr>
+    <a:masterClrMapping/>
+  </p:clrMapOvr>
 </p:sldLayout>
 </file>
 
 <file path=ppt/slideLayouts/slideLayout5.xml><?xml version="1.0" encoding="utf-8"?>
-<p:sldLayout xmlns:a="http://schemas.openxmlformats.org/drawingml/2006/main" xmlns:p="http://schemas.openxmlformats.org/presentationml/2006/main" xmlns:r="http://schemas.openxmlformats.org/officeDocument/2006/relationships" xmlns:p14="http://schemas.microsoft.com/office/powerpoint/2010/main" xmlns:p15="http://schemas.microsoft.com/office/powerpoint/2012/main" xmlns:mc="http://schemas.openxmlformats.org/markup-compatibility/2006" type="titleOnly" preserve="1">
+<p:sldLayout xmlns:a="http://schemas.openxmlformats.org/drawingml/2006/main" xmlns:r="http://schemas.openxmlformats.org/officeDocument/2006/relationships" xmlns:p="http://schemas.openxmlformats.org/presentationml/2006/main" type="titleOnly" preserve="1">
   <p:cSld name="Title Only">
     <p:spTree>
       <p:nvGrpSpPr>
@@ -2204,10 +2414,11 @@
           </a:prstGeom>
         </p:spPr>
         <p:txBody>
-          <a:bodyPr lIns="0" rIns="0" tIns="0" bIns="0" anchor="ctr"/>
+          <a:bodyPr lIns="0" tIns="0" rIns="0" bIns="0" anchor="ctr"/>
+          <a:lstStyle/>
           <a:p>
             <a:pPr algn="ctr"/>
-            <a:endParaRPr b="0" lang="en-AU" sz="4400" spc="-1" strike="noStrike">
+            <a:endParaRPr lang="en-AU" sz="4400" b="0" strike="noStrike" spc="-1">
               <a:latin typeface="Arial"/>
             </a:endParaRPr>
           </a:p>
@@ -2215,11 +2426,14 @@
       </p:sp>
     </p:spTree>
   </p:cSld>
+  <p:clrMapOvr>
+    <a:masterClrMapping/>
+  </p:clrMapOvr>
 </p:sldLayout>
 </file>
 
 <file path=ppt/slideLayouts/slideLayout6.xml><?xml version="1.0" encoding="utf-8"?>
-<p:sldLayout xmlns:a="http://schemas.openxmlformats.org/drawingml/2006/main" xmlns:p="http://schemas.openxmlformats.org/presentationml/2006/main" xmlns:r="http://schemas.openxmlformats.org/officeDocument/2006/relationships" xmlns:p14="http://schemas.microsoft.com/office/powerpoint/2010/main" xmlns:p15="http://schemas.microsoft.com/office/powerpoint/2012/main" xmlns:mc="http://schemas.openxmlformats.org/markup-compatibility/2006" type="objOnly" preserve="1">
+<p:sldLayout xmlns:a="http://schemas.openxmlformats.org/drawingml/2006/main" xmlns:r="http://schemas.openxmlformats.org/officeDocument/2006/relationships" xmlns:p="http://schemas.openxmlformats.org/presentationml/2006/main" type="objOnly" preserve="1">
   <p:cSld name="Centered Text">
     <p:spTree>
       <p:nvGrpSpPr>
@@ -2255,10 +2469,11 @@
           </a:prstGeom>
         </p:spPr>
         <p:txBody>
-          <a:bodyPr lIns="0" rIns="0" tIns="0" bIns="0" anchor="ctr"/>
+          <a:bodyPr lIns="0" tIns="0" rIns="0" bIns="0" anchor="ctr"/>
+          <a:lstStyle/>
           <a:p>
             <a:pPr algn="ctr"/>
-            <a:endParaRPr b="0" lang="en-AU" sz="3200" spc="-1" strike="noStrike">
+            <a:endParaRPr lang="en-AU" sz="3200" b="0" strike="noStrike" spc="-1">
               <a:latin typeface="Arial"/>
             </a:endParaRPr>
           </a:p>
@@ -2266,11 +2481,14 @@
       </p:sp>
     </p:spTree>
   </p:cSld>
+  <p:clrMapOvr>
+    <a:masterClrMapping/>
+  </p:clrMapOvr>
 </p:sldLayout>
 </file>
 
 <file path=ppt/slideLayouts/slideLayout7.xml><?xml version="1.0" encoding="utf-8"?>
-<p:sldLayout xmlns:a="http://schemas.openxmlformats.org/drawingml/2006/main" xmlns:p="http://schemas.openxmlformats.org/presentationml/2006/main" xmlns:r="http://schemas.openxmlformats.org/officeDocument/2006/relationships" xmlns:p14="http://schemas.microsoft.com/office/powerpoint/2010/main" xmlns:p15="http://schemas.microsoft.com/office/powerpoint/2012/main" xmlns:mc="http://schemas.openxmlformats.org/markup-compatibility/2006" type="twoObjAndObj" preserve="1">
+<p:sldLayout xmlns:a="http://schemas.openxmlformats.org/drawingml/2006/main" xmlns:r="http://schemas.openxmlformats.org/officeDocument/2006/relationships" xmlns:p="http://schemas.openxmlformats.org/presentationml/2006/main" type="twoObjAndObj" preserve="1">
   <p:cSld name="Title, 2 Content and Content">
     <p:spTree>
       <p:nvGrpSpPr>
@@ -2306,10 +2524,11 @@
           </a:prstGeom>
         </p:spPr>
         <p:txBody>
-          <a:bodyPr lIns="0" rIns="0" tIns="0" bIns="0" anchor="ctr"/>
+          <a:bodyPr lIns="0" tIns="0" rIns="0" bIns="0" anchor="ctr"/>
+          <a:lstStyle/>
           <a:p>
             <a:pPr algn="ctr"/>
-            <a:endParaRPr b="0" lang="en-AU" sz="4400" spc="-1" strike="noStrike">
+            <a:endParaRPr lang="en-AU" sz="4400" b="0" strike="noStrike" spc="-1">
               <a:latin typeface="Arial"/>
             </a:endParaRPr>
           </a:p>
@@ -2335,11 +2554,12 @@
           </a:prstGeom>
         </p:spPr>
         <p:txBody>
-          <a:bodyPr lIns="0" rIns="0" tIns="0" bIns="0">
+          <a:bodyPr lIns="0" tIns="0" rIns="0" bIns="0">
             <a:normAutofit/>
           </a:bodyPr>
-          <a:p>
-            <a:endParaRPr b="0" lang="en-AU" sz="3200" spc="-1" strike="noStrike">
+          <a:lstStyle/>
+          <a:p>
+            <a:endParaRPr lang="en-AU" sz="3200" b="0" strike="noStrike" spc="-1">
               <a:latin typeface="Arial"/>
             </a:endParaRPr>
           </a:p>
@@ -2365,11 +2585,12 @@
           </a:prstGeom>
         </p:spPr>
         <p:txBody>
-          <a:bodyPr lIns="0" rIns="0" tIns="0" bIns="0">
+          <a:bodyPr lIns="0" tIns="0" rIns="0" bIns="0">
             <a:normAutofit/>
           </a:bodyPr>
-          <a:p>
-            <a:endParaRPr b="0" lang="en-AU" sz="3200" spc="-1" strike="noStrike">
+          <a:lstStyle/>
+          <a:p>
+            <a:endParaRPr lang="en-AU" sz="3200" b="0" strike="noStrike" spc="-1">
               <a:latin typeface="Arial"/>
             </a:endParaRPr>
           </a:p>
@@ -2395,11 +2616,12 @@
           </a:prstGeom>
         </p:spPr>
         <p:txBody>
-          <a:bodyPr lIns="0" rIns="0" tIns="0" bIns="0">
+          <a:bodyPr lIns="0" tIns="0" rIns="0" bIns="0">
             <a:normAutofit/>
           </a:bodyPr>
-          <a:p>
-            <a:endParaRPr b="0" lang="en-AU" sz="3200" spc="-1" strike="noStrike">
+          <a:lstStyle/>
+          <a:p>
+            <a:endParaRPr lang="en-AU" sz="3200" b="0" strike="noStrike" spc="-1">
               <a:latin typeface="Arial"/>
             </a:endParaRPr>
           </a:p>
@@ -2407,11 +2629,14 @@
       </p:sp>
     </p:spTree>
   </p:cSld>
+  <p:clrMapOvr>
+    <a:masterClrMapping/>
+  </p:clrMapOvr>
 </p:sldLayout>
 </file>
 
 <file path=ppt/slideLayouts/slideLayout8.xml><?xml version="1.0" encoding="utf-8"?>
-<p:sldLayout xmlns:a="http://schemas.openxmlformats.org/drawingml/2006/main" xmlns:p="http://schemas.openxmlformats.org/presentationml/2006/main" xmlns:r="http://schemas.openxmlformats.org/officeDocument/2006/relationships" xmlns:p14="http://schemas.microsoft.com/office/powerpoint/2010/main" xmlns:p15="http://schemas.microsoft.com/office/powerpoint/2012/main" xmlns:mc="http://schemas.openxmlformats.org/markup-compatibility/2006" type="objAndTwoObj" preserve="1">
+<p:sldLayout xmlns:a="http://schemas.openxmlformats.org/drawingml/2006/main" xmlns:r="http://schemas.openxmlformats.org/officeDocument/2006/relationships" xmlns:p="http://schemas.openxmlformats.org/presentationml/2006/main" type="objAndTwoObj" preserve="1">
   <p:cSld name="Title Content and 2 Content">
     <p:spTree>
       <p:nvGrpSpPr>
@@ -2447,10 +2672,11 @@
           </a:prstGeom>
         </p:spPr>
         <p:txBody>
-          <a:bodyPr lIns="0" rIns="0" tIns="0" bIns="0" anchor="ctr"/>
+          <a:bodyPr lIns="0" tIns="0" rIns="0" bIns="0" anchor="ctr"/>
+          <a:lstStyle/>
           <a:p>
             <a:pPr algn="ctr"/>
-            <a:endParaRPr b="0" lang="en-AU" sz="4400" spc="-1" strike="noStrike">
+            <a:endParaRPr lang="en-AU" sz="4400" b="0" strike="noStrike" spc="-1">
               <a:latin typeface="Arial"/>
             </a:endParaRPr>
           </a:p>
@@ -2476,11 +2702,12 @@
           </a:prstGeom>
         </p:spPr>
         <p:txBody>
-          <a:bodyPr lIns="0" rIns="0" tIns="0" bIns="0">
+          <a:bodyPr lIns="0" tIns="0" rIns="0" bIns="0">
             <a:normAutofit/>
           </a:bodyPr>
-          <a:p>
-            <a:endParaRPr b="0" lang="en-AU" sz="3200" spc="-1" strike="noStrike">
+          <a:lstStyle/>
+          <a:p>
+            <a:endParaRPr lang="en-AU" sz="3200" b="0" strike="noStrike" spc="-1">
               <a:latin typeface="Arial"/>
             </a:endParaRPr>
           </a:p>
@@ -2506,11 +2733,12 @@
           </a:prstGeom>
         </p:spPr>
         <p:txBody>
-          <a:bodyPr lIns="0" rIns="0" tIns="0" bIns="0">
+          <a:bodyPr lIns="0" tIns="0" rIns="0" bIns="0">
             <a:normAutofit/>
           </a:bodyPr>
-          <a:p>
-            <a:endParaRPr b="0" lang="en-AU" sz="3200" spc="-1" strike="noStrike">
+          <a:lstStyle/>
+          <a:p>
+            <a:endParaRPr lang="en-AU" sz="3200" b="0" strike="noStrike" spc="-1">
               <a:latin typeface="Arial"/>
             </a:endParaRPr>
           </a:p>
@@ -2536,11 +2764,12 @@
           </a:prstGeom>
         </p:spPr>
         <p:txBody>
-          <a:bodyPr lIns="0" rIns="0" tIns="0" bIns="0">
+          <a:bodyPr lIns="0" tIns="0" rIns="0" bIns="0">
             <a:normAutofit/>
           </a:bodyPr>
-          <a:p>
-            <a:endParaRPr b="0" lang="en-AU" sz="3200" spc="-1" strike="noStrike">
+          <a:lstStyle/>
+          <a:p>
+            <a:endParaRPr lang="en-AU" sz="3200" b="0" strike="noStrike" spc="-1">
               <a:latin typeface="Arial"/>
             </a:endParaRPr>
           </a:p>
@@ -2548,11 +2777,14 @@
       </p:sp>
     </p:spTree>
   </p:cSld>
+  <p:clrMapOvr>
+    <a:masterClrMapping/>
+  </p:clrMapOvr>
 </p:sldLayout>
 </file>
 
 <file path=ppt/slideLayouts/slideLayout9.xml><?xml version="1.0" encoding="utf-8"?>
-<p:sldLayout xmlns:a="http://schemas.openxmlformats.org/drawingml/2006/main" xmlns:p="http://schemas.openxmlformats.org/presentationml/2006/main" xmlns:r="http://schemas.openxmlformats.org/officeDocument/2006/relationships" xmlns:p14="http://schemas.microsoft.com/office/powerpoint/2010/main" xmlns:p15="http://schemas.microsoft.com/office/powerpoint/2012/main" xmlns:mc="http://schemas.openxmlformats.org/markup-compatibility/2006" type="twoObjOverTx" preserve="1">
+<p:sldLayout xmlns:a="http://schemas.openxmlformats.org/drawingml/2006/main" xmlns:r="http://schemas.openxmlformats.org/officeDocument/2006/relationships" xmlns:p="http://schemas.openxmlformats.org/presentationml/2006/main" type="twoObjOverTx" preserve="1">
   <p:cSld name="Title, 2 Content over Content">
     <p:spTree>
       <p:nvGrpSpPr>
@@ -2588,10 +2820,11 @@
           </a:prstGeom>
         </p:spPr>
         <p:txBody>
-          <a:bodyPr lIns="0" rIns="0" tIns="0" bIns="0" anchor="ctr"/>
+          <a:bodyPr lIns="0" tIns="0" rIns="0" bIns="0" anchor="ctr"/>
+          <a:lstStyle/>
           <a:p>
             <a:pPr algn="ctr"/>
-            <a:endParaRPr b="0" lang="en-AU" sz="4400" spc="-1" strike="noStrike">
+            <a:endParaRPr lang="en-AU" sz="4400" b="0" strike="noStrike" spc="-1">
               <a:latin typeface="Arial"/>
             </a:endParaRPr>
           </a:p>
@@ -2617,11 +2850,12 @@
           </a:prstGeom>
         </p:spPr>
         <p:txBody>
-          <a:bodyPr lIns="0" rIns="0" tIns="0" bIns="0">
+          <a:bodyPr lIns="0" tIns="0" rIns="0" bIns="0">
             <a:normAutofit/>
           </a:bodyPr>
-          <a:p>
-            <a:endParaRPr b="0" lang="en-AU" sz="3200" spc="-1" strike="noStrike">
+          <a:lstStyle/>
+          <a:p>
+            <a:endParaRPr lang="en-AU" sz="3200" b="0" strike="noStrike" spc="-1">
               <a:latin typeface="Arial"/>
             </a:endParaRPr>
           </a:p>
@@ -2647,11 +2881,12 @@
           </a:prstGeom>
         </p:spPr>
         <p:txBody>
-          <a:bodyPr lIns="0" rIns="0" tIns="0" bIns="0">
+          <a:bodyPr lIns="0" tIns="0" rIns="0" bIns="0">
             <a:normAutofit/>
           </a:bodyPr>
-          <a:p>
-            <a:endParaRPr b="0" lang="en-AU" sz="3200" spc="-1" strike="noStrike">
+          <a:lstStyle/>
+          <a:p>
+            <a:endParaRPr lang="en-AU" sz="3200" b="0" strike="noStrike" spc="-1">
               <a:latin typeface="Arial"/>
             </a:endParaRPr>
           </a:p>
@@ -2677,11 +2912,12 @@
           </a:prstGeom>
         </p:spPr>
         <p:txBody>
-          <a:bodyPr lIns="0" rIns="0" tIns="0" bIns="0">
+          <a:bodyPr lIns="0" tIns="0" rIns="0" bIns="0">
             <a:normAutofit/>
           </a:bodyPr>
-          <a:p>
-            <a:endParaRPr b="0" lang="en-AU" sz="3200" spc="-1" strike="noStrike">
+          <a:lstStyle/>
+          <a:p>
+            <a:endParaRPr lang="en-AU" sz="3200" b="0" strike="noStrike" spc="-1">
               <a:latin typeface="Arial"/>
             </a:endParaRPr>
           </a:p>
@@ -2689,11 +2925,1208 @@
       </p:sp>
     </p:spTree>
   </p:cSld>
+  <p:clrMapOvr>
+    <a:masterClrMapping/>
+  </p:clrMapOvr>
 </p:sldLayout>
 </file>
 
 <file path=ppt/slideMasters/slideMaster1.xml><?xml version="1.0" encoding="utf-8"?>
-<p:sldMaster xmlns:a="http://schemas.openxmlformats.org/drawingml/2006/main" xmlns:p="http://schemas.openxmlformats.org/presentationml/2006/main" xmlns:r="http://schemas.openxmlformats.org/officeDocument/2006/relationships" xmlns:p14="http://schemas.microsoft.com/office/powerpoint/2010/main" xmlns:p15="http://schemas.microsoft.com/office/powerpoint/2012/main" xmlns:mc="http://schemas.openxmlformats.org/markup-compatibility/2006">
+<p:sldMaster xmlns:a="http://schemas.openxmlformats.org/drawingml/2006/main" xmlns:r="http://schemas.openxmlformats.org/officeDocument/2006/relationships" xmlns:p="http://schemas.openxmlformats.org/presentationml/2006/main">
+  <p:cSld>
+    <p:bg>
+      <p:bgRef idx="1001">
+        <a:schemeClr val="bg1"/>
+      </p:bgRef>
+    </p:bg>
+    <p:spTree>
+      <p:nvGrpSpPr>
+        <p:cNvPr id="1" name=""/>
+        <p:cNvGrpSpPr/>
+        <p:nvPr/>
+      </p:nvGrpSpPr>
+      <p:grpSpPr>
+        <a:xfrm>
+          <a:off x="0" y="0"/>
+          <a:ext cx="0" cy="0"/>
+          <a:chOff x="0" y="0"/>
+          <a:chExt cx="0" cy="0"/>
+        </a:xfrm>
+      </p:grpSpPr>
+      <p:sp>
+        <p:nvSpPr>
+          <p:cNvPr id="3" name="CustomShape 1"/>
+          <p:cNvSpPr/>
+          <p:nvPr/>
+        </p:nvSpPr>
+        <p:spPr>
+          <a:xfrm>
+            <a:off x="0" y="3150000"/>
+            <a:ext cx="9719640" cy="1259640"/>
+          </a:xfrm>
+          <a:prstGeom prst="rect">
+            <a:avLst/>
+          </a:prstGeom>
+          <a:solidFill>
+            <a:srgbClr val="E74C3C"/>
+          </a:solidFill>
+          <a:ln>
+            <a:noFill/>
+          </a:ln>
+        </p:spPr>
+        <p:style>
+          <a:lnRef idx="0">
+            <a:scrgbClr r="0" g="0" b="0"/>
+          </a:lnRef>
+          <a:fillRef idx="0">
+            <a:scrgbClr r="0" g="0" b="0"/>
+          </a:fillRef>
+          <a:effectRef idx="0">
+            <a:scrgbClr r="0" g="0" b="0"/>
+          </a:effectRef>
+          <a:fontRef idx="minor"/>
+        </p:style>
+      </p:sp>
+      <p:sp>
+        <p:nvSpPr>
+          <p:cNvPr id="4" name="PlaceHolder 2"/>
+          <p:cNvSpPr>
+            <a:spLocks noGrp="1"/>
+          </p:cNvSpPr>
+          <p:nvPr>
+            <p:ph type="title"/>
+          </p:nvPr>
+        </p:nvSpPr>
+        <p:spPr>
+          <a:xfrm>
+            <a:off x="360000" y="360000"/>
+            <a:ext cx="9359640" cy="899640"/>
+          </a:xfrm>
+          <a:prstGeom prst="rect">
+            <a:avLst/>
+          </a:prstGeom>
+        </p:spPr>
+        <p:txBody>
+          <a:bodyPr lIns="0" tIns="0" rIns="0" bIns="0" anchor="b"/>
+          <a:lstStyle/>
+          <a:p>
+            <a:r>
+              <a:rPr lang="en-AU" sz="1800" b="0" strike="noStrike" spc="-1">
+                <a:latin typeface="Arial"/>
+              </a:rPr>
+              <a:t>Click to edit the title text format</a:t>
+            </a:r>
+          </a:p>
+        </p:txBody>
+      </p:sp>
+      <p:sp>
+        <p:nvSpPr>
+          <p:cNvPr id="2" name="PlaceHolder 3"/>
+          <p:cNvSpPr>
+            <a:spLocks noGrp="1"/>
+          </p:cNvSpPr>
+          <p:nvPr>
+            <p:ph type="body"/>
+          </p:nvPr>
+        </p:nvSpPr>
+        <p:spPr>
+          <a:xfrm>
+            <a:off x="504000" y="1768680"/>
+            <a:ext cx="9072000" cy="4384080"/>
+          </a:xfrm>
+          <a:prstGeom prst="rect">
+            <a:avLst/>
+          </a:prstGeom>
+        </p:spPr>
+        <p:txBody>
+          <a:bodyPr lIns="0" tIns="0" rIns="0" bIns="0">
+            <a:normAutofit/>
+          </a:bodyPr>
+          <a:lstStyle/>
+          <a:p>
+            <a:pPr marL="432000" indent="-324000">
+              <a:spcBef>
+                <a:spcPts val="1417"/>
+              </a:spcBef>
+              <a:buClr>
+                <a:srgbClr val="000000"/>
+              </a:buClr>
+              <a:buSzPct val="45000"/>
+              <a:buFont typeface="Wingdings" charset="2"/>
+              <a:buChar char=""/>
+            </a:pPr>
+            <a:r>
+              <a:rPr lang="en-AU" sz="3200" b="0" strike="noStrike" spc="-1">
+                <a:latin typeface="Arial"/>
+              </a:rPr>
+              <a:t>Click to edit the outline text format</a:t>
+            </a:r>
+          </a:p>
+          <a:p>
+            <a:pPr marL="864000" lvl="1" indent="-324000">
+              <a:spcBef>
+                <a:spcPts val="1134"/>
+              </a:spcBef>
+              <a:buClr>
+                <a:srgbClr val="000000"/>
+              </a:buClr>
+              <a:buSzPct val="75000"/>
+              <a:buFont typeface="Symbol" charset="2"/>
+              <a:buChar char=""/>
+            </a:pPr>
+            <a:r>
+              <a:rPr lang="en-AU" sz="2800" b="0" strike="noStrike" spc="-1">
+                <a:latin typeface="Arial"/>
+              </a:rPr>
+              <a:t>Second Outline Level</a:t>
+            </a:r>
+          </a:p>
+          <a:p>
+            <a:pPr marL="1296000" lvl="2" indent="-288000">
+              <a:spcBef>
+                <a:spcPts val="850"/>
+              </a:spcBef>
+              <a:buClr>
+                <a:srgbClr val="000000"/>
+              </a:buClr>
+              <a:buSzPct val="45000"/>
+              <a:buFont typeface="Wingdings" charset="2"/>
+              <a:buChar char=""/>
+            </a:pPr>
+            <a:r>
+              <a:rPr lang="en-AU" sz="2400" b="0" strike="noStrike" spc="-1">
+                <a:latin typeface="Arial"/>
+              </a:rPr>
+              <a:t>Third Outline Level</a:t>
+            </a:r>
+          </a:p>
+          <a:p>
+            <a:pPr marL="1728000" lvl="3" indent="-216000">
+              <a:spcBef>
+                <a:spcPts val="567"/>
+              </a:spcBef>
+              <a:buClr>
+                <a:srgbClr val="000000"/>
+              </a:buClr>
+              <a:buSzPct val="75000"/>
+              <a:buFont typeface="Symbol" charset="2"/>
+              <a:buChar char=""/>
+            </a:pPr>
+            <a:r>
+              <a:rPr lang="en-AU" sz="2000" b="0" strike="noStrike" spc="-1">
+                <a:latin typeface="Arial"/>
+              </a:rPr>
+              <a:t>Fourth Outline Level</a:t>
+            </a:r>
+          </a:p>
+          <a:p>
+            <a:pPr marL="2160000" lvl="4" indent="-216000">
+              <a:spcBef>
+                <a:spcPts val="283"/>
+              </a:spcBef>
+              <a:buClr>
+                <a:srgbClr val="000000"/>
+              </a:buClr>
+              <a:buSzPct val="45000"/>
+              <a:buFont typeface="Wingdings" charset="2"/>
+              <a:buChar char=""/>
+            </a:pPr>
+            <a:r>
+              <a:rPr lang="en-AU" sz="2000" b="0" strike="noStrike" spc="-1">
+                <a:latin typeface="Arial"/>
+              </a:rPr>
+              <a:t>Fifth Outline Level</a:t>
+            </a:r>
+          </a:p>
+          <a:p>
+            <a:pPr marL="2592000" lvl="5" indent="-216000">
+              <a:spcBef>
+                <a:spcPts val="283"/>
+              </a:spcBef>
+              <a:buClr>
+                <a:srgbClr val="000000"/>
+              </a:buClr>
+              <a:buSzPct val="45000"/>
+              <a:buFont typeface="Wingdings" charset="2"/>
+              <a:buChar char=""/>
+            </a:pPr>
+            <a:r>
+              <a:rPr lang="en-AU" sz="2000" b="0" strike="noStrike" spc="-1">
+                <a:latin typeface="Arial"/>
+              </a:rPr>
+              <a:t>Sixth Outline Level</a:t>
+            </a:r>
+          </a:p>
+          <a:p>
+            <a:pPr marL="3024000" lvl="6" indent="-216000">
+              <a:spcBef>
+                <a:spcPts val="283"/>
+              </a:spcBef>
+              <a:buClr>
+                <a:srgbClr val="000000"/>
+              </a:buClr>
+              <a:buSzPct val="45000"/>
+              <a:buFont typeface="Wingdings" charset="2"/>
+              <a:buChar char=""/>
+            </a:pPr>
+            <a:r>
+              <a:rPr lang="en-AU" sz="2000" b="0" strike="noStrike" spc="-1">
+                <a:latin typeface="Arial"/>
+              </a:rPr>
+              <a:t>Seventh Outline Level</a:t>
+            </a:r>
+          </a:p>
+        </p:txBody>
+      </p:sp>
+    </p:spTree>
+  </p:cSld>
+  <p:clrMap bg1="lt1" tx1="dk1" bg2="lt2" tx2="dk2" accent1="accent1" accent2="accent2" accent3="accent3" accent4="accent4" accent5="accent5" accent6="accent6" hlink="hlink" folHlink="folHlink"/>
+  <p:sldLayoutIdLst>
+    <p:sldLayoutId id="2147483649" r:id="rId1"/>
+    <p:sldLayoutId id="2147483650" r:id="rId2"/>
+    <p:sldLayoutId id="2147483651" r:id="rId3"/>
+    <p:sldLayoutId id="2147483652" r:id="rId4"/>
+    <p:sldLayoutId id="2147483653" r:id="rId5"/>
+    <p:sldLayoutId id="2147483654" r:id="rId6"/>
+    <p:sldLayoutId id="2147483655" r:id="rId7"/>
+    <p:sldLayoutId id="2147483656" r:id="rId8"/>
+    <p:sldLayoutId id="2147483657" r:id="rId9"/>
+    <p:sldLayoutId id="2147483658" r:id="rId10"/>
+    <p:sldLayoutId id="2147483659" r:id="rId11"/>
+    <p:sldLayoutId id="2147483660" r:id="rId12"/>
+  </p:sldLayoutIdLst>
+  <p:txStyles>
+    <p:titleStyle>
+      <a:lvl1pPr algn="l" defTabSz="914400" rtl="0" eaLnBrk="1" latinLnBrk="0" hangingPunct="1">
+        <a:lnSpc>
+          <a:spcPct val="90000"/>
+        </a:lnSpc>
+        <a:spcBef>
+          <a:spcPct val="0"/>
+        </a:spcBef>
+        <a:buNone/>
+        <a:defRPr sz="4400" kern="1200">
+          <a:solidFill>
+            <a:schemeClr val="tx1"/>
+          </a:solidFill>
+          <a:latin typeface="+mj-lt"/>
+          <a:ea typeface="+mj-ea"/>
+          <a:cs typeface="+mj-cs"/>
+        </a:defRPr>
+      </a:lvl1pPr>
+    </p:titleStyle>
+    <p:bodyStyle>
+      <a:lvl1pPr marL="228600" indent="-228600" algn="l" defTabSz="914400" rtl="0" eaLnBrk="1" latinLnBrk="0" hangingPunct="1">
+        <a:lnSpc>
+          <a:spcPct val="90000"/>
+        </a:lnSpc>
+        <a:spcBef>
+          <a:spcPts val="1000"/>
+        </a:spcBef>
+        <a:buFont typeface="Arial" panose="020B0604020202020204" pitchFamily="34" charset="0"/>
+        <a:buChar char="•"/>
+        <a:defRPr sz="2800" kern="1200">
+          <a:solidFill>
+            <a:schemeClr val="tx1"/>
+          </a:solidFill>
+          <a:latin typeface="+mn-lt"/>
+          <a:ea typeface="+mn-ea"/>
+          <a:cs typeface="+mn-cs"/>
+        </a:defRPr>
+      </a:lvl1pPr>
+      <a:lvl2pPr marL="685800" indent="-228600" algn="l" defTabSz="914400" rtl="0" eaLnBrk="1" latinLnBrk="0" hangingPunct="1">
+        <a:lnSpc>
+          <a:spcPct val="90000"/>
+        </a:lnSpc>
+        <a:spcBef>
+          <a:spcPts val="500"/>
+        </a:spcBef>
+        <a:buFont typeface="Arial" panose="020B0604020202020204" pitchFamily="34" charset="0"/>
+        <a:buChar char="•"/>
+        <a:defRPr sz="2400" kern="1200">
+          <a:solidFill>
+            <a:schemeClr val="tx1"/>
+          </a:solidFill>
+          <a:latin typeface="+mn-lt"/>
+          <a:ea typeface="+mn-ea"/>
+          <a:cs typeface="+mn-cs"/>
+        </a:defRPr>
+      </a:lvl2pPr>
+      <a:lvl3pPr marL="1143000" indent="-228600" algn="l" defTabSz="914400" rtl="0" eaLnBrk="1" latinLnBrk="0" hangingPunct="1">
+        <a:lnSpc>
+          <a:spcPct val="90000"/>
+        </a:lnSpc>
+        <a:spcBef>
+          <a:spcPts val="500"/>
+        </a:spcBef>
+        <a:buFont typeface="Arial" panose="020B0604020202020204" pitchFamily="34" charset="0"/>
+        <a:buChar char="•"/>
+        <a:defRPr sz="2000" kern="1200">
+          <a:solidFill>
+            <a:schemeClr val="tx1"/>
+          </a:solidFill>
+          <a:latin typeface="+mn-lt"/>
+          <a:ea typeface="+mn-ea"/>
+          <a:cs typeface="+mn-cs"/>
+        </a:defRPr>
+      </a:lvl3pPr>
+      <a:lvl4pPr marL="1600200" indent="-228600" algn="l" defTabSz="914400" rtl="0" eaLnBrk="1" latinLnBrk="0" hangingPunct="1">
+        <a:lnSpc>
+          <a:spcPct val="90000"/>
+        </a:lnSpc>
+        <a:spcBef>
+          <a:spcPts val="500"/>
+        </a:spcBef>
+        <a:buFont typeface="Arial" panose="020B0604020202020204" pitchFamily="34" charset="0"/>
+        <a:buChar char="•"/>
+        <a:defRPr sz="1800" kern="1200">
+          <a:solidFill>
+            <a:schemeClr val="tx1"/>
+          </a:solidFill>
+          <a:latin typeface="+mn-lt"/>
+          <a:ea typeface="+mn-ea"/>
+          <a:cs typeface="+mn-cs"/>
+        </a:defRPr>
+      </a:lvl4pPr>
+      <a:lvl5pPr marL="2057400" indent="-228600" algn="l" defTabSz="914400" rtl="0" eaLnBrk="1" latinLnBrk="0" hangingPunct="1">
+        <a:lnSpc>
+          <a:spcPct val="90000"/>
+        </a:lnSpc>
+        <a:spcBef>
+          <a:spcPts val="500"/>
+        </a:spcBef>
+        <a:buFont typeface="Arial" panose="020B0604020202020204" pitchFamily="34" charset="0"/>
+        <a:buChar char="•"/>
+        <a:defRPr sz="1800" kern="1200">
+          <a:solidFill>
+            <a:schemeClr val="tx1"/>
+          </a:solidFill>
+          <a:latin typeface="+mn-lt"/>
+          <a:ea typeface="+mn-ea"/>
+          <a:cs typeface="+mn-cs"/>
+        </a:defRPr>
+      </a:lvl5pPr>
+      <a:lvl6pPr marL="2514600" indent="-228600" algn="l" defTabSz="914400" rtl="0" eaLnBrk="1" latinLnBrk="0" hangingPunct="1">
+        <a:lnSpc>
+          <a:spcPct val="90000"/>
+        </a:lnSpc>
+        <a:spcBef>
+          <a:spcPts val="500"/>
+        </a:spcBef>
+        <a:buFont typeface="Arial" panose="020B0604020202020204" pitchFamily="34" charset="0"/>
+        <a:buChar char="•"/>
+        <a:defRPr sz="1800" kern="1200">
+          <a:solidFill>
+            <a:schemeClr val="tx1"/>
+          </a:solidFill>
+          <a:latin typeface="+mn-lt"/>
+          <a:ea typeface="+mn-ea"/>
+          <a:cs typeface="+mn-cs"/>
+        </a:defRPr>
+      </a:lvl6pPr>
+      <a:lvl7pPr marL="2971800" indent="-228600" algn="l" defTabSz="914400" rtl="0" eaLnBrk="1" latinLnBrk="0" hangingPunct="1">
+        <a:lnSpc>
+          <a:spcPct val="90000"/>
+        </a:lnSpc>
+        <a:spcBef>
+          <a:spcPts val="500"/>
+        </a:spcBef>
+        <a:buFont typeface="Arial" panose="020B0604020202020204" pitchFamily="34" charset="0"/>
+        <a:buChar char="•"/>
+        <a:defRPr sz="1800" kern="1200">
+          <a:solidFill>
+            <a:schemeClr val="tx1"/>
+          </a:solidFill>
+          <a:latin typeface="+mn-lt"/>
+          <a:ea typeface="+mn-ea"/>
+          <a:cs typeface="+mn-cs"/>
+        </a:defRPr>
+      </a:lvl7pPr>
+      <a:lvl8pPr marL="3429000" indent="-228600" algn="l" defTabSz="914400" rtl="0" eaLnBrk="1" latinLnBrk="0" hangingPunct="1">
+        <a:lnSpc>
+          <a:spcPct val="90000"/>
+        </a:lnSpc>
+        <a:spcBef>
+          <a:spcPts val="500"/>
+        </a:spcBef>
+        <a:buFont typeface="Arial" panose="020B0604020202020204" pitchFamily="34" charset="0"/>
+        <a:buChar char="•"/>
+        <a:defRPr sz="1800" kern="1200">
+          <a:solidFill>
+            <a:schemeClr val="tx1"/>
+          </a:solidFill>
+          <a:latin typeface="+mn-lt"/>
+          <a:ea typeface="+mn-ea"/>
+          <a:cs typeface="+mn-cs"/>
+        </a:defRPr>
+      </a:lvl8pPr>
+      <a:lvl9pPr marL="3886200" indent="-228600" algn="l" defTabSz="914400" rtl="0" eaLnBrk="1" latinLnBrk="0" hangingPunct="1">
+        <a:lnSpc>
+          <a:spcPct val="90000"/>
+        </a:lnSpc>
+        <a:spcBef>
+          <a:spcPts val="500"/>
+        </a:spcBef>
+        <a:buFont typeface="Arial" panose="020B0604020202020204" pitchFamily="34" charset="0"/>
+        <a:buChar char="•"/>
+        <a:defRPr sz="1800" kern="1200">
+          <a:solidFill>
+            <a:schemeClr val="tx1"/>
+          </a:solidFill>
+          <a:latin typeface="+mn-lt"/>
+          <a:ea typeface="+mn-ea"/>
+          <a:cs typeface="+mn-cs"/>
+        </a:defRPr>
+      </a:lvl9pPr>
+    </p:bodyStyle>
+    <p:otherStyle>
+      <a:defPPr>
+        <a:defRPr lang="en-US"/>
+      </a:defPPr>
+      <a:lvl1pPr marL="0" algn="l" defTabSz="914400" rtl="0" eaLnBrk="1" latinLnBrk="0" hangingPunct="1">
+        <a:defRPr sz="1800" kern="1200">
+          <a:solidFill>
+            <a:schemeClr val="tx1"/>
+          </a:solidFill>
+          <a:latin typeface="+mn-lt"/>
+          <a:ea typeface="+mn-ea"/>
+          <a:cs typeface="+mn-cs"/>
+        </a:defRPr>
+      </a:lvl1pPr>
+      <a:lvl2pPr marL="457200" algn="l" defTabSz="914400" rtl="0" eaLnBrk="1" latinLnBrk="0" hangingPunct="1">
+        <a:defRPr sz="1800" kern="1200">
+          <a:solidFill>
+            <a:schemeClr val="tx1"/>
+          </a:solidFill>
+          <a:latin typeface="+mn-lt"/>
+          <a:ea typeface="+mn-ea"/>
+          <a:cs typeface="+mn-cs"/>
+        </a:defRPr>
+      </a:lvl2pPr>
+      <a:lvl3pPr marL="914400" algn="l" defTabSz="914400" rtl="0" eaLnBrk="1" latinLnBrk="0" hangingPunct="1">
+        <a:defRPr sz="1800" kern="1200">
+          <a:solidFill>
+            <a:schemeClr val="tx1"/>
+          </a:solidFill>
+          <a:latin typeface="+mn-lt"/>
+          <a:ea typeface="+mn-ea"/>
+          <a:cs typeface="+mn-cs"/>
+        </a:defRPr>
+      </a:lvl3pPr>
+      <a:lvl4pPr marL="1371600" algn="l" defTabSz="914400" rtl="0" eaLnBrk="1" latinLnBrk="0" hangingPunct="1">
+        <a:defRPr sz="1800" kern="1200">
+          <a:solidFill>
+            <a:schemeClr val="tx1"/>
+          </a:solidFill>
+          <a:latin typeface="+mn-lt"/>
+          <a:ea typeface="+mn-ea"/>
+          <a:cs typeface="+mn-cs"/>
+        </a:defRPr>
+      </a:lvl4pPr>
+      <a:lvl5pPr marL="1828800" algn="l" defTabSz="914400" rtl="0" eaLnBrk="1" latinLnBrk="0" hangingPunct="1">
+        <a:defRPr sz="1800" kern="1200">
+          <a:solidFill>
+            <a:schemeClr val="tx1"/>
+          </a:solidFill>
+          <a:latin typeface="+mn-lt"/>
+          <a:ea typeface="+mn-ea"/>
+          <a:cs typeface="+mn-cs"/>
+        </a:defRPr>
+      </a:lvl5pPr>
+      <a:lvl6pPr marL="2286000" algn="l" defTabSz="914400" rtl="0" eaLnBrk="1" latinLnBrk="0" hangingPunct="1">
+        <a:defRPr sz="1800" kern="1200">
+          <a:solidFill>
+            <a:schemeClr val="tx1"/>
+          </a:solidFill>
+          <a:latin typeface="+mn-lt"/>
+          <a:ea typeface="+mn-ea"/>
+          <a:cs typeface="+mn-cs"/>
+        </a:defRPr>
+      </a:lvl6pPr>
+      <a:lvl7pPr marL="2743200" algn="l" defTabSz="914400" rtl="0" eaLnBrk="1" latinLnBrk="0" hangingPunct="1">
+        <a:defRPr sz="1800" kern="1200">
+          <a:solidFill>
+            <a:schemeClr val="tx1"/>
+          </a:solidFill>
+          <a:latin typeface="+mn-lt"/>
+          <a:ea typeface="+mn-ea"/>
+          <a:cs typeface="+mn-cs"/>
+        </a:defRPr>
+      </a:lvl7pPr>
+      <a:lvl8pPr marL="3200400" algn="l" defTabSz="914400" rtl="0" eaLnBrk="1" latinLnBrk="0" hangingPunct="1">
+        <a:defRPr sz="1800" kern="1200">
+          <a:solidFill>
+            <a:schemeClr val="tx1"/>
+          </a:solidFill>
+          <a:latin typeface="+mn-lt"/>
+          <a:ea typeface="+mn-ea"/>
+          <a:cs typeface="+mn-cs"/>
+        </a:defRPr>
+      </a:lvl8pPr>
+      <a:lvl9pPr marL="3657600" algn="l" defTabSz="914400" rtl="0" eaLnBrk="1" latinLnBrk="0" hangingPunct="1">
+        <a:defRPr sz="1800" kern="1200">
+          <a:solidFill>
+            <a:schemeClr val="tx1"/>
+          </a:solidFill>
+          <a:latin typeface="+mn-lt"/>
+          <a:ea typeface="+mn-ea"/>
+          <a:cs typeface="+mn-cs"/>
+        </a:defRPr>
+      </a:lvl9pPr>
+    </p:otherStyle>
+  </p:txStyles>
+</p:sldMaster>
+</file>
+
+<file path=ppt/slideMasters/slideMaster2.xml><?xml version="1.0" encoding="utf-8"?>
+<p:sldMaster xmlns:a="http://schemas.openxmlformats.org/drawingml/2006/main" xmlns:r="http://schemas.openxmlformats.org/officeDocument/2006/relationships" xmlns:p="http://schemas.openxmlformats.org/presentationml/2006/main">
+  <p:cSld>
+    <p:bg>
+      <p:bgRef idx="1001">
+        <a:schemeClr val="bg1"/>
+      </p:bgRef>
+    </p:bg>
+    <p:spTree>
+      <p:nvGrpSpPr>
+        <p:cNvPr id="1" name=""/>
+        <p:cNvGrpSpPr/>
+        <p:nvPr/>
+      </p:nvGrpSpPr>
+      <p:grpSpPr>
+        <a:xfrm>
+          <a:off x="0" y="0"/>
+          <a:ext cx="0" cy="0"/>
+          <a:chOff x="0" y="0"/>
+          <a:chExt cx="0" cy="0"/>
+        </a:xfrm>
+      </p:grpSpPr>
+      <p:sp>
+        <p:nvSpPr>
+          <p:cNvPr id="39" name="CustomShape 1"/>
+          <p:cNvSpPr/>
+          <p:nvPr/>
+        </p:nvSpPr>
+        <p:spPr>
+          <a:xfrm>
+            <a:off x="0" y="180000"/>
+            <a:ext cx="9719640" cy="1259640"/>
+          </a:xfrm>
+          <a:prstGeom prst="rect">
+            <a:avLst/>
+          </a:prstGeom>
+          <a:solidFill>
+            <a:srgbClr val="E74C3C"/>
+          </a:solidFill>
+          <a:ln w="72000">
+            <a:noFill/>
+          </a:ln>
+        </p:spPr>
+        <p:style>
+          <a:lnRef idx="0">
+            <a:scrgbClr r="0" g="0" b="0"/>
+          </a:lnRef>
+          <a:fillRef idx="0">
+            <a:scrgbClr r="0" g="0" b="0"/>
+          </a:fillRef>
+          <a:effectRef idx="0">
+            <a:scrgbClr r="0" g="0" b="0"/>
+          </a:effectRef>
+          <a:fontRef idx="minor"/>
+        </p:style>
+      </p:sp>
+      <p:sp>
+        <p:nvSpPr>
+          <p:cNvPr id="40" name="CustomShape 2"/>
+          <p:cNvSpPr/>
+          <p:nvPr/>
+        </p:nvSpPr>
+        <p:spPr>
+          <a:xfrm>
+            <a:off x="7560000" y="6840000"/>
+            <a:ext cx="2519640" cy="539640"/>
+          </a:xfrm>
+          <a:prstGeom prst="rect">
+            <a:avLst/>
+          </a:prstGeom>
+          <a:solidFill>
+            <a:srgbClr val="E74C3C"/>
+          </a:solidFill>
+          <a:ln w="72000">
+            <a:noFill/>
+          </a:ln>
+        </p:spPr>
+        <p:style>
+          <a:lnRef idx="0">
+            <a:scrgbClr r="0" g="0" b="0"/>
+          </a:lnRef>
+          <a:fillRef idx="0">
+            <a:scrgbClr r="0" g="0" b="0"/>
+          </a:fillRef>
+          <a:effectRef idx="0">
+            <a:scrgbClr r="0" g="0" b="0"/>
+          </a:effectRef>
+          <a:fontRef idx="minor"/>
+        </p:style>
+      </p:sp>
+      <p:sp>
+        <p:nvSpPr>
+          <p:cNvPr id="41" name="CustomShape 3"/>
+          <p:cNvSpPr/>
+          <p:nvPr/>
+        </p:nvSpPr>
+        <p:spPr>
+          <a:xfrm>
+            <a:off x="900000" y="6840000"/>
+            <a:ext cx="6479640" cy="539640"/>
+          </a:xfrm>
+          <a:prstGeom prst="rect">
+            <a:avLst/>
+          </a:prstGeom>
+          <a:solidFill>
+            <a:srgbClr val="BDC3C7"/>
+          </a:solidFill>
+          <a:ln w="72000">
+            <a:noFill/>
+          </a:ln>
+        </p:spPr>
+        <p:style>
+          <a:lnRef idx="0">
+            <a:scrgbClr r="0" g="0" b="0"/>
+          </a:lnRef>
+          <a:fillRef idx="0">
+            <a:scrgbClr r="0" g="0" b="0"/>
+          </a:fillRef>
+          <a:effectRef idx="0">
+            <a:scrgbClr r="0" g="0" b="0"/>
+          </a:effectRef>
+          <a:fontRef idx="minor"/>
+        </p:style>
+      </p:sp>
+      <p:sp>
+        <p:nvSpPr>
+          <p:cNvPr id="42" name="CustomShape 4"/>
+          <p:cNvSpPr/>
+          <p:nvPr/>
+        </p:nvSpPr>
+        <p:spPr>
+          <a:xfrm>
+            <a:off x="180000" y="6840000"/>
+            <a:ext cx="539640" cy="539640"/>
+          </a:xfrm>
+          <a:prstGeom prst="rect">
+            <a:avLst/>
+          </a:prstGeom>
+          <a:noFill/>
+          <a:ln w="72000">
+            <a:noFill/>
+          </a:ln>
+        </p:spPr>
+        <p:style>
+          <a:lnRef idx="0">
+            <a:scrgbClr r="0" g="0" b="0"/>
+          </a:lnRef>
+          <a:fillRef idx="0">
+            <a:scrgbClr r="0" g="0" b="0"/>
+          </a:fillRef>
+          <a:effectRef idx="0">
+            <a:scrgbClr r="0" g="0" b="0"/>
+          </a:effectRef>
+          <a:fontRef idx="minor"/>
+        </p:style>
+      </p:sp>
+      <p:sp>
+        <p:nvSpPr>
+          <p:cNvPr id="43" name="PlaceHolder 5"/>
+          <p:cNvSpPr>
+            <a:spLocks noGrp="1"/>
+          </p:cNvSpPr>
+          <p:nvPr>
+            <p:ph type="title"/>
+          </p:nvPr>
+        </p:nvSpPr>
+        <p:spPr>
+          <a:xfrm>
+            <a:off x="360000" y="360000"/>
+            <a:ext cx="9359640" cy="899640"/>
+          </a:xfrm>
+          <a:prstGeom prst="rect">
+            <a:avLst/>
+          </a:prstGeom>
+        </p:spPr>
+        <p:txBody>
+          <a:bodyPr lIns="0" tIns="0" rIns="0" bIns="0" anchor="b"/>
+          <a:lstStyle/>
+          <a:p>
+            <a:r>
+              <a:rPr lang="en-AU" sz="1800" b="0" strike="noStrike" spc="-1">
+                <a:latin typeface="Arial"/>
+              </a:rPr>
+              <a:t>Click to edit the title text format</a:t>
+            </a:r>
+          </a:p>
+        </p:txBody>
+      </p:sp>
+      <p:sp>
+        <p:nvSpPr>
+          <p:cNvPr id="44" name="PlaceHolder 6"/>
+          <p:cNvSpPr>
+            <a:spLocks noGrp="1"/>
+          </p:cNvSpPr>
+          <p:nvPr>
+            <p:ph type="body"/>
+          </p:nvPr>
+        </p:nvSpPr>
+        <p:spPr>
+          <a:xfrm>
+            <a:off x="360000" y="1980000"/>
+            <a:ext cx="9179640" cy="4679640"/>
+          </a:xfrm>
+          <a:prstGeom prst="rect">
+            <a:avLst/>
+          </a:prstGeom>
+        </p:spPr>
+        <p:txBody>
+          <a:bodyPr lIns="0" tIns="0" rIns="0" bIns="0">
+            <a:normAutofit/>
+          </a:bodyPr>
+          <a:lstStyle/>
+          <a:p>
+            <a:pPr marL="432000" indent="-324000">
+              <a:spcBef>
+                <a:spcPts val="1417"/>
+              </a:spcBef>
+              <a:buClr>
+                <a:srgbClr val="000000"/>
+              </a:buClr>
+              <a:buSzPct val="45000"/>
+              <a:buFont typeface="Wingdings" charset="2"/>
+              <a:buChar char=""/>
+            </a:pPr>
+            <a:r>
+              <a:rPr lang="en-AU" sz="1800" b="0" strike="noStrike" spc="-1">
+                <a:latin typeface="Arial"/>
+              </a:rPr>
+              <a:t>Click to edit the outline text format</a:t>
+            </a:r>
+          </a:p>
+          <a:p>
+            <a:pPr marL="864000" lvl="1" indent="-324000">
+              <a:spcBef>
+                <a:spcPts val="1134"/>
+              </a:spcBef>
+              <a:buClr>
+                <a:srgbClr val="000000"/>
+              </a:buClr>
+              <a:buSzPct val="75000"/>
+              <a:buFont typeface="Symbol" charset="2"/>
+              <a:buChar char=""/>
+            </a:pPr>
+            <a:r>
+              <a:rPr lang="en-AU" sz="1800" b="0" strike="noStrike" spc="-1">
+                <a:latin typeface="Arial"/>
+              </a:rPr>
+              <a:t>Second Outline Level</a:t>
+            </a:r>
+          </a:p>
+          <a:p>
+            <a:pPr marL="1296000" lvl="2" indent="-288000">
+              <a:spcBef>
+                <a:spcPts val="850"/>
+              </a:spcBef>
+              <a:buClr>
+                <a:srgbClr val="000000"/>
+              </a:buClr>
+              <a:buSzPct val="45000"/>
+              <a:buFont typeface="Wingdings" charset="2"/>
+              <a:buChar char=""/>
+            </a:pPr>
+            <a:r>
+              <a:rPr lang="en-AU" sz="1800" b="0" strike="noStrike" spc="-1">
+                <a:latin typeface="Arial"/>
+              </a:rPr>
+              <a:t>Third Outline Level</a:t>
+            </a:r>
+          </a:p>
+          <a:p>
+            <a:pPr marL="1728000" lvl="3" indent="-216000">
+              <a:spcBef>
+                <a:spcPts val="567"/>
+              </a:spcBef>
+              <a:buClr>
+                <a:srgbClr val="000000"/>
+              </a:buClr>
+              <a:buSzPct val="75000"/>
+              <a:buFont typeface="Symbol" charset="2"/>
+              <a:buChar char=""/>
+            </a:pPr>
+            <a:r>
+              <a:rPr lang="en-AU" sz="1800" b="0" strike="noStrike" spc="-1">
+                <a:latin typeface="Arial"/>
+              </a:rPr>
+              <a:t>Fourth Outline Level</a:t>
+            </a:r>
+          </a:p>
+          <a:p>
+            <a:pPr marL="2160000" lvl="4" indent="-216000">
+              <a:spcBef>
+                <a:spcPts val="283"/>
+              </a:spcBef>
+              <a:buClr>
+                <a:srgbClr val="000000"/>
+              </a:buClr>
+              <a:buSzPct val="45000"/>
+              <a:buFont typeface="Wingdings" charset="2"/>
+              <a:buChar char=""/>
+            </a:pPr>
+            <a:r>
+              <a:rPr lang="en-AU" sz="1800" b="0" strike="noStrike" spc="-1">
+                <a:latin typeface="Arial"/>
+              </a:rPr>
+              <a:t>Fifth Outline Level</a:t>
+            </a:r>
+          </a:p>
+          <a:p>
+            <a:pPr marL="2592000" lvl="5" indent="-216000">
+              <a:spcBef>
+                <a:spcPts val="283"/>
+              </a:spcBef>
+              <a:buClr>
+                <a:srgbClr val="000000"/>
+              </a:buClr>
+              <a:buSzPct val="45000"/>
+              <a:buFont typeface="Wingdings" charset="2"/>
+              <a:buChar char=""/>
+            </a:pPr>
+            <a:r>
+              <a:rPr lang="en-AU" sz="1800" b="0" strike="noStrike" spc="-1">
+                <a:latin typeface="Arial"/>
+              </a:rPr>
+              <a:t>Sixth Outline Level</a:t>
+            </a:r>
+          </a:p>
+          <a:p>
+            <a:pPr marL="3024000" lvl="6" indent="-216000">
+              <a:spcBef>
+                <a:spcPts val="283"/>
+              </a:spcBef>
+              <a:buClr>
+                <a:srgbClr val="000000"/>
+              </a:buClr>
+              <a:buSzPct val="45000"/>
+              <a:buFont typeface="Wingdings" charset="2"/>
+              <a:buChar char=""/>
+            </a:pPr>
+            <a:r>
+              <a:rPr lang="en-AU" sz="1800" b="0" strike="noStrike" spc="-1">
+                <a:latin typeface="Arial"/>
+              </a:rPr>
+              <a:t>Seventh Outline Level</a:t>
+            </a:r>
+          </a:p>
+        </p:txBody>
+      </p:sp>
+    </p:spTree>
+  </p:cSld>
+  <p:clrMap bg1="lt1" tx1="dk1" bg2="lt2" tx2="dk2" accent1="accent1" accent2="accent2" accent3="accent3" accent4="accent4" accent5="accent5" accent6="accent6" hlink="hlink" folHlink="folHlink"/>
+  <p:sldLayoutIdLst>
+    <p:sldLayoutId id="2147483662" r:id="rId1"/>
+    <p:sldLayoutId id="2147483663" r:id="rId2"/>
+    <p:sldLayoutId id="2147483664" r:id="rId3"/>
+    <p:sldLayoutId id="2147483665" r:id="rId4"/>
+    <p:sldLayoutId id="2147483666" r:id="rId5"/>
+    <p:sldLayoutId id="2147483667" r:id="rId6"/>
+    <p:sldLayoutId id="2147483668" r:id="rId7"/>
+    <p:sldLayoutId id="2147483669" r:id="rId8"/>
+    <p:sldLayoutId id="2147483670" r:id="rId9"/>
+    <p:sldLayoutId id="2147483671" r:id="rId10"/>
+    <p:sldLayoutId id="2147483672" r:id="rId11"/>
+    <p:sldLayoutId id="2147483673" r:id="rId12"/>
+  </p:sldLayoutIdLst>
+  <p:txStyles>
+    <p:titleStyle>
+      <a:lvl1pPr algn="l" defTabSz="914400" rtl="0" eaLnBrk="1" latinLnBrk="0" hangingPunct="1">
+        <a:lnSpc>
+          <a:spcPct val="90000"/>
+        </a:lnSpc>
+        <a:spcBef>
+          <a:spcPct val="0"/>
+        </a:spcBef>
+        <a:buNone/>
+        <a:defRPr sz="4400" kern="1200">
+          <a:solidFill>
+            <a:schemeClr val="tx1"/>
+          </a:solidFill>
+          <a:latin typeface="+mj-lt"/>
+          <a:ea typeface="+mj-ea"/>
+          <a:cs typeface="+mj-cs"/>
+        </a:defRPr>
+      </a:lvl1pPr>
+    </p:titleStyle>
+    <p:bodyStyle>
+      <a:lvl1pPr marL="228600" indent="-228600" algn="l" defTabSz="914400" rtl="0" eaLnBrk="1" latinLnBrk="0" hangingPunct="1">
+        <a:lnSpc>
+          <a:spcPct val="90000"/>
+        </a:lnSpc>
+        <a:spcBef>
+          <a:spcPts val="1000"/>
+        </a:spcBef>
+        <a:buFont typeface="Arial" panose="020B0604020202020204" pitchFamily="34" charset="0"/>
+        <a:buChar char="•"/>
+        <a:defRPr sz="2800" kern="1200">
+          <a:solidFill>
+            <a:schemeClr val="tx1"/>
+          </a:solidFill>
+          <a:latin typeface="+mn-lt"/>
+          <a:ea typeface="+mn-ea"/>
+          <a:cs typeface="+mn-cs"/>
+        </a:defRPr>
+      </a:lvl1pPr>
+      <a:lvl2pPr marL="685800" indent="-228600" algn="l" defTabSz="914400" rtl="0" eaLnBrk="1" latinLnBrk="0" hangingPunct="1">
+        <a:lnSpc>
+          <a:spcPct val="90000"/>
+        </a:lnSpc>
+        <a:spcBef>
+          <a:spcPts val="500"/>
+        </a:spcBef>
+        <a:buFont typeface="Arial" panose="020B0604020202020204" pitchFamily="34" charset="0"/>
+        <a:buChar char="•"/>
+        <a:defRPr sz="2400" kern="1200">
+          <a:solidFill>
+            <a:schemeClr val="tx1"/>
+          </a:solidFill>
+          <a:latin typeface="+mn-lt"/>
+          <a:ea typeface="+mn-ea"/>
+          <a:cs typeface="+mn-cs"/>
+        </a:defRPr>
+      </a:lvl2pPr>
+      <a:lvl3pPr marL="1143000" indent="-228600" algn="l" defTabSz="914400" rtl="0" eaLnBrk="1" latinLnBrk="0" hangingPunct="1">
+        <a:lnSpc>
+          <a:spcPct val="90000"/>
+        </a:lnSpc>
+        <a:spcBef>
+          <a:spcPts val="500"/>
+        </a:spcBef>
+        <a:buFont typeface="Arial" panose="020B0604020202020204" pitchFamily="34" charset="0"/>
+        <a:buChar char="•"/>
+        <a:defRPr sz="2000" kern="1200">
+          <a:solidFill>
+            <a:schemeClr val="tx1"/>
+          </a:solidFill>
+          <a:latin typeface="+mn-lt"/>
+          <a:ea typeface="+mn-ea"/>
+          <a:cs typeface="+mn-cs"/>
+        </a:defRPr>
+      </a:lvl3pPr>
+      <a:lvl4pPr marL="1600200" indent="-228600" algn="l" defTabSz="914400" rtl="0" eaLnBrk="1" latinLnBrk="0" hangingPunct="1">
+        <a:lnSpc>
+          <a:spcPct val="90000"/>
+        </a:lnSpc>
+        <a:spcBef>
+          <a:spcPts val="500"/>
+        </a:spcBef>
+        <a:buFont typeface="Arial" panose="020B0604020202020204" pitchFamily="34" charset="0"/>
+        <a:buChar char="•"/>
+        <a:defRPr sz="1800" kern="1200">
+          <a:solidFill>
+            <a:schemeClr val="tx1"/>
+          </a:solidFill>
+          <a:latin typeface="+mn-lt"/>
+          <a:ea typeface="+mn-ea"/>
+          <a:cs typeface="+mn-cs"/>
+        </a:defRPr>
+      </a:lvl4pPr>
+      <a:lvl5pPr marL="2057400" indent="-228600" algn="l" defTabSz="914400" rtl="0" eaLnBrk="1" latinLnBrk="0" hangingPunct="1">
+        <a:lnSpc>
+          <a:spcPct val="90000"/>
+        </a:lnSpc>
+        <a:spcBef>
+          <a:spcPts val="500"/>
+        </a:spcBef>
+        <a:buFont typeface="Arial" panose="020B0604020202020204" pitchFamily="34" charset="0"/>
+        <a:buChar char="•"/>
+        <a:defRPr sz="1800" kern="1200">
+          <a:solidFill>
+            <a:schemeClr val="tx1"/>
+          </a:solidFill>
+          <a:latin typeface="+mn-lt"/>
+          <a:ea typeface="+mn-ea"/>
+          <a:cs typeface="+mn-cs"/>
+        </a:defRPr>
+      </a:lvl5pPr>
+      <a:lvl6pPr marL="2514600" indent="-228600" algn="l" defTabSz="914400" rtl="0" eaLnBrk="1" latinLnBrk="0" hangingPunct="1">
+        <a:lnSpc>
+          <a:spcPct val="90000"/>
+        </a:lnSpc>
+        <a:spcBef>
+          <a:spcPts val="500"/>
+        </a:spcBef>
+        <a:buFont typeface="Arial" panose="020B0604020202020204" pitchFamily="34" charset="0"/>
+        <a:buChar char="•"/>
+        <a:defRPr sz="1800" kern="1200">
+          <a:solidFill>
+            <a:schemeClr val="tx1"/>
+          </a:solidFill>
+          <a:latin typeface="+mn-lt"/>
+          <a:ea typeface="+mn-ea"/>
+          <a:cs typeface="+mn-cs"/>
+        </a:defRPr>
+      </a:lvl6pPr>
+      <a:lvl7pPr marL="2971800" indent="-228600" algn="l" defTabSz="914400" rtl="0" eaLnBrk="1" latinLnBrk="0" hangingPunct="1">
+        <a:lnSpc>
+          <a:spcPct val="90000"/>
+        </a:lnSpc>
+        <a:spcBef>
+          <a:spcPts val="500"/>
+        </a:spcBef>
+        <a:buFont typeface="Arial" panose="020B0604020202020204" pitchFamily="34" charset="0"/>
+        <a:buChar char="•"/>
+        <a:defRPr sz="1800" kern="1200">
+          <a:solidFill>
+            <a:schemeClr val="tx1"/>
+          </a:solidFill>
+          <a:latin typeface="+mn-lt"/>
+          <a:ea typeface="+mn-ea"/>
+          <a:cs typeface="+mn-cs"/>
+        </a:defRPr>
+      </a:lvl7pPr>
+      <a:lvl8pPr marL="3429000" indent="-228600" algn="l" defTabSz="914400" rtl="0" eaLnBrk="1" latinLnBrk="0" hangingPunct="1">
+        <a:lnSpc>
+          <a:spcPct val="90000"/>
+        </a:lnSpc>
+        <a:spcBef>
+          <a:spcPts val="500"/>
+        </a:spcBef>
+        <a:buFont typeface="Arial" panose="020B0604020202020204" pitchFamily="34" charset="0"/>
+        <a:buChar char="•"/>
+        <a:defRPr sz="1800" kern="1200">
+          <a:solidFill>
+            <a:schemeClr val="tx1"/>
+          </a:solidFill>
+          <a:latin typeface="+mn-lt"/>
+          <a:ea typeface="+mn-ea"/>
+          <a:cs typeface="+mn-cs"/>
+        </a:defRPr>
+      </a:lvl8pPr>
+      <a:lvl9pPr marL="3886200" indent="-228600" algn="l" defTabSz="914400" rtl="0" eaLnBrk="1" latinLnBrk="0" hangingPunct="1">
+        <a:lnSpc>
+          <a:spcPct val="90000"/>
+        </a:lnSpc>
+        <a:spcBef>
+          <a:spcPts val="500"/>
+        </a:spcBef>
+        <a:buFont typeface="Arial" panose="020B0604020202020204" pitchFamily="34" charset="0"/>
+        <a:buChar char="•"/>
+        <a:defRPr sz="1800" kern="1200">
+          <a:solidFill>
+            <a:schemeClr val="tx1"/>
+          </a:solidFill>
+          <a:latin typeface="+mn-lt"/>
+          <a:ea typeface="+mn-ea"/>
+          <a:cs typeface="+mn-cs"/>
+        </a:defRPr>
+      </a:lvl9pPr>
+    </p:bodyStyle>
+    <p:otherStyle>
+      <a:defPPr>
+        <a:defRPr lang="en-US"/>
+      </a:defPPr>
+      <a:lvl1pPr marL="0" algn="l" defTabSz="914400" rtl="0" eaLnBrk="1" latinLnBrk="0" hangingPunct="1">
+        <a:defRPr sz="1800" kern="1200">
+          <a:solidFill>
+            <a:schemeClr val="tx1"/>
+          </a:solidFill>
+          <a:latin typeface="+mn-lt"/>
+          <a:ea typeface="+mn-ea"/>
+          <a:cs typeface="+mn-cs"/>
+        </a:defRPr>
+      </a:lvl1pPr>
+      <a:lvl2pPr marL="457200" algn="l" defTabSz="914400" rtl="0" eaLnBrk="1" latinLnBrk="0" hangingPunct="1">
+        <a:defRPr sz="1800" kern="1200">
+          <a:solidFill>
+            <a:schemeClr val="tx1"/>
+          </a:solidFill>
+          <a:latin typeface="+mn-lt"/>
+          <a:ea typeface="+mn-ea"/>
+          <a:cs typeface="+mn-cs"/>
+        </a:defRPr>
+      </a:lvl2pPr>
+      <a:lvl3pPr marL="914400" algn="l" defTabSz="914400" rtl="0" eaLnBrk="1" latinLnBrk="0" hangingPunct="1">
+        <a:defRPr sz="1800" kern="1200">
+          <a:solidFill>
+            <a:schemeClr val="tx1"/>
+          </a:solidFill>
+          <a:latin typeface="+mn-lt"/>
+          <a:ea typeface="+mn-ea"/>
+          <a:cs typeface="+mn-cs"/>
+        </a:defRPr>
+      </a:lvl3pPr>
+      <a:lvl4pPr marL="1371600" algn="l" defTabSz="914400" rtl="0" eaLnBrk="1" latinLnBrk="0" hangingPunct="1">
+        <a:defRPr sz="1800" kern="1200">
+          <a:solidFill>
+            <a:schemeClr val="tx1"/>
+          </a:solidFill>
+          <a:latin typeface="+mn-lt"/>
+          <a:ea typeface="+mn-ea"/>
+          <a:cs typeface="+mn-cs"/>
+        </a:defRPr>
+      </a:lvl4pPr>
+      <a:lvl5pPr marL="1828800" algn="l" defTabSz="914400" rtl="0" eaLnBrk="1" latinLnBrk="0" hangingPunct="1">
+        <a:defRPr sz="1800" kern="1200">
+          <a:solidFill>
+            <a:schemeClr val="tx1"/>
+          </a:solidFill>
+          <a:latin typeface="+mn-lt"/>
+          <a:ea typeface="+mn-ea"/>
+          <a:cs typeface="+mn-cs"/>
+        </a:defRPr>
+      </a:lvl5pPr>
+      <a:lvl6pPr marL="2286000" algn="l" defTabSz="914400" rtl="0" eaLnBrk="1" latinLnBrk="0" hangingPunct="1">
+        <a:defRPr sz="1800" kern="1200">
+          <a:solidFill>
+            <a:schemeClr val="tx1"/>
+          </a:solidFill>
+          <a:latin typeface="+mn-lt"/>
+          <a:ea typeface="+mn-ea"/>
+          <a:cs typeface="+mn-cs"/>
+        </a:defRPr>
+      </a:lvl6pPr>
+      <a:lvl7pPr marL="2743200" algn="l" defTabSz="914400" rtl="0" eaLnBrk="1" latinLnBrk="0" hangingPunct="1">
+        <a:defRPr sz="1800" kern="1200">
+          <a:solidFill>
+            <a:schemeClr val="tx1"/>
+          </a:solidFill>
+          <a:latin typeface="+mn-lt"/>
+          <a:ea typeface="+mn-ea"/>
+          <a:cs typeface="+mn-cs"/>
+        </a:defRPr>
+      </a:lvl7pPr>
+      <a:lvl8pPr marL="3200400" algn="l" defTabSz="914400" rtl="0" eaLnBrk="1" latinLnBrk="0" hangingPunct="1">
+        <a:defRPr sz="1800" kern="1200">
+          <a:solidFill>
+            <a:schemeClr val="tx1"/>
+          </a:solidFill>
+          <a:latin typeface="+mn-lt"/>
+          <a:ea typeface="+mn-ea"/>
+          <a:cs typeface="+mn-cs"/>
+        </a:defRPr>
+      </a:lvl8pPr>
+      <a:lvl9pPr marL="3657600" algn="l" defTabSz="914400" rtl="0" eaLnBrk="1" latinLnBrk="0" hangingPunct="1">
+        <a:defRPr sz="1800" kern="1200">
+          <a:solidFill>
+            <a:schemeClr val="tx1"/>
+          </a:solidFill>
+          <a:latin typeface="+mn-lt"/>
+          <a:ea typeface="+mn-ea"/>
+          <a:cs typeface="+mn-cs"/>
+        </a:defRPr>
+      </a:lvl9pPr>
+    </p:otherStyle>
+  </p:txStyles>
+</p:sldMaster>
+</file>
+
+<file path=ppt/slides/slide1.xml><?xml version="1.0" encoding="utf-8"?>
+<p:sld xmlns:a="http://schemas.openxmlformats.org/drawingml/2006/main" xmlns:r="http://schemas.openxmlformats.org/officeDocument/2006/relationships" xmlns:p="http://schemas.openxmlformats.org/presentationml/2006/main">
   <p:cSld>
     <p:spTree>
       <p:nvGrpSpPr>
@@ -2711,240 +4144,125 @@
       </p:grpSpPr>
       <p:sp>
         <p:nvSpPr>
-          <p:cNvPr id="0" name="CustomShape 1"/>
+          <p:cNvPr id="81" name="CustomShape 1"/>
           <p:cNvSpPr/>
           <p:nvPr/>
         </p:nvSpPr>
         <p:spPr>
           <a:xfrm>
-            <a:off x="0" y="3150000"/>
-            <a:ext cx="9719640" cy="1259640"/>
-          </a:xfrm>
-          <a:prstGeom prst="rect">
-            <a:avLst/>
-          </a:prstGeom>
-          <a:solidFill>
-            <a:srgbClr val="e74c3c"/>
-          </a:solidFill>
+            <a:off x="360000" y="3330000"/>
+            <a:ext cx="9359640" cy="899640"/>
+          </a:xfrm>
+          <a:prstGeom prst="rect">
+            <a:avLst/>
+          </a:prstGeom>
+          <a:noFill/>
           <a:ln>
             <a:noFill/>
           </a:ln>
         </p:spPr>
         <p:style>
-          <a:lnRef idx="0"/>
-          <a:fillRef idx="0"/>
-          <a:effectRef idx="0"/>
+          <a:lnRef idx="0">
+            <a:scrgbClr r="0" g="0" b="0"/>
+          </a:lnRef>
+          <a:fillRef idx="0">
+            <a:scrgbClr r="0" g="0" b="0"/>
+          </a:fillRef>
+          <a:effectRef idx="0">
+            <a:scrgbClr r="0" g="0" b="0"/>
+          </a:effectRef>
           <a:fontRef idx="minor"/>
         </p:style>
-      </p:sp>
-      <p:sp>
-        <p:nvSpPr>
-          <p:cNvPr id="1" name="PlaceHolder 2"/>
-          <p:cNvSpPr>
-            <a:spLocks noGrp="1"/>
-          </p:cNvSpPr>
-          <p:nvPr>
-            <p:ph type="title"/>
-          </p:nvPr>
-        </p:nvSpPr>
-        <p:spPr>
-          <a:xfrm>
-            <a:off x="360000" y="360000"/>
-            <a:ext cx="9359640" cy="899640"/>
-          </a:xfrm>
-          <a:prstGeom prst="rect">
-            <a:avLst/>
-          </a:prstGeom>
-        </p:spPr>
-        <p:txBody>
-          <a:bodyPr lIns="0" rIns="0" tIns="0" bIns="0" anchor="b"/>
+        <p:txBody>
+          <a:bodyPr lIns="0" tIns="0" rIns="0" bIns="0" anchor="b"/>
+          <a:lstStyle/>
           <a:p>
             <a:r>
-              <a:rPr b="0" lang="en-AU" sz="1800" spc="-1" strike="noStrike">
-                <a:latin typeface="Arial"/>
+              <a:rPr lang="en-AU" sz="3200" b="1" strike="noStrike" spc="-1" dirty="0" smtClean="0">
+                <a:solidFill>
+                  <a:srgbClr val="FFFFFF"/>
+                </a:solidFill>
+                <a:latin typeface="Source Sans Pro Black"/>
               </a:rPr>
-              <a:t>Click to edit the title text format</a:t>
+              <a:t>Predicting Black Friday Sales via</a:t>
             </a:r>
-            <a:endParaRPr b="0" lang="en-AU" sz="1800" spc="-1" strike="noStrike">
-              <a:latin typeface="Arial"/>
-            </a:endParaRPr>
-          </a:p>
-        </p:txBody>
-      </p:sp>
-      <p:sp>
-        <p:nvSpPr>
-          <p:cNvPr id="2" name="PlaceHolder 3"/>
-          <p:cNvSpPr>
-            <a:spLocks noGrp="1"/>
-          </p:cNvSpPr>
-          <p:nvPr>
-            <p:ph type="body"/>
-          </p:nvPr>
-        </p:nvSpPr>
-        <p:spPr>
-          <a:xfrm>
-            <a:off x="504000" y="1768680"/>
-            <a:ext cx="9072000" cy="4384080"/>
-          </a:xfrm>
-          <a:prstGeom prst="rect">
-            <a:avLst/>
-          </a:prstGeom>
-        </p:spPr>
-        <p:txBody>
-          <a:bodyPr lIns="0" rIns="0" tIns="0" bIns="0">
-            <a:normAutofit/>
-          </a:bodyPr>
-          <a:p>
-            <a:pPr marL="432000" indent="-324000">
-              <a:spcBef>
-                <a:spcPts val="1417"/>
-              </a:spcBef>
-              <a:buClr>
-                <a:srgbClr val="000000"/>
-              </a:buClr>
-              <a:buSzPct val="45000"/>
-              <a:buFont typeface="Wingdings" charset="2"/>
-              <a:buChar char=""/>
-            </a:pPr>
+            <a:br>
+              <a:rPr lang="en-AU" sz="3200" b="1" strike="noStrike" spc="-1" dirty="0" smtClean="0">
+                <a:solidFill>
+                  <a:srgbClr val="FFFFFF"/>
+                </a:solidFill>
+                <a:latin typeface="Source Sans Pro Black"/>
+              </a:rPr>
+            </a:br>
             <a:r>
-              <a:rPr b="0" lang="en-AU" sz="3200" spc="-1" strike="noStrike">
-                <a:latin typeface="Arial"/>
+              <a:rPr lang="en-AU" sz="3200" b="1" strike="noStrike" spc="-1" dirty="0" smtClean="0">
+                <a:solidFill>
+                  <a:srgbClr val="FFFFFF"/>
+                </a:solidFill>
+                <a:latin typeface="Source Sans Pro Black"/>
               </a:rPr>
-              <a:t>Click to edit the outline text format</a:t>
+              <a:t>Bayesian Multiple Regression</a:t>
             </a:r>
-            <a:endParaRPr b="0" lang="en-AU" sz="3200" spc="-1" strike="noStrike">
-              <a:latin typeface="Arial"/>
-            </a:endParaRPr>
-          </a:p>
-          <a:p>
-            <a:pPr lvl="1" marL="864000" indent="-324000">
-              <a:spcBef>
-                <a:spcPts val="1134"/>
-              </a:spcBef>
-              <a:buClr>
-                <a:srgbClr val="000000"/>
-              </a:buClr>
-              <a:buSzPct val="75000"/>
-              <a:buFont typeface="Symbol" charset="2"/>
-              <a:buChar char=""/>
-            </a:pPr>
             <a:r>
-              <a:rPr b="0" lang="en-AU" sz="2800" spc="-1" strike="noStrike">
-                <a:latin typeface="Arial"/>
+              <a:rPr lang="en-AU" sz="3200" b="1" strike="noStrike" spc="-1" dirty="0">
+                <a:solidFill>
+                  <a:srgbClr val="FFFFFF"/>
+                </a:solidFill>
+                <a:latin typeface="Source Sans Pro Black"/>
               </a:rPr>
-              <a:t>Second Outline Level</a:t>
+              <a:t>	</a:t>
             </a:r>
-            <a:endParaRPr b="0" lang="en-AU" sz="2800" spc="-1" strike="noStrike">
-              <a:latin typeface="Arial"/>
-            </a:endParaRPr>
-          </a:p>
-          <a:p>
-            <a:pPr lvl="2" marL="1296000" indent="-288000">
-              <a:spcBef>
-                <a:spcPts val="850"/>
-              </a:spcBef>
-              <a:buClr>
-                <a:srgbClr val="000000"/>
-              </a:buClr>
-              <a:buSzPct val="45000"/>
-              <a:buFont typeface="Wingdings" charset="2"/>
-              <a:buChar char=""/>
-            </a:pPr>
+            <a:endParaRPr lang="en-AU" sz="3200" b="0" strike="noStrike" spc="-1" dirty="0">
+              <a:latin typeface="Arial"/>
+            </a:endParaRPr>
+          </a:p>
+        </p:txBody>
+      </p:sp>
+      <p:sp>
+        <p:nvSpPr>
+          <p:cNvPr id="82" name="CustomShape 2"/>
+          <p:cNvSpPr/>
+          <p:nvPr/>
+        </p:nvSpPr>
+        <p:spPr>
+          <a:xfrm>
+            <a:off x="540000" y="4680000"/>
+            <a:ext cx="9179640" cy="2519640"/>
+          </a:xfrm>
+          <a:prstGeom prst="rect">
+            <a:avLst/>
+          </a:prstGeom>
+          <a:noFill/>
+          <a:ln>
+            <a:noFill/>
+          </a:ln>
+        </p:spPr>
+        <p:style>
+          <a:lnRef idx="0">
+            <a:scrgbClr r="0" g="0" b="0"/>
+          </a:lnRef>
+          <a:fillRef idx="0">
+            <a:scrgbClr r="0" g="0" b="0"/>
+          </a:fillRef>
+          <a:effectRef idx="0">
+            <a:scrgbClr r="0" g="0" b="0"/>
+          </a:effectRef>
+          <a:fontRef idx="minor"/>
+        </p:style>
+        <p:txBody>
+          <a:bodyPr lIns="0" tIns="0" rIns="0" bIns="0"/>
+          <a:lstStyle/>
+          <a:p>
             <a:r>
-              <a:rPr b="0" lang="en-AU" sz="2400" spc="-1" strike="noStrike">
-                <a:latin typeface="Arial"/>
+              <a:rPr lang="en-AU" sz="2200" b="0" strike="noStrike" spc="-1">
+                <a:solidFill>
+                  <a:srgbClr val="1C1C1C"/>
+                </a:solidFill>
+                <a:latin typeface="Source Sans Pro Light"/>
               </a:rPr>
-              <a:t>Third Outline Level</a:t>
+              <a:t>By Arion Evans, Jake Mott, Josh Grosman, and Tim Kirkbride</a:t>
             </a:r>
-            <a:endParaRPr b="0" lang="en-AU" sz="2400" spc="-1" strike="noStrike">
-              <a:latin typeface="Arial"/>
-            </a:endParaRPr>
-          </a:p>
-          <a:p>
-            <a:pPr lvl="3" marL="1728000" indent="-216000">
-              <a:spcBef>
-                <a:spcPts val="567"/>
-              </a:spcBef>
-              <a:buClr>
-                <a:srgbClr val="000000"/>
-              </a:buClr>
-              <a:buSzPct val="75000"/>
-              <a:buFont typeface="Symbol" charset="2"/>
-              <a:buChar char=""/>
-            </a:pPr>
-            <a:r>
-              <a:rPr b="0" lang="en-AU" sz="2000" spc="-1" strike="noStrike">
-                <a:latin typeface="Arial"/>
-              </a:rPr>
-              <a:t>Fourth Outline Level</a:t>
-            </a:r>
-            <a:endParaRPr b="0" lang="en-AU" sz="2000" spc="-1" strike="noStrike">
-              <a:latin typeface="Arial"/>
-            </a:endParaRPr>
-          </a:p>
-          <a:p>
-            <a:pPr lvl="4" marL="2160000" indent="-216000">
-              <a:spcBef>
-                <a:spcPts val="283"/>
-              </a:spcBef>
-              <a:buClr>
-                <a:srgbClr val="000000"/>
-              </a:buClr>
-              <a:buSzPct val="45000"/>
-              <a:buFont typeface="Wingdings" charset="2"/>
-              <a:buChar char=""/>
-            </a:pPr>
-            <a:r>
-              <a:rPr b="0" lang="en-AU" sz="2000" spc="-1" strike="noStrike">
-                <a:latin typeface="Arial"/>
-              </a:rPr>
-              <a:t>Fifth Outline Level</a:t>
-            </a:r>
-            <a:endParaRPr b="0" lang="en-AU" sz="2000" spc="-1" strike="noStrike">
-              <a:latin typeface="Arial"/>
-            </a:endParaRPr>
-          </a:p>
-          <a:p>
-            <a:pPr lvl="5" marL="2592000" indent="-216000">
-              <a:spcBef>
-                <a:spcPts val="283"/>
-              </a:spcBef>
-              <a:buClr>
-                <a:srgbClr val="000000"/>
-              </a:buClr>
-              <a:buSzPct val="45000"/>
-              <a:buFont typeface="Wingdings" charset="2"/>
-              <a:buChar char=""/>
-            </a:pPr>
-            <a:r>
-              <a:rPr b="0" lang="en-AU" sz="2000" spc="-1" strike="noStrike">
-                <a:latin typeface="Arial"/>
-              </a:rPr>
-              <a:t>Sixth Outline Level</a:t>
-            </a:r>
-            <a:endParaRPr b="0" lang="en-AU" sz="2000" spc="-1" strike="noStrike">
-              <a:latin typeface="Arial"/>
-            </a:endParaRPr>
-          </a:p>
-          <a:p>
-            <a:pPr lvl="6" marL="3024000" indent="-216000">
-              <a:spcBef>
-                <a:spcPts val="283"/>
-              </a:spcBef>
-              <a:buClr>
-                <a:srgbClr val="000000"/>
-              </a:buClr>
-              <a:buSzPct val="45000"/>
-              <a:buFont typeface="Wingdings" charset="2"/>
-              <a:buChar char=""/>
-            </a:pPr>
-            <a:r>
-              <a:rPr b="0" lang="en-AU" sz="2000" spc="-1" strike="noStrike">
-                <a:latin typeface="Arial"/>
-              </a:rPr>
-              <a:t>Seventh Outline Level</a:t>
-            </a:r>
-            <a:endParaRPr b="0" lang="en-AU" sz="2000" spc="-1" strike="noStrike">
+            <a:endParaRPr lang="en-AU" sz="2200" b="0" strike="noStrike" spc="-1">
               <a:latin typeface="Arial"/>
             </a:endParaRPr>
           </a:p>
@@ -2952,26 +4270,41 @@
       </p:sp>
     </p:spTree>
   </p:cSld>
-  <p:clrMap bg1="lt1" bg2="lt2" tx1="dk1" tx2="dk2" accent1="accent1" accent2="accent2" accent3="accent3" accent4="accent4" accent5="accent5" accent6="accent6" hlink="hlink" folHlink="folHlink"/>
-  <p:sldLayoutIdLst>
-    <p:sldLayoutId id="2147483649" r:id="rId2"/>
-    <p:sldLayoutId id="2147483650" r:id="rId3"/>
-    <p:sldLayoutId id="2147483651" r:id="rId4"/>
-    <p:sldLayoutId id="2147483652" r:id="rId5"/>
-    <p:sldLayoutId id="2147483653" r:id="rId6"/>
-    <p:sldLayoutId id="2147483654" r:id="rId7"/>
-    <p:sldLayoutId id="2147483655" r:id="rId8"/>
-    <p:sldLayoutId id="2147483656" r:id="rId9"/>
-    <p:sldLayoutId id="2147483657" r:id="rId10"/>
-    <p:sldLayoutId id="2147483658" r:id="rId11"/>
-    <p:sldLayoutId id="2147483659" r:id="rId12"/>
-    <p:sldLayoutId id="2147483660" r:id="rId13"/>
-  </p:sldLayoutIdLst>
-</p:sldMaster>
+  <p:clrMapOvr>
+    <a:masterClrMapping/>
+  </p:clrMapOvr>
+  <p:timing>
+    <p:tnLst>
+      <p:par>
+        <p:cTn id="1" dur="indefinite" restart="never" nodeType="tmRoot">
+          <p:childTnLst>
+            <p:seq>
+              <p:cTn id="2" nodeType="mainSeq"/>
+              <p:prevCondLst>
+                <p:cond evt="onPrev" delay="0">
+                  <p:tgtEl>
+                    <p:sldTgt/>
+                  </p:tgtEl>
+                </p:cond>
+              </p:prevCondLst>
+              <p:nextCondLst>
+                <p:cond evt="onNext" delay="0">
+                  <p:tgtEl>
+                    <p:sldTgt/>
+                  </p:tgtEl>
+                </p:cond>
+              </p:nextCondLst>
+            </p:seq>
+          </p:childTnLst>
+        </p:cTn>
+      </p:par>
+    </p:tnLst>
+  </p:timing>
+</p:sld>
 </file>
 
-<file path=ppt/slideMasters/slideMaster2.xml><?xml version="1.0" encoding="utf-8"?>
-<p:sldMaster xmlns:a="http://schemas.openxmlformats.org/drawingml/2006/main" xmlns:p="http://schemas.openxmlformats.org/presentationml/2006/main" xmlns:r="http://schemas.openxmlformats.org/officeDocument/2006/relationships" xmlns:p14="http://schemas.microsoft.com/office/powerpoint/2010/main" xmlns:p15="http://schemas.microsoft.com/office/powerpoint/2012/main" xmlns:mc="http://schemas.openxmlformats.org/markup-compatibility/2006">
+<file path=ppt/slides/slide10.xml><?xml version="1.0" encoding="utf-8"?>
+<p:sld xmlns:a="http://schemas.openxmlformats.org/drawingml/2006/main" xmlns:r="http://schemas.openxmlformats.org/officeDocument/2006/relationships" xmlns:p="http://schemas.openxmlformats.org/presentationml/2006/main">
   <p:cSld>
     <p:spTree>
       <p:nvGrpSpPr>
@@ -2989,349 +4322,123 @@
       </p:grpSpPr>
       <p:sp>
         <p:nvSpPr>
-          <p:cNvPr id="39" name="CustomShape 1"/>
+          <p:cNvPr id="107" name="CustomShape 1"/>
           <p:cNvSpPr/>
           <p:nvPr/>
         </p:nvSpPr>
         <p:spPr>
           <a:xfrm>
-            <a:off x="0" y="180000"/>
-            <a:ext cx="9719640" cy="1259640"/>
-          </a:xfrm>
-          <a:prstGeom prst="rect">
-            <a:avLst/>
-          </a:prstGeom>
-          <a:solidFill>
-            <a:srgbClr val="e74c3c"/>
-          </a:solidFill>
-          <a:ln w="72000">
+            <a:off x="360000" y="360000"/>
+            <a:ext cx="9359640" cy="899640"/>
+          </a:xfrm>
+          <a:prstGeom prst="rect">
+            <a:avLst/>
+          </a:prstGeom>
+          <a:noFill/>
+          <a:ln>
             <a:noFill/>
           </a:ln>
         </p:spPr>
         <p:style>
-          <a:lnRef idx="0"/>
-          <a:fillRef idx="0"/>
-          <a:effectRef idx="0"/>
+          <a:lnRef idx="0">
+            <a:scrgbClr r="0" g="0" b="0"/>
+          </a:lnRef>
+          <a:fillRef idx="0">
+            <a:scrgbClr r="0" g="0" b="0"/>
+          </a:fillRef>
+          <a:effectRef idx="0">
+            <a:scrgbClr r="0" g="0" b="0"/>
+          </a:effectRef>
           <a:fontRef idx="minor"/>
         </p:style>
-      </p:sp>
-      <p:sp>
-        <p:nvSpPr>
-          <p:cNvPr id="40" name="CustomShape 2"/>
+        <p:txBody>
+          <a:bodyPr lIns="0" tIns="0" rIns="0" bIns="0" anchor="b"/>
+          <a:lstStyle/>
+          <a:p>
+            <a:r>
+              <a:rPr lang="en-AU" sz="3200" b="1" strike="noStrike" spc="-1">
+                <a:solidFill>
+                  <a:srgbClr val="FFFFFF"/>
+                </a:solidFill>
+                <a:latin typeface="Source Sans Pro Black"/>
+              </a:rPr>
+              <a:t>Model Diagnostics</a:t>
+            </a:r>
+            <a:endParaRPr lang="en-AU" sz="3200" b="0" strike="noStrike" spc="-1">
+              <a:latin typeface="Arial"/>
+            </a:endParaRPr>
+          </a:p>
+        </p:txBody>
+      </p:sp>
+      <p:sp>
+        <p:nvSpPr>
+          <p:cNvPr id="108" name="CustomShape 2"/>
           <p:cNvSpPr/>
           <p:nvPr/>
         </p:nvSpPr>
         <p:spPr>
           <a:xfrm>
-            <a:off x="7560000" y="6840000"/>
-            <a:ext cx="2519640" cy="539640"/>
-          </a:xfrm>
-          <a:prstGeom prst="rect">
-            <a:avLst/>
-          </a:prstGeom>
-          <a:solidFill>
-            <a:srgbClr val="e74c3c"/>
-          </a:solidFill>
-          <a:ln w="72000">
+            <a:off x="360000" y="1980000"/>
+            <a:ext cx="9179640" cy="4679640"/>
+          </a:xfrm>
+          <a:prstGeom prst="rect">
+            <a:avLst/>
+          </a:prstGeom>
+          <a:noFill/>
+          <a:ln>
             <a:noFill/>
           </a:ln>
         </p:spPr>
         <p:style>
-          <a:lnRef idx="0"/>
-          <a:fillRef idx="0"/>
-          <a:effectRef idx="0"/>
+          <a:lnRef idx="0">
+            <a:scrgbClr r="0" g="0" b="0"/>
+          </a:lnRef>
+          <a:fillRef idx="0">
+            <a:scrgbClr r="0" g="0" b="0"/>
+          </a:fillRef>
+          <a:effectRef idx="0">
+            <a:scrgbClr r="0" g="0" b="0"/>
+          </a:effectRef>
           <a:fontRef idx="minor"/>
         </p:style>
       </p:sp>
-      <p:sp>
-        <p:nvSpPr>
-          <p:cNvPr id="41" name="CustomShape 3"/>
-          <p:cNvSpPr/>
-          <p:nvPr/>
-        </p:nvSpPr>
-        <p:spPr>
-          <a:xfrm>
-            <a:off x="900000" y="6840000"/>
-            <a:ext cx="6479640" cy="539640"/>
-          </a:xfrm>
-          <a:prstGeom prst="rect">
-            <a:avLst/>
-          </a:prstGeom>
-          <a:solidFill>
-            <a:srgbClr val="bdc3c7"/>
-          </a:solidFill>
-          <a:ln w="72000">
-            <a:noFill/>
-          </a:ln>
-        </p:spPr>
-        <p:style>
-          <a:lnRef idx="0"/>
-          <a:fillRef idx="0"/>
-          <a:effectRef idx="0"/>
-          <a:fontRef idx="minor"/>
-        </p:style>
-      </p:sp>
-      <p:sp>
-        <p:nvSpPr>
-          <p:cNvPr id="42" name="CustomShape 4"/>
-          <p:cNvSpPr/>
-          <p:nvPr/>
-        </p:nvSpPr>
-        <p:spPr>
-          <a:xfrm>
-            <a:off x="180000" y="6840000"/>
-            <a:ext cx="539640" cy="539640"/>
-          </a:xfrm>
-          <a:prstGeom prst="rect">
-            <a:avLst/>
-          </a:prstGeom>
-          <a:noFill/>
-          <a:ln w="72000">
-            <a:noFill/>
-          </a:ln>
-        </p:spPr>
-        <p:style>
-          <a:lnRef idx="0"/>
-          <a:fillRef idx="0"/>
-          <a:effectRef idx="0"/>
-          <a:fontRef idx="minor"/>
-        </p:style>
-      </p:sp>
-      <p:sp>
-        <p:nvSpPr>
-          <p:cNvPr id="43" name="PlaceHolder 5"/>
-          <p:cNvSpPr>
-            <a:spLocks noGrp="1"/>
-          </p:cNvSpPr>
-          <p:nvPr>
-            <p:ph type="title"/>
-          </p:nvPr>
-        </p:nvSpPr>
-        <p:spPr>
-          <a:xfrm>
-            <a:off x="360000" y="360000"/>
-            <a:ext cx="9359640" cy="899640"/>
-          </a:xfrm>
-          <a:prstGeom prst="rect">
-            <a:avLst/>
-          </a:prstGeom>
-        </p:spPr>
-        <p:txBody>
-          <a:bodyPr lIns="0" rIns="0" tIns="0" bIns="0" anchor="b"/>
-          <a:p>
-            <a:r>
-              <a:rPr b="0" lang="en-AU" sz="1800" spc="-1" strike="noStrike">
-                <a:latin typeface="Arial"/>
-              </a:rPr>
-              <a:t>Click to edit the title text format</a:t>
-            </a:r>
-            <a:endParaRPr b="0" lang="en-AU" sz="1800" spc="-1" strike="noStrike">
-              <a:latin typeface="Arial"/>
-            </a:endParaRPr>
-          </a:p>
-        </p:txBody>
-      </p:sp>
-      <p:sp>
-        <p:nvSpPr>
-          <p:cNvPr id="44" name="PlaceHolder 6"/>
-          <p:cNvSpPr>
-            <a:spLocks noGrp="1"/>
-          </p:cNvSpPr>
-          <p:nvPr>
-            <p:ph type="body"/>
-          </p:nvPr>
-        </p:nvSpPr>
-        <p:spPr>
-          <a:xfrm>
-            <a:off x="360000" y="1980000"/>
-            <a:ext cx="9179640" cy="4679640"/>
-          </a:xfrm>
-          <a:prstGeom prst="rect">
-            <a:avLst/>
-          </a:prstGeom>
-        </p:spPr>
-        <p:txBody>
-          <a:bodyPr lIns="0" rIns="0" tIns="0" bIns="0">
-            <a:normAutofit/>
-          </a:bodyPr>
-          <a:p>
-            <a:pPr marL="432000" indent="-324000">
-              <a:spcBef>
-                <a:spcPts val="1417"/>
-              </a:spcBef>
-              <a:buClr>
-                <a:srgbClr val="000000"/>
-              </a:buClr>
-              <a:buSzPct val="45000"/>
-              <a:buFont typeface="Wingdings" charset="2"/>
-              <a:buChar char=""/>
-            </a:pPr>
-            <a:r>
-              <a:rPr b="0" lang="en-AU" sz="1800" spc="-1" strike="noStrike">
-                <a:latin typeface="Arial"/>
-              </a:rPr>
-              <a:t>Click to edit the outline text format</a:t>
-            </a:r>
-            <a:endParaRPr b="0" lang="en-AU" sz="1800" spc="-1" strike="noStrike">
-              <a:latin typeface="Arial"/>
-            </a:endParaRPr>
-          </a:p>
-          <a:p>
-            <a:pPr lvl="1" marL="864000" indent="-324000">
-              <a:spcBef>
-                <a:spcPts val="1134"/>
-              </a:spcBef>
-              <a:buClr>
-                <a:srgbClr val="000000"/>
-              </a:buClr>
-              <a:buSzPct val="75000"/>
-              <a:buFont typeface="Symbol" charset="2"/>
-              <a:buChar char=""/>
-            </a:pPr>
-            <a:r>
-              <a:rPr b="0" lang="en-AU" sz="1800" spc="-1" strike="noStrike">
-                <a:latin typeface="Arial"/>
-              </a:rPr>
-              <a:t>Second Outline Level</a:t>
-            </a:r>
-            <a:endParaRPr b="0" lang="en-AU" sz="1800" spc="-1" strike="noStrike">
-              <a:latin typeface="Arial"/>
-            </a:endParaRPr>
-          </a:p>
-          <a:p>
-            <a:pPr lvl="2" marL="1296000" indent="-288000">
-              <a:spcBef>
-                <a:spcPts val="850"/>
-              </a:spcBef>
-              <a:buClr>
-                <a:srgbClr val="000000"/>
-              </a:buClr>
-              <a:buSzPct val="45000"/>
-              <a:buFont typeface="Wingdings" charset="2"/>
-              <a:buChar char=""/>
-            </a:pPr>
-            <a:r>
-              <a:rPr b="0" lang="en-AU" sz="1800" spc="-1" strike="noStrike">
-                <a:latin typeface="Arial"/>
-              </a:rPr>
-              <a:t>Third Outline Level</a:t>
-            </a:r>
-            <a:endParaRPr b="0" lang="en-AU" sz="1800" spc="-1" strike="noStrike">
-              <a:latin typeface="Arial"/>
-            </a:endParaRPr>
-          </a:p>
-          <a:p>
-            <a:pPr lvl="3" marL="1728000" indent="-216000">
-              <a:spcBef>
-                <a:spcPts val="567"/>
-              </a:spcBef>
-              <a:buClr>
-                <a:srgbClr val="000000"/>
-              </a:buClr>
-              <a:buSzPct val="75000"/>
-              <a:buFont typeface="Symbol" charset="2"/>
-              <a:buChar char=""/>
-            </a:pPr>
-            <a:r>
-              <a:rPr b="0" lang="en-AU" sz="1800" spc="-1" strike="noStrike">
-                <a:latin typeface="Arial"/>
-              </a:rPr>
-              <a:t>Fourth Outline Level</a:t>
-            </a:r>
-            <a:endParaRPr b="0" lang="en-AU" sz="1800" spc="-1" strike="noStrike">
-              <a:latin typeface="Arial"/>
-            </a:endParaRPr>
-          </a:p>
-          <a:p>
-            <a:pPr lvl="4" marL="2160000" indent="-216000">
-              <a:spcBef>
-                <a:spcPts val="283"/>
-              </a:spcBef>
-              <a:buClr>
-                <a:srgbClr val="000000"/>
-              </a:buClr>
-              <a:buSzPct val="45000"/>
-              <a:buFont typeface="Wingdings" charset="2"/>
-              <a:buChar char=""/>
-            </a:pPr>
-            <a:r>
-              <a:rPr b="0" lang="en-AU" sz="1800" spc="-1" strike="noStrike">
-                <a:latin typeface="Arial"/>
-              </a:rPr>
-              <a:t>Fifth Outline Level</a:t>
-            </a:r>
-            <a:endParaRPr b="0" lang="en-AU" sz="1800" spc="-1" strike="noStrike">
-              <a:latin typeface="Arial"/>
-            </a:endParaRPr>
-          </a:p>
-          <a:p>
-            <a:pPr lvl="5" marL="2592000" indent="-216000">
-              <a:spcBef>
-                <a:spcPts val="283"/>
-              </a:spcBef>
-              <a:buClr>
-                <a:srgbClr val="000000"/>
-              </a:buClr>
-              <a:buSzPct val="45000"/>
-              <a:buFont typeface="Wingdings" charset="2"/>
-              <a:buChar char=""/>
-            </a:pPr>
-            <a:r>
-              <a:rPr b="0" lang="en-AU" sz="1800" spc="-1" strike="noStrike">
-                <a:latin typeface="Arial"/>
-              </a:rPr>
-              <a:t>Sixth Outline Level</a:t>
-            </a:r>
-            <a:endParaRPr b="0" lang="en-AU" sz="1800" spc="-1" strike="noStrike">
-              <a:latin typeface="Arial"/>
-            </a:endParaRPr>
-          </a:p>
-          <a:p>
-            <a:pPr lvl="6" marL="3024000" indent="-216000">
-              <a:spcBef>
-                <a:spcPts val="283"/>
-              </a:spcBef>
-              <a:buClr>
-                <a:srgbClr val="000000"/>
-              </a:buClr>
-              <a:buSzPct val="45000"/>
-              <a:buFont typeface="Wingdings" charset="2"/>
-              <a:buChar char=""/>
-            </a:pPr>
-            <a:r>
-              <a:rPr b="0" lang="en-AU" sz="1800" spc="-1" strike="noStrike">
-                <a:latin typeface="Arial"/>
-              </a:rPr>
-              <a:t>Seventh Outline Level</a:t>
-            </a:r>
-            <a:endParaRPr b="0" lang="en-AU" sz="1800" spc="-1" strike="noStrike">
-              <a:latin typeface="Arial"/>
-            </a:endParaRPr>
-          </a:p>
-        </p:txBody>
-      </p:sp>
     </p:spTree>
   </p:cSld>
-  <p:clrMap bg1="lt1" bg2="lt2" tx1="dk1" tx2="dk2" accent1="accent1" accent2="accent2" accent3="accent3" accent4="accent4" accent5="accent5" accent6="accent6" hlink="hlink" folHlink="folHlink"/>
-  <p:sldLayoutIdLst>
-    <p:sldLayoutId id="2147483662" r:id="rId2"/>
-    <p:sldLayoutId id="2147483663" r:id="rId3"/>
-    <p:sldLayoutId id="2147483664" r:id="rId4"/>
-    <p:sldLayoutId id="2147483665" r:id="rId5"/>
-    <p:sldLayoutId id="2147483666" r:id="rId6"/>
-    <p:sldLayoutId id="2147483667" r:id="rId7"/>
-    <p:sldLayoutId id="2147483668" r:id="rId8"/>
-    <p:sldLayoutId id="2147483669" r:id="rId9"/>
-    <p:sldLayoutId id="2147483670" r:id="rId10"/>
-    <p:sldLayoutId id="2147483671" r:id="rId11"/>
-    <p:sldLayoutId id="2147483672" r:id="rId12"/>
-    <p:sldLayoutId id="2147483673" r:id="rId13"/>
-  </p:sldLayoutIdLst>
-</p:sldMaster>
+  <p:clrMapOvr>
+    <a:masterClrMapping/>
+  </p:clrMapOvr>
+  <p:timing>
+    <p:tnLst>
+      <p:par>
+        <p:cTn id="1" dur="indefinite" restart="never" nodeType="tmRoot">
+          <p:childTnLst>
+            <p:seq>
+              <p:cTn id="2" nodeType="mainSeq"/>
+              <p:prevCondLst>
+                <p:cond evt="onPrev" delay="0">
+                  <p:tgtEl>
+                    <p:sldTgt/>
+                  </p:tgtEl>
+                </p:cond>
+              </p:prevCondLst>
+              <p:nextCondLst>
+                <p:cond evt="onNext" delay="0">
+                  <p:tgtEl>
+                    <p:sldTgt/>
+                  </p:tgtEl>
+                </p:cond>
+              </p:nextCondLst>
+            </p:seq>
+          </p:childTnLst>
+        </p:cTn>
+      </p:par>
+    </p:tnLst>
+  </p:timing>
+</p:sld>
 </file>
 
-<file path=ppt/slides/slide1.xml><?xml version="1.0" encoding="utf-8"?>
-<p:sld xmlns:a="http://schemas.openxmlformats.org/drawingml/2006/main" xmlns:p="http://schemas.openxmlformats.org/presentationml/2006/main" xmlns:r="http://schemas.openxmlformats.org/officeDocument/2006/relationships" xmlns:p14="http://schemas.microsoft.com/office/powerpoint/2010/main" xmlns:p15="http://schemas.microsoft.com/office/powerpoint/2012/main" xmlns:mc="http://schemas.openxmlformats.org/markup-compatibility/2006">
+<file path=ppt/slides/slide11.xml><?xml version="1.0" encoding="utf-8"?>
+<p:sld xmlns:a="http://schemas.openxmlformats.org/drawingml/2006/main" xmlns:r="http://schemas.openxmlformats.org/officeDocument/2006/relationships" xmlns:p="http://schemas.openxmlformats.org/presentationml/2006/main">
   <p:cSld>
     <p:spTree>
       <p:nvGrpSpPr>
@@ -3349,13 +4456,13 @@
       </p:grpSpPr>
       <p:sp>
         <p:nvSpPr>
-          <p:cNvPr id="81" name="CustomShape 1"/>
+          <p:cNvPr id="109" name="CustomShape 1"/>
           <p:cNvSpPr/>
           <p:nvPr/>
         </p:nvSpPr>
         <p:spPr>
           <a:xfrm>
-            <a:off x="360000" y="3330000"/>
+            <a:off x="360000" y="360000"/>
             <a:ext cx="9359640" cy="899640"/>
           </a:xfrm>
           <a:prstGeom prst="rect">
@@ -3367,48 +4474,46 @@
           </a:ln>
         </p:spPr>
         <p:style>
-          <a:lnRef idx="0"/>
-          <a:fillRef idx="0"/>
-          <a:effectRef idx="0"/>
+          <a:lnRef idx="0">
+            <a:scrgbClr r="0" g="0" b="0"/>
+          </a:lnRef>
+          <a:fillRef idx="0">
+            <a:scrgbClr r="0" g="0" b="0"/>
+          </a:fillRef>
+          <a:effectRef idx="0">
+            <a:scrgbClr r="0" g="0" b="0"/>
+          </a:effectRef>
           <a:fontRef idx="minor"/>
         </p:style>
         <p:txBody>
-          <a:bodyPr lIns="0" rIns="0" tIns="0" bIns="0" anchor="b"/>
+          <a:bodyPr lIns="0" tIns="0" rIns="0" bIns="0" anchor="b"/>
+          <a:lstStyle/>
           <a:p>
             <a:r>
-              <a:rPr b="1" lang="en-AU" sz="3200" spc="-1" strike="noStrike">
+              <a:rPr lang="en-AU" sz="3200" b="1" strike="noStrike" spc="-1">
                 <a:solidFill>
-                  <a:srgbClr val="ffffff"/>
+                  <a:srgbClr val="FFFFFF"/>
                 </a:solidFill>
                 <a:latin typeface="Source Sans Pro Black"/>
               </a:rPr>
-              <a:t>COVER SLIDE</a:t>
+              <a:t>Posterior Analysis 1</a:t>
             </a:r>
-            <a:r>
-              <a:rPr b="1" lang="en-AU" sz="3200" spc="-1" strike="noStrike">
-                <a:solidFill>
-                  <a:srgbClr val="ffffff"/>
-                </a:solidFill>
-                <a:latin typeface="Source Sans Pro Black"/>
-              </a:rPr>
-              <a:t>	</a:t>
-            </a:r>
-            <a:endParaRPr b="0" lang="en-AU" sz="3200" spc="-1" strike="noStrike">
-              <a:latin typeface="Arial"/>
-            </a:endParaRPr>
-          </a:p>
-        </p:txBody>
-      </p:sp>
-      <p:sp>
-        <p:nvSpPr>
-          <p:cNvPr id="82" name="CustomShape 2"/>
+            <a:endParaRPr lang="en-AU" sz="3200" b="0" strike="noStrike" spc="-1">
+              <a:latin typeface="Arial"/>
+            </a:endParaRPr>
+          </a:p>
+        </p:txBody>
+      </p:sp>
+      <p:sp>
+        <p:nvSpPr>
+          <p:cNvPr id="110" name="CustomShape 2"/>
           <p:cNvSpPr/>
           <p:nvPr/>
         </p:nvSpPr>
         <p:spPr>
           <a:xfrm>
-            <a:off x="540000" y="4680000"/>
-            <a:ext cx="9179640" cy="2519640"/>
+            <a:off x="360000" y="1980000"/>
+            <a:ext cx="9179640" cy="4679640"/>
           </a:xfrm>
           <a:prstGeom prst="rect">
             <a:avLst/>
@@ -3419,24 +4524,41 @@
           </a:ln>
         </p:spPr>
         <p:style>
-          <a:lnRef idx="0"/>
-          <a:fillRef idx="0"/>
-          <a:effectRef idx="0"/>
+          <a:lnRef idx="0">
+            <a:scrgbClr r="0" g="0" b="0"/>
+          </a:lnRef>
+          <a:fillRef idx="0">
+            <a:scrgbClr r="0" g="0" b="0"/>
+          </a:fillRef>
+          <a:effectRef idx="0">
+            <a:scrgbClr r="0" g="0" b="0"/>
+          </a:effectRef>
           <a:fontRef idx="minor"/>
         </p:style>
         <p:txBody>
-          <a:bodyPr lIns="0" rIns="0" tIns="0" bIns="0"/>
-          <a:p>
+          <a:bodyPr lIns="0" tIns="0" rIns="0" bIns="0">
+            <a:normAutofit/>
+          </a:bodyPr>
+          <a:lstStyle/>
+          <a:p>
+            <a:pPr>
+              <a:lnSpc>
+                <a:spcPct val="100000"/>
+              </a:lnSpc>
+              <a:spcAft>
+                <a:spcPts val="1142"/>
+              </a:spcAft>
+            </a:pPr>
             <a:r>
-              <a:rPr b="0" lang="en-AU" sz="2200" spc="-1" strike="noStrike">
+              <a:rPr lang="en-AU" sz="2600" b="1" strike="noStrike" spc="-1">
                 <a:solidFill>
-                  <a:srgbClr val="1c1c1c"/>
+                  <a:srgbClr val="1C1C1C"/>
                 </a:solidFill>
-                <a:latin typeface="Source Sans Pro Light"/>
+                <a:latin typeface="Source Sans Pro Semibold"/>
               </a:rPr>
-              <a:t>By Arion Evans, Jake Mott, Josh Grosman, and Tim Kirkbride</a:t>
+              <a:t>2 posteriors per slide</a:t>
             </a:r>
-            <a:endParaRPr b="0" lang="en-AU" sz="2200" spc="-1" strike="noStrike">
+            <a:endParaRPr lang="en-AU" sz="2600" b="0" strike="noStrike" spc="-1">
               <a:latin typeface="Arial"/>
             </a:endParaRPr>
           </a:p>
@@ -3444,6 +4566,9 @@
       </p:sp>
     </p:spTree>
   </p:cSld>
+  <p:clrMapOvr>
+    <a:masterClrMapping/>
+  </p:clrMapOvr>
   <p:timing>
     <p:tnLst>
       <p:par>
@@ -3452,14 +4577,14 @@
             <p:seq>
               <p:cTn id="2" nodeType="mainSeq"/>
               <p:prevCondLst>
-                <p:cond delay="0" evt="onPrev">
+                <p:cond evt="onPrev" delay="0">
                   <p:tgtEl>
                     <p:sldTgt/>
                   </p:tgtEl>
                 </p:cond>
               </p:prevCondLst>
               <p:nextCondLst>
-                <p:cond delay="0" evt="onNext">
+                <p:cond evt="onNext" delay="0">
                   <p:tgtEl>
                     <p:sldTgt/>
                   </p:tgtEl>
@@ -3474,8 +4599,8 @@
 </p:sld>
 </file>
 
-<file path=ppt/slides/slide10.xml><?xml version="1.0" encoding="utf-8"?>
-<p:sld xmlns:a="http://schemas.openxmlformats.org/drawingml/2006/main" xmlns:p="http://schemas.openxmlformats.org/presentationml/2006/main" xmlns:r="http://schemas.openxmlformats.org/officeDocument/2006/relationships" xmlns:p14="http://schemas.microsoft.com/office/powerpoint/2010/main" xmlns:p15="http://schemas.microsoft.com/office/powerpoint/2012/main" xmlns:mc="http://schemas.openxmlformats.org/markup-compatibility/2006">
+<file path=ppt/slides/slide12.xml><?xml version="1.0" encoding="utf-8"?>
+<p:sld xmlns:a="http://schemas.openxmlformats.org/drawingml/2006/main" xmlns:r="http://schemas.openxmlformats.org/officeDocument/2006/relationships" xmlns:p="http://schemas.openxmlformats.org/presentationml/2006/main">
   <p:cSld>
     <p:spTree>
       <p:nvGrpSpPr>
@@ -3493,7 +4618,7 @@
       </p:grpSpPr>
       <p:sp>
         <p:nvSpPr>
-          <p:cNvPr id="107" name="CustomShape 1"/>
+          <p:cNvPr id="111" name="CustomShape 1"/>
           <p:cNvSpPr/>
           <p:nvPr/>
         </p:nvSpPr>
@@ -3511,32 +4636,39 @@
           </a:ln>
         </p:spPr>
         <p:style>
-          <a:lnRef idx="0"/>
-          <a:fillRef idx="0"/>
-          <a:effectRef idx="0"/>
+          <a:lnRef idx="0">
+            <a:scrgbClr r="0" g="0" b="0"/>
+          </a:lnRef>
+          <a:fillRef idx="0">
+            <a:scrgbClr r="0" g="0" b="0"/>
+          </a:fillRef>
+          <a:effectRef idx="0">
+            <a:scrgbClr r="0" g="0" b="0"/>
+          </a:effectRef>
           <a:fontRef idx="minor"/>
         </p:style>
         <p:txBody>
-          <a:bodyPr lIns="0" rIns="0" tIns="0" bIns="0" anchor="b"/>
+          <a:bodyPr lIns="0" tIns="0" rIns="0" bIns="0" anchor="b"/>
+          <a:lstStyle/>
           <a:p>
             <a:r>
-              <a:rPr b="1" lang="en-AU" sz="3200" spc="-1" strike="noStrike">
+              <a:rPr lang="en-AU" sz="3200" b="1" strike="noStrike" spc="-1">
                 <a:solidFill>
-                  <a:srgbClr val="ffffff"/>
+                  <a:srgbClr val="FFFFFF"/>
                 </a:solidFill>
                 <a:latin typeface="Source Sans Pro Black"/>
               </a:rPr>
-              <a:t>Model Diagnostics</a:t>
+              <a:t>Posterior Analysis 2</a:t>
             </a:r>
-            <a:endParaRPr b="0" lang="en-AU" sz="3200" spc="-1" strike="noStrike">
-              <a:latin typeface="Arial"/>
-            </a:endParaRPr>
-          </a:p>
-        </p:txBody>
-      </p:sp>
-      <p:sp>
-        <p:nvSpPr>
-          <p:cNvPr id="108" name="CustomShape 2"/>
+            <a:endParaRPr lang="en-AU" sz="3200" b="0" strike="noStrike" spc="-1">
+              <a:latin typeface="Arial"/>
+            </a:endParaRPr>
+          </a:p>
+        </p:txBody>
+      </p:sp>
+      <p:sp>
+        <p:nvSpPr>
+          <p:cNvPr id="112" name="CustomShape 2"/>
           <p:cNvSpPr/>
           <p:nvPr/>
         </p:nvSpPr>
@@ -3554,30 +4686,67 @@
           </a:ln>
         </p:spPr>
         <p:style>
-          <a:lnRef idx="0"/>
-          <a:fillRef idx="0"/>
-          <a:effectRef idx="0"/>
+          <a:lnRef idx="0">
+            <a:scrgbClr r="0" g="0" b="0"/>
+          </a:lnRef>
+          <a:fillRef idx="0">
+            <a:scrgbClr r="0" g="0" b="0"/>
+          </a:fillRef>
+          <a:effectRef idx="0">
+            <a:scrgbClr r="0" g="0" b="0"/>
+          </a:effectRef>
           <a:fontRef idx="minor"/>
         </p:style>
+        <p:txBody>
+          <a:bodyPr lIns="0" tIns="0" rIns="0" bIns="0">
+            <a:normAutofit/>
+          </a:bodyPr>
+          <a:lstStyle/>
+          <a:p>
+            <a:pPr>
+              <a:lnSpc>
+                <a:spcPct val="100000"/>
+              </a:lnSpc>
+              <a:spcAft>
+                <a:spcPts val="1142"/>
+              </a:spcAft>
+            </a:pPr>
+            <a:r>
+              <a:rPr lang="en-AU" sz="2600" b="1" strike="noStrike" spc="-1">
+                <a:solidFill>
+                  <a:srgbClr val="1C1C1C"/>
+                </a:solidFill>
+                <a:latin typeface="Source Sans Pro Semibold"/>
+              </a:rPr>
+              <a:t>2 posteriors per slide</a:t>
+            </a:r>
+            <a:endParaRPr lang="en-AU" sz="2600" b="0" strike="noStrike" spc="-1">
+              <a:latin typeface="Arial"/>
+            </a:endParaRPr>
+          </a:p>
+        </p:txBody>
       </p:sp>
     </p:spTree>
   </p:cSld>
+  <p:clrMapOvr>
+    <a:masterClrMapping/>
+  </p:clrMapOvr>
   <p:timing>
     <p:tnLst>
       <p:par>
-        <p:cTn id="19" dur="indefinite" restart="never" nodeType="tmRoot">
+        <p:cTn id="1" dur="indefinite" restart="never" nodeType="tmRoot">
           <p:childTnLst>
             <p:seq>
-              <p:cTn id="20" nodeType="mainSeq"/>
+              <p:cTn id="2" nodeType="mainSeq"/>
               <p:prevCondLst>
-                <p:cond delay="0" evt="onPrev">
+                <p:cond evt="onPrev" delay="0">
                   <p:tgtEl>
                     <p:sldTgt/>
                   </p:tgtEl>
                 </p:cond>
               </p:prevCondLst>
               <p:nextCondLst>
-                <p:cond delay="0" evt="onNext">
+                <p:cond evt="onNext" delay="0">
                   <p:tgtEl>
                     <p:sldTgt/>
                   </p:tgtEl>
@@ -3592,8 +4761,8 @@
 </p:sld>
 </file>
 
-<file path=ppt/slides/slide11.xml><?xml version="1.0" encoding="utf-8"?>
-<p:sld xmlns:a="http://schemas.openxmlformats.org/drawingml/2006/main" xmlns:p="http://schemas.openxmlformats.org/presentationml/2006/main" xmlns:r="http://schemas.openxmlformats.org/officeDocument/2006/relationships" xmlns:p14="http://schemas.microsoft.com/office/powerpoint/2010/main" xmlns:p15="http://schemas.microsoft.com/office/powerpoint/2012/main" xmlns:mc="http://schemas.openxmlformats.org/markup-compatibility/2006">
+<file path=ppt/slides/slide13.xml><?xml version="1.0" encoding="utf-8"?>
+<p:sld xmlns:a="http://schemas.openxmlformats.org/drawingml/2006/main" xmlns:r="http://schemas.openxmlformats.org/officeDocument/2006/relationships" xmlns:p="http://schemas.openxmlformats.org/presentationml/2006/main">
   <p:cSld>
     <p:spTree>
       <p:nvGrpSpPr>
@@ -3611,7 +4780,7 @@
       </p:grpSpPr>
       <p:sp>
         <p:nvSpPr>
-          <p:cNvPr id="109" name="CustomShape 1"/>
+          <p:cNvPr id="113" name="CustomShape 1"/>
           <p:cNvSpPr/>
           <p:nvPr/>
         </p:nvSpPr>
@@ -3629,32 +4798,39 @@
           </a:ln>
         </p:spPr>
         <p:style>
-          <a:lnRef idx="0"/>
-          <a:fillRef idx="0"/>
-          <a:effectRef idx="0"/>
+          <a:lnRef idx="0">
+            <a:scrgbClr r="0" g="0" b="0"/>
+          </a:lnRef>
+          <a:fillRef idx="0">
+            <a:scrgbClr r="0" g="0" b="0"/>
+          </a:fillRef>
+          <a:effectRef idx="0">
+            <a:scrgbClr r="0" g="0" b="0"/>
+          </a:effectRef>
           <a:fontRef idx="minor"/>
         </p:style>
         <p:txBody>
-          <a:bodyPr lIns="0" rIns="0" tIns="0" bIns="0" anchor="b"/>
+          <a:bodyPr lIns="0" tIns="0" rIns="0" bIns="0" anchor="b"/>
+          <a:lstStyle/>
           <a:p>
             <a:r>
-              <a:rPr b="1" lang="en-AU" sz="3200" spc="-1" strike="noStrike">
+              <a:rPr lang="en-AU" sz="3200" b="1" strike="noStrike" spc="-1">
                 <a:solidFill>
-                  <a:srgbClr val="ffffff"/>
+                  <a:srgbClr val="FFFFFF"/>
                 </a:solidFill>
                 <a:latin typeface="Source Sans Pro Black"/>
               </a:rPr>
-              <a:t>Posterior Analysis 1</a:t>
+              <a:t>Posterior Analysis 3</a:t>
             </a:r>
-            <a:endParaRPr b="0" lang="en-AU" sz="3200" spc="-1" strike="noStrike">
-              <a:latin typeface="Arial"/>
-            </a:endParaRPr>
-          </a:p>
-        </p:txBody>
-      </p:sp>
-      <p:sp>
-        <p:nvSpPr>
-          <p:cNvPr id="110" name="CustomShape 2"/>
+            <a:endParaRPr lang="en-AU" sz="3200" b="0" strike="noStrike" spc="-1">
+              <a:latin typeface="Arial"/>
+            </a:endParaRPr>
+          </a:p>
+        </p:txBody>
+      </p:sp>
+      <p:sp>
+        <p:nvSpPr>
+          <p:cNvPr id="114" name="CustomShape 2"/>
           <p:cNvSpPr/>
           <p:nvPr/>
         </p:nvSpPr>
@@ -3672,15 +4848,22 @@
           </a:ln>
         </p:spPr>
         <p:style>
-          <a:lnRef idx="0"/>
-          <a:fillRef idx="0"/>
-          <a:effectRef idx="0"/>
+          <a:lnRef idx="0">
+            <a:scrgbClr r="0" g="0" b="0"/>
+          </a:lnRef>
+          <a:fillRef idx="0">
+            <a:scrgbClr r="0" g="0" b="0"/>
+          </a:fillRef>
+          <a:effectRef idx="0">
+            <a:scrgbClr r="0" g="0" b="0"/>
+          </a:effectRef>
           <a:fontRef idx="minor"/>
         </p:style>
         <p:txBody>
-          <a:bodyPr lIns="0" rIns="0" tIns="0" bIns="0">
+          <a:bodyPr lIns="0" tIns="0" rIns="0" bIns="0">
             <a:normAutofit/>
           </a:bodyPr>
+          <a:lstStyle/>
           <a:p>
             <a:pPr>
               <a:lnSpc>
@@ -3691,15 +4874,15 @@
               </a:spcAft>
             </a:pPr>
             <a:r>
-              <a:rPr b="1" lang="en-AU" sz="2600" spc="-1" strike="noStrike">
+              <a:rPr lang="en-AU" sz="2600" b="1" strike="noStrike" spc="-1">
                 <a:solidFill>
-                  <a:srgbClr val="1c1c1c"/>
+                  <a:srgbClr val="1C1C1C"/>
                 </a:solidFill>
                 <a:latin typeface="Source Sans Pro Semibold"/>
               </a:rPr>
               <a:t>2 posteriors per slide</a:t>
             </a:r>
-            <a:endParaRPr b="0" lang="en-AU" sz="2600" spc="-1" strike="noStrike">
+            <a:endParaRPr lang="en-AU" sz="2600" b="0" strike="noStrike" spc="-1">
               <a:latin typeface="Arial"/>
             </a:endParaRPr>
           </a:p>
@@ -3707,22 +4890,25 @@
       </p:sp>
     </p:spTree>
   </p:cSld>
+  <p:clrMapOvr>
+    <a:masterClrMapping/>
+  </p:clrMapOvr>
   <p:timing>
     <p:tnLst>
       <p:par>
-        <p:cTn id="21" dur="indefinite" restart="never" nodeType="tmRoot">
+        <p:cTn id="1" dur="indefinite" restart="never" nodeType="tmRoot">
           <p:childTnLst>
             <p:seq>
-              <p:cTn id="22" nodeType="mainSeq"/>
+              <p:cTn id="2" nodeType="mainSeq"/>
               <p:prevCondLst>
-                <p:cond delay="0" evt="onPrev">
+                <p:cond evt="onPrev" delay="0">
                   <p:tgtEl>
                     <p:sldTgt/>
                   </p:tgtEl>
                 </p:cond>
               </p:prevCondLst>
               <p:nextCondLst>
-                <p:cond delay="0" evt="onNext">
+                <p:cond evt="onNext" delay="0">
                   <p:tgtEl>
                     <p:sldTgt/>
                   </p:tgtEl>
@@ -3737,8 +4923,8 @@
 </p:sld>
 </file>
 
-<file path=ppt/slides/slide12.xml><?xml version="1.0" encoding="utf-8"?>
-<p:sld xmlns:a="http://schemas.openxmlformats.org/drawingml/2006/main" xmlns:p="http://schemas.openxmlformats.org/presentationml/2006/main" xmlns:r="http://schemas.openxmlformats.org/officeDocument/2006/relationships" xmlns:p14="http://schemas.microsoft.com/office/powerpoint/2010/main" xmlns:p15="http://schemas.microsoft.com/office/powerpoint/2012/main" xmlns:mc="http://schemas.openxmlformats.org/markup-compatibility/2006">
+<file path=ppt/slides/slide14.xml><?xml version="1.0" encoding="utf-8"?>
+<p:sld xmlns:a="http://schemas.openxmlformats.org/drawingml/2006/main" xmlns:r="http://schemas.openxmlformats.org/officeDocument/2006/relationships" xmlns:p="http://schemas.openxmlformats.org/presentationml/2006/main">
   <p:cSld>
     <p:spTree>
       <p:nvGrpSpPr>
@@ -3756,7 +4942,7 @@
       </p:grpSpPr>
       <p:sp>
         <p:nvSpPr>
-          <p:cNvPr id="111" name="CustomShape 1"/>
+          <p:cNvPr id="115" name="CustomShape 1"/>
           <p:cNvSpPr/>
           <p:nvPr/>
         </p:nvSpPr>
@@ -3774,32 +4960,39 @@
           </a:ln>
         </p:spPr>
         <p:style>
-          <a:lnRef idx="0"/>
-          <a:fillRef idx="0"/>
-          <a:effectRef idx="0"/>
+          <a:lnRef idx="0">
+            <a:scrgbClr r="0" g="0" b="0"/>
+          </a:lnRef>
+          <a:fillRef idx="0">
+            <a:scrgbClr r="0" g="0" b="0"/>
+          </a:fillRef>
+          <a:effectRef idx="0">
+            <a:scrgbClr r="0" g="0" b="0"/>
+          </a:effectRef>
           <a:fontRef idx="minor"/>
         </p:style>
         <p:txBody>
-          <a:bodyPr lIns="0" rIns="0" tIns="0" bIns="0" anchor="b"/>
+          <a:bodyPr lIns="0" tIns="0" rIns="0" bIns="0" anchor="b"/>
+          <a:lstStyle/>
           <a:p>
             <a:r>
-              <a:rPr b="1" lang="en-AU" sz="3200" spc="-1" strike="noStrike">
+              <a:rPr lang="en-AU" sz="3200" b="1" strike="noStrike" spc="-1">
                 <a:solidFill>
-                  <a:srgbClr val="ffffff"/>
+                  <a:srgbClr val="FFFFFF"/>
                 </a:solidFill>
                 <a:latin typeface="Source Sans Pro Black"/>
               </a:rPr>
-              <a:t>Posterior Analysis 2</a:t>
+              <a:t>Posterior Analysis 4</a:t>
             </a:r>
-            <a:endParaRPr b="0" lang="en-AU" sz="3200" spc="-1" strike="noStrike">
-              <a:latin typeface="Arial"/>
-            </a:endParaRPr>
-          </a:p>
-        </p:txBody>
-      </p:sp>
-      <p:sp>
-        <p:nvSpPr>
-          <p:cNvPr id="112" name="CustomShape 2"/>
+            <a:endParaRPr lang="en-AU" sz="3200" b="0" strike="noStrike" spc="-1">
+              <a:latin typeface="Arial"/>
+            </a:endParaRPr>
+          </a:p>
+        </p:txBody>
+      </p:sp>
+      <p:sp>
+        <p:nvSpPr>
+          <p:cNvPr id="116" name="CustomShape 2"/>
           <p:cNvSpPr/>
           <p:nvPr/>
         </p:nvSpPr>
@@ -3817,15 +5010,22 @@
           </a:ln>
         </p:spPr>
         <p:style>
-          <a:lnRef idx="0"/>
-          <a:fillRef idx="0"/>
-          <a:effectRef idx="0"/>
+          <a:lnRef idx="0">
+            <a:scrgbClr r="0" g="0" b="0"/>
+          </a:lnRef>
+          <a:fillRef idx="0">
+            <a:scrgbClr r="0" g="0" b="0"/>
+          </a:fillRef>
+          <a:effectRef idx="0">
+            <a:scrgbClr r="0" g="0" b="0"/>
+          </a:effectRef>
           <a:fontRef idx="minor"/>
         </p:style>
         <p:txBody>
-          <a:bodyPr lIns="0" rIns="0" tIns="0" bIns="0">
+          <a:bodyPr lIns="0" tIns="0" rIns="0" bIns="0">
             <a:normAutofit/>
           </a:bodyPr>
+          <a:lstStyle/>
           <a:p>
             <a:pPr>
               <a:lnSpc>
@@ -3836,15 +5036,15 @@
               </a:spcAft>
             </a:pPr>
             <a:r>
-              <a:rPr b="1" lang="en-AU" sz="2600" spc="-1" strike="noStrike">
+              <a:rPr lang="en-AU" sz="2600" b="1" strike="noStrike" spc="-1">
                 <a:solidFill>
-                  <a:srgbClr val="1c1c1c"/>
+                  <a:srgbClr val="1C1C1C"/>
                 </a:solidFill>
                 <a:latin typeface="Source Sans Pro Semibold"/>
               </a:rPr>
               <a:t>2 posteriors per slide</a:t>
             </a:r>
-            <a:endParaRPr b="0" lang="en-AU" sz="2600" spc="-1" strike="noStrike">
+            <a:endParaRPr lang="en-AU" sz="2600" b="0" strike="noStrike" spc="-1">
               <a:latin typeface="Arial"/>
             </a:endParaRPr>
           </a:p>
@@ -3852,22 +5052,25 @@
       </p:sp>
     </p:spTree>
   </p:cSld>
+  <p:clrMapOvr>
+    <a:masterClrMapping/>
+  </p:clrMapOvr>
   <p:timing>
     <p:tnLst>
       <p:par>
-        <p:cTn id="23" dur="indefinite" restart="never" nodeType="tmRoot">
+        <p:cTn id="1" dur="indefinite" restart="never" nodeType="tmRoot">
           <p:childTnLst>
             <p:seq>
-              <p:cTn id="24" nodeType="mainSeq"/>
+              <p:cTn id="2" nodeType="mainSeq"/>
               <p:prevCondLst>
-                <p:cond delay="0" evt="onPrev">
+                <p:cond evt="onPrev" delay="0">
                   <p:tgtEl>
                     <p:sldTgt/>
                   </p:tgtEl>
                 </p:cond>
               </p:prevCondLst>
               <p:nextCondLst>
-                <p:cond delay="0" evt="onNext">
+                <p:cond evt="onNext" delay="0">
                   <p:tgtEl>
                     <p:sldTgt/>
                   </p:tgtEl>
@@ -3882,8 +5085,8 @@
 </p:sld>
 </file>
 
-<file path=ppt/slides/slide13.xml><?xml version="1.0" encoding="utf-8"?>
-<p:sld xmlns:a="http://schemas.openxmlformats.org/drawingml/2006/main" xmlns:p="http://schemas.openxmlformats.org/presentationml/2006/main" xmlns:r="http://schemas.openxmlformats.org/officeDocument/2006/relationships" xmlns:p14="http://schemas.microsoft.com/office/powerpoint/2010/main" xmlns:p15="http://schemas.microsoft.com/office/powerpoint/2012/main" xmlns:mc="http://schemas.openxmlformats.org/markup-compatibility/2006">
+<file path=ppt/slides/slide15.xml><?xml version="1.0" encoding="utf-8"?>
+<p:sld xmlns:a="http://schemas.openxmlformats.org/drawingml/2006/main" xmlns:r="http://schemas.openxmlformats.org/officeDocument/2006/relationships" xmlns:p="http://schemas.openxmlformats.org/presentationml/2006/main">
   <p:cSld>
     <p:spTree>
       <p:nvGrpSpPr>
@@ -3901,7 +5104,7 @@
       </p:grpSpPr>
       <p:sp>
         <p:nvSpPr>
-          <p:cNvPr id="113" name="CustomShape 1"/>
+          <p:cNvPr id="117" name="CustomShape 1"/>
           <p:cNvSpPr/>
           <p:nvPr/>
         </p:nvSpPr>
@@ -3919,32 +5122,39 @@
           </a:ln>
         </p:spPr>
         <p:style>
-          <a:lnRef idx="0"/>
-          <a:fillRef idx="0"/>
-          <a:effectRef idx="0"/>
+          <a:lnRef idx="0">
+            <a:scrgbClr r="0" g="0" b="0"/>
+          </a:lnRef>
+          <a:fillRef idx="0">
+            <a:scrgbClr r="0" g="0" b="0"/>
+          </a:fillRef>
+          <a:effectRef idx="0">
+            <a:scrgbClr r="0" g="0" b="0"/>
+          </a:effectRef>
           <a:fontRef idx="minor"/>
         </p:style>
         <p:txBody>
-          <a:bodyPr lIns="0" rIns="0" tIns="0" bIns="0" anchor="b"/>
+          <a:bodyPr lIns="0" tIns="0" rIns="0" bIns="0" anchor="b"/>
+          <a:lstStyle/>
           <a:p>
             <a:r>
-              <a:rPr b="1" lang="en-AU" sz="3200" spc="-1" strike="noStrike">
+              <a:rPr lang="en-AU" sz="3200" b="1" strike="noStrike" spc="-1">
                 <a:solidFill>
-                  <a:srgbClr val="ffffff"/>
+                  <a:srgbClr val="FFFFFF"/>
                 </a:solidFill>
                 <a:latin typeface="Source Sans Pro Black"/>
               </a:rPr>
-              <a:t>Posterior Analysis 3</a:t>
+              <a:t>Predictions</a:t>
             </a:r>
-            <a:endParaRPr b="0" lang="en-AU" sz="3200" spc="-1" strike="noStrike">
-              <a:latin typeface="Arial"/>
-            </a:endParaRPr>
-          </a:p>
-        </p:txBody>
-      </p:sp>
-      <p:sp>
-        <p:nvSpPr>
-          <p:cNvPr id="114" name="CustomShape 2"/>
+            <a:endParaRPr lang="en-AU" sz="3200" b="0" strike="noStrike" spc="-1">
+              <a:latin typeface="Arial"/>
+            </a:endParaRPr>
+          </a:p>
+        </p:txBody>
+      </p:sp>
+      <p:sp>
+        <p:nvSpPr>
+          <p:cNvPr id="118" name="CustomShape 2"/>
           <p:cNvSpPr/>
           <p:nvPr/>
         </p:nvSpPr>
@@ -3962,57 +5172,39 @@
           </a:ln>
         </p:spPr>
         <p:style>
-          <a:lnRef idx="0"/>
-          <a:fillRef idx="0"/>
-          <a:effectRef idx="0"/>
+          <a:lnRef idx="0">
+            <a:scrgbClr r="0" g="0" b="0"/>
+          </a:lnRef>
+          <a:fillRef idx="0">
+            <a:scrgbClr r="0" g="0" b="0"/>
+          </a:fillRef>
+          <a:effectRef idx="0">
+            <a:scrgbClr r="0" g="0" b="0"/>
+          </a:effectRef>
           <a:fontRef idx="minor"/>
         </p:style>
-        <p:txBody>
-          <a:bodyPr lIns="0" rIns="0" tIns="0" bIns="0">
-            <a:normAutofit/>
-          </a:bodyPr>
-          <a:p>
-            <a:pPr>
-              <a:lnSpc>
-                <a:spcPct val="100000"/>
-              </a:lnSpc>
-              <a:spcAft>
-                <a:spcPts val="1142"/>
-              </a:spcAft>
-            </a:pPr>
-            <a:r>
-              <a:rPr b="1" lang="en-AU" sz="2600" spc="-1" strike="noStrike">
-                <a:solidFill>
-                  <a:srgbClr val="1c1c1c"/>
-                </a:solidFill>
-                <a:latin typeface="Source Sans Pro Semibold"/>
-              </a:rPr>
-              <a:t>2 posteriors per slide</a:t>
-            </a:r>
-            <a:endParaRPr b="0" lang="en-AU" sz="2600" spc="-1" strike="noStrike">
-              <a:latin typeface="Arial"/>
-            </a:endParaRPr>
-          </a:p>
-        </p:txBody>
       </p:sp>
     </p:spTree>
   </p:cSld>
+  <p:clrMapOvr>
+    <a:masterClrMapping/>
+  </p:clrMapOvr>
   <p:timing>
     <p:tnLst>
       <p:par>
-        <p:cTn id="25" dur="indefinite" restart="never" nodeType="tmRoot">
+        <p:cTn id="1" dur="indefinite" restart="never" nodeType="tmRoot">
           <p:childTnLst>
             <p:seq>
-              <p:cTn id="26" nodeType="mainSeq"/>
+              <p:cTn id="2" nodeType="mainSeq"/>
               <p:prevCondLst>
-                <p:cond delay="0" evt="onPrev">
+                <p:cond evt="onPrev" delay="0">
                   <p:tgtEl>
                     <p:sldTgt/>
                   </p:tgtEl>
                 </p:cond>
               </p:prevCondLst>
               <p:nextCondLst>
-                <p:cond delay="0" evt="onNext">
+                <p:cond evt="onNext" delay="0">
                   <p:tgtEl>
                     <p:sldTgt/>
                   </p:tgtEl>
@@ -4027,8 +5219,8 @@
 </p:sld>
 </file>
 
-<file path=ppt/slides/slide14.xml><?xml version="1.0" encoding="utf-8"?>
-<p:sld xmlns:a="http://schemas.openxmlformats.org/drawingml/2006/main" xmlns:p="http://schemas.openxmlformats.org/presentationml/2006/main" xmlns:r="http://schemas.openxmlformats.org/officeDocument/2006/relationships" xmlns:p14="http://schemas.microsoft.com/office/powerpoint/2010/main" xmlns:p15="http://schemas.microsoft.com/office/powerpoint/2012/main" xmlns:mc="http://schemas.openxmlformats.org/markup-compatibility/2006">
+<file path=ppt/slides/slide16.xml><?xml version="1.0" encoding="utf-8"?>
+<p:sld xmlns:a="http://schemas.openxmlformats.org/drawingml/2006/main" xmlns:r="http://schemas.openxmlformats.org/officeDocument/2006/relationships" xmlns:p="http://schemas.openxmlformats.org/presentationml/2006/main">
   <p:cSld>
     <p:spTree>
       <p:nvGrpSpPr>
@@ -4046,7 +5238,7 @@
       </p:grpSpPr>
       <p:sp>
         <p:nvSpPr>
-          <p:cNvPr id="115" name="CustomShape 1"/>
+          <p:cNvPr id="119" name="CustomShape 1"/>
           <p:cNvSpPr/>
           <p:nvPr/>
         </p:nvSpPr>
@@ -4064,32 +5256,39 @@
           </a:ln>
         </p:spPr>
         <p:style>
-          <a:lnRef idx="0"/>
-          <a:fillRef idx="0"/>
-          <a:effectRef idx="0"/>
+          <a:lnRef idx="0">
+            <a:scrgbClr r="0" g="0" b="0"/>
+          </a:lnRef>
+          <a:fillRef idx="0">
+            <a:scrgbClr r="0" g="0" b="0"/>
+          </a:fillRef>
+          <a:effectRef idx="0">
+            <a:scrgbClr r="0" g="0" b="0"/>
+          </a:effectRef>
           <a:fontRef idx="minor"/>
         </p:style>
         <p:txBody>
-          <a:bodyPr lIns="0" rIns="0" tIns="0" bIns="0" anchor="b"/>
+          <a:bodyPr lIns="0" tIns="0" rIns="0" bIns="0" anchor="b"/>
+          <a:lstStyle/>
           <a:p>
             <a:r>
-              <a:rPr b="1" lang="en-AU" sz="3200" spc="-1" strike="noStrike">
+              <a:rPr lang="en-AU" sz="3200" b="1" strike="noStrike" spc="-1">
                 <a:solidFill>
-                  <a:srgbClr val="ffffff"/>
+                  <a:srgbClr val="FFFFFF"/>
                 </a:solidFill>
                 <a:latin typeface="Source Sans Pro Black"/>
               </a:rPr>
-              <a:t>Posterior Analysis 4</a:t>
+              <a:t>Summary</a:t>
             </a:r>
-            <a:endParaRPr b="0" lang="en-AU" sz="3200" spc="-1" strike="noStrike">
-              <a:latin typeface="Arial"/>
-            </a:endParaRPr>
-          </a:p>
-        </p:txBody>
-      </p:sp>
-      <p:sp>
-        <p:nvSpPr>
-          <p:cNvPr id="116" name="CustomShape 2"/>
+            <a:endParaRPr lang="en-AU" sz="3200" b="0" strike="noStrike" spc="-1">
+              <a:latin typeface="Arial"/>
+            </a:endParaRPr>
+          </a:p>
+        </p:txBody>
+      </p:sp>
+      <p:sp>
+        <p:nvSpPr>
+          <p:cNvPr id="120" name="CustomShape 2"/>
           <p:cNvSpPr/>
           <p:nvPr/>
         </p:nvSpPr>
@@ -4107,57 +5306,39 @@
           </a:ln>
         </p:spPr>
         <p:style>
-          <a:lnRef idx="0"/>
-          <a:fillRef idx="0"/>
-          <a:effectRef idx="0"/>
+          <a:lnRef idx="0">
+            <a:scrgbClr r="0" g="0" b="0"/>
+          </a:lnRef>
+          <a:fillRef idx="0">
+            <a:scrgbClr r="0" g="0" b="0"/>
+          </a:fillRef>
+          <a:effectRef idx="0">
+            <a:scrgbClr r="0" g="0" b="0"/>
+          </a:effectRef>
           <a:fontRef idx="minor"/>
         </p:style>
-        <p:txBody>
-          <a:bodyPr lIns="0" rIns="0" tIns="0" bIns="0">
-            <a:normAutofit/>
-          </a:bodyPr>
-          <a:p>
-            <a:pPr>
-              <a:lnSpc>
-                <a:spcPct val="100000"/>
-              </a:lnSpc>
-              <a:spcAft>
-                <a:spcPts val="1142"/>
-              </a:spcAft>
-            </a:pPr>
-            <a:r>
-              <a:rPr b="1" lang="en-AU" sz="2600" spc="-1" strike="noStrike">
-                <a:solidFill>
-                  <a:srgbClr val="1c1c1c"/>
-                </a:solidFill>
-                <a:latin typeface="Source Sans Pro Semibold"/>
-              </a:rPr>
-              <a:t>2 posteriors per slide</a:t>
-            </a:r>
-            <a:endParaRPr b="0" lang="en-AU" sz="2600" spc="-1" strike="noStrike">
-              <a:latin typeface="Arial"/>
-            </a:endParaRPr>
-          </a:p>
-        </p:txBody>
       </p:sp>
     </p:spTree>
   </p:cSld>
+  <p:clrMapOvr>
+    <a:masterClrMapping/>
+  </p:clrMapOvr>
   <p:timing>
     <p:tnLst>
       <p:par>
-        <p:cTn id="27" dur="indefinite" restart="never" nodeType="tmRoot">
+        <p:cTn id="1" dur="indefinite" restart="never" nodeType="tmRoot">
           <p:childTnLst>
             <p:seq>
-              <p:cTn id="28" nodeType="mainSeq"/>
+              <p:cTn id="2" nodeType="mainSeq"/>
               <p:prevCondLst>
-                <p:cond delay="0" evt="onPrev">
+                <p:cond evt="onPrev" delay="0">
                   <p:tgtEl>
                     <p:sldTgt/>
                   </p:tgtEl>
                 </p:cond>
               </p:prevCondLst>
               <p:nextCondLst>
-                <p:cond delay="0" evt="onNext">
+                <p:cond evt="onNext" delay="0">
                   <p:tgtEl>
                     <p:sldTgt/>
                   </p:tgtEl>
@@ -4172,8 +5353,8 @@
 </p:sld>
 </file>
 
-<file path=ppt/slides/slide15.xml><?xml version="1.0" encoding="utf-8"?>
-<p:sld xmlns:a="http://schemas.openxmlformats.org/drawingml/2006/main" xmlns:p="http://schemas.openxmlformats.org/presentationml/2006/main" xmlns:r="http://schemas.openxmlformats.org/officeDocument/2006/relationships" xmlns:p14="http://schemas.microsoft.com/office/powerpoint/2010/main" xmlns:p15="http://schemas.microsoft.com/office/powerpoint/2012/main" xmlns:mc="http://schemas.openxmlformats.org/markup-compatibility/2006">
+<file path=ppt/slides/slide2.xml><?xml version="1.0" encoding="utf-8"?>
+<p:sld xmlns:a="http://schemas.openxmlformats.org/drawingml/2006/main" xmlns:r="http://schemas.openxmlformats.org/officeDocument/2006/relationships" xmlns:p="http://schemas.openxmlformats.org/presentationml/2006/main">
   <p:cSld>
     <p:spTree>
       <p:nvGrpSpPr>
@@ -4191,7 +5372,7 @@
       </p:grpSpPr>
       <p:sp>
         <p:nvSpPr>
-          <p:cNvPr id="117" name="CustomShape 1"/>
+          <p:cNvPr id="83" name="CustomShape 1"/>
           <p:cNvSpPr/>
           <p:nvPr/>
         </p:nvSpPr>
@@ -4209,32 +5390,39 @@
           </a:ln>
         </p:spPr>
         <p:style>
-          <a:lnRef idx="0"/>
-          <a:fillRef idx="0"/>
-          <a:effectRef idx="0"/>
+          <a:lnRef idx="0">
+            <a:scrgbClr r="0" g="0" b="0"/>
+          </a:lnRef>
+          <a:fillRef idx="0">
+            <a:scrgbClr r="0" g="0" b="0"/>
+          </a:fillRef>
+          <a:effectRef idx="0">
+            <a:scrgbClr r="0" g="0" b="0"/>
+          </a:effectRef>
           <a:fontRef idx="minor"/>
         </p:style>
         <p:txBody>
-          <a:bodyPr lIns="0" rIns="0" tIns="0" bIns="0" anchor="b"/>
+          <a:bodyPr lIns="0" tIns="0" rIns="0" bIns="0" anchor="b"/>
+          <a:lstStyle/>
           <a:p>
             <a:r>
-              <a:rPr b="1" lang="en-AU" sz="3200" spc="-1" strike="noStrike">
+              <a:rPr lang="en-AU" sz="3200" b="1" strike="noStrike" spc="-1" dirty="0" smtClean="0">
                 <a:solidFill>
-                  <a:srgbClr val="ffffff"/>
+                  <a:srgbClr val="FFFFFF"/>
                 </a:solidFill>
                 <a:latin typeface="Source Sans Pro Black"/>
               </a:rPr>
-              <a:t>Predictions</a:t>
+              <a:t>Introduction </a:t>
             </a:r>
-            <a:endParaRPr b="0" lang="en-AU" sz="3200" spc="-1" strike="noStrike">
-              <a:latin typeface="Arial"/>
-            </a:endParaRPr>
-          </a:p>
-        </p:txBody>
-      </p:sp>
-      <p:sp>
-        <p:nvSpPr>
-          <p:cNvPr id="118" name="CustomShape 2"/>
+            <a:endParaRPr lang="en-AU" sz="3200" b="0" strike="noStrike" spc="-1" dirty="0">
+              <a:latin typeface="Arial"/>
+            </a:endParaRPr>
+          </a:p>
+        </p:txBody>
+      </p:sp>
+      <p:sp>
+        <p:nvSpPr>
+          <p:cNvPr id="84" name="CustomShape 2"/>
           <p:cNvSpPr/>
           <p:nvPr/>
         </p:nvSpPr>
@@ -4252,30 +5440,155 @@
           </a:ln>
         </p:spPr>
         <p:style>
-          <a:lnRef idx="0"/>
-          <a:fillRef idx="0"/>
-          <a:effectRef idx="0"/>
+          <a:lnRef idx="0">
+            <a:scrgbClr r="0" g="0" b="0"/>
+          </a:lnRef>
+          <a:fillRef idx="0">
+            <a:scrgbClr r="0" g="0" b="0"/>
+          </a:fillRef>
+          <a:effectRef idx="0">
+            <a:scrgbClr r="0" g="0" b="0"/>
+          </a:effectRef>
           <a:fontRef idx="minor"/>
         </p:style>
+        <p:txBody>
+          <a:bodyPr lIns="0" tIns="0" rIns="0" bIns="0">
+            <a:normAutofit fontScale="92500" lnSpcReduction="10000"/>
+          </a:bodyPr>
+          <a:lstStyle/>
+          <a:p>
+            <a:pPr marL="457200" indent="-457200">
+              <a:lnSpc>
+                <a:spcPct val="100000"/>
+              </a:lnSpc>
+              <a:spcAft>
+                <a:spcPts val="1142"/>
+              </a:spcAft>
+              <a:buFont typeface="Arial" panose="020B0604020202020204" pitchFamily="34" charset="0"/>
+              <a:buChar char="•"/>
+            </a:pPr>
+            <a:r>
+              <a:rPr lang="en-AU" sz="2600" b="1" strike="noStrike" spc="-1" dirty="0" smtClean="0">
+                <a:solidFill>
+                  <a:srgbClr val="1C1C1C"/>
+                </a:solidFill>
+                <a:latin typeface="Source Sans Pro Semibold"/>
+              </a:rPr>
+              <a:t>Black Friday is the name given to the day following the Thanksgiving holiday in the USA. </a:t>
+            </a:r>
+          </a:p>
+          <a:p>
+            <a:pPr marL="457200" indent="-457200">
+              <a:lnSpc>
+                <a:spcPct val="100000"/>
+              </a:lnSpc>
+              <a:spcAft>
+                <a:spcPts val="1142"/>
+              </a:spcAft>
+              <a:buFont typeface="Arial" panose="020B0604020202020204" pitchFamily="34" charset="0"/>
+              <a:buChar char="•"/>
+            </a:pPr>
+            <a:r>
+              <a:rPr lang="en-AU" sz="2600" b="1" strike="noStrike" spc="-1" dirty="0" smtClean="0">
+                <a:solidFill>
+                  <a:srgbClr val="1C1C1C"/>
+                </a:solidFill>
+                <a:latin typeface="Source Sans Pro Semibold"/>
+              </a:rPr>
+              <a:t>On Black Friday, many major retailors open very early and offer promotional sales on their stock, which leads to high sales throughout its duration.</a:t>
+            </a:r>
+          </a:p>
+          <a:p>
+            <a:pPr marL="457200" indent="-457200">
+              <a:lnSpc>
+                <a:spcPct val="100000"/>
+              </a:lnSpc>
+              <a:spcAft>
+                <a:spcPts val="1142"/>
+              </a:spcAft>
+              <a:buFont typeface="Arial" panose="020B0604020202020204" pitchFamily="34" charset="0"/>
+              <a:buChar char="•"/>
+            </a:pPr>
+            <a:r>
+              <a:rPr lang="en-AU" sz="2600" b="1" spc="-1" dirty="0" smtClean="0">
+                <a:solidFill>
+                  <a:srgbClr val="1C1C1C"/>
+                </a:solidFill>
+                <a:latin typeface="Source Sans Pro Semibold"/>
+              </a:rPr>
+              <a:t>Black Friday is often an extremely busy day for shopping, and has gained an infamous reputation due to regular reports of violence between shoppers and retail staff walkouts.</a:t>
+            </a:r>
+          </a:p>
+          <a:p>
+            <a:pPr>
+              <a:lnSpc>
+                <a:spcPct val="100000"/>
+              </a:lnSpc>
+              <a:spcAft>
+                <a:spcPts val="1142"/>
+              </a:spcAft>
+            </a:pPr>
+            <a:endParaRPr lang="en-AU" sz="2600" spc="-1" dirty="0">
+              <a:latin typeface="Arial"/>
+            </a:endParaRPr>
+          </a:p>
+          <a:p>
+            <a:pPr>
+              <a:lnSpc>
+                <a:spcPct val="100000"/>
+              </a:lnSpc>
+              <a:spcAft>
+                <a:spcPts val="1142"/>
+              </a:spcAft>
+            </a:pPr>
+            <a:r>
+              <a:rPr lang="en-AU" sz="2600" strike="noStrike" spc="-1" dirty="0" smtClean="0">
+                <a:solidFill>
+                  <a:srgbClr val="1C1C1C"/>
+                </a:solidFill>
+                <a:latin typeface="Source Sans Pro Semibold"/>
+              </a:rPr>
+              <a:t>Given the high amount of sales associated with Black Friday, </a:t>
+            </a:r>
+            <a:r>
+              <a:rPr lang="en-AU" sz="2600" spc="-1" dirty="0" smtClean="0">
+                <a:solidFill>
+                  <a:srgbClr val="1C1C1C"/>
+                </a:solidFill>
+                <a:latin typeface="Source Sans Pro Semibold"/>
+              </a:rPr>
+              <a:t>understanding the kind of shoppers who participate in the shopping event and how much they spend could prove important.</a:t>
+            </a:r>
+            <a:endParaRPr lang="en-AU" sz="2600" strike="noStrike" spc="-1" dirty="0">
+              <a:solidFill>
+                <a:srgbClr val="1C1C1C"/>
+              </a:solidFill>
+              <a:latin typeface="Source Sans Pro Semibold"/>
+            </a:endParaRPr>
+          </a:p>
+        </p:txBody>
       </p:sp>
     </p:spTree>
   </p:cSld>
+  <p:clrMapOvr>
+    <a:masterClrMapping/>
+  </p:clrMapOvr>
   <p:timing>
     <p:tnLst>
       <p:par>
-        <p:cTn id="29" dur="indefinite" restart="never" nodeType="tmRoot">
+        <p:cTn id="1" dur="indefinite" restart="never" nodeType="tmRoot">
           <p:childTnLst>
             <p:seq>
-              <p:cTn id="30" nodeType="mainSeq"/>
+              <p:cTn id="2" nodeType="mainSeq"/>
               <p:prevCondLst>
-                <p:cond delay="0" evt="onPrev">
+                <p:cond evt="onPrev" delay="0">
                   <p:tgtEl>
                     <p:sldTgt/>
                   </p:tgtEl>
                 </p:cond>
               </p:prevCondLst>
               <p:nextCondLst>
-                <p:cond delay="0" evt="onNext">
+                <p:cond evt="onNext" delay="0">
                   <p:tgtEl>
                     <p:sldTgt/>
                   </p:tgtEl>
@@ -4290,8 +5603,8 @@
 </p:sld>
 </file>
 
-<file path=ppt/slides/slide16.xml><?xml version="1.0" encoding="utf-8"?>
-<p:sld xmlns:a="http://schemas.openxmlformats.org/drawingml/2006/main" xmlns:p="http://schemas.openxmlformats.org/presentationml/2006/main" xmlns:r="http://schemas.openxmlformats.org/officeDocument/2006/relationships" xmlns:p14="http://schemas.microsoft.com/office/powerpoint/2010/main" xmlns:p15="http://schemas.microsoft.com/office/powerpoint/2012/main" xmlns:mc="http://schemas.openxmlformats.org/markup-compatibility/2006">
+<file path=ppt/slides/slide3.xml><?xml version="1.0" encoding="utf-8"?>
+<p:sld xmlns:a="http://schemas.openxmlformats.org/drawingml/2006/main" xmlns:r="http://schemas.openxmlformats.org/officeDocument/2006/relationships" xmlns:p="http://schemas.openxmlformats.org/presentationml/2006/main">
   <p:cSld>
     <p:spTree>
       <p:nvGrpSpPr>
@@ -4309,7 +5622,7 @@
       </p:grpSpPr>
       <p:sp>
         <p:nvSpPr>
-          <p:cNvPr id="119" name="CustomShape 1"/>
+          <p:cNvPr id="85" name="CustomShape 1"/>
           <p:cNvSpPr/>
           <p:nvPr/>
         </p:nvSpPr>
@@ -4327,39 +5640,46 @@
           </a:ln>
         </p:spPr>
         <p:style>
-          <a:lnRef idx="0"/>
-          <a:fillRef idx="0"/>
-          <a:effectRef idx="0"/>
+          <a:lnRef idx="0">
+            <a:scrgbClr r="0" g="0" b="0"/>
+          </a:lnRef>
+          <a:fillRef idx="0">
+            <a:scrgbClr r="0" g="0" b="0"/>
+          </a:fillRef>
+          <a:effectRef idx="0">
+            <a:scrgbClr r="0" g="0" b="0"/>
+          </a:effectRef>
           <a:fontRef idx="minor"/>
         </p:style>
         <p:txBody>
-          <a:bodyPr lIns="0" rIns="0" tIns="0" bIns="0" anchor="b"/>
+          <a:bodyPr lIns="0" tIns="0" rIns="0" bIns="0" anchor="b"/>
+          <a:lstStyle/>
           <a:p>
             <a:r>
-              <a:rPr b="1" lang="en-AU" sz="3200" spc="-1" strike="noStrike">
+              <a:rPr lang="en-AU" sz="3200" b="1" strike="noStrike" spc="-1" dirty="0" smtClean="0">
                 <a:solidFill>
-                  <a:srgbClr val="ffffff"/>
+                  <a:srgbClr val="FFFFFF"/>
                 </a:solidFill>
                 <a:latin typeface="Source Sans Pro Black"/>
               </a:rPr>
-              <a:t>Summary</a:t>
+              <a:t>Methodology</a:t>
             </a:r>
-            <a:endParaRPr b="0" lang="en-AU" sz="3200" spc="-1" strike="noStrike">
-              <a:latin typeface="Arial"/>
-            </a:endParaRPr>
-          </a:p>
-        </p:txBody>
-      </p:sp>
-      <p:sp>
-        <p:nvSpPr>
-          <p:cNvPr id="120" name="CustomShape 2"/>
+            <a:endParaRPr lang="en-AU" sz="3200" b="0" strike="noStrike" spc="-1" dirty="0">
+              <a:latin typeface="Arial"/>
+            </a:endParaRPr>
+          </a:p>
+        </p:txBody>
+      </p:sp>
+      <p:sp>
+        <p:nvSpPr>
+          <p:cNvPr id="86" name="CustomShape 2"/>
           <p:cNvSpPr/>
           <p:nvPr/>
         </p:nvSpPr>
         <p:spPr>
           <a:xfrm>
-            <a:off x="360000" y="1980000"/>
-            <a:ext cx="9179640" cy="4679640"/>
+            <a:off x="360000" y="1979999"/>
+            <a:ext cx="9179640" cy="5020407"/>
           </a:xfrm>
           <a:prstGeom prst="rect">
             <a:avLst/>
@@ -4370,30 +5690,279 @@
           </a:ln>
         </p:spPr>
         <p:style>
-          <a:lnRef idx="0"/>
-          <a:fillRef idx="0"/>
-          <a:effectRef idx="0"/>
+          <a:lnRef idx="0">
+            <a:scrgbClr r="0" g="0" b="0"/>
+          </a:lnRef>
+          <a:fillRef idx="0">
+            <a:scrgbClr r="0" g="0" b="0"/>
+          </a:fillRef>
+          <a:effectRef idx="0">
+            <a:scrgbClr r="0" g="0" b="0"/>
+          </a:effectRef>
           <a:fontRef idx="minor"/>
         </p:style>
+        <p:txBody>
+          <a:bodyPr lIns="0" tIns="0" rIns="0" bIns="0">
+            <a:normAutofit fontScale="85000" lnSpcReduction="20000"/>
+          </a:bodyPr>
+          <a:lstStyle/>
+          <a:p>
+            <a:pPr>
+              <a:lnSpc>
+                <a:spcPct val="100000"/>
+              </a:lnSpc>
+              <a:spcAft>
+                <a:spcPts val="1142"/>
+              </a:spcAft>
+            </a:pPr>
+            <a:r>
+              <a:rPr lang="en-AU" sz="2600" b="1" spc="-1" dirty="0" smtClean="0">
+                <a:solidFill>
+                  <a:srgbClr val="1C1C1C"/>
+                </a:solidFill>
+                <a:latin typeface="Source Sans Pro Semibold"/>
+              </a:rPr>
+              <a:t>This project was ultimately concerned with fitting a multiple regression to predict Black Friday customer’s average sales amounts based on a selection of predictor variables.</a:t>
+            </a:r>
+          </a:p>
+          <a:p>
+            <a:pPr>
+              <a:lnSpc>
+                <a:spcPct val="100000"/>
+              </a:lnSpc>
+              <a:spcAft>
+                <a:spcPts val="1142"/>
+              </a:spcAft>
+            </a:pPr>
+            <a:endParaRPr lang="en-AU" sz="2600" b="1" strike="noStrike" spc="-1" dirty="0">
+              <a:solidFill>
+                <a:srgbClr val="1C1C1C"/>
+              </a:solidFill>
+              <a:latin typeface="Source Sans Pro Semibold"/>
+            </a:endParaRPr>
+          </a:p>
+          <a:p>
+            <a:pPr marL="457200" indent="-457200">
+              <a:lnSpc>
+                <a:spcPct val="100000"/>
+              </a:lnSpc>
+              <a:spcAft>
+                <a:spcPts val="1142"/>
+              </a:spcAft>
+              <a:buFont typeface="Arial" panose="020B0604020202020204" pitchFamily="34" charset="0"/>
+              <a:buChar char="•"/>
+            </a:pPr>
+            <a:r>
+              <a:rPr lang="en-AU" sz="2600" b="1" spc="-1" dirty="0" smtClean="0">
+                <a:solidFill>
+                  <a:srgbClr val="1C1C1C"/>
+                </a:solidFill>
+                <a:latin typeface="Source Sans Pro Semibold"/>
+              </a:rPr>
+              <a:t>A</a:t>
+            </a:r>
+            <a:r>
+              <a:rPr lang="en-AU" sz="2600" b="1" spc="-1" dirty="0" smtClean="0">
+                <a:solidFill>
+                  <a:srgbClr val="1C1C1C"/>
+                </a:solidFill>
+                <a:latin typeface="Source Sans Pro Semibold"/>
+              </a:rPr>
+              <a:t> </a:t>
+            </a:r>
+            <a:r>
+              <a:rPr lang="en-AU" sz="2600" b="1" spc="-1" dirty="0" smtClean="0">
+                <a:solidFill>
+                  <a:srgbClr val="1C1C1C"/>
+                </a:solidFill>
+                <a:latin typeface="Source Sans Pro Semibold"/>
+              </a:rPr>
+              <a:t>Bayesian framework was utilised here through Markov Chain Monte Carlo (MCMC) simulations.</a:t>
+            </a:r>
+          </a:p>
+          <a:p>
+            <a:pPr>
+              <a:lnSpc>
+                <a:spcPct val="100000"/>
+              </a:lnSpc>
+              <a:spcAft>
+                <a:spcPts val="1142"/>
+              </a:spcAft>
+            </a:pPr>
+            <a:r>
+              <a:rPr lang="en-AU" sz="2600" b="1" spc="-1" dirty="0" smtClean="0">
+                <a:solidFill>
+                  <a:srgbClr val="1C1C1C"/>
+                </a:solidFill>
+                <a:latin typeface="Source Sans Pro Semibold"/>
+              </a:rPr>
+              <a:t>	- Non-informative priors were employed.</a:t>
+            </a:r>
+          </a:p>
+          <a:p>
+            <a:pPr>
+              <a:lnSpc>
+                <a:spcPct val="100000"/>
+              </a:lnSpc>
+              <a:spcAft>
+                <a:spcPts val="1142"/>
+              </a:spcAft>
+            </a:pPr>
+            <a:endParaRPr lang="en-AU" sz="2600" b="1" spc="-1" dirty="0">
+              <a:solidFill>
+                <a:srgbClr val="1C1C1C"/>
+              </a:solidFill>
+              <a:latin typeface="Source Sans Pro Semibold"/>
+            </a:endParaRPr>
+          </a:p>
+          <a:p>
+            <a:pPr marL="457200" indent="-457200">
+              <a:lnSpc>
+                <a:spcPct val="100000"/>
+              </a:lnSpc>
+              <a:spcAft>
+                <a:spcPts val="1142"/>
+              </a:spcAft>
+              <a:buFont typeface="Arial" panose="020B0604020202020204" pitchFamily="34" charset="0"/>
+              <a:buChar char="•"/>
+            </a:pPr>
+            <a:r>
+              <a:rPr lang="en-AU" sz="2600" b="1" spc="-1" dirty="0" smtClean="0">
+                <a:solidFill>
+                  <a:srgbClr val="1C1C1C"/>
+                </a:solidFill>
+                <a:latin typeface="Source Sans Pro Semibold"/>
+              </a:rPr>
+              <a:t>MCMC diagnostic checks were completed to ensure chain representativeness and accuracy.</a:t>
+            </a:r>
+          </a:p>
+          <a:p>
+            <a:pPr>
+              <a:lnSpc>
+                <a:spcPct val="100000"/>
+              </a:lnSpc>
+              <a:spcAft>
+                <a:spcPts val="1142"/>
+              </a:spcAft>
+            </a:pPr>
+            <a:endParaRPr lang="en-AU" sz="2600" b="1" spc="-1" dirty="0">
+              <a:solidFill>
+                <a:srgbClr val="1C1C1C"/>
+              </a:solidFill>
+              <a:latin typeface="Source Sans Pro Semibold"/>
+            </a:endParaRPr>
+          </a:p>
+          <a:p>
+            <a:pPr marL="457200" indent="-457200">
+              <a:lnSpc>
+                <a:spcPct val="100000"/>
+              </a:lnSpc>
+              <a:spcAft>
+                <a:spcPts val="1142"/>
+              </a:spcAft>
+              <a:buFont typeface="Arial" panose="020B0604020202020204" pitchFamily="34" charset="0"/>
+              <a:buChar char="•"/>
+            </a:pPr>
+            <a:r>
+              <a:rPr lang="en-AU" sz="2600" b="1" spc="-1" dirty="0" smtClean="0">
+                <a:solidFill>
+                  <a:srgbClr val="1C1C1C"/>
+                </a:solidFill>
+                <a:latin typeface="Source Sans Pro Semibold"/>
+              </a:rPr>
+              <a:t>Posterior inferences were noted and unseen test data was fed into the final model and the generated predictions were compared to the actual values.</a:t>
+            </a:r>
+            <a:endParaRPr lang="en-AU" sz="2600" b="1" spc="-1" dirty="0" smtClean="0">
+              <a:solidFill>
+                <a:srgbClr val="1C1C1C"/>
+              </a:solidFill>
+              <a:latin typeface="Source Sans Pro Semibold"/>
+            </a:endParaRPr>
+          </a:p>
+          <a:p>
+            <a:pPr>
+              <a:lnSpc>
+                <a:spcPct val="100000"/>
+              </a:lnSpc>
+              <a:spcAft>
+                <a:spcPts val="1142"/>
+              </a:spcAft>
+            </a:pPr>
+            <a:endParaRPr lang="en-AU" sz="2600" b="1" spc="-1" dirty="0">
+              <a:solidFill>
+                <a:srgbClr val="1C1C1C"/>
+              </a:solidFill>
+              <a:latin typeface="Source Sans Pro Semibold"/>
+            </a:endParaRPr>
+          </a:p>
+          <a:p>
+            <a:pPr>
+              <a:lnSpc>
+                <a:spcPct val="100000"/>
+              </a:lnSpc>
+              <a:spcAft>
+                <a:spcPts val="1142"/>
+              </a:spcAft>
+            </a:pPr>
+            <a:endParaRPr lang="en-AU" sz="2600" b="1" spc="-1" dirty="0" smtClean="0">
+              <a:solidFill>
+                <a:srgbClr val="1C1C1C"/>
+              </a:solidFill>
+              <a:latin typeface="Source Sans Pro Semibold"/>
+            </a:endParaRPr>
+          </a:p>
+          <a:p>
+            <a:pPr>
+              <a:lnSpc>
+                <a:spcPct val="100000"/>
+              </a:lnSpc>
+              <a:spcAft>
+                <a:spcPts val="1142"/>
+              </a:spcAft>
+            </a:pPr>
+            <a:endParaRPr lang="en-AU" sz="2600" b="1" strike="noStrike" spc="-1" dirty="0">
+              <a:solidFill>
+                <a:srgbClr val="1C1C1C"/>
+              </a:solidFill>
+              <a:latin typeface="Source Sans Pro Semibold"/>
+            </a:endParaRPr>
+          </a:p>
+          <a:p>
+            <a:pPr>
+              <a:lnSpc>
+                <a:spcPct val="100000"/>
+              </a:lnSpc>
+              <a:spcAft>
+                <a:spcPts val="1142"/>
+              </a:spcAft>
+            </a:pPr>
+            <a:endParaRPr lang="en-AU" sz="2600" b="0" strike="noStrike" spc="-1" dirty="0">
+              <a:latin typeface="Arial"/>
+            </a:endParaRPr>
+          </a:p>
+        </p:txBody>
       </p:sp>
     </p:spTree>
   </p:cSld>
+  <p:clrMapOvr>
+    <a:masterClrMapping/>
+  </p:clrMapOvr>
   <p:timing>
     <p:tnLst>
       <p:par>
-        <p:cTn id="31" dur="indefinite" restart="never" nodeType="tmRoot">
+        <p:cTn id="1" dur="indefinite" restart="never" nodeType="tmRoot">
           <p:childTnLst>
             <p:seq>
-              <p:cTn id="32" nodeType="mainSeq"/>
+              <p:cTn id="2" nodeType="mainSeq"/>
               <p:prevCondLst>
-                <p:cond delay="0" evt="onPrev">
+                <p:cond evt="onPrev" delay="0">
                   <p:tgtEl>
                     <p:sldTgt/>
                   </p:tgtEl>
                 </p:cond>
               </p:prevCondLst>
               <p:nextCondLst>
-                <p:cond delay="0" evt="onNext">
+                <p:cond evt="onNext" delay="0">
                   <p:tgtEl>
                     <p:sldTgt/>
                   </p:tgtEl>
@@ -4408,8 +5977,8 @@
 </p:sld>
 </file>
 
-<file path=ppt/slides/slide2.xml><?xml version="1.0" encoding="utf-8"?>
-<p:sld xmlns:a="http://schemas.openxmlformats.org/drawingml/2006/main" xmlns:p="http://schemas.openxmlformats.org/presentationml/2006/main" xmlns:r="http://schemas.openxmlformats.org/officeDocument/2006/relationships" xmlns:p14="http://schemas.microsoft.com/office/powerpoint/2010/main" xmlns:p15="http://schemas.microsoft.com/office/powerpoint/2012/main" xmlns:mc="http://schemas.openxmlformats.org/markup-compatibility/2006">
+<file path=ppt/slides/slide4.xml><?xml version="1.0" encoding="utf-8"?>
+<p:sld xmlns:a="http://schemas.openxmlformats.org/drawingml/2006/main" xmlns:r="http://schemas.openxmlformats.org/officeDocument/2006/relationships" xmlns:p="http://schemas.openxmlformats.org/presentationml/2006/main">
   <p:cSld>
     <p:spTree>
       <p:nvGrpSpPr>
@@ -4427,7 +5996,7 @@
       </p:grpSpPr>
       <p:sp>
         <p:nvSpPr>
-          <p:cNvPr id="83" name="CustomShape 1"/>
+          <p:cNvPr id="87" name="CustomShape 1"/>
           <p:cNvSpPr/>
           <p:nvPr/>
         </p:nvSpPr>
@@ -4445,32 +6014,39 @@
           </a:ln>
         </p:spPr>
         <p:style>
-          <a:lnRef idx="0"/>
-          <a:fillRef idx="0"/>
-          <a:effectRef idx="0"/>
+          <a:lnRef idx="0">
+            <a:scrgbClr r="0" g="0" b="0"/>
+          </a:lnRef>
+          <a:fillRef idx="0">
+            <a:scrgbClr r="0" g="0" b="0"/>
+          </a:fillRef>
+          <a:effectRef idx="0">
+            <a:scrgbClr r="0" g="0" b="0"/>
+          </a:effectRef>
           <a:fontRef idx="minor"/>
         </p:style>
         <p:txBody>
-          <a:bodyPr lIns="0" rIns="0" tIns="0" bIns="0" anchor="b"/>
+          <a:bodyPr lIns="0" tIns="0" rIns="0" bIns="0" anchor="b"/>
+          <a:lstStyle/>
           <a:p>
             <a:r>
-              <a:rPr b="1" lang="en-AU" sz="3200" spc="-1" strike="noStrike">
+              <a:rPr lang="en-AU" sz="3200" b="1" strike="noStrike" spc="-1" dirty="0" smtClean="0">
                 <a:solidFill>
-                  <a:srgbClr val="ffffff"/>
+                  <a:srgbClr val="FFFFFF"/>
                 </a:solidFill>
                 <a:latin typeface="Source Sans Pro Black"/>
               </a:rPr>
-              <a:t>Problem Description - Introduction </a:t>
+              <a:t>Dataset Overview</a:t>
             </a:r>
-            <a:endParaRPr b="0" lang="en-AU" sz="3200" spc="-1" strike="noStrike">
-              <a:latin typeface="Arial"/>
-            </a:endParaRPr>
-          </a:p>
-        </p:txBody>
-      </p:sp>
-      <p:sp>
-        <p:nvSpPr>
-          <p:cNvPr id="84" name="CustomShape 2"/>
+            <a:endParaRPr lang="en-AU" sz="3200" b="0" strike="noStrike" spc="-1" dirty="0">
+              <a:latin typeface="Arial"/>
+            </a:endParaRPr>
+          </a:p>
+        </p:txBody>
+      </p:sp>
+      <p:sp>
+        <p:nvSpPr>
+          <p:cNvPr id="88" name="CustomShape 2"/>
           <p:cNvSpPr/>
           <p:nvPr/>
         </p:nvSpPr>
@@ -4488,15 +6064,22 @@
           </a:ln>
         </p:spPr>
         <p:style>
-          <a:lnRef idx="0"/>
-          <a:fillRef idx="0"/>
-          <a:effectRef idx="0"/>
+          <a:lnRef idx="0">
+            <a:scrgbClr r="0" g="0" b="0"/>
+          </a:lnRef>
+          <a:fillRef idx="0">
+            <a:scrgbClr r="0" g="0" b="0"/>
+          </a:fillRef>
+          <a:effectRef idx="0">
+            <a:scrgbClr r="0" g="0" b="0"/>
+          </a:effectRef>
           <a:fontRef idx="minor"/>
         </p:style>
         <p:txBody>
-          <a:bodyPr lIns="0" rIns="0" tIns="0" bIns="0">
+          <a:bodyPr lIns="0" tIns="0" rIns="0" bIns="0">
             <a:normAutofit/>
           </a:bodyPr>
+          <a:lstStyle/>
           <a:p>
             <a:pPr>
               <a:lnSpc>
@@ -4507,17 +6090,90 @@
               </a:spcAft>
             </a:pPr>
             <a:r>
-              <a:rPr b="1" lang="en-AU" sz="2600" spc="-1" strike="noStrike">
+              <a:rPr lang="en-AU" sz="2400" b="1" strike="noStrike" spc="-1" dirty="0" smtClean="0">
                 <a:solidFill>
-                  <a:srgbClr val="1c1c1c"/>
+                  <a:srgbClr val="1C1C1C"/>
                 </a:solidFill>
                 <a:latin typeface="Source Sans Pro Semibold"/>
               </a:rPr>
-              <a:t>- What is the dataset we are investigating?</a:t>
+              <a:t>The dataset used was obtained from </a:t>
             </a:r>
-            <a:endParaRPr b="0" lang="en-AU" sz="2600" spc="-1" strike="noStrike">
-              <a:latin typeface="Arial"/>
-            </a:endParaRPr>
+            <a:r>
+              <a:rPr lang="en-AU" sz="2400" b="1" strike="noStrike" spc="-1" dirty="0" err="1" smtClean="0">
+                <a:solidFill>
+                  <a:srgbClr val="1C1C1C"/>
+                </a:solidFill>
+                <a:latin typeface="Source Sans Pro Semibold"/>
+              </a:rPr>
+              <a:t>Kaggle</a:t>
+            </a:r>
+            <a:r>
+              <a:rPr lang="en-AU" sz="2400" b="1" strike="noStrike" spc="-1" dirty="0" smtClean="0">
+                <a:solidFill>
+                  <a:srgbClr val="1C1C1C"/>
+                </a:solidFill>
+                <a:latin typeface="Source Sans Pro Semibold"/>
+              </a:rPr>
+              <a:t> and can be accessed here: </a:t>
+            </a:r>
+            <a:r>
+              <a:rPr lang="en-AU" sz="2400" b="1" strike="noStrike" spc="-1" dirty="0" smtClean="0">
+                <a:solidFill>
+                  <a:srgbClr val="1C1C1C"/>
+                </a:solidFill>
+                <a:latin typeface="Source Sans Pro Semibold"/>
+                <a:hlinkClick r:id="rId2"/>
+              </a:rPr>
+              <a:t>https://www.kaggle.com/abhisingh10p14/black-friday</a:t>
+            </a:r>
+            <a:endParaRPr lang="en-AU" sz="2400" b="1" strike="noStrike" spc="-1" dirty="0" smtClean="0">
+              <a:solidFill>
+                <a:srgbClr val="1C1C1C"/>
+              </a:solidFill>
+              <a:latin typeface="Source Sans Pro Semibold"/>
+            </a:endParaRPr>
+          </a:p>
+          <a:p>
+            <a:pPr marL="457200" indent="-457200">
+              <a:lnSpc>
+                <a:spcPct val="100000"/>
+              </a:lnSpc>
+              <a:spcAft>
+                <a:spcPts val="1142"/>
+              </a:spcAft>
+              <a:buFont typeface="Arial" panose="020B0604020202020204" pitchFamily="34" charset="0"/>
+              <a:buChar char="•"/>
+            </a:pPr>
+            <a:r>
+              <a:rPr lang="en-AU" sz="2400" b="1" spc="-1" dirty="0" smtClean="0">
+                <a:solidFill>
+                  <a:srgbClr val="1C1C1C"/>
+                </a:solidFill>
+                <a:latin typeface="Source Sans Pro Semibold"/>
+              </a:rPr>
+              <a:t>The data were aggregated to ensure each individual was represented once.</a:t>
+            </a:r>
+          </a:p>
+          <a:p>
+            <a:pPr marL="457200" indent="-457200">
+              <a:lnSpc>
+                <a:spcPct val="100000"/>
+              </a:lnSpc>
+              <a:spcAft>
+                <a:spcPts val="1142"/>
+              </a:spcAft>
+              <a:buFont typeface="Arial" panose="020B0604020202020204" pitchFamily="34" charset="0"/>
+              <a:buChar char="•"/>
+            </a:pPr>
+            <a:r>
+              <a:rPr lang="en-AU" sz="2400" b="1" strike="noStrike" spc="-1" dirty="0" smtClean="0">
+                <a:solidFill>
+                  <a:srgbClr val="1C1C1C"/>
+                </a:solidFill>
+                <a:latin typeface="Source Sans Pro Semibold"/>
+              </a:rPr>
+              <a:t>Factor columns such as sex and age were made into binary dummy variables</a:t>
+            </a:r>
           </a:p>
           <a:p>
             <a:pPr>
@@ -4529,82 +6185,86 @@
               </a:spcAft>
             </a:pPr>
             <a:r>
-              <a:rPr b="1" lang="en-AU" sz="2600" spc="-1" strike="noStrike">
+              <a:rPr lang="en-AU" sz="2400" b="1" spc="-1" dirty="0" smtClean="0">
                 <a:solidFill>
-                  <a:srgbClr val="1c1c1c"/>
+                  <a:srgbClr val="1C1C1C"/>
                 </a:solidFill>
                 <a:latin typeface="Source Sans Pro Semibold"/>
               </a:rPr>
-              <a:t> </a:t>
+              <a:t>The head of the final dataset used for analysis was shown below:</a:t>
             </a:r>
-            <a:endParaRPr b="0" lang="en-AU" sz="2600" spc="-1" strike="noStrike">
-              <a:latin typeface="Arial"/>
-            </a:endParaRPr>
-          </a:p>
-          <a:p>
-            <a:pPr>
+            <a:endParaRPr lang="en-AU" sz="2400" b="0" strike="noStrike" spc="-1" dirty="0">
+              <a:latin typeface="Arial"/>
+            </a:endParaRPr>
+          </a:p>
+          <a:p>
+            <a:pPr marL="288000">
               <a:lnSpc>
                 <a:spcPct val="100000"/>
               </a:lnSpc>
               <a:spcAft>
-                <a:spcPts val="1142"/>
+                <a:spcPts val="1134"/>
               </a:spcAft>
             </a:pPr>
             <a:r>
-              <a:rPr b="1" lang="en-AU" sz="2600" spc="-1" strike="noStrike">
+              <a:rPr lang="en-AU" sz="2400" b="1" strike="noStrike" spc="-1" dirty="0">
                 <a:solidFill>
-                  <a:srgbClr val="1c1c1c"/>
+                  <a:srgbClr val="1C1C1C"/>
                 </a:solidFill>
                 <a:latin typeface="Source Sans Pro Semibold"/>
               </a:rPr>
-              <a:t>- What questions are we asking?</a:t>
+              <a:t>	</a:t>
             </a:r>
-            <a:endParaRPr b="0" lang="en-AU" sz="2600" spc="-1" strike="noStrike">
-              <a:latin typeface="Arial"/>
-            </a:endParaRPr>
-          </a:p>
-          <a:p>
-            <a:pPr>
-              <a:lnSpc>
-                <a:spcPct val="100000"/>
-              </a:lnSpc>
-              <a:spcAft>
-                <a:spcPts val="1142"/>
-              </a:spcAft>
-            </a:pPr>
-            <a:r>
-              <a:rPr b="1" lang="en-AU" sz="2600" spc="-1" strike="noStrike">
-                <a:solidFill>
-                  <a:srgbClr val="1c1c1c"/>
-                </a:solidFill>
-                <a:latin typeface="Source Sans Pro Semibold"/>
-              </a:rPr>
-              <a:t> </a:t>
-            </a:r>
-            <a:endParaRPr b="0" lang="en-AU" sz="2600" spc="-1" strike="noStrike">
-              <a:latin typeface="Arial"/>
-            </a:endParaRPr>
-          </a:p>
-        </p:txBody>
-      </p:sp>
+            <a:endParaRPr lang="en-AU" sz="2400" b="0" strike="noStrike" spc="-1" dirty="0">
+              <a:latin typeface="Arial"/>
+            </a:endParaRPr>
+          </a:p>
+        </p:txBody>
+      </p:sp>
+      <p:pic>
+        <p:nvPicPr>
+          <p:cNvPr id="89" name="Picture 88"/>
+          <p:cNvPicPr/>
+          <p:nvPr/>
+        </p:nvPicPr>
+        <p:blipFill>
+          <a:blip r:embed="rId3"/>
+          <a:stretch/>
+        </p:blipFill>
+        <p:spPr>
+          <a:xfrm>
+            <a:off x="829980" y="5130720"/>
+            <a:ext cx="8419680" cy="1528920"/>
+          </a:xfrm>
+          <a:prstGeom prst="rect">
+            <a:avLst/>
+          </a:prstGeom>
+          <a:ln>
+            <a:noFill/>
+          </a:ln>
+        </p:spPr>
+      </p:pic>
     </p:spTree>
   </p:cSld>
+  <p:clrMapOvr>
+    <a:masterClrMapping/>
+  </p:clrMapOvr>
   <p:timing>
     <p:tnLst>
       <p:par>
-        <p:cTn id="3" dur="indefinite" restart="never" nodeType="tmRoot">
+        <p:cTn id="1" dur="indefinite" restart="never" nodeType="tmRoot">
           <p:childTnLst>
             <p:seq>
-              <p:cTn id="4" nodeType="mainSeq"/>
+              <p:cTn id="2" nodeType="mainSeq"/>
               <p:prevCondLst>
-                <p:cond delay="0" evt="onPrev">
+                <p:cond evt="onPrev" delay="0">
                   <p:tgtEl>
                     <p:sldTgt/>
                   </p:tgtEl>
                 </p:cond>
               </p:prevCondLst>
               <p:nextCondLst>
-                <p:cond delay="0" evt="onNext">
+                <p:cond evt="onNext" delay="0">
                   <p:tgtEl>
                     <p:sldTgt/>
                   </p:tgtEl>
@@ -4619,8 +6279,8 @@
 </p:sld>
 </file>
 
-<file path=ppt/slides/slide3.xml><?xml version="1.0" encoding="utf-8"?>
-<p:sld xmlns:a="http://schemas.openxmlformats.org/drawingml/2006/main" xmlns:p="http://schemas.openxmlformats.org/presentationml/2006/main" xmlns:r="http://schemas.openxmlformats.org/officeDocument/2006/relationships" xmlns:p14="http://schemas.microsoft.com/office/powerpoint/2010/main" xmlns:p15="http://schemas.microsoft.com/office/powerpoint/2012/main" xmlns:mc="http://schemas.openxmlformats.org/markup-compatibility/2006">
+<file path=ppt/slides/slide5.xml><?xml version="1.0" encoding="utf-8"?>
+<p:sld xmlns:a="http://schemas.openxmlformats.org/drawingml/2006/main" xmlns:r="http://schemas.openxmlformats.org/officeDocument/2006/relationships" xmlns:p="http://schemas.openxmlformats.org/presentationml/2006/main">
   <p:cSld>
     <p:spTree>
       <p:nvGrpSpPr>
@@ -4638,7 +6298,7 @@
       </p:grpSpPr>
       <p:sp>
         <p:nvSpPr>
-          <p:cNvPr id="85" name="CustomShape 1"/>
+          <p:cNvPr id="90" name="CustomShape 1"/>
           <p:cNvSpPr/>
           <p:nvPr/>
         </p:nvSpPr>
@@ -4656,32 +6316,48 @@
           </a:ln>
         </p:spPr>
         <p:style>
-          <a:lnRef idx="0"/>
-          <a:fillRef idx="0"/>
-          <a:effectRef idx="0"/>
+          <a:lnRef idx="0">
+            <a:scrgbClr r="0" g="0" b="0"/>
+          </a:lnRef>
+          <a:fillRef idx="0">
+            <a:scrgbClr r="0" g="0" b="0"/>
+          </a:fillRef>
+          <a:effectRef idx="0">
+            <a:scrgbClr r="0" g="0" b="0"/>
+          </a:effectRef>
           <a:fontRef idx="minor"/>
         </p:style>
         <p:txBody>
-          <a:bodyPr lIns="0" rIns="0" tIns="0" bIns="0" anchor="b"/>
+          <a:bodyPr lIns="0" tIns="0" rIns="0" bIns="0" anchor="b"/>
+          <a:lstStyle/>
           <a:p>
             <a:r>
-              <a:rPr b="1" lang="en-AU" sz="3200" spc="-1" strike="noStrike">
+              <a:rPr lang="en-AU" sz="3200" b="1" strike="noStrike" spc="-1" dirty="0">
                 <a:solidFill>
-                  <a:srgbClr val="ffffff"/>
+                  <a:srgbClr val="FFFFFF"/>
                 </a:solidFill>
                 <a:latin typeface="Source Sans Pro Black"/>
               </a:rPr>
-              <a:t>Problem Description - Expectations</a:t>
+              <a:t>Data </a:t>
             </a:r>
-            <a:endParaRPr b="0" lang="en-AU" sz="3200" spc="-1" strike="noStrike">
-              <a:latin typeface="Arial"/>
-            </a:endParaRPr>
-          </a:p>
-        </p:txBody>
-      </p:sp>
-      <p:sp>
-        <p:nvSpPr>
-          <p:cNvPr id="86" name="CustomShape 2"/>
+            <a:r>
+              <a:rPr lang="en-AU" sz="3200" b="1" strike="noStrike" spc="-1" dirty="0" smtClean="0">
+                <a:solidFill>
+                  <a:srgbClr val="FFFFFF"/>
+                </a:solidFill>
+                <a:latin typeface="Source Sans Pro Black"/>
+              </a:rPr>
+              <a:t>Visualisation</a:t>
+            </a:r>
+            <a:endParaRPr lang="en-AU" sz="3200" b="0" strike="noStrike" spc="-1" dirty="0">
+              <a:latin typeface="Arial"/>
+            </a:endParaRPr>
+          </a:p>
+        </p:txBody>
+      </p:sp>
+      <p:sp>
+        <p:nvSpPr>
+          <p:cNvPr id="91" name="CustomShape 2"/>
           <p:cNvSpPr/>
           <p:nvPr/>
         </p:nvSpPr>
@@ -4699,101 +6375,238 @@
           </a:ln>
         </p:spPr>
         <p:style>
-          <a:lnRef idx="0"/>
-          <a:fillRef idx="0"/>
-          <a:effectRef idx="0"/>
+          <a:lnRef idx="0">
+            <a:scrgbClr r="0" g="0" b="0"/>
+          </a:lnRef>
+          <a:fillRef idx="0">
+            <a:scrgbClr r="0" g="0" b="0"/>
+          </a:fillRef>
+          <a:effectRef idx="0">
+            <a:scrgbClr r="0" g="0" b="0"/>
+          </a:effectRef>
           <a:fontRef idx="minor"/>
         </p:style>
         <p:txBody>
-          <a:bodyPr lIns="0" rIns="0" tIns="0" bIns="0">
+          <a:bodyPr lIns="0" tIns="0" rIns="0" bIns="0">
             <a:normAutofit/>
           </a:bodyPr>
-          <a:p>
-            <a:pPr>
+          <a:lstStyle/>
+          <a:p>
+            <a:pPr marL="288000">
               <a:lnSpc>
                 <a:spcPct val="100000"/>
               </a:lnSpc>
               <a:spcAft>
-                <a:spcPts val="1142"/>
+                <a:spcPts val="1134"/>
               </a:spcAft>
             </a:pPr>
-            <a:r>
-              <a:rPr b="1" lang="en-AU" sz="2600" spc="-1" strike="noStrike">
-                <a:solidFill>
-                  <a:srgbClr val="1c1c1c"/>
-                </a:solidFill>
-                <a:latin typeface="Source Sans Pro Semibold"/>
-              </a:rPr>
-              <a:t>- What answers are we expecting to see?</a:t>
-            </a:r>
-            <a:endParaRPr b="0" lang="en-AU" sz="2600" spc="-1" strike="noStrike">
-              <a:latin typeface="Arial"/>
-            </a:endParaRPr>
-          </a:p>
-          <a:p>
-            <a:pPr>
+            <a:endParaRPr lang="en-AU" sz="1800" b="0" strike="noStrike" spc="-1">
+              <a:latin typeface="Arial"/>
+            </a:endParaRPr>
+          </a:p>
+          <a:p>
+            <a:pPr marL="288000">
               <a:lnSpc>
                 <a:spcPct val="100000"/>
               </a:lnSpc>
               <a:spcAft>
-                <a:spcPts val="1142"/>
+                <a:spcPts val="1134"/>
               </a:spcAft>
             </a:pPr>
             <a:r>
-              <a:rPr b="1" lang="en-AU" sz="2600" spc="-1" strike="noStrike">
+              <a:rPr lang="en-AU" sz="2600" b="1" strike="noStrike" spc="-1">
                 <a:solidFill>
-                  <a:srgbClr val="1c1c1c"/>
+                  <a:srgbClr val="1C1C1C"/>
                 </a:solidFill>
                 <a:latin typeface="Source Sans Pro Semibold"/>
               </a:rPr>
-              <a:t> </a:t>
+              <a:t>	</a:t>
             </a:r>
-            <a:endParaRPr b="0" lang="en-AU" sz="2600" spc="-1" strike="noStrike">
-              <a:latin typeface="Arial"/>
-            </a:endParaRPr>
-          </a:p>
-          <a:p>
-            <a:pPr>
-              <a:lnSpc>
-                <a:spcPct val="100000"/>
-              </a:lnSpc>
-              <a:spcAft>
-                <a:spcPts val="1142"/>
-              </a:spcAft>
+            <a:endParaRPr lang="en-AU" sz="2600" b="0" strike="noStrike" spc="-1">
+              <a:latin typeface="Arial"/>
+            </a:endParaRPr>
+          </a:p>
+        </p:txBody>
+      </p:sp>
+      <p:pic>
+        <p:nvPicPr>
+          <p:cNvPr id="92" name="Picture 91"/>
+          <p:cNvPicPr/>
+          <p:nvPr/>
+        </p:nvPicPr>
+        <p:blipFill>
+          <a:blip r:embed="rId2"/>
+          <a:stretch/>
+        </p:blipFill>
+        <p:spPr>
+          <a:xfrm>
+            <a:off x="360001" y="1872000"/>
+            <a:ext cx="4743000" cy="3374557"/>
+          </a:xfrm>
+          <a:prstGeom prst="rect">
+            <a:avLst/>
+          </a:prstGeom>
+          <a:ln>
+            <a:noFill/>
+          </a:ln>
+        </p:spPr>
+      </p:pic>
+      <p:sp>
+        <p:nvSpPr>
+          <p:cNvPr id="93" name="TextShape 3"/>
+          <p:cNvSpPr txBox="1"/>
+          <p:nvPr/>
+        </p:nvSpPr>
+        <p:spPr>
+          <a:xfrm>
+            <a:off x="465903" y="5579409"/>
+            <a:ext cx="5186596" cy="1413083"/>
+          </a:xfrm>
+          <a:prstGeom prst="rect">
+            <a:avLst/>
+          </a:prstGeom>
+          <a:noFill/>
+          <a:ln>
+            <a:noFill/>
+          </a:ln>
+        </p:spPr>
+        <p:txBody>
+          <a:bodyPr lIns="90000" tIns="45000" rIns="90000" bIns="45000"/>
+          <a:lstStyle/>
+          <a:p>
+            <a:pPr marL="285750" indent="-285750">
+              <a:buFont typeface="Arial" panose="020B0604020202020204" pitchFamily="34" charset="0"/>
+              <a:buChar char="•"/>
             </a:pPr>
             <a:r>
-              <a:rPr b="1" lang="en-AU" sz="2600" spc="-1" strike="noStrike">
-                <a:solidFill>
-                  <a:srgbClr val="1c1c1c"/>
-                </a:solidFill>
-                <a:latin typeface="Source Sans Pro Semibold"/>
+              <a:rPr lang="en-AU" sz="1800" b="0" strike="noStrike" spc="-1" dirty="0" smtClean="0">
+                <a:latin typeface="Arial"/>
               </a:rPr>
-              <a:t>- Do we foresee any challenges?</a:t>
+              <a:t>Response Variable</a:t>
             </a:r>
-            <a:endParaRPr b="0" lang="en-AU" sz="2600" spc="-1" strike="noStrike">
-              <a:latin typeface="Arial"/>
-            </a:endParaRPr>
+          </a:p>
+          <a:p>
+            <a:pPr marL="285750" indent="-285750">
+              <a:buFont typeface="Arial" panose="020B0604020202020204" pitchFamily="34" charset="0"/>
+              <a:buChar char="•"/>
+            </a:pPr>
+            <a:r>
+              <a:rPr lang="en-AU" spc="-1" dirty="0" smtClean="0">
+                <a:latin typeface="Arial"/>
+              </a:rPr>
+              <a:t>Clear likeness to normal distribution</a:t>
+            </a:r>
+          </a:p>
+          <a:p>
+            <a:pPr marL="285750" indent="-285750">
+              <a:buFont typeface="Arial" panose="020B0604020202020204" pitchFamily="34" charset="0"/>
+              <a:buChar char="•"/>
+            </a:pPr>
+            <a:r>
+              <a:rPr lang="en-AU" spc="-1" dirty="0" smtClean="0">
+                <a:latin typeface="Arial"/>
+              </a:rPr>
+              <a:t>Slightly right-skewed with mode of around $10,000</a:t>
+            </a:r>
+            <a:endParaRPr lang="en-AU" sz="1800" b="0" strike="noStrike" spc="-1" dirty="0">
+              <a:latin typeface="Arial"/>
+            </a:endParaRPr>
+          </a:p>
+          <a:p>
+            <a:endParaRPr lang="en-AU" sz="1800" b="0" strike="noStrike" spc="-1" dirty="0">
+              <a:latin typeface="Arial"/>
+            </a:endParaRPr>
+          </a:p>
+        </p:txBody>
+      </p:sp>
+      <p:pic>
+        <p:nvPicPr>
+          <p:cNvPr id="6" name="Picture 5"/>
+          <p:cNvPicPr/>
+          <p:nvPr/>
+        </p:nvPicPr>
+        <p:blipFill>
+          <a:blip r:embed="rId3"/>
+          <a:stretch/>
+        </p:blipFill>
+        <p:spPr>
+          <a:xfrm>
+            <a:off x="5246557" y="1872000"/>
+            <a:ext cx="4642124" cy="3132858"/>
+          </a:xfrm>
+          <a:prstGeom prst="rect">
+            <a:avLst/>
+          </a:prstGeom>
+          <a:ln>
+            <a:noFill/>
+          </a:ln>
+        </p:spPr>
+      </p:pic>
+      <p:sp>
+        <p:nvSpPr>
+          <p:cNvPr id="2" name="TextBox 1"/>
+          <p:cNvSpPr txBox="1"/>
+          <p:nvPr/>
+        </p:nvSpPr>
+        <p:spPr>
+          <a:xfrm>
+            <a:off x="5652499" y="5617218"/>
+            <a:ext cx="4236182" cy="923330"/>
+          </a:xfrm>
+          <a:prstGeom prst="rect">
+            <a:avLst/>
+          </a:prstGeom>
+          <a:noFill/>
+        </p:spPr>
+        <p:txBody>
+          <a:bodyPr wrap="square" rtlCol="0">
+            <a:spAutoFit/>
+          </a:bodyPr>
+          <a:lstStyle/>
+          <a:p>
+            <a:pPr marL="285750" indent="-285750">
+              <a:buFont typeface="Arial" panose="020B0604020202020204" pitchFamily="34" charset="0"/>
+              <a:buChar char="•"/>
+            </a:pPr>
+            <a:r>
+              <a:rPr lang="en-US" dirty="0" smtClean="0"/>
+              <a:t>Very slight difference in median lines</a:t>
+            </a:r>
+          </a:p>
+          <a:p>
+            <a:pPr marL="285750" indent="-285750">
+              <a:buFont typeface="Arial" panose="020B0604020202020204" pitchFamily="34" charset="0"/>
+              <a:buChar char="•"/>
+            </a:pPr>
+            <a:r>
+              <a:rPr lang="en-US" dirty="0" smtClean="0"/>
+              <a:t>Males appear to spend more on average than females.</a:t>
+            </a:r>
+            <a:endParaRPr lang="en-US" dirty="0"/>
           </a:p>
         </p:txBody>
       </p:sp>
     </p:spTree>
   </p:cSld>
+  <p:clrMapOvr>
+    <a:masterClrMapping/>
+  </p:clrMapOvr>
   <p:timing>
     <p:tnLst>
       <p:par>
-        <p:cTn id="5" dur="indefinite" restart="never" nodeType="tmRoot">
+        <p:cTn id="1" dur="indefinite" restart="never" nodeType="tmRoot">
           <p:childTnLst>
             <p:seq>
-              <p:cTn id="6" nodeType="mainSeq"/>
+              <p:cTn id="2" nodeType="mainSeq"/>
               <p:prevCondLst>
-                <p:cond delay="0" evt="onPrev">
+                <p:cond evt="onPrev" delay="0">
                   <p:tgtEl>
                     <p:sldTgt/>
                   </p:tgtEl>
                 </p:cond>
               </p:prevCondLst>
               <p:nextCondLst>
-                <p:cond delay="0" evt="onNext">
+                <p:cond evt="onNext" delay="0">
                   <p:tgtEl>
                     <p:sldTgt/>
                   </p:tgtEl>
@@ -4808,8 +6621,8 @@
 </p:sld>
 </file>
 
-<file path=ppt/slides/slide4.xml><?xml version="1.0" encoding="utf-8"?>
-<p:sld xmlns:a="http://schemas.openxmlformats.org/drawingml/2006/main" xmlns:p="http://schemas.openxmlformats.org/presentationml/2006/main" xmlns:r="http://schemas.openxmlformats.org/officeDocument/2006/relationships" xmlns:p14="http://schemas.microsoft.com/office/powerpoint/2010/main" xmlns:p15="http://schemas.microsoft.com/office/powerpoint/2012/main" xmlns:mc="http://schemas.openxmlformats.org/markup-compatibility/2006">
+<file path=ppt/slides/slide6.xml><?xml version="1.0" encoding="utf-8"?>
+<p:sld xmlns:a="http://schemas.openxmlformats.org/drawingml/2006/main" xmlns:r="http://schemas.openxmlformats.org/officeDocument/2006/relationships" xmlns:p="http://schemas.openxmlformats.org/presentationml/2006/main">
   <p:cSld>
     <p:spTree>
       <p:nvGrpSpPr>
@@ -4827,7 +6640,7 @@
       </p:grpSpPr>
       <p:sp>
         <p:nvSpPr>
-          <p:cNvPr id="87" name="CustomShape 1"/>
+          <p:cNvPr id="94" name="CustomShape 1"/>
           <p:cNvSpPr/>
           <p:nvPr/>
         </p:nvSpPr>
@@ -4845,32 +6658,48 @@
           </a:ln>
         </p:spPr>
         <p:style>
-          <a:lnRef idx="0"/>
-          <a:fillRef idx="0"/>
-          <a:effectRef idx="0"/>
+          <a:lnRef idx="0">
+            <a:scrgbClr r="0" g="0" b="0"/>
+          </a:lnRef>
+          <a:fillRef idx="0">
+            <a:scrgbClr r="0" g="0" b="0"/>
+          </a:fillRef>
+          <a:effectRef idx="0">
+            <a:scrgbClr r="0" g="0" b="0"/>
+          </a:effectRef>
           <a:fontRef idx="minor"/>
         </p:style>
         <p:txBody>
-          <a:bodyPr lIns="0" rIns="0" tIns="0" bIns="0" anchor="b"/>
+          <a:bodyPr lIns="0" tIns="0" rIns="0" bIns="0" anchor="b"/>
+          <a:lstStyle/>
           <a:p>
             <a:r>
-              <a:rPr b="1" lang="en-AU" sz="3200" spc="-1" strike="noStrike">
+              <a:rPr lang="en-AU" sz="3200" b="1" strike="noStrike" spc="-1" dirty="0">
                 <a:solidFill>
-                  <a:srgbClr val="ffffff"/>
+                  <a:srgbClr val="FFFFFF"/>
                 </a:solidFill>
                 <a:latin typeface="Source Sans Pro Black"/>
               </a:rPr>
-              <a:t>Data Visualisation and Data Analysis</a:t>
+              <a:t>Data </a:t>
             </a:r>
-            <a:endParaRPr b="0" lang="en-AU" sz="3200" spc="-1" strike="noStrike">
-              <a:latin typeface="Arial"/>
-            </a:endParaRPr>
-          </a:p>
-        </p:txBody>
-      </p:sp>
-      <p:sp>
-        <p:nvSpPr>
-          <p:cNvPr id="88" name="CustomShape 2"/>
+            <a:r>
+              <a:rPr lang="en-AU" sz="3200" b="1" strike="noStrike" spc="-1" dirty="0" smtClean="0">
+                <a:solidFill>
+                  <a:srgbClr val="FFFFFF"/>
+                </a:solidFill>
+                <a:latin typeface="Source Sans Pro Black"/>
+              </a:rPr>
+              <a:t>Visualisation</a:t>
+            </a:r>
+            <a:endParaRPr lang="en-AU" sz="3200" b="0" strike="noStrike" spc="-1" dirty="0">
+              <a:latin typeface="Arial"/>
+            </a:endParaRPr>
+          </a:p>
+        </p:txBody>
+      </p:sp>
+      <p:sp>
+        <p:nvSpPr>
+          <p:cNvPr id="95" name="CustomShape 2"/>
           <p:cNvSpPr/>
           <p:nvPr/>
         </p:nvSpPr>
@@ -4888,56 +6717,32 @@
           </a:ln>
         </p:spPr>
         <p:style>
-          <a:lnRef idx="0"/>
-          <a:fillRef idx="0"/>
-          <a:effectRef idx="0"/>
+          <a:lnRef idx="0">
+            <a:scrgbClr r="0" g="0" b="0"/>
+          </a:lnRef>
+          <a:fillRef idx="0">
+            <a:scrgbClr r="0" g="0" b="0"/>
+          </a:fillRef>
+          <a:effectRef idx="0">
+            <a:scrgbClr r="0" g="0" b="0"/>
+          </a:effectRef>
           <a:fontRef idx="minor"/>
         </p:style>
         <p:txBody>
-          <a:bodyPr lIns="0" rIns="0" tIns="0" bIns="0">
+          <a:bodyPr lIns="0" tIns="0" rIns="0" bIns="0">
             <a:normAutofit/>
           </a:bodyPr>
-          <a:p>
-            <a:pPr>
+          <a:lstStyle/>
+          <a:p>
+            <a:pPr marL="288000">
               <a:lnSpc>
                 <a:spcPct val="100000"/>
               </a:lnSpc>
               <a:spcAft>
-                <a:spcPts val="1142"/>
+                <a:spcPts val="1134"/>
               </a:spcAft>
             </a:pPr>
-            <a:r>
-              <a:rPr b="1" lang="en-AU" sz="2600" spc="-1" strike="noStrike">
-                <a:solidFill>
-                  <a:srgbClr val="1c1c1c"/>
-                </a:solidFill>
-                <a:latin typeface="Source Sans Pro Semibold"/>
-              </a:rPr>
-              <a:t>- Head of dataset</a:t>
-            </a:r>
-            <a:endParaRPr b="0" lang="en-AU" sz="2600" spc="-1" strike="noStrike">
-              <a:latin typeface="Arial"/>
-            </a:endParaRPr>
-          </a:p>
-          <a:p>
-            <a:pPr>
-              <a:lnSpc>
-                <a:spcPct val="100000"/>
-              </a:lnSpc>
-              <a:spcAft>
-                <a:spcPts val="1142"/>
-              </a:spcAft>
-            </a:pPr>
-            <a:r>
-              <a:rPr b="1" lang="en-AU" sz="2600" spc="-1" strike="noStrike">
-                <a:solidFill>
-                  <a:srgbClr val="1c1c1c"/>
-                </a:solidFill>
-                <a:latin typeface="Source Sans Pro Semibold"/>
-              </a:rPr>
-              <a:t> </a:t>
-            </a:r>
-            <a:endParaRPr b="0" lang="en-AU" sz="2600" spc="-1" strike="noStrike">
+            <a:endParaRPr lang="en-AU" sz="1800" b="0" strike="noStrike" spc="-1">
               <a:latin typeface="Arial"/>
             </a:endParaRPr>
           </a:p>
@@ -4951,125 +6756,15 @@
               </a:spcAft>
             </a:pPr>
             <a:r>
-              <a:rPr b="0" lang="en-AU" sz="2200" spc="-1" strike="noStrike">
+              <a:rPr lang="en-AU" sz="2600" b="1" strike="noStrike" spc="-1">
                 <a:solidFill>
-                  <a:srgbClr val="1c1c1c"/>
-                </a:solidFill>
-                <a:latin typeface="Source Sans Pro Light"/>
-              </a:rPr>
-              <a:t>   </a:t>
-            </a:r>
-            <a:endParaRPr b="0" lang="en-AU" sz="2200" spc="-1" strike="noStrike">
-              <a:latin typeface="Arial"/>
-            </a:endParaRPr>
-          </a:p>
-          <a:p>
-            <a:pPr marL="288000">
-              <a:lnSpc>
-                <a:spcPct val="100000"/>
-              </a:lnSpc>
-              <a:spcAft>
-                <a:spcPts val="1134"/>
-              </a:spcAft>
-            </a:pPr>
-            <a:r>
-              <a:rPr b="0" lang="en-AU" sz="1000" spc="-1" strike="noStrike">
-                <a:solidFill>
-                  <a:srgbClr val="1c1c1c"/>
-                </a:solidFill>
-                <a:latin typeface="Source Sans Pro Light"/>
-              </a:rPr>
-              <a:t> </a:t>
-            </a:r>
-            <a:endParaRPr b="0" lang="en-AU" sz="1000" spc="-1" strike="noStrike">
-              <a:latin typeface="Arial"/>
-            </a:endParaRPr>
-          </a:p>
-          <a:p>
-            <a:pPr marL="288000">
-              <a:lnSpc>
-                <a:spcPct val="100000"/>
-              </a:lnSpc>
-              <a:spcAft>
-                <a:spcPts val="1134"/>
-              </a:spcAft>
-            </a:pPr>
-            <a:r>
-              <a:rPr b="0" lang="en-AU" sz="1000" spc="-1" strike="noStrike">
-                <a:solidFill>
-                  <a:srgbClr val="1c1c1c"/>
-                </a:solidFill>
-                <a:latin typeface="Source Sans Pro Light"/>
-              </a:rPr>
-              <a:t> </a:t>
-            </a:r>
-            <a:endParaRPr b="0" lang="en-AU" sz="1000" spc="-1" strike="noStrike">
-              <a:latin typeface="Arial"/>
-            </a:endParaRPr>
-          </a:p>
-          <a:p>
-            <a:pPr marL="288000">
-              <a:lnSpc>
-                <a:spcPct val="100000"/>
-              </a:lnSpc>
-              <a:spcAft>
-                <a:spcPts val="1142"/>
-              </a:spcAft>
-            </a:pPr>
-            <a:r>
-              <a:rPr b="1" lang="en-AU" sz="2600" spc="-1" strike="noStrike">
-                <a:solidFill>
-                  <a:srgbClr val="1c1c1c"/>
-                </a:solidFill>
-                <a:latin typeface="Source Sans Pro Semibold"/>
-              </a:rPr>
-              <a:t> </a:t>
-            </a:r>
-            <a:endParaRPr b="0" lang="en-AU" sz="2600" spc="-1" strike="noStrike">
-              <a:latin typeface="Arial"/>
-            </a:endParaRPr>
-          </a:p>
-          <a:p>
-            <a:pPr marL="288000">
-              <a:lnSpc>
-                <a:spcPct val="100000"/>
-              </a:lnSpc>
-              <a:spcAft>
-                <a:spcPts val="1134"/>
-              </a:spcAft>
-            </a:pPr>
-            <a:r>
-              <a:rPr b="1" lang="en-AU" sz="2600" spc="-1" strike="noStrike">
-                <a:solidFill>
-                  <a:srgbClr val="1c1c1c"/>
-                </a:solidFill>
-                <a:latin typeface="Source Sans Pro Semibold"/>
-              </a:rPr>
-              <a:t>- Description of Variables</a:t>
-            </a:r>
-            <a:endParaRPr b="0" lang="en-AU" sz="2600" spc="-1" strike="noStrike">
-              <a:latin typeface="Arial"/>
-            </a:endParaRPr>
-          </a:p>
-          <a:p>
-            <a:pPr marL="288000">
-              <a:lnSpc>
-                <a:spcPct val="100000"/>
-              </a:lnSpc>
-              <a:spcAft>
-                <a:spcPts val="1134"/>
-              </a:spcAft>
-            </a:pPr>
-            <a:r>
-              <a:rPr b="1" lang="en-AU" sz="2600" spc="-1" strike="noStrike">
-                <a:solidFill>
-                  <a:srgbClr val="1c1c1c"/>
+                  <a:srgbClr val="1C1C1C"/>
                 </a:solidFill>
                 <a:latin typeface="Source Sans Pro Semibold"/>
               </a:rPr>
               <a:t>	</a:t>
             </a:r>
-            <a:endParaRPr b="0" lang="en-AU" sz="2600" spc="-1" strike="noStrike">
+            <a:endParaRPr lang="en-AU" sz="2600" b="0" strike="noStrike" spc="-1">
               <a:latin typeface="Arial"/>
             </a:endParaRPr>
           </a:p>
@@ -5077,18 +6772,18 @@
       </p:sp>
       <p:pic>
         <p:nvPicPr>
-          <p:cNvPr id="89" name="" descr=""/>
+          <p:cNvPr id="96" name="Picture 95"/>
           <p:cNvPicPr/>
           <p:nvPr/>
         </p:nvPicPr>
         <p:blipFill>
-          <a:blip r:embed="rId1"/>
+          <a:blip r:embed="rId2"/>
           <a:stretch/>
         </p:blipFill>
         <p:spPr>
           <a:xfrm>
-            <a:off x="705240" y="2471760"/>
-            <a:ext cx="8419680" cy="1528920"/>
+            <a:off x="504000" y="1872000"/>
+            <a:ext cx="4392000" cy="2862000"/>
           </a:xfrm>
           <a:prstGeom prst="rect">
             <a:avLst/>
@@ -5098,24 +6793,138 @@
           </a:ln>
         </p:spPr>
       </p:pic>
+      <p:pic>
+        <p:nvPicPr>
+          <p:cNvPr id="97" name="Picture 96"/>
+          <p:cNvPicPr/>
+          <p:nvPr/>
+        </p:nvPicPr>
+        <p:blipFill>
+          <a:blip r:embed="rId3"/>
+          <a:stretch/>
+        </p:blipFill>
+        <p:spPr>
+          <a:xfrm>
+            <a:off x="5204880" y="1827360"/>
+            <a:ext cx="4515120" cy="2942280"/>
+          </a:xfrm>
+          <a:prstGeom prst="rect">
+            <a:avLst/>
+          </a:prstGeom>
+          <a:ln>
+            <a:noFill/>
+          </a:ln>
+        </p:spPr>
+      </p:pic>
+      <p:sp>
+        <p:nvSpPr>
+          <p:cNvPr id="2" name="TextBox 1"/>
+          <p:cNvSpPr txBox="1"/>
+          <p:nvPr/>
+        </p:nvSpPr>
+        <p:spPr>
+          <a:xfrm>
+            <a:off x="659567" y="5186597"/>
+            <a:ext cx="4545313" cy="1200329"/>
+          </a:xfrm>
+          <a:prstGeom prst="rect">
+            <a:avLst/>
+          </a:prstGeom>
+          <a:noFill/>
+        </p:spPr>
+        <p:txBody>
+          <a:bodyPr wrap="square" rtlCol="0">
+            <a:spAutoFit/>
+          </a:bodyPr>
+          <a:lstStyle/>
+          <a:p>
+            <a:pPr marL="285750" indent="-285750">
+              <a:buFont typeface="Arial" panose="020B0604020202020204" pitchFamily="34" charset="0"/>
+              <a:buChar char="•"/>
+            </a:pPr>
+            <a:r>
+              <a:rPr lang="en-US" dirty="0" smtClean="0"/>
+              <a:t>Very little variance in purchase price across age bins.</a:t>
+            </a:r>
+          </a:p>
+          <a:p>
+            <a:pPr marL="285750" indent="-285750">
+              <a:buFont typeface="Arial" panose="020B0604020202020204" pitchFamily="34" charset="0"/>
+              <a:buChar char="•"/>
+            </a:pPr>
+            <a:r>
+              <a:rPr lang="en-US" dirty="0" smtClean="0"/>
+              <a:t>Slight positive trend from 0-17 through to 36-45.</a:t>
+            </a:r>
+            <a:endParaRPr lang="en-US" dirty="0"/>
+          </a:p>
+        </p:txBody>
+      </p:sp>
+      <p:sp>
+        <p:nvSpPr>
+          <p:cNvPr id="3" name="TextBox 2"/>
+          <p:cNvSpPr txBox="1"/>
+          <p:nvPr/>
+        </p:nvSpPr>
+        <p:spPr>
+          <a:xfrm>
+            <a:off x="5426439" y="5186597"/>
+            <a:ext cx="4293201" cy="1200329"/>
+          </a:xfrm>
+          <a:prstGeom prst="rect">
+            <a:avLst/>
+          </a:prstGeom>
+          <a:noFill/>
+        </p:spPr>
+        <p:txBody>
+          <a:bodyPr wrap="square" rtlCol="0">
+            <a:spAutoFit/>
+          </a:bodyPr>
+          <a:lstStyle/>
+          <a:p>
+            <a:pPr marL="285750" indent="-285750">
+              <a:buFont typeface="Arial" panose="020B0604020202020204" pitchFamily="34" charset="0"/>
+              <a:buChar char="•"/>
+            </a:pPr>
+            <a:r>
+              <a:rPr lang="en-US" dirty="0" smtClean="0"/>
+              <a:t>Unusual relationship.</a:t>
+            </a:r>
+          </a:p>
+          <a:p>
+            <a:pPr marL="285750" indent="-285750">
+              <a:buFont typeface="Arial" panose="020B0604020202020204" pitchFamily="34" charset="0"/>
+              <a:buChar char="•"/>
+            </a:pPr>
+            <a:r>
+              <a:rPr lang="en-US" dirty="0" smtClean="0"/>
+              <a:t>Individuals who purchase many items more likely to spend an average amount. </a:t>
+            </a:r>
+            <a:endParaRPr lang="en-US" dirty="0"/>
+          </a:p>
+        </p:txBody>
+      </p:sp>
     </p:spTree>
   </p:cSld>
+  <p:clrMapOvr>
+    <a:masterClrMapping/>
+  </p:clrMapOvr>
   <p:timing>
     <p:tnLst>
       <p:par>
-        <p:cTn id="7" dur="indefinite" restart="never" nodeType="tmRoot">
+        <p:cTn id="1" dur="indefinite" restart="never" nodeType="tmRoot">
           <p:childTnLst>
             <p:seq>
-              <p:cTn id="8" nodeType="mainSeq"/>
+              <p:cTn id="2" nodeType="mainSeq"/>
               <p:prevCondLst>
-                <p:cond delay="0" evt="onPrev">
+                <p:cond evt="onPrev" delay="0">
                   <p:tgtEl>
                     <p:sldTgt/>
                   </p:tgtEl>
                 </p:cond>
               </p:prevCondLst>
               <p:nextCondLst>
-                <p:cond delay="0" evt="onNext">
+                <p:cond evt="onNext" delay="0">
                   <p:tgtEl>
                     <p:sldTgt/>
                   </p:tgtEl>
@@ -5130,8 +6939,8 @@
 </p:sld>
 </file>
 
-<file path=ppt/slides/slide5.xml><?xml version="1.0" encoding="utf-8"?>
-<p:sld xmlns:a="http://schemas.openxmlformats.org/drawingml/2006/main" xmlns:p="http://schemas.openxmlformats.org/presentationml/2006/main" xmlns:r="http://schemas.openxmlformats.org/officeDocument/2006/relationships" xmlns:p14="http://schemas.microsoft.com/office/powerpoint/2010/main" xmlns:p15="http://schemas.microsoft.com/office/powerpoint/2012/main" xmlns:mc="http://schemas.openxmlformats.org/markup-compatibility/2006">
+<file path=ppt/slides/slide7.xml><?xml version="1.0" encoding="utf-8"?>
+<p:sld xmlns:a="http://schemas.openxmlformats.org/drawingml/2006/main" xmlns:r="http://schemas.openxmlformats.org/officeDocument/2006/relationships" xmlns:p="http://schemas.openxmlformats.org/presentationml/2006/main">
   <p:cSld>
     <p:spTree>
       <p:nvGrpSpPr>
@@ -5149,7 +6958,7 @@
       </p:grpSpPr>
       <p:sp>
         <p:nvSpPr>
-          <p:cNvPr id="90" name="CustomShape 1"/>
+          <p:cNvPr id="98" name="CustomShape 1"/>
           <p:cNvSpPr/>
           <p:nvPr/>
         </p:nvSpPr>
@@ -5167,32 +6976,48 @@
           </a:ln>
         </p:spPr>
         <p:style>
-          <a:lnRef idx="0"/>
-          <a:fillRef idx="0"/>
-          <a:effectRef idx="0"/>
+          <a:lnRef idx="0">
+            <a:scrgbClr r="0" g="0" b="0"/>
+          </a:lnRef>
+          <a:fillRef idx="0">
+            <a:scrgbClr r="0" g="0" b="0"/>
+          </a:fillRef>
+          <a:effectRef idx="0">
+            <a:scrgbClr r="0" g="0" b="0"/>
+          </a:effectRef>
           <a:fontRef idx="minor"/>
         </p:style>
         <p:txBody>
-          <a:bodyPr lIns="0" rIns="0" tIns="0" bIns="0" anchor="b"/>
+          <a:bodyPr lIns="0" tIns="0" rIns="0" bIns="0" anchor="b"/>
+          <a:lstStyle/>
           <a:p>
             <a:r>
-              <a:rPr b="1" lang="en-AU" sz="3200" spc="-1" strike="noStrike">
+              <a:rPr lang="en-AU" sz="3200" b="1" strike="noStrike" spc="-1" dirty="0">
                 <a:solidFill>
-                  <a:srgbClr val="ffffff"/>
+                  <a:srgbClr val="FFFFFF"/>
                 </a:solidFill>
                 <a:latin typeface="Source Sans Pro Black"/>
               </a:rPr>
-              <a:t>Data Visualisation and Interpretation</a:t>
+              <a:t>Data </a:t>
             </a:r>
-            <a:endParaRPr b="0" lang="en-AU" sz="3200" spc="-1" strike="noStrike">
-              <a:latin typeface="Arial"/>
-            </a:endParaRPr>
-          </a:p>
-        </p:txBody>
-      </p:sp>
-      <p:sp>
-        <p:nvSpPr>
-          <p:cNvPr id="91" name="CustomShape 2"/>
+            <a:r>
+              <a:rPr lang="en-AU" sz="3200" b="1" strike="noStrike" spc="-1" dirty="0" smtClean="0">
+                <a:solidFill>
+                  <a:srgbClr val="FFFFFF"/>
+                </a:solidFill>
+                <a:latin typeface="Source Sans Pro Black"/>
+              </a:rPr>
+              <a:t>Visualisation</a:t>
+            </a:r>
+            <a:endParaRPr lang="en-AU" sz="3200" b="0" strike="noStrike" spc="-1" dirty="0">
+              <a:latin typeface="Arial"/>
+            </a:endParaRPr>
+          </a:p>
+        </p:txBody>
+      </p:sp>
+      <p:sp>
+        <p:nvSpPr>
+          <p:cNvPr id="99" name="CustomShape 2"/>
           <p:cNvSpPr/>
           <p:nvPr/>
         </p:nvSpPr>
@@ -5210,15 +7035,22 @@
           </a:ln>
         </p:spPr>
         <p:style>
-          <a:lnRef idx="0"/>
-          <a:fillRef idx="0"/>
-          <a:effectRef idx="0"/>
+          <a:lnRef idx="0">
+            <a:scrgbClr r="0" g="0" b="0"/>
+          </a:lnRef>
+          <a:fillRef idx="0">
+            <a:scrgbClr r="0" g="0" b="0"/>
+          </a:fillRef>
+          <a:effectRef idx="0">
+            <a:scrgbClr r="0" g="0" b="0"/>
+          </a:effectRef>
           <a:fontRef idx="minor"/>
         </p:style>
         <p:txBody>
-          <a:bodyPr lIns="0" rIns="0" tIns="0" bIns="0">
+          <a:bodyPr lIns="0" tIns="0" rIns="0" bIns="0">
             <a:normAutofit/>
           </a:bodyPr>
+          <a:lstStyle/>
           <a:p>
             <a:pPr marL="288000">
               <a:lnSpc>
@@ -5228,7 +7060,7 @@
                 <a:spcPts val="1134"/>
               </a:spcAft>
             </a:pPr>
-            <a:endParaRPr b="0" lang="en-AU" sz="1800" spc="-1" strike="noStrike">
+            <a:endParaRPr lang="en-AU" sz="1800" b="0" strike="noStrike" spc="-1">
               <a:latin typeface="Arial"/>
             </a:endParaRPr>
           </a:p>
@@ -5242,15 +7074,15 @@
               </a:spcAft>
             </a:pPr>
             <a:r>
-              <a:rPr b="1" lang="en-AU" sz="2600" spc="-1" strike="noStrike">
+              <a:rPr lang="en-AU" sz="2600" b="1" strike="noStrike" spc="-1">
                 <a:solidFill>
-                  <a:srgbClr val="1c1c1c"/>
+                  <a:srgbClr val="1C1C1C"/>
                 </a:solidFill>
                 <a:latin typeface="Source Sans Pro Semibold"/>
               </a:rPr>
               <a:t>	</a:t>
             </a:r>
-            <a:endParaRPr b="0" lang="en-AU" sz="2600" spc="-1" strike="noStrike">
+            <a:endParaRPr lang="en-AU" sz="2600" b="0" strike="noStrike" spc="-1">
               <a:latin typeface="Arial"/>
             </a:endParaRPr>
           </a:p>
@@ -5258,18 +7090,18 @@
       </p:sp>
       <p:pic>
         <p:nvPicPr>
-          <p:cNvPr id="92" name="" descr=""/>
+          <p:cNvPr id="101" name="Picture 100"/>
           <p:cNvPicPr/>
           <p:nvPr/>
         </p:nvPicPr>
         <p:blipFill>
-          <a:blip r:embed="rId1"/>
+          <a:blip r:embed="rId2"/>
           <a:stretch/>
         </p:blipFill>
         <p:spPr>
           <a:xfrm>
-            <a:off x="454320" y="1872000"/>
-            <a:ext cx="6739920" cy="4392000"/>
+            <a:off x="241255" y="1575146"/>
+            <a:ext cx="7283807" cy="4975555"/>
           </a:xfrm>
           <a:prstGeom prst="rect">
             <a:avLst/>
@@ -5281,83 +7113,110 @@
       </p:pic>
       <p:sp>
         <p:nvSpPr>
-          <p:cNvPr id="93" name="TextShape 3"/>
+          <p:cNvPr id="2" name="TextBox 1"/>
           <p:cNvSpPr txBox="1"/>
           <p:nvPr/>
         </p:nvSpPr>
         <p:spPr>
           <a:xfrm>
-            <a:off x="7920000" y="1980000"/>
-            <a:ext cx="1944000" cy="1370160"/>
+            <a:off x="7405141" y="1573967"/>
+            <a:ext cx="2548328" cy="4524315"/>
           </a:xfrm>
           <a:prstGeom prst="rect">
             <a:avLst/>
           </a:prstGeom>
           <a:noFill/>
-          <a:ln>
-            <a:noFill/>
-          </a:ln>
-        </p:spPr>
-        <p:txBody>
-          <a:bodyPr lIns="90000" rIns="90000" tIns="45000" bIns="45000"/>
-          <a:p>
+        </p:spPr>
+        <p:txBody>
+          <a:bodyPr wrap="square" rtlCol="0">
+            <a:spAutoFit/>
+          </a:bodyPr>
+          <a:lstStyle/>
+          <a:p>
+            <a:pPr marL="285750" indent="-285750">
+              <a:buFont typeface="Arial" panose="020B0604020202020204" pitchFamily="34" charset="0"/>
+              <a:buChar char="•"/>
+            </a:pPr>
             <a:r>
-              <a:rPr b="0" lang="en-AU" sz="1800" spc="-1" strike="noStrike">
-                <a:latin typeface="Arial"/>
-              </a:rPr>
-              <a:t>Any additional comments</a:t>
+              <a:rPr lang="en-US" dirty="0" smtClean="0"/>
+              <a:t>Lower density in 0-17 and 55+ facets.</a:t>
             </a:r>
-            <a:endParaRPr b="0" lang="en-AU" sz="1800" spc="-1" strike="noStrike">
-              <a:latin typeface="Arial"/>
-            </a:endParaRPr>
-          </a:p>
-          <a:p>
+          </a:p>
+          <a:p>
+            <a:pPr marL="285750" indent="-285750">
+              <a:buFont typeface="Arial" panose="020B0604020202020204" pitchFamily="34" charset="0"/>
+              <a:buChar char="•"/>
+            </a:pPr>
+            <a:endParaRPr lang="en-US" dirty="0" smtClean="0"/>
+          </a:p>
+          <a:p>
+            <a:pPr marL="285750" indent="-285750">
+              <a:buFont typeface="Arial" panose="020B0604020202020204" pitchFamily="34" charset="0"/>
+              <a:buChar char="•"/>
+            </a:pPr>
             <a:r>
-              <a:rPr b="0" lang="en-AU" sz="1800" spc="-1" strike="noStrike">
-                <a:latin typeface="Arial"/>
-              </a:rPr>
-              <a:t>-</a:t>
+              <a:rPr lang="en-US" dirty="0" smtClean="0"/>
+              <a:t>More males than females overall.</a:t>
             </a:r>
-            <a:endParaRPr b="0" lang="en-AU" sz="1800" spc="-1" strike="noStrike">
-              <a:latin typeface="Arial"/>
-            </a:endParaRPr>
-          </a:p>
-          <a:p>
+          </a:p>
+          <a:p>
+            <a:pPr marL="285750" indent="-285750">
+              <a:buFont typeface="Arial" panose="020B0604020202020204" pitchFamily="34" charset="0"/>
+              <a:buChar char="•"/>
+            </a:pPr>
+            <a:endParaRPr lang="en-US" dirty="0" smtClean="0"/>
+          </a:p>
+          <a:p>
+            <a:pPr marL="285750" indent="-285750">
+              <a:buFont typeface="Arial" panose="020B0604020202020204" pitchFamily="34" charset="0"/>
+              <a:buChar char="•"/>
+            </a:pPr>
             <a:r>
-              <a:rPr b="0" lang="en-AU" sz="1800" spc="-1" strike="noStrike">
-                <a:latin typeface="Arial"/>
-              </a:rPr>
-              <a:t>-</a:t>
+              <a:rPr lang="en-US" dirty="0" smtClean="0"/>
+              <a:t>Although difficult to interpret, males appear to be spending more on average once more.</a:t>
             </a:r>
-            <a:endParaRPr b="0" lang="en-AU" sz="1800" spc="-1" strike="noStrike">
-              <a:latin typeface="Arial"/>
-            </a:endParaRPr>
-          </a:p>
-          <a:p>
-            <a:endParaRPr b="0" lang="en-AU" sz="1800" spc="-1" strike="noStrike">
-              <a:latin typeface="Arial"/>
-            </a:endParaRPr>
+          </a:p>
+          <a:p>
+            <a:pPr marL="285750" indent="-285750">
+              <a:buFont typeface="Arial" panose="020B0604020202020204" pitchFamily="34" charset="0"/>
+              <a:buChar char="•"/>
+            </a:pPr>
+            <a:endParaRPr lang="en-US" dirty="0" smtClean="0"/>
+          </a:p>
+          <a:p>
+            <a:pPr marL="285750" indent="-285750">
+              <a:buFont typeface="Arial" panose="020B0604020202020204" pitchFamily="34" charset="0"/>
+              <a:buChar char="•"/>
+            </a:pPr>
+            <a:r>
+              <a:rPr lang="en-US" dirty="0" smtClean="0"/>
+              <a:t>Similar relationship between count and average sales across all facets.</a:t>
+            </a:r>
+            <a:endParaRPr lang="en-US" dirty="0"/>
           </a:p>
         </p:txBody>
       </p:sp>
     </p:spTree>
   </p:cSld>
+  <p:clrMapOvr>
+    <a:masterClrMapping/>
+  </p:clrMapOvr>
   <p:timing>
     <p:tnLst>
       <p:par>
-        <p:cTn id="9" dur="indefinite" restart="never" nodeType="tmRoot">
+        <p:cTn id="1" dur="indefinite" restart="never" nodeType="tmRoot">
           <p:childTnLst>
             <p:seq>
-              <p:cTn id="10" nodeType="mainSeq"/>
+              <p:cTn id="2" nodeType="mainSeq"/>
               <p:prevCondLst>
-                <p:cond delay="0" evt="onPrev">
+                <p:cond evt="onPrev" delay="0">
                   <p:tgtEl>
                     <p:sldTgt/>
                   </p:tgtEl>
                 </p:cond>
               </p:prevCondLst>
               <p:nextCondLst>
-                <p:cond delay="0" evt="onNext">
+                <p:cond evt="onNext" delay="0">
                   <p:tgtEl>
                     <p:sldTgt/>
                   </p:tgtEl>
@@ -5372,8 +7231,8 @@
 </p:sld>
 </file>
 
-<file path=ppt/slides/slide6.xml><?xml version="1.0" encoding="utf-8"?>
-<p:sld xmlns:a="http://schemas.openxmlformats.org/drawingml/2006/main" xmlns:p="http://schemas.openxmlformats.org/presentationml/2006/main" xmlns:r="http://schemas.openxmlformats.org/officeDocument/2006/relationships" xmlns:p14="http://schemas.microsoft.com/office/powerpoint/2010/main" xmlns:p15="http://schemas.microsoft.com/office/powerpoint/2012/main" xmlns:mc="http://schemas.openxmlformats.org/markup-compatibility/2006">
+<file path=ppt/slides/slide8.xml><?xml version="1.0" encoding="utf-8"?>
+<p:sld xmlns:a="http://schemas.openxmlformats.org/drawingml/2006/main" xmlns:r="http://schemas.openxmlformats.org/officeDocument/2006/relationships" xmlns:p="http://schemas.openxmlformats.org/presentationml/2006/main">
   <p:cSld>
     <p:spTree>
       <p:nvGrpSpPr>
@@ -5391,7 +7250,7 @@
       </p:grpSpPr>
       <p:sp>
         <p:nvSpPr>
-          <p:cNvPr id="94" name="CustomShape 1"/>
+          <p:cNvPr id="102" name="CustomShape 1"/>
           <p:cNvSpPr/>
           <p:nvPr/>
         </p:nvSpPr>
@@ -5409,32 +7268,39 @@
           </a:ln>
         </p:spPr>
         <p:style>
-          <a:lnRef idx="0"/>
-          <a:fillRef idx="0"/>
-          <a:effectRef idx="0"/>
+          <a:lnRef idx="0">
+            <a:scrgbClr r="0" g="0" b="0"/>
+          </a:lnRef>
+          <a:fillRef idx="0">
+            <a:scrgbClr r="0" g="0" b="0"/>
+          </a:fillRef>
+          <a:effectRef idx="0">
+            <a:scrgbClr r="0" g="0" b="0"/>
+          </a:effectRef>
           <a:fontRef idx="minor"/>
         </p:style>
         <p:txBody>
-          <a:bodyPr lIns="0" rIns="0" tIns="0" bIns="0" anchor="b"/>
+          <a:bodyPr lIns="0" tIns="0" rIns="0" bIns="0" anchor="b"/>
+          <a:lstStyle/>
           <a:p>
             <a:r>
-              <a:rPr b="1" lang="en-AU" sz="3200" spc="-1" strike="noStrike">
+              <a:rPr lang="en-AU" sz="3200" b="1" strike="noStrike" spc="-1">
                 <a:solidFill>
-                  <a:srgbClr val="ffffff"/>
+                  <a:srgbClr val="FFFFFF"/>
                 </a:solidFill>
                 <a:latin typeface="Source Sans Pro Black"/>
               </a:rPr>
-              <a:t>Data Visualisation and Interpretation</a:t>
+              <a:t>Model Diagram</a:t>
             </a:r>
-            <a:endParaRPr b="0" lang="en-AU" sz="3200" spc="-1" strike="noStrike">
-              <a:latin typeface="Arial"/>
-            </a:endParaRPr>
-          </a:p>
-        </p:txBody>
-      </p:sp>
-      <p:sp>
-        <p:nvSpPr>
-          <p:cNvPr id="95" name="CustomShape 2"/>
+            <a:endParaRPr lang="en-AU" sz="3200" b="0" strike="noStrike" spc="-1">
+              <a:latin typeface="Arial"/>
+            </a:endParaRPr>
+          </a:p>
+        </p:txBody>
+      </p:sp>
+      <p:sp>
+        <p:nvSpPr>
+          <p:cNvPr id="103" name="CustomShape 2"/>
           <p:cNvSpPr/>
           <p:nvPr/>
         </p:nvSpPr>
@@ -5452,15 +7318,35 @@
           </a:ln>
         </p:spPr>
         <p:style>
-          <a:lnRef idx="0"/>
-          <a:fillRef idx="0"/>
-          <a:effectRef idx="0"/>
+          <a:lnRef idx="0">
+            <a:scrgbClr r="0" g="0" b="0"/>
+          </a:lnRef>
+          <a:fillRef idx="0">
+            <a:scrgbClr r="0" g="0" b="0"/>
+          </a:fillRef>
+          <a:effectRef idx="0">
+            <a:scrgbClr r="0" g="0" b="0"/>
+          </a:effectRef>
           <a:fontRef idx="minor"/>
         </p:style>
         <p:txBody>
-          <a:bodyPr lIns="0" rIns="0" tIns="0" bIns="0">
+          <a:bodyPr lIns="0" tIns="0" rIns="0" bIns="0">
             <a:normAutofit/>
           </a:bodyPr>
+          <a:lstStyle/>
+          <a:p>
+            <a:pPr>
+              <a:lnSpc>
+                <a:spcPct val="100000"/>
+              </a:lnSpc>
+              <a:spcAft>
+                <a:spcPts val="1142"/>
+              </a:spcAft>
+            </a:pPr>
+            <a:endParaRPr lang="en-AU" sz="1800" b="0" strike="noStrike" spc="-1">
+              <a:latin typeface="Arial"/>
+            </a:endParaRPr>
+          </a:p>
           <a:p>
             <a:pPr marL="288000">
               <a:lnSpc>
@@ -5470,29 +7356,7 @@
                 <a:spcPts val="1134"/>
               </a:spcAft>
             </a:pPr>
-            <a:endParaRPr b="0" lang="en-AU" sz="1800" spc="-1" strike="noStrike">
-              <a:latin typeface="Arial"/>
-            </a:endParaRPr>
-          </a:p>
-          <a:p>
-            <a:pPr marL="288000">
-              <a:lnSpc>
-                <a:spcPct val="100000"/>
-              </a:lnSpc>
-              <a:spcAft>
-                <a:spcPts val="1134"/>
-              </a:spcAft>
-            </a:pPr>
-            <a:r>
-              <a:rPr b="1" lang="en-AU" sz="2600" spc="-1" strike="noStrike">
-                <a:solidFill>
-                  <a:srgbClr val="1c1c1c"/>
-                </a:solidFill>
-                <a:latin typeface="Source Sans Pro Semibold"/>
-              </a:rPr>
-              <a:t>	</a:t>
-            </a:r>
-            <a:endParaRPr b="0" lang="en-AU" sz="2600" spc="-1" strike="noStrike">
+            <a:endParaRPr lang="en-AU" sz="1800" b="0" strike="noStrike" spc="-1">
               <a:latin typeface="Arial"/>
             </a:endParaRPr>
           </a:p>
@@ -5500,30 +7364,7 @@
       </p:sp>
       <p:pic>
         <p:nvPicPr>
-          <p:cNvPr id="96" name="" descr=""/>
-          <p:cNvPicPr/>
-          <p:nvPr/>
-        </p:nvPicPr>
-        <p:blipFill>
-          <a:blip r:embed="rId1"/>
-          <a:stretch/>
-        </p:blipFill>
-        <p:spPr>
-          <a:xfrm>
-            <a:off x="504000" y="1872000"/>
-            <a:ext cx="4392000" cy="2862000"/>
-          </a:xfrm>
-          <a:prstGeom prst="rect">
-            <a:avLst/>
-          </a:prstGeom>
-          <a:ln>
-            <a:noFill/>
-          </a:ln>
-        </p:spPr>
-      </p:pic>
-      <p:pic>
-        <p:nvPicPr>
-          <p:cNvPr id="97" name="" descr=""/>
+          <p:cNvPr id="104" name="Picture 103"/>
           <p:cNvPicPr/>
           <p:nvPr/>
         </p:nvPicPr>
@@ -5533,8 +7374,8 @@
         </p:blipFill>
         <p:spPr>
           <a:xfrm>
-            <a:off x="5204880" y="1827360"/>
-            <a:ext cx="4515120" cy="2942280"/>
+            <a:off x="2157480" y="1634400"/>
+            <a:ext cx="5765760" cy="5065560"/>
           </a:xfrm>
           <a:prstGeom prst="rect">
             <a:avLst/>
@@ -5546,22 +7387,25 @@
       </p:pic>
     </p:spTree>
   </p:cSld>
+  <p:clrMapOvr>
+    <a:masterClrMapping/>
+  </p:clrMapOvr>
   <p:timing>
     <p:tnLst>
       <p:par>
-        <p:cTn id="11" dur="indefinite" restart="never" nodeType="tmRoot">
+        <p:cTn id="1" dur="indefinite" restart="never" nodeType="tmRoot">
           <p:childTnLst>
             <p:seq>
-              <p:cTn id="12" nodeType="mainSeq"/>
+              <p:cTn id="2" nodeType="mainSeq"/>
               <p:prevCondLst>
-                <p:cond delay="0" evt="onPrev">
+                <p:cond evt="onPrev" delay="0">
                   <p:tgtEl>
                     <p:sldTgt/>
                   </p:tgtEl>
                 </p:cond>
               </p:prevCondLst>
               <p:nextCondLst>
-                <p:cond delay="0" evt="onNext">
+                <p:cond evt="onNext" delay="0">
                   <p:tgtEl>
                     <p:sldTgt/>
                   </p:tgtEl>
@@ -5576,8 +7420,8 @@
 </p:sld>
 </file>
 
-<file path=ppt/slides/slide7.xml><?xml version="1.0" encoding="utf-8"?>
-<p:sld xmlns:a="http://schemas.openxmlformats.org/drawingml/2006/main" xmlns:p="http://schemas.openxmlformats.org/presentationml/2006/main" xmlns:r="http://schemas.openxmlformats.org/officeDocument/2006/relationships" xmlns:p14="http://schemas.microsoft.com/office/powerpoint/2010/main" xmlns:p15="http://schemas.microsoft.com/office/powerpoint/2012/main" xmlns:mc="http://schemas.openxmlformats.org/markup-compatibility/2006">
+<file path=ppt/slides/slide9.xml><?xml version="1.0" encoding="utf-8"?>
+<p:sld xmlns:a="http://schemas.openxmlformats.org/drawingml/2006/main" xmlns:r="http://schemas.openxmlformats.org/officeDocument/2006/relationships" xmlns:p="http://schemas.openxmlformats.org/presentationml/2006/main">
   <p:cSld>
     <p:spTree>
       <p:nvGrpSpPr>
@@ -5595,7 +7439,7 @@
       </p:grpSpPr>
       <p:sp>
         <p:nvSpPr>
-          <p:cNvPr id="98" name="CustomShape 1"/>
+          <p:cNvPr id="105" name="CustomShape 1"/>
           <p:cNvSpPr/>
           <p:nvPr/>
         </p:nvSpPr>
@@ -5613,32 +7457,39 @@
           </a:ln>
         </p:spPr>
         <p:style>
-          <a:lnRef idx="0"/>
-          <a:fillRef idx="0"/>
-          <a:effectRef idx="0"/>
+          <a:lnRef idx="0">
+            <a:scrgbClr r="0" g="0" b="0"/>
+          </a:lnRef>
+          <a:fillRef idx="0">
+            <a:scrgbClr r="0" g="0" b="0"/>
+          </a:fillRef>
+          <a:effectRef idx="0">
+            <a:scrgbClr r="0" g="0" b="0"/>
+          </a:effectRef>
           <a:fontRef idx="minor"/>
         </p:style>
         <p:txBody>
-          <a:bodyPr lIns="0" rIns="0" tIns="0" bIns="0" anchor="b"/>
+          <a:bodyPr lIns="0" tIns="0" rIns="0" bIns="0" anchor="b"/>
+          <a:lstStyle/>
           <a:p>
             <a:r>
-              <a:rPr b="1" lang="en-AU" sz="3200" spc="-1" strike="noStrike">
+              <a:rPr lang="en-AU" sz="3200" b="1" strike="noStrike" spc="-1">
                 <a:solidFill>
-                  <a:srgbClr val="ffffff"/>
+                  <a:srgbClr val="FFFFFF"/>
                 </a:solidFill>
                 <a:latin typeface="Source Sans Pro Black"/>
               </a:rPr>
-              <a:t>Data Visualisation and Interpretation</a:t>
+              <a:t>Model String</a:t>
             </a:r>
-            <a:endParaRPr b="0" lang="en-AU" sz="3200" spc="-1" strike="noStrike">
-              <a:latin typeface="Arial"/>
-            </a:endParaRPr>
-          </a:p>
-        </p:txBody>
-      </p:sp>
-      <p:sp>
-        <p:nvSpPr>
-          <p:cNvPr id="99" name="CustomShape 2"/>
+            <a:endParaRPr lang="en-AU" sz="3200" b="0" strike="noStrike" spc="-1">
+              <a:latin typeface="Arial"/>
+            </a:endParaRPr>
+          </a:p>
+        </p:txBody>
+      </p:sp>
+      <p:sp>
+        <p:nvSpPr>
+          <p:cNvPr id="106" name="CustomShape 2"/>
           <p:cNvSpPr/>
           <p:nvPr/>
         </p:nvSpPr>
@@ -5656,406 +7507,39 @@
           </a:ln>
         </p:spPr>
         <p:style>
-          <a:lnRef idx="0"/>
-          <a:fillRef idx="0"/>
-          <a:effectRef idx="0"/>
+          <a:lnRef idx="0">
+            <a:scrgbClr r="0" g="0" b="0"/>
+          </a:lnRef>
+          <a:fillRef idx="0">
+            <a:scrgbClr r="0" g="0" b="0"/>
+          </a:fillRef>
+          <a:effectRef idx="0">
+            <a:scrgbClr r="0" g="0" b="0"/>
+          </a:effectRef>
           <a:fontRef idx="minor"/>
         </p:style>
-        <p:txBody>
-          <a:bodyPr lIns="0" rIns="0" tIns="0" bIns="0">
-            <a:normAutofit/>
-          </a:bodyPr>
-          <a:p>
-            <a:pPr marL="288000">
-              <a:lnSpc>
-                <a:spcPct val="100000"/>
-              </a:lnSpc>
-              <a:spcAft>
-                <a:spcPts val="1134"/>
-              </a:spcAft>
-            </a:pPr>
-            <a:endParaRPr b="0" lang="en-AU" sz="1800" spc="-1" strike="noStrike">
-              <a:latin typeface="Arial"/>
-            </a:endParaRPr>
-          </a:p>
-          <a:p>
-            <a:pPr marL="288000">
-              <a:lnSpc>
-                <a:spcPct val="100000"/>
-              </a:lnSpc>
-              <a:spcAft>
-                <a:spcPts val="1134"/>
-              </a:spcAft>
-            </a:pPr>
-            <a:r>
-              <a:rPr b="1" lang="en-AU" sz="2600" spc="-1" strike="noStrike">
-                <a:solidFill>
-                  <a:srgbClr val="1c1c1c"/>
-                </a:solidFill>
-                <a:latin typeface="Source Sans Pro Semibold"/>
-              </a:rPr>
-              <a:t>	</a:t>
-            </a:r>
-            <a:endParaRPr b="0" lang="en-AU" sz="2600" spc="-1" strike="noStrike">
-              <a:latin typeface="Arial"/>
-            </a:endParaRPr>
-          </a:p>
-        </p:txBody>
-      </p:sp>
-      <p:pic>
-        <p:nvPicPr>
-          <p:cNvPr id="100" name="" descr=""/>
-          <p:cNvPicPr/>
-          <p:nvPr/>
-        </p:nvPicPr>
-        <p:blipFill>
-          <a:blip r:embed="rId1"/>
-          <a:stretch/>
-        </p:blipFill>
-        <p:spPr>
-          <a:xfrm>
-            <a:off x="504000" y="1860840"/>
-            <a:ext cx="4436640" cy="2891160"/>
-          </a:xfrm>
-          <a:prstGeom prst="rect">
-            <a:avLst/>
-          </a:prstGeom>
-          <a:ln>
-            <a:noFill/>
-          </a:ln>
-        </p:spPr>
-      </p:pic>
-      <p:pic>
-        <p:nvPicPr>
-          <p:cNvPr id="101" name="" descr=""/>
-          <p:cNvPicPr/>
-          <p:nvPr/>
-        </p:nvPicPr>
-        <p:blipFill>
-          <a:blip r:embed="rId2"/>
-          <a:stretch/>
-        </p:blipFill>
-        <p:spPr>
-          <a:xfrm>
-            <a:off x="5175360" y="1800000"/>
-            <a:ext cx="4436640" cy="2891160"/>
-          </a:xfrm>
-          <a:prstGeom prst="rect">
-            <a:avLst/>
-          </a:prstGeom>
-          <a:ln>
-            <a:noFill/>
-          </a:ln>
-        </p:spPr>
-      </p:pic>
+      </p:sp>
     </p:spTree>
   </p:cSld>
+  <p:clrMapOvr>
+    <a:masterClrMapping/>
+  </p:clrMapOvr>
   <p:timing>
     <p:tnLst>
       <p:par>
-        <p:cTn id="13" dur="indefinite" restart="never" nodeType="tmRoot">
+        <p:cTn id="1" dur="indefinite" restart="never" nodeType="tmRoot">
           <p:childTnLst>
             <p:seq>
-              <p:cTn id="14" nodeType="mainSeq"/>
+              <p:cTn id="2" nodeType="mainSeq"/>
               <p:prevCondLst>
-                <p:cond delay="0" evt="onPrev">
+                <p:cond evt="onPrev" delay="0">
                   <p:tgtEl>
                     <p:sldTgt/>
                   </p:tgtEl>
                 </p:cond>
               </p:prevCondLst>
               <p:nextCondLst>
-                <p:cond delay="0" evt="onNext">
-                  <p:tgtEl>
-                    <p:sldTgt/>
-                  </p:tgtEl>
-                </p:cond>
-              </p:nextCondLst>
-            </p:seq>
-          </p:childTnLst>
-        </p:cTn>
-      </p:par>
-    </p:tnLst>
-  </p:timing>
-</p:sld>
-</file>
-
-<file path=ppt/slides/slide8.xml><?xml version="1.0" encoding="utf-8"?>
-<p:sld xmlns:a="http://schemas.openxmlformats.org/drawingml/2006/main" xmlns:p="http://schemas.openxmlformats.org/presentationml/2006/main" xmlns:r="http://schemas.openxmlformats.org/officeDocument/2006/relationships" xmlns:p14="http://schemas.microsoft.com/office/powerpoint/2010/main" xmlns:p15="http://schemas.microsoft.com/office/powerpoint/2012/main" xmlns:mc="http://schemas.openxmlformats.org/markup-compatibility/2006">
-  <p:cSld>
-    <p:spTree>
-      <p:nvGrpSpPr>
-        <p:cNvPr id="1" name=""/>
-        <p:cNvGrpSpPr/>
-        <p:nvPr/>
-      </p:nvGrpSpPr>
-      <p:grpSpPr>
-        <a:xfrm>
-          <a:off x="0" y="0"/>
-          <a:ext cx="0" cy="0"/>
-          <a:chOff x="0" y="0"/>
-          <a:chExt cx="0" cy="0"/>
-        </a:xfrm>
-      </p:grpSpPr>
-      <p:sp>
-        <p:nvSpPr>
-          <p:cNvPr id="102" name="CustomShape 1"/>
-          <p:cNvSpPr/>
-          <p:nvPr/>
-        </p:nvSpPr>
-        <p:spPr>
-          <a:xfrm>
-            <a:off x="360000" y="360000"/>
-            <a:ext cx="9359640" cy="899640"/>
-          </a:xfrm>
-          <a:prstGeom prst="rect">
-            <a:avLst/>
-          </a:prstGeom>
-          <a:noFill/>
-          <a:ln>
-            <a:noFill/>
-          </a:ln>
-        </p:spPr>
-        <p:style>
-          <a:lnRef idx="0"/>
-          <a:fillRef idx="0"/>
-          <a:effectRef idx="0"/>
-          <a:fontRef idx="minor"/>
-        </p:style>
-        <p:txBody>
-          <a:bodyPr lIns="0" rIns="0" tIns="0" bIns="0" anchor="b"/>
-          <a:p>
-            <a:r>
-              <a:rPr b="1" lang="en-AU" sz="3200" spc="-1" strike="noStrike">
-                <a:solidFill>
-                  <a:srgbClr val="ffffff"/>
-                </a:solidFill>
-                <a:latin typeface="Source Sans Pro Black"/>
-              </a:rPr>
-              <a:t>Model Diagram</a:t>
-            </a:r>
-            <a:endParaRPr b="0" lang="en-AU" sz="3200" spc="-1" strike="noStrike">
-              <a:latin typeface="Arial"/>
-            </a:endParaRPr>
-          </a:p>
-        </p:txBody>
-      </p:sp>
-      <p:sp>
-        <p:nvSpPr>
-          <p:cNvPr id="103" name="CustomShape 2"/>
-          <p:cNvSpPr/>
-          <p:nvPr/>
-        </p:nvSpPr>
-        <p:spPr>
-          <a:xfrm>
-            <a:off x="360000" y="1980000"/>
-            <a:ext cx="9179640" cy="4679640"/>
-          </a:xfrm>
-          <a:prstGeom prst="rect">
-            <a:avLst/>
-          </a:prstGeom>
-          <a:noFill/>
-          <a:ln>
-            <a:noFill/>
-          </a:ln>
-        </p:spPr>
-        <p:style>
-          <a:lnRef idx="0"/>
-          <a:fillRef idx="0"/>
-          <a:effectRef idx="0"/>
-          <a:fontRef idx="minor"/>
-        </p:style>
-        <p:txBody>
-          <a:bodyPr lIns="0" rIns="0" tIns="0" bIns="0">
-            <a:normAutofit/>
-          </a:bodyPr>
-          <a:p>
-            <a:pPr>
-              <a:lnSpc>
-                <a:spcPct val="100000"/>
-              </a:lnSpc>
-              <a:spcAft>
-                <a:spcPts val="1142"/>
-              </a:spcAft>
-            </a:pPr>
-            <a:endParaRPr b="0" lang="en-AU" sz="1800" spc="-1" strike="noStrike">
-              <a:latin typeface="Arial"/>
-            </a:endParaRPr>
-          </a:p>
-          <a:p>
-            <a:pPr marL="288000">
-              <a:lnSpc>
-                <a:spcPct val="100000"/>
-              </a:lnSpc>
-              <a:spcAft>
-                <a:spcPts val="1134"/>
-              </a:spcAft>
-            </a:pPr>
-            <a:endParaRPr b="0" lang="en-AU" sz="1800" spc="-1" strike="noStrike">
-              <a:latin typeface="Arial"/>
-            </a:endParaRPr>
-          </a:p>
-        </p:txBody>
-      </p:sp>
-      <p:pic>
-        <p:nvPicPr>
-          <p:cNvPr id="104" name="" descr=""/>
-          <p:cNvPicPr/>
-          <p:nvPr/>
-        </p:nvPicPr>
-        <p:blipFill>
-          <a:blip r:embed="rId1"/>
-          <a:stretch/>
-        </p:blipFill>
-        <p:spPr>
-          <a:xfrm>
-            <a:off x="2157480" y="1634400"/>
-            <a:ext cx="5765760" cy="5065560"/>
-          </a:xfrm>
-          <a:prstGeom prst="rect">
-            <a:avLst/>
-          </a:prstGeom>
-          <a:ln>
-            <a:noFill/>
-          </a:ln>
-        </p:spPr>
-      </p:pic>
-    </p:spTree>
-  </p:cSld>
-  <p:timing>
-    <p:tnLst>
-      <p:par>
-        <p:cTn id="15" dur="indefinite" restart="never" nodeType="tmRoot">
-          <p:childTnLst>
-            <p:seq>
-              <p:cTn id="16" nodeType="mainSeq"/>
-              <p:prevCondLst>
-                <p:cond delay="0" evt="onPrev">
-                  <p:tgtEl>
-                    <p:sldTgt/>
-                  </p:tgtEl>
-                </p:cond>
-              </p:prevCondLst>
-              <p:nextCondLst>
-                <p:cond delay="0" evt="onNext">
-                  <p:tgtEl>
-                    <p:sldTgt/>
-                  </p:tgtEl>
-                </p:cond>
-              </p:nextCondLst>
-            </p:seq>
-          </p:childTnLst>
-        </p:cTn>
-      </p:par>
-    </p:tnLst>
-  </p:timing>
-</p:sld>
-</file>
-
-<file path=ppt/slides/slide9.xml><?xml version="1.0" encoding="utf-8"?>
-<p:sld xmlns:a="http://schemas.openxmlformats.org/drawingml/2006/main" xmlns:p="http://schemas.openxmlformats.org/presentationml/2006/main" xmlns:r="http://schemas.openxmlformats.org/officeDocument/2006/relationships" xmlns:p14="http://schemas.microsoft.com/office/powerpoint/2010/main" xmlns:p15="http://schemas.microsoft.com/office/powerpoint/2012/main" xmlns:mc="http://schemas.openxmlformats.org/markup-compatibility/2006">
-  <p:cSld>
-    <p:spTree>
-      <p:nvGrpSpPr>
-        <p:cNvPr id="1" name=""/>
-        <p:cNvGrpSpPr/>
-        <p:nvPr/>
-      </p:nvGrpSpPr>
-      <p:grpSpPr>
-        <a:xfrm>
-          <a:off x="0" y="0"/>
-          <a:ext cx="0" cy="0"/>
-          <a:chOff x="0" y="0"/>
-          <a:chExt cx="0" cy="0"/>
-        </a:xfrm>
-      </p:grpSpPr>
-      <p:sp>
-        <p:nvSpPr>
-          <p:cNvPr id="105" name="CustomShape 1"/>
-          <p:cNvSpPr/>
-          <p:nvPr/>
-        </p:nvSpPr>
-        <p:spPr>
-          <a:xfrm>
-            <a:off x="360000" y="360000"/>
-            <a:ext cx="9359640" cy="899640"/>
-          </a:xfrm>
-          <a:prstGeom prst="rect">
-            <a:avLst/>
-          </a:prstGeom>
-          <a:noFill/>
-          <a:ln>
-            <a:noFill/>
-          </a:ln>
-        </p:spPr>
-        <p:style>
-          <a:lnRef idx="0"/>
-          <a:fillRef idx="0"/>
-          <a:effectRef idx="0"/>
-          <a:fontRef idx="minor"/>
-        </p:style>
-        <p:txBody>
-          <a:bodyPr lIns="0" rIns="0" tIns="0" bIns="0" anchor="b"/>
-          <a:p>
-            <a:r>
-              <a:rPr b="1" lang="en-AU" sz="3200" spc="-1" strike="noStrike">
-                <a:solidFill>
-                  <a:srgbClr val="ffffff"/>
-                </a:solidFill>
-                <a:latin typeface="Source Sans Pro Black"/>
-              </a:rPr>
-              <a:t>Model String</a:t>
-            </a:r>
-            <a:endParaRPr b="0" lang="en-AU" sz="3200" spc="-1" strike="noStrike">
-              <a:latin typeface="Arial"/>
-            </a:endParaRPr>
-          </a:p>
-        </p:txBody>
-      </p:sp>
-      <p:sp>
-        <p:nvSpPr>
-          <p:cNvPr id="106" name="CustomShape 2"/>
-          <p:cNvSpPr/>
-          <p:nvPr/>
-        </p:nvSpPr>
-        <p:spPr>
-          <a:xfrm>
-            <a:off x="360000" y="1980000"/>
-            <a:ext cx="9179640" cy="4679640"/>
-          </a:xfrm>
-          <a:prstGeom prst="rect">
-            <a:avLst/>
-          </a:prstGeom>
-          <a:noFill/>
-          <a:ln>
-            <a:noFill/>
-          </a:ln>
-        </p:spPr>
-        <p:style>
-          <a:lnRef idx="0"/>
-          <a:fillRef idx="0"/>
-          <a:effectRef idx="0"/>
-          <a:fontRef idx="minor"/>
-        </p:style>
-      </p:sp>
-    </p:spTree>
-  </p:cSld>
-  <p:timing>
-    <p:tnLst>
-      <p:par>
-        <p:cTn id="17" dur="indefinite" restart="never" nodeType="tmRoot">
-          <p:childTnLst>
-            <p:seq>
-              <p:cTn id="18" nodeType="mainSeq"/>
-              <p:prevCondLst>
-                <p:cond delay="0" evt="onPrev">
-                  <p:tgtEl>
-                    <p:sldTgt/>
-                  </p:tgtEl>
-                </p:cond>
-              </p:prevCondLst>
-              <p:nextCondLst>
-                <p:cond delay="0" evt="onNext">
+                <p:cond evt="onNext" delay="0">
                   <p:tgtEl>
                     <p:sldTgt/>
                   </p:tgtEl>
@@ -6081,31 +7565,31 @@
         <a:sysClr val="window" lastClr="FFFFFF"/>
       </a:lt1>
       <a:dk2>
-        <a:srgbClr val="1f497d"/>
+        <a:srgbClr val="1F497D"/>
       </a:dk2>
       <a:lt2>
-        <a:srgbClr val="eeece1"/>
+        <a:srgbClr val="EEECE1"/>
       </a:lt2>
       <a:accent1>
-        <a:srgbClr val="4f81bd"/>
+        <a:srgbClr val="4F81BD"/>
       </a:accent1>
       <a:accent2>
-        <a:srgbClr val="c0504d"/>
+        <a:srgbClr val="C0504D"/>
       </a:accent2>
       <a:accent3>
-        <a:srgbClr val="9bbb59"/>
+        <a:srgbClr val="9BBB59"/>
       </a:accent3>
       <a:accent4>
-        <a:srgbClr val="8064a2"/>
+        <a:srgbClr val="8064A2"/>
       </a:accent4>
       <a:accent5>
-        <a:srgbClr val="4bacc6"/>
+        <a:srgbClr val="4BACC6"/>
       </a:accent5>
       <a:accent6>
-        <a:srgbClr val="f79646"/>
+        <a:srgbClr val="F79646"/>
       </a:accent6>
       <a:hlink>
-        <a:srgbClr val="0000ff"/>
+        <a:srgbClr val="0000FF"/>
       </a:hlink>
       <a:folHlink>
         <a:srgbClr val="800080"/>
@@ -6290,6 +7774,8 @@
       </a:bgFillStyleLst>
     </a:fmtScheme>
   </a:themeElements>
+  <a:objectDefaults/>
+  <a:extraClrSchemeLst/>
 </a:theme>
 </file>
 
@@ -6304,31 +7790,31 @@
         <a:sysClr val="window" lastClr="FFFFFF"/>
       </a:lt1>
       <a:dk2>
-        <a:srgbClr val="1f497d"/>
+        <a:srgbClr val="1F497D"/>
       </a:dk2>
       <a:lt2>
-        <a:srgbClr val="eeece1"/>
+        <a:srgbClr val="EEECE1"/>
       </a:lt2>
       <a:accent1>
-        <a:srgbClr val="4f81bd"/>
+        <a:srgbClr val="4F81BD"/>
       </a:accent1>
       <a:accent2>
-        <a:srgbClr val="c0504d"/>
+        <a:srgbClr val="C0504D"/>
       </a:accent2>
       <a:accent3>
-        <a:srgbClr val="9bbb59"/>
+        <a:srgbClr val="9BBB59"/>
       </a:accent3>
       <a:accent4>
-        <a:srgbClr val="8064a2"/>
+        <a:srgbClr val="8064A2"/>
       </a:accent4>
       <a:accent5>
-        <a:srgbClr val="4bacc6"/>
+        <a:srgbClr val="4BACC6"/>
       </a:accent5>
       <a:accent6>
-        <a:srgbClr val="f79646"/>
+        <a:srgbClr val="F79646"/>
       </a:accent6>
       <a:hlink>
-        <a:srgbClr val="0000ff"/>
+        <a:srgbClr val="0000FF"/>
       </a:hlink>
       <a:folHlink>
         <a:srgbClr val="800080"/>
@@ -6513,5 +7999,7 @@
       </a:bgFillStyleLst>
     </a:fmtScheme>
   </a:themeElements>
+  <a:objectDefaults/>
+  <a:extraClrSchemeLst/>
 </a:theme>
 </file>
--- a/Presentation.pptx
+++ b/Presentation.pptx
@@ -10,18 +10,19 @@
     <p:sldId id="257" r:id="rId4"/>
     <p:sldId id="258" r:id="rId5"/>
     <p:sldId id="259" r:id="rId6"/>
-    <p:sldId id="260" r:id="rId7"/>
-    <p:sldId id="261" r:id="rId8"/>
-    <p:sldId id="262" r:id="rId9"/>
-    <p:sldId id="263" r:id="rId10"/>
-    <p:sldId id="264" r:id="rId11"/>
-    <p:sldId id="265" r:id="rId12"/>
-    <p:sldId id="266" r:id="rId13"/>
-    <p:sldId id="267" r:id="rId14"/>
-    <p:sldId id="268" r:id="rId15"/>
-    <p:sldId id="269" r:id="rId16"/>
-    <p:sldId id="270" r:id="rId17"/>
-    <p:sldId id="271" r:id="rId18"/>
+    <p:sldId id="272" r:id="rId7"/>
+    <p:sldId id="260" r:id="rId8"/>
+    <p:sldId id="261" r:id="rId9"/>
+    <p:sldId id="262" r:id="rId10"/>
+    <p:sldId id="263" r:id="rId11"/>
+    <p:sldId id="264" r:id="rId12"/>
+    <p:sldId id="265" r:id="rId13"/>
+    <p:sldId id="266" r:id="rId14"/>
+    <p:sldId id="267" r:id="rId15"/>
+    <p:sldId id="268" r:id="rId16"/>
+    <p:sldId id="269" r:id="rId17"/>
+    <p:sldId id="270" r:id="rId18"/>
+    <p:sldId id="271" r:id="rId19"/>
   </p:sldIdLst>
   <p:sldSz cx="10080625" cy="7559675"/>
   <p:notesSz cx="7559675" cy="10691813"/>
@@ -4322,7 +4323,7 @@
       </p:grpSpPr>
       <p:sp>
         <p:nvSpPr>
-          <p:cNvPr id="107" name="CustomShape 1"/>
+          <p:cNvPr id="105" name="CustomShape 1"/>
           <p:cNvSpPr/>
           <p:nvPr/>
         </p:nvSpPr>
@@ -4362,7 +4363,7 @@
                 </a:solidFill>
                 <a:latin typeface="Source Sans Pro Black"/>
               </a:rPr>
-              <a:t>Model Diagnostics</a:t>
+              <a:t>Model String</a:t>
             </a:r>
             <a:endParaRPr lang="en-AU" sz="3200" b="0" strike="noStrike" spc="-1">
               <a:latin typeface="Arial"/>
@@ -4372,7 +4373,7 @@
       </p:sp>
       <p:sp>
         <p:nvSpPr>
-          <p:cNvPr id="108" name="CustomShape 2"/>
+          <p:cNvPr id="106" name="CustomShape 2"/>
           <p:cNvSpPr/>
           <p:nvPr/>
         </p:nvSpPr>
@@ -4456,7 +4457,7 @@
       </p:grpSpPr>
       <p:sp>
         <p:nvSpPr>
-          <p:cNvPr id="109" name="CustomShape 1"/>
+          <p:cNvPr id="107" name="CustomShape 1"/>
           <p:cNvSpPr/>
           <p:nvPr/>
         </p:nvSpPr>
@@ -4496,7 +4497,7 @@
                 </a:solidFill>
                 <a:latin typeface="Source Sans Pro Black"/>
               </a:rPr>
-              <a:t>Posterior Analysis 1</a:t>
+              <a:t>Model Diagnostics</a:t>
             </a:r>
             <a:endParaRPr lang="en-AU" sz="3200" b="0" strike="noStrike" spc="-1">
               <a:latin typeface="Arial"/>
@@ -4506,7 +4507,7 @@
       </p:sp>
       <p:sp>
         <p:nvSpPr>
-          <p:cNvPr id="110" name="CustomShape 2"/>
+          <p:cNvPr id="108" name="CustomShape 2"/>
           <p:cNvSpPr/>
           <p:nvPr/>
         </p:nvSpPr>
@@ -4535,34 +4536,6 @@
           </a:effectRef>
           <a:fontRef idx="minor"/>
         </p:style>
-        <p:txBody>
-          <a:bodyPr lIns="0" tIns="0" rIns="0" bIns="0">
-            <a:normAutofit/>
-          </a:bodyPr>
-          <a:lstStyle/>
-          <a:p>
-            <a:pPr>
-              <a:lnSpc>
-                <a:spcPct val="100000"/>
-              </a:lnSpc>
-              <a:spcAft>
-                <a:spcPts val="1142"/>
-              </a:spcAft>
-            </a:pPr>
-            <a:r>
-              <a:rPr lang="en-AU" sz="2600" b="1" strike="noStrike" spc="-1">
-                <a:solidFill>
-                  <a:srgbClr val="1C1C1C"/>
-                </a:solidFill>
-                <a:latin typeface="Source Sans Pro Semibold"/>
-              </a:rPr>
-              <a:t>2 posteriors per slide</a:t>
-            </a:r>
-            <a:endParaRPr lang="en-AU" sz="2600" b="0" strike="noStrike" spc="-1">
-              <a:latin typeface="Arial"/>
-            </a:endParaRPr>
-          </a:p>
-        </p:txBody>
       </p:sp>
     </p:spTree>
   </p:cSld>
@@ -4618,7 +4591,7 @@
       </p:grpSpPr>
       <p:sp>
         <p:nvSpPr>
-          <p:cNvPr id="111" name="CustomShape 1"/>
+          <p:cNvPr id="109" name="CustomShape 1"/>
           <p:cNvSpPr/>
           <p:nvPr/>
         </p:nvSpPr>
@@ -4658,7 +4631,7 @@
                 </a:solidFill>
                 <a:latin typeface="Source Sans Pro Black"/>
               </a:rPr>
-              <a:t>Posterior Analysis 2</a:t>
+              <a:t>Posterior Analysis 1</a:t>
             </a:r>
             <a:endParaRPr lang="en-AU" sz="3200" b="0" strike="noStrike" spc="-1">
               <a:latin typeface="Arial"/>
@@ -4668,7 +4641,7 @@
       </p:sp>
       <p:sp>
         <p:nvSpPr>
-          <p:cNvPr id="112" name="CustomShape 2"/>
+          <p:cNvPr id="110" name="CustomShape 2"/>
           <p:cNvSpPr/>
           <p:nvPr/>
         </p:nvSpPr>
@@ -4780,7 +4753,7 @@
       </p:grpSpPr>
       <p:sp>
         <p:nvSpPr>
-          <p:cNvPr id="113" name="CustomShape 1"/>
+          <p:cNvPr id="111" name="CustomShape 1"/>
           <p:cNvSpPr/>
           <p:nvPr/>
         </p:nvSpPr>
@@ -4820,7 +4793,7 @@
                 </a:solidFill>
                 <a:latin typeface="Source Sans Pro Black"/>
               </a:rPr>
-              <a:t>Posterior Analysis 3</a:t>
+              <a:t>Posterior Analysis 2</a:t>
             </a:r>
             <a:endParaRPr lang="en-AU" sz="3200" b="0" strike="noStrike" spc="-1">
               <a:latin typeface="Arial"/>
@@ -4830,7 +4803,7 @@
       </p:sp>
       <p:sp>
         <p:nvSpPr>
-          <p:cNvPr id="114" name="CustomShape 2"/>
+          <p:cNvPr id="112" name="CustomShape 2"/>
           <p:cNvSpPr/>
           <p:nvPr/>
         </p:nvSpPr>
@@ -4942,7 +4915,7 @@
       </p:grpSpPr>
       <p:sp>
         <p:nvSpPr>
-          <p:cNvPr id="115" name="CustomShape 1"/>
+          <p:cNvPr id="113" name="CustomShape 1"/>
           <p:cNvSpPr/>
           <p:nvPr/>
         </p:nvSpPr>
@@ -4982,7 +4955,7 @@
                 </a:solidFill>
                 <a:latin typeface="Source Sans Pro Black"/>
               </a:rPr>
-              <a:t>Posterior Analysis 4</a:t>
+              <a:t>Posterior Analysis 3</a:t>
             </a:r>
             <a:endParaRPr lang="en-AU" sz="3200" b="0" strike="noStrike" spc="-1">
               <a:latin typeface="Arial"/>
@@ -4992,7 +4965,7 @@
       </p:sp>
       <p:sp>
         <p:nvSpPr>
-          <p:cNvPr id="116" name="CustomShape 2"/>
+          <p:cNvPr id="114" name="CustomShape 2"/>
           <p:cNvSpPr/>
           <p:nvPr/>
         </p:nvSpPr>
@@ -5104,7 +5077,7 @@
       </p:grpSpPr>
       <p:sp>
         <p:nvSpPr>
-          <p:cNvPr id="117" name="CustomShape 1"/>
+          <p:cNvPr id="115" name="CustomShape 1"/>
           <p:cNvSpPr/>
           <p:nvPr/>
         </p:nvSpPr>
@@ -5144,7 +5117,7 @@
                 </a:solidFill>
                 <a:latin typeface="Source Sans Pro Black"/>
               </a:rPr>
-              <a:t>Predictions</a:t>
+              <a:t>Posterior Analysis 4</a:t>
             </a:r>
             <a:endParaRPr lang="en-AU" sz="3200" b="0" strike="noStrike" spc="-1">
               <a:latin typeface="Arial"/>
@@ -5154,7 +5127,7 @@
       </p:sp>
       <p:sp>
         <p:nvSpPr>
-          <p:cNvPr id="118" name="CustomShape 2"/>
+          <p:cNvPr id="116" name="CustomShape 2"/>
           <p:cNvSpPr/>
           <p:nvPr/>
         </p:nvSpPr>
@@ -5183,6 +5156,34 @@
           </a:effectRef>
           <a:fontRef idx="minor"/>
         </p:style>
+        <p:txBody>
+          <a:bodyPr lIns="0" tIns="0" rIns="0" bIns="0">
+            <a:normAutofit/>
+          </a:bodyPr>
+          <a:lstStyle/>
+          <a:p>
+            <a:pPr>
+              <a:lnSpc>
+                <a:spcPct val="100000"/>
+              </a:lnSpc>
+              <a:spcAft>
+                <a:spcPts val="1142"/>
+              </a:spcAft>
+            </a:pPr>
+            <a:r>
+              <a:rPr lang="en-AU" sz="2600" b="1" strike="noStrike" spc="-1">
+                <a:solidFill>
+                  <a:srgbClr val="1C1C1C"/>
+                </a:solidFill>
+                <a:latin typeface="Source Sans Pro Semibold"/>
+              </a:rPr>
+              <a:t>2 posteriors per slide</a:t>
+            </a:r>
+            <a:endParaRPr lang="en-AU" sz="2600" b="0" strike="noStrike" spc="-1">
+              <a:latin typeface="Arial"/>
+            </a:endParaRPr>
+          </a:p>
+        </p:txBody>
       </p:sp>
     </p:spTree>
   </p:cSld>
@@ -5238,6 +5239,140 @@
       </p:grpSpPr>
       <p:sp>
         <p:nvSpPr>
+          <p:cNvPr id="117" name="CustomShape 1"/>
+          <p:cNvSpPr/>
+          <p:nvPr/>
+        </p:nvSpPr>
+        <p:spPr>
+          <a:xfrm>
+            <a:off x="360000" y="360000"/>
+            <a:ext cx="9359640" cy="899640"/>
+          </a:xfrm>
+          <a:prstGeom prst="rect">
+            <a:avLst/>
+          </a:prstGeom>
+          <a:noFill/>
+          <a:ln>
+            <a:noFill/>
+          </a:ln>
+        </p:spPr>
+        <p:style>
+          <a:lnRef idx="0">
+            <a:scrgbClr r="0" g="0" b="0"/>
+          </a:lnRef>
+          <a:fillRef idx="0">
+            <a:scrgbClr r="0" g="0" b="0"/>
+          </a:fillRef>
+          <a:effectRef idx="0">
+            <a:scrgbClr r="0" g="0" b="0"/>
+          </a:effectRef>
+          <a:fontRef idx="minor"/>
+        </p:style>
+        <p:txBody>
+          <a:bodyPr lIns="0" tIns="0" rIns="0" bIns="0" anchor="b"/>
+          <a:lstStyle/>
+          <a:p>
+            <a:r>
+              <a:rPr lang="en-AU" sz="3200" b="1" strike="noStrike" spc="-1">
+                <a:solidFill>
+                  <a:srgbClr val="FFFFFF"/>
+                </a:solidFill>
+                <a:latin typeface="Source Sans Pro Black"/>
+              </a:rPr>
+              <a:t>Predictions</a:t>
+            </a:r>
+            <a:endParaRPr lang="en-AU" sz="3200" b="0" strike="noStrike" spc="-1">
+              <a:latin typeface="Arial"/>
+            </a:endParaRPr>
+          </a:p>
+        </p:txBody>
+      </p:sp>
+      <p:sp>
+        <p:nvSpPr>
+          <p:cNvPr id="118" name="CustomShape 2"/>
+          <p:cNvSpPr/>
+          <p:nvPr/>
+        </p:nvSpPr>
+        <p:spPr>
+          <a:xfrm>
+            <a:off x="360000" y="1980000"/>
+            <a:ext cx="9179640" cy="4679640"/>
+          </a:xfrm>
+          <a:prstGeom prst="rect">
+            <a:avLst/>
+          </a:prstGeom>
+          <a:noFill/>
+          <a:ln>
+            <a:noFill/>
+          </a:ln>
+        </p:spPr>
+        <p:style>
+          <a:lnRef idx="0">
+            <a:scrgbClr r="0" g="0" b="0"/>
+          </a:lnRef>
+          <a:fillRef idx="0">
+            <a:scrgbClr r="0" g="0" b="0"/>
+          </a:fillRef>
+          <a:effectRef idx="0">
+            <a:scrgbClr r="0" g="0" b="0"/>
+          </a:effectRef>
+          <a:fontRef idx="minor"/>
+        </p:style>
+      </p:sp>
+    </p:spTree>
+  </p:cSld>
+  <p:clrMapOvr>
+    <a:masterClrMapping/>
+  </p:clrMapOvr>
+  <p:timing>
+    <p:tnLst>
+      <p:par>
+        <p:cTn id="1" dur="indefinite" restart="never" nodeType="tmRoot">
+          <p:childTnLst>
+            <p:seq>
+              <p:cTn id="2" nodeType="mainSeq"/>
+              <p:prevCondLst>
+                <p:cond evt="onPrev" delay="0">
+                  <p:tgtEl>
+                    <p:sldTgt/>
+                  </p:tgtEl>
+                </p:cond>
+              </p:prevCondLst>
+              <p:nextCondLst>
+                <p:cond evt="onNext" delay="0">
+                  <p:tgtEl>
+                    <p:sldTgt/>
+                  </p:tgtEl>
+                </p:cond>
+              </p:nextCondLst>
+            </p:seq>
+          </p:childTnLst>
+        </p:cTn>
+      </p:par>
+    </p:tnLst>
+  </p:timing>
+</p:sld>
+</file>
+
+<file path=ppt/slides/slide17.xml><?xml version="1.0" encoding="utf-8"?>
+<p:sld xmlns:a="http://schemas.openxmlformats.org/drawingml/2006/main" xmlns:r="http://schemas.openxmlformats.org/officeDocument/2006/relationships" xmlns:p="http://schemas.openxmlformats.org/presentationml/2006/main">
+  <p:cSld>
+    <p:spTree>
+      <p:nvGrpSpPr>
+        <p:cNvPr id="1" name=""/>
+        <p:cNvGrpSpPr/>
+        <p:nvPr/>
+      </p:nvGrpSpPr>
+      <p:grpSpPr>
+        <a:xfrm>
+          <a:off x="0" y="0"/>
+          <a:ext cx="0" cy="0"/>
+          <a:chOff x="0" y="0"/>
+          <a:chExt cx="0" cy="0"/>
+        </a:xfrm>
+      </p:grpSpPr>
+      <p:sp>
+        <p:nvSpPr>
           <p:cNvPr id="119" name="CustomShape 1"/>
           <p:cNvSpPr/>
           <p:nvPr/>
@@ -6134,6 +6269,22 @@
             </a:endParaRPr>
           </a:p>
           <a:p>
+            <a:pPr>
+              <a:lnSpc>
+                <a:spcPct val="100000"/>
+              </a:lnSpc>
+              <a:spcAft>
+                <a:spcPts val="1142"/>
+              </a:spcAft>
+            </a:pPr>
+            <a:endParaRPr lang="en-AU" sz="2400" b="1" strike="noStrike" spc="-1" dirty="0" smtClean="0">
+              <a:solidFill>
+                <a:srgbClr val="1C1C1C"/>
+              </a:solidFill>
+              <a:latin typeface="Source Sans Pro Semibold"/>
+            </a:endParaRPr>
+          </a:p>
+          <a:p>
             <a:pPr marL="457200" indent="-457200">
               <a:lnSpc>
                 <a:spcPct val="100000"/>
@@ -6166,6 +6317,27 @@
               <a:buChar char="•"/>
             </a:pPr>
             <a:r>
+              <a:rPr lang="en-AU" sz="2400" b="1" spc="-1" dirty="0" smtClean="0">
+                <a:solidFill>
+                  <a:srgbClr val="1C1C1C"/>
+                </a:solidFill>
+                <a:latin typeface="Source Sans Pro Semibold"/>
+              </a:rPr>
+              <a:t>New variables were created to represent total and average amounts spent by each individual.</a:t>
+            </a:r>
+          </a:p>
+          <a:p>
+            <a:pPr marL="457200" indent="-457200">
+              <a:lnSpc>
+                <a:spcPct val="100000"/>
+              </a:lnSpc>
+              <a:spcAft>
+                <a:spcPts val="1142"/>
+              </a:spcAft>
+              <a:buFont typeface="Arial" panose="020B0604020202020204" pitchFamily="34" charset="0"/>
+              <a:buChar char="•"/>
+            </a:pPr>
+            <a:r>
               <a:rPr lang="en-AU" sz="2400" b="1" strike="noStrike" spc="-1" dirty="0" smtClean="0">
                 <a:solidFill>
                   <a:srgbClr val="1C1C1C"/>
@@ -6174,38 +6346,6 @@
               </a:rPr>
               <a:t>Factor columns such as sex and age were made into binary dummy variables</a:t>
             </a:r>
-          </a:p>
-          <a:p>
-            <a:pPr>
-              <a:lnSpc>
-                <a:spcPct val="100000"/>
-              </a:lnSpc>
-              <a:spcAft>
-                <a:spcPts val="1142"/>
-              </a:spcAft>
-            </a:pPr>
-            <a:r>
-              <a:rPr lang="en-AU" sz="2400" b="1" spc="-1" dirty="0" smtClean="0">
-                <a:solidFill>
-                  <a:srgbClr val="1C1C1C"/>
-                </a:solidFill>
-                <a:latin typeface="Source Sans Pro Semibold"/>
-              </a:rPr>
-              <a:t>The head of the final dataset used for analysis was shown below:</a:t>
-            </a:r>
-            <a:endParaRPr lang="en-AU" sz="2400" b="0" strike="noStrike" spc="-1" dirty="0">
-              <a:latin typeface="Arial"/>
-            </a:endParaRPr>
-          </a:p>
-          <a:p>
-            <a:pPr marL="288000">
-              <a:lnSpc>
-                <a:spcPct val="100000"/>
-              </a:lnSpc>
-              <a:spcAft>
-                <a:spcPts val="1134"/>
-              </a:spcAft>
-            </a:pPr>
             <a:r>
               <a:rPr lang="en-AU" sz="2400" b="1" strike="noStrike" spc="-1" dirty="0">
                 <a:solidFill>
@@ -6221,29 +6361,6 @@
           </a:p>
         </p:txBody>
       </p:sp>
-      <p:pic>
-        <p:nvPicPr>
-          <p:cNvPr id="89" name="Picture 88"/>
-          <p:cNvPicPr/>
-          <p:nvPr/>
-        </p:nvPicPr>
-        <p:blipFill>
-          <a:blip r:embed="rId3"/>
-          <a:stretch/>
-        </p:blipFill>
-        <p:spPr>
-          <a:xfrm>
-            <a:off x="829980" y="5130720"/>
-            <a:ext cx="8419680" cy="1528920"/>
-          </a:xfrm>
-          <a:prstGeom prst="rect">
-            <a:avLst/>
-          </a:prstGeom>
-          <a:ln>
-            <a:noFill/>
-          </a:ln>
-        </p:spPr>
-      </p:pic>
     </p:spTree>
   </p:cSld>
   <p:clrMapOvr>
@@ -6296,15 +6413,62 @@
           <a:chExt cx="0" cy="0"/>
         </a:xfrm>
       </p:grpSpPr>
-      <p:sp>
-        <p:nvSpPr>
-          <p:cNvPr id="90" name="CustomShape 1"/>
+      <p:pic>
+        <p:nvPicPr>
+          <p:cNvPr id="5" name="Picture 4"/>
+          <p:cNvPicPr/>
+          <p:nvPr/>
+        </p:nvPicPr>
+        <p:blipFill>
+          <a:blip r:embed="rId2"/>
+          <a:stretch/>
+        </p:blipFill>
+        <p:spPr>
+          <a:xfrm>
+            <a:off x="739350" y="2369966"/>
+            <a:ext cx="8419680" cy="1528920"/>
+          </a:xfrm>
+          <a:prstGeom prst="rect">
+            <a:avLst/>
+          </a:prstGeom>
+          <a:ln>
+            <a:noFill/>
+          </a:ln>
+        </p:spPr>
+      </p:pic>
+      <p:pic>
+        <p:nvPicPr>
+          <p:cNvPr id="6" name="Picture 5"/>
+          <p:cNvPicPr>
+            <a:picLocks noChangeAspect="1"/>
+          </p:cNvPicPr>
+          <p:nvPr/>
+        </p:nvPicPr>
+        <p:blipFill>
+          <a:blip r:embed="rId3"/>
+          <a:stretch>
+            <a:fillRect/>
+          </a:stretch>
+        </p:blipFill>
+        <p:spPr>
+          <a:xfrm>
+            <a:off x="739350" y="4856813"/>
+            <a:ext cx="8623535" cy="1640641"/>
+          </a:xfrm>
+          <a:prstGeom prst="rect">
+            <a:avLst/>
+          </a:prstGeom>
+        </p:spPr>
+      </p:pic>
+      <p:sp>
+        <p:nvSpPr>
+          <p:cNvPr id="8" name="CustomShape 1"/>
           <p:cNvSpPr/>
           <p:nvPr/>
         </p:nvSpPr>
         <p:spPr>
           <a:xfrm>
-            <a:off x="360000" y="360000"/>
+            <a:off x="512400" y="512400"/>
             <a:ext cx="9359640" cy="899640"/>
           </a:xfrm>
           <a:prstGeom prst="rect">
@@ -6331,15 +6495,6 @@
           <a:bodyPr lIns="0" tIns="0" rIns="0" bIns="0" anchor="b"/>
           <a:lstStyle/>
           <a:p>
-            <a:r>
-              <a:rPr lang="en-AU" sz="3200" b="1" strike="noStrike" spc="-1" dirty="0">
-                <a:solidFill>
-                  <a:srgbClr val="FFFFFF"/>
-                </a:solidFill>
-                <a:latin typeface="Source Sans Pro Black"/>
-              </a:rPr>
-              <a:t>Data </a:t>
-            </a:r>
             <a:r>
               <a:rPr lang="en-AU" sz="3200" b="1" strike="noStrike" spc="-1" dirty="0" smtClean="0">
                 <a:solidFill>
@@ -6347,7 +6502,7 @@
                 </a:solidFill>
                 <a:latin typeface="Source Sans Pro Black"/>
               </a:rPr>
-              <a:t>Visualisation</a:t>
+              <a:t>Descriptive Summary Tables</a:t>
             </a:r>
             <a:endParaRPr lang="en-AU" sz="3200" b="0" strike="noStrike" spc="-1" dirty="0">
               <a:latin typeface="Arial"/>
@@ -6357,201 +6512,44 @@
       </p:sp>
       <p:sp>
         <p:nvSpPr>
-          <p:cNvPr id="91" name="CustomShape 2"/>
-          <p:cNvSpPr/>
-          <p:nvPr/>
-        </p:nvSpPr>
-        <p:spPr>
-          <a:xfrm>
-            <a:off x="360000" y="1980000"/>
-            <a:ext cx="9179640" cy="4679640"/>
-          </a:xfrm>
-          <a:prstGeom prst="rect">
-            <a:avLst/>
-          </a:prstGeom>
-          <a:noFill/>
-          <a:ln>
-            <a:noFill/>
-          </a:ln>
-        </p:spPr>
-        <p:style>
-          <a:lnRef idx="0">
-            <a:scrgbClr r="0" g="0" b="0"/>
-          </a:lnRef>
-          <a:fillRef idx="0">
-            <a:scrgbClr r="0" g="0" b="0"/>
-          </a:fillRef>
-          <a:effectRef idx="0">
-            <a:scrgbClr r="0" g="0" b="0"/>
-          </a:effectRef>
-          <a:fontRef idx="minor"/>
-        </p:style>
-        <p:txBody>
-          <a:bodyPr lIns="0" tIns="0" rIns="0" bIns="0">
-            <a:normAutofit/>
-          </a:bodyPr>
-          <a:lstStyle/>
-          <a:p>
-            <a:pPr marL="288000">
-              <a:lnSpc>
-                <a:spcPct val="100000"/>
-              </a:lnSpc>
-              <a:spcAft>
-                <a:spcPts val="1134"/>
-              </a:spcAft>
-            </a:pPr>
-            <a:endParaRPr lang="en-AU" sz="1800" b="0" strike="noStrike" spc="-1">
-              <a:latin typeface="Arial"/>
-            </a:endParaRPr>
-          </a:p>
-          <a:p>
-            <a:pPr marL="288000">
-              <a:lnSpc>
-                <a:spcPct val="100000"/>
-              </a:lnSpc>
-              <a:spcAft>
-                <a:spcPts val="1134"/>
-              </a:spcAft>
-            </a:pPr>
-            <a:r>
-              <a:rPr lang="en-AU" sz="2600" b="1" strike="noStrike" spc="-1">
-                <a:solidFill>
-                  <a:srgbClr val="1C1C1C"/>
-                </a:solidFill>
-                <a:latin typeface="Source Sans Pro Semibold"/>
-              </a:rPr>
-              <a:t>	</a:t>
-            </a:r>
-            <a:endParaRPr lang="en-AU" sz="2600" b="0" strike="noStrike" spc="-1">
-              <a:latin typeface="Arial"/>
-            </a:endParaRPr>
-          </a:p>
-        </p:txBody>
-      </p:sp>
-      <p:pic>
-        <p:nvPicPr>
-          <p:cNvPr id="92" name="Picture 91"/>
-          <p:cNvPicPr/>
-          <p:nvPr/>
-        </p:nvPicPr>
-        <p:blipFill>
-          <a:blip r:embed="rId2"/>
-          <a:stretch/>
-        </p:blipFill>
-        <p:spPr>
-          <a:xfrm>
-            <a:off x="360001" y="1872000"/>
-            <a:ext cx="4743000" cy="3374557"/>
-          </a:xfrm>
-          <a:prstGeom prst="rect">
-            <a:avLst/>
-          </a:prstGeom>
-          <a:ln>
-            <a:noFill/>
-          </a:ln>
-        </p:spPr>
-      </p:pic>
-      <p:sp>
-        <p:nvSpPr>
-          <p:cNvPr id="93" name="TextShape 3"/>
+          <p:cNvPr id="10" name="TextBox 9"/>
           <p:cNvSpPr txBox="1"/>
           <p:nvPr/>
         </p:nvSpPr>
         <p:spPr>
           <a:xfrm>
-            <a:off x="465903" y="5579409"/>
-            <a:ext cx="5186596" cy="1413083"/>
+            <a:off x="739350" y="2000634"/>
+            <a:ext cx="2941831" cy="369332"/>
           </a:xfrm>
           <a:prstGeom prst="rect">
             <a:avLst/>
           </a:prstGeom>
           <a:noFill/>
-          <a:ln>
-            <a:noFill/>
-          </a:ln>
-        </p:spPr>
-        <p:txBody>
-          <a:bodyPr lIns="90000" tIns="45000" rIns="90000" bIns="45000"/>
-          <a:lstStyle/>
-          <a:p>
-            <a:pPr marL="285750" indent="-285750">
-              <a:buFont typeface="Arial" panose="020B0604020202020204" pitchFamily="34" charset="0"/>
-              <a:buChar char="•"/>
-            </a:pPr>
+        </p:spPr>
+        <p:txBody>
+          <a:bodyPr wrap="none" rtlCol="0">
+            <a:spAutoFit/>
+          </a:bodyPr>
+          <a:lstStyle/>
+          <a:p>
             <a:r>
-              <a:rPr lang="en-AU" sz="1800" b="0" strike="noStrike" spc="-1" dirty="0" smtClean="0">
-                <a:latin typeface="Arial"/>
-              </a:rPr>
-              <a:t>Response Variable</a:t>
+              <a:rPr lang="en-US" b="1" dirty="0" smtClean="0"/>
+              <a:t>Head of Dataset (Binary):</a:t>
             </a:r>
-          </a:p>
-          <a:p>
-            <a:pPr marL="285750" indent="-285750">
-              <a:buFont typeface="Arial" panose="020B0604020202020204" pitchFamily="34" charset="0"/>
-              <a:buChar char="•"/>
-            </a:pPr>
-            <a:r>
-              <a:rPr lang="en-AU" spc="-1" dirty="0" smtClean="0">
-                <a:latin typeface="Arial"/>
-              </a:rPr>
-              <a:t>Clear likeness to normal distribution</a:t>
-            </a:r>
-          </a:p>
-          <a:p>
-            <a:pPr marL="285750" indent="-285750">
-              <a:buFont typeface="Arial" panose="020B0604020202020204" pitchFamily="34" charset="0"/>
-              <a:buChar char="•"/>
-            </a:pPr>
-            <a:r>
-              <a:rPr lang="en-AU" spc="-1" dirty="0" smtClean="0">
-                <a:latin typeface="Arial"/>
-              </a:rPr>
-              <a:t>Slightly right-skewed with mode of around $10,000</a:t>
-            </a:r>
-            <a:endParaRPr lang="en-AU" sz="1800" b="0" strike="noStrike" spc="-1" dirty="0">
-              <a:latin typeface="Arial"/>
-            </a:endParaRPr>
-          </a:p>
-          <a:p>
-            <a:endParaRPr lang="en-AU" sz="1800" b="0" strike="noStrike" spc="-1" dirty="0">
-              <a:latin typeface="Arial"/>
-            </a:endParaRPr>
-          </a:p>
-        </p:txBody>
-      </p:sp>
-      <p:pic>
-        <p:nvPicPr>
-          <p:cNvPr id="6" name="Picture 5"/>
-          <p:cNvPicPr/>
-          <p:nvPr/>
-        </p:nvPicPr>
-        <p:blipFill>
-          <a:blip r:embed="rId3"/>
-          <a:stretch/>
-        </p:blipFill>
-        <p:spPr>
-          <a:xfrm>
-            <a:off x="5246557" y="1872000"/>
-            <a:ext cx="4642124" cy="3132858"/>
-          </a:xfrm>
-          <a:prstGeom prst="rect">
-            <a:avLst/>
-          </a:prstGeom>
-          <a:ln>
-            <a:noFill/>
-          </a:ln>
-        </p:spPr>
-      </p:pic>
-      <p:sp>
-        <p:nvSpPr>
-          <p:cNvPr id="2" name="TextBox 1"/>
+            <a:endParaRPr lang="en-US" b="1" dirty="0"/>
+          </a:p>
+        </p:txBody>
+      </p:sp>
+      <p:sp>
+        <p:nvSpPr>
+          <p:cNvPr id="11" name="TextBox 10"/>
           <p:cNvSpPr txBox="1"/>
           <p:nvPr/>
         </p:nvSpPr>
         <p:spPr>
           <a:xfrm>
-            <a:off x="5652499" y="5617218"/>
-            <a:ext cx="4236182" cy="923330"/>
+            <a:off x="739349" y="4586990"/>
+            <a:ext cx="3697739" cy="369332"/>
           </a:xfrm>
           <a:prstGeom prst="rect">
             <a:avLst/>
@@ -6564,29 +6562,20 @@
           </a:bodyPr>
           <a:lstStyle/>
           <a:p>
-            <a:pPr marL="285750" indent="-285750">
-              <a:buFont typeface="Arial" panose="020B0604020202020204" pitchFamily="34" charset="0"/>
-              <a:buChar char="•"/>
-            </a:pPr>
             <a:r>
-              <a:rPr lang="en-US" dirty="0" smtClean="0"/>
-              <a:t>Very slight difference in median lines</a:t>
+              <a:rPr lang="en-US" b="1" dirty="0" smtClean="0"/>
+              <a:t>Descriptive Statistics (Factor):</a:t>
             </a:r>
-          </a:p>
-          <a:p>
-            <a:pPr marL="285750" indent="-285750">
-              <a:buFont typeface="Arial" panose="020B0604020202020204" pitchFamily="34" charset="0"/>
-              <a:buChar char="•"/>
-            </a:pPr>
-            <a:r>
-              <a:rPr lang="en-US" dirty="0" smtClean="0"/>
-              <a:t>Males appear to spend more on average than females.</a:t>
-            </a:r>
-            <a:endParaRPr lang="en-US" dirty="0"/>
+            <a:endParaRPr lang="en-US" b="1" dirty="0"/>
           </a:p>
         </p:txBody>
       </p:sp>
     </p:spTree>
+    <p:extLst>
+      <p:ext uri="{BB962C8B-B14F-4D97-AF65-F5344CB8AC3E}">
+        <p14:creationId xmlns:p14="http://schemas.microsoft.com/office/powerpoint/2010/main" val="4056696810"/>
+      </p:ext>
+    </p:extLst>
   </p:cSld>
   <p:clrMapOvr>
     <a:masterClrMapping/>
@@ -6594,27 +6583,7 @@
   <p:timing>
     <p:tnLst>
       <p:par>
-        <p:cTn id="1" dur="indefinite" restart="never" nodeType="tmRoot">
-          <p:childTnLst>
-            <p:seq>
-              <p:cTn id="2" nodeType="mainSeq"/>
-              <p:prevCondLst>
-                <p:cond evt="onPrev" delay="0">
-                  <p:tgtEl>
-                    <p:sldTgt/>
-                  </p:tgtEl>
-                </p:cond>
-              </p:prevCondLst>
-              <p:nextCondLst>
-                <p:cond evt="onNext" delay="0">
-                  <p:tgtEl>
-                    <p:sldTgt/>
-                  </p:tgtEl>
-                </p:cond>
-              </p:nextCondLst>
-            </p:seq>
-          </p:childTnLst>
-        </p:cTn>
+        <p:cTn id="1" dur="indefinite" restart="never" nodeType="tmRoot"/>
       </p:par>
     </p:tnLst>
   </p:timing>
@@ -6640,7 +6609,7 @@
       </p:grpSpPr>
       <p:sp>
         <p:nvSpPr>
-          <p:cNvPr id="94" name="CustomShape 1"/>
+          <p:cNvPr id="90" name="CustomShape 1"/>
           <p:cNvSpPr/>
           <p:nvPr/>
         </p:nvSpPr>
@@ -6699,7 +6668,7 @@
       </p:sp>
       <p:sp>
         <p:nvSpPr>
-          <p:cNvPr id="95" name="CustomShape 2"/>
+          <p:cNvPr id="91" name="CustomShape 2"/>
           <p:cNvSpPr/>
           <p:nvPr/>
         </p:nvSpPr>
@@ -6772,7 +6741,7 @@
       </p:sp>
       <p:pic>
         <p:nvPicPr>
-          <p:cNvPr id="96" name="Picture 95"/>
+          <p:cNvPr id="92" name="Picture 91"/>
           <p:cNvPicPr/>
           <p:nvPr/>
         </p:nvPicPr>
@@ -6782,8 +6751,8 @@
         </p:blipFill>
         <p:spPr>
           <a:xfrm>
-            <a:off x="504000" y="1872000"/>
-            <a:ext cx="4392000" cy="2862000"/>
+            <a:off x="360001" y="1872000"/>
+            <a:ext cx="4743000" cy="3374557"/>
           </a:xfrm>
           <a:prstGeom prst="rect">
             <a:avLst/>
@@ -6793,9 +6762,77 @@
           </a:ln>
         </p:spPr>
       </p:pic>
+      <p:sp>
+        <p:nvSpPr>
+          <p:cNvPr id="93" name="TextShape 3"/>
+          <p:cNvSpPr txBox="1"/>
+          <p:nvPr/>
+        </p:nvSpPr>
+        <p:spPr>
+          <a:xfrm>
+            <a:off x="465903" y="5579409"/>
+            <a:ext cx="5186596" cy="1413083"/>
+          </a:xfrm>
+          <a:prstGeom prst="rect">
+            <a:avLst/>
+          </a:prstGeom>
+          <a:noFill/>
+          <a:ln>
+            <a:noFill/>
+          </a:ln>
+        </p:spPr>
+        <p:txBody>
+          <a:bodyPr lIns="90000" tIns="45000" rIns="90000" bIns="45000"/>
+          <a:lstStyle/>
+          <a:p>
+            <a:pPr marL="285750" indent="-285750">
+              <a:buFont typeface="Arial" panose="020B0604020202020204" pitchFamily="34" charset="0"/>
+              <a:buChar char="•"/>
+            </a:pPr>
+            <a:r>
+              <a:rPr lang="en-AU" sz="1800" b="0" strike="noStrike" spc="-1" dirty="0" smtClean="0">
+                <a:latin typeface="Arial"/>
+              </a:rPr>
+              <a:t>Response Variable</a:t>
+            </a:r>
+          </a:p>
+          <a:p>
+            <a:pPr marL="285750" indent="-285750">
+              <a:buFont typeface="Arial" panose="020B0604020202020204" pitchFamily="34" charset="0"/>
+              <a:buChar char="•"/>
+            </a:pPr>
+            <a:r>
+              <a:rPr lang="en-AU" spc="-1" dirty="0" smtClean="0">
+                <a:latin typeface="Arial"/>
+              </a:rPr>
+              <a:t>Clear likeness to normal distribution</a:t>
+            </a:r>
+          </a:p>
+          <a:p>
+            <a:pPr marL="285750" indent="-285750">
+              <a:buFont typeface="Arial" panose="020B0604020202020204" pitchFamily="34" charset="0"/>
+              <a:buChar char="•"/>
+            </a:pPr>
+            <a:r>
+              <a:rPr lang="en-AU" spc="-1" dirty="0" smtClean="0">
+                <a:latin typeface="Arial"/>
+              </a:rPr>
+              <a:t>Slightly right-skewed with mode of around $10,000</a:t>
+            </a:r>
+            <a:endParaRPr lang="en-AU" sz="1800" b="0" strike="noStrike" spc="-1" dirty="0">
+              <a:latin typeface="Arial"/>
+            </a:endParaRPr>
+          </a:p>
+          <a:p>
+            <a:endParaRPr lang="en-AU" sz="1800" b="0" strike="noStrike" spc="-1" dirty="0">
+              <a:latin typeface="Arial"/>
+            </a:endParaRPr>
+          </a:p>
+        </p:txBody>
+      </p:sp>
       <p:pic>
         <p:nvPicPr>
-          <p:cNvPr id="97" name="Picture 96"/>
+          <p:cNvPr id="6" name="Picture 5"/>
           <p:cNvPicPr/>
           <p:nvPr/>
         </p:nvPicPr>
@@ -6805,8 +6842,8 @@
         </p:blipFill>
         <p:spPr>
           <a:xfrm>
-            <a:off x="5204880" y="1827360"/>
-            <a:ext cx="4515120" cy="2942280"/>
+            <a:off x="5246557" y="1872000"/>
+            <a:ext cx="4642124" cy="3132858"/>
           </a:xfrm>
           <a:prstGeom prst="rect">
             <a:avLst/>
@@ -6824,8 +6861,8 @@
         </p:nvSpPr>
         <p:spPr>
           <a:xfrm>
-            <a:off x="659567" y="5186597"/>
-            <a:ext cx="4545313" cy="1200329"/>
+            <a:off x="5652499" y="5617218"/>
+            <a:ext cx="4236182" cy="923330"/>
           </a:xfrm>
           <a:prstGeom prst="rect">
             <a:avLst/>
@@ -6844,7 +6881,7 @@
             </a:pPr>
             <a:r>
               <a:rPr lang="en-US" dirty="0" smtClean="0"/>
-              <a:t>Very little variance in purchase price across age bins.</a:t>
+              <a:t>Very slight difference in median lines</a:t>
             </a:r>
           </a:p>
           <a:p>
@@ -6854,51 +6891,7 @@
             </a:pPr>
             <a:r>
               <a:rPr lang="en-US" dirty="0" smtClean="0"/>
-              <a:t>Slight positive trend from 0-17 through to 36-45.</a:t>
-            </a:r>
-            <a:endParaRPr lang="en-US" dirty="0"/>
-          </a:p>
-        </p:txBody>
-      </p:sp>
-      <p:sp>
-        <p:nvSpPr>
-          <p:cNvPr id="3" name="TextBox 2"/>
-          <p:cNvSpPr txBox="1"/>
-          <p:nvPr/>
-        </p:nvSpPr>
-        <p:spPr>
-          <a:xfrm>
-            <a:off x="5426439" y="5186597"/>
-            <a:ext cx="4293201" cy="1200329"/>
-          </a:xfrm>
-          <a:prstGeom prst="rect">
-            <a:avLst/>
-          </a:prstGeom>
-          <a:noFill/>
-        </p:spPr>
-        <p:txBody>
-          <a:bodyPr wrap="square" rtlCol="0">
-            <a:spAutoFit/>
-          </a:bodyPr>
-          <a:lstStyle/>
-          <a:p>
-            <a:pPr marL="285750" indent="-285750">
-              <a:buFont typeface="Arial" panose="020B0604020202020204" pitchFamily="34" charset="0"/>
-              <a:buChar char="•"/>
-            </a:pPr>
-            <a:r>
-              <a:rPr lang="en-US" dirty="0" smtClean="0"/>
-              <a:t>Unusual relationship.</a:t>
-            </a:r>
-          </a:p>
-          <a:p>
-            <a:pPr marL="285750" indent="-285750">
-              <a:buFont typeface="Arial" panose="020B0604020202020204" pitchFamily="34" charset="0"/>
-              <a:buChar char="•"/>
-            </a:pPr>
-            <a:r>
-              <a:rPr lang="en-US" dirty="0" smtClean="0"/>
-              <a:t>Individuals who purchase many items more likely to spend an average amount. </a:t>
+              <a:t>Males appear to spend more on average than females.</a:t>
             </a:r>
             <a:endParaRPr lang="en-US" dirty="0"/>
           </a:p>
@@ -6958,7 +6951,7 @@
       </p:grpSpPr>
       <p:sp>
         <p:nvSpPr>
-          <p:cNvPr id="98" name="CustomShape 1"/>
+          <p:cNvPr id="94" name="CustomShape 1"/>
           <p:cNvSpPr/>
           <p:nvPr/>
         </p:nvSpPr>
@@ -7017,7 +7010,7 @@
       </p:sp>
       <p:sp>
         <p:nvSpPr>
-          <p:cNvPr id="99" name="CustomShape 2"/>
+          <p:cNvPr id="95" name="CustomShape 2"/>
           <p:cNvSpPr/>
           <p:nvPr/>
         </p:nvSpPr>
@@ -7090,7 +7083,7 @@
       </p:sp>
       <p:pic>
         <p:nvPicPr>
-          <p:cNvPr id="101" name="Picture 100"/>
+          <p:cNvPr id="96" name="Picture 95"/>
           <p:cNvPicPr/>
           <p:nvPr/>
         </p:nvPicPr>
@@ -7100,8 +7093,8 @@
         </p:blipFill>
         <p:spPr>
           <a:xfrm>
-            <a:off x="241255" y="1575146"/>
-            <a:ext cx="7283807" cy="4975555"/>
+            <a:off x="504000" y="1872000"/>
+            <a:ext cx="4392000" cy="2862000"/>
           </a:xfrm>
           <a:prstGeom prst="rect">
             <a:avLst/>
@@ -7111,6 +7104,29 @@
           </a:ln>
         </p:spPr>
       </p:pic>
+      <p:pic>
+        <p:nvPicPr>
+          <p:cNvPr id="97" name="Picture 96"/>
+          <p:cNvPicPr/>
+          <p:nvPr/>
+        </p:nvPicPr>
+        <p:blipFill>
+          <a:blip r:embed="rId3"/>
+          <a:stretch/>
+        </p:blipFill>
+        <p:spPr>
+          <a:xfrm>
+            <a:off x="5204880" y="1827360"/>
+            <a:ext cx="4515120" cy="2942280"/>
+          </a:xfrm>
+          <a:prstGeom prst="rect">
+            <a:avLst/>
+          </a:prstGeom>
+          <a:ln>
+            <a:noFill/>
+          </a:ln>
+        </p:spPr>
+      </p:pic>
       <p:sp>
         <p:nvSpPr>
           <p:cNvPr id="2" name="TextBox 1"/>
@@ -7119,8 +7135,8 @@
         </p:nvSpPr>
         <p:spPr>
           <a:xfrm>
-            <a:off x="7405141" y="1573967"/>
-            <a:ext cx="2548328" cy="4524315"/>
+            <a:off x="659567" y="5186597"/>
+            <a:ext cx="4545313" cy="1200329"/>
           </a:xfrm>
           <a:prstGeom prst="rect">
             <a:avLst/>
@@ -7139,15 +7155,8 @@
             </a:pPr>
             <a:r>
               <a:rPr lang="en-US" dirty="0" smtClean="0"/>
-              <a:t>Lower density in 0-17 and 55+ facets.</a:t>
+              <a:t>Very little variance in purchase price across age bins.</a:t>
             </a:r>
-          </a:p>
-          <a:p>
-            <a:pPr marL="285750" indent="-285750">
-              <a:buFont typeface="Arial" panose="020B0604020202020204" pitchFamily="34" charset="0"/>
-              <a:buChar char="•"/>
-            </a:pPr>
-            <a:endParaRPr lang="en-US" dirty="0" smtClean="0"/>
           </a:p>
           <a:p>
             <a:pPr marL="285750" indent="-285750">
@@ -7156,16 +7165,33 @@
             </a:pPr>
             <a:r>
               <a:rPr lang="en-US" dirty="0" smtClean="0"/>
-              <a:t>More males than females overall.</a:t>
+              <a:t>Slight positive trend from 0-17 through to 36-45.</a:t>
             </a:r>
-          </a:p>
-          <a:p>
-            <a:pPr marL="285750" indent="-285750">
-              <a:buFont typeface="Arial" panose="020B0604020202020204" pitchFamily="34" charset="0"/>
-              <a:buChar char="•"/>
-            </a:pPr>
-            <a:endParaRPr lang="en-US" dirty="0" smtClean="0"/>
-          </a:p>
+            <a:endParaRPr lang="en-US" dirty="0"/>
+          </a:p>
+        </p:txBody>
+      </p:sp>
+      <p:sp>
+        <p:nvSpPr>
+          <p:cNvPr id="3" name="TextBox 2"/>
+          <p:cNvSpPr txBox="1"/>
+          <p:nvPr/>
+        </p:nvSpPr>
+        <p:spPr>
+          <a:xfrm>
+            <a:off x="5426439" y="5186597"/>
+            <a:ext cx="4293201" cy="1200329"/>
+          </a:xfrm>
+          <a:prstGeom prst="rect">
+            <a:avLst/>
+          </a:prstGeom>
+          <a:noFill/>
+        </p:spPr>
+        <p:txBody>
+          <a:bodyPr wrap="square" rtlCol="0">
+            <a:spAutoFit/>
+          </a:bodyPr>
+          <a:lstStyle/>
           <a:p>
             <a:pPr marL="285750" indent="-285750">
               <a:buFont typeface="Arial" panose="020B0604020202020204" pitchFamily="34" charset="0"/>
@@ -7173,15 +7199,8 @@
             </a:pPr>
             <a:r>
               <a:rPr lang="en-US" dirty="0" smtClean="0"/>
-              <a:t>Although difficult to interpret, males appear to be spending more on average once more.</a:t>
+              <a:t>Unusual relationship.</a:t>
             </a:r>
-          </a:p>
-          <a:p>
-            <a:pPr marL="285750" indent="-285750">
-              <a:buFont typeface="Arial" panose="020B0604020202020204" pitchFamily="34" charset="0"/>
-              <a:buChar char="•"/>
-            </a:pPr>
-            <a:endParaRPr lang="en-US" dirty="0" smtClean="0"/>
           </a:p>
           <a:p>
             <a:pPr marL="285750" indent="-285750">
@@ -7190,7 +7209,7 @@
             </a:pPr>
             <a:r>
               <a:rPr lang="en-US" dirty="0" smtClean="0"/>
-              <a:t>Similar relationship between count and average sales across all facets.</a:t>
+              <a:t>Individuals who purchase many items more likely to spend an average amount. </a:t>
             </a:r>
             <a:endParaRPr lang="en-US" dirty="0"/>
           </a:p>
@@ -7250,7 +7269,7 @@
       </p:grpSpPr>
       <p:sp>
         <p:nvSpPr>
-          <p:cNvPr id="102" name="CustomShape 1"/>
+          <p:cNvPr id="98" name="CustomShape 1"/>
           <p:cNvSpPr/>
           <p:nvPr/>
         </p:nvSpPr>
@@ -7284,23 +7303,32 @@
           <a:lstStyle/>
           <a:p>
             <a:r>
-              <a:rPr lang="en-AU" sz="3200" b="1" strike="noStrike" spc="-1">
+              <a:rPr lang="en-AU" sz="3200" b="1" strike="noStrike" spc="-1" dirty="0">
                 <a:solidFill>
                   <a:srgbClr val="FFFFFF"/>
                 </a:solidFill>
                 <a:latin typeface="Source Sans Pro Black"/>
               </a:rPr>
-              <a:t>Model Diagram</a:t>
+              <a:t>Data </a:t>
             </a:r>
-            <a:endParaRPr lang="en-AU" sz="3200" b="0" strike="noStrike" spc="-1">
-              <a:latin typeface="Arial"/>
-            </a:endParaRPr>
-          </a:p>
-        </p:txBody>
-      </p:sp>
-      <p:sp>
-        <p:nvSpPr>
-          <p:cNvPr id="103" name="CustomShape 2"/>
+            <a:r>
+              <a:rPr lang="en-AU" sz="3200" b="1" strike="noStrike" spc="-1" dirty="0" smtClean="0">
+                <a:solidFill>
+                  <a:srgbClr val="FFFFFF"/>
+                </a:solidFill>
+                <a:latin typeface="Source Sans Pro Black"/>
+              </a:rPr>
+              <a:t>Visualisation</a:t>
+            </a:r>
+            <a:endParaRPr lang="en-AU" sz="3200" b="0" strike="noStrike" spc="-1" dirty="0">
+              <a:latin typeface="Arial"/>
+            </a:endParaRPr>
+          </a:p>
+        </p:txBody>
+      </p:sp>
+      <p:sp>
+        <p:nvSpPr>
+          <p:cNvPr id="99" name="CustomShape 2"/>
           <p:cNvSpPr/>
           <p:nvPr/>
         </p:nvSpPr>
@@ -7334,19 +7362,6 @@
             <a:normAutofit/>
           </a:bodyPr>
           <a:lstStyle/>
-          <a:p>
-            <a:pPr>
-              <a:lnSpc>
-                <a:spcPct val="100000"/>
-              </a:lnSpc>
-              <a:spcAft>
-                <a:spcPts val="1142"/>
-              </a:spcAft>
-            </a:pPr>
-            <a:endParaRPr lang="en-AU" sz="1800" b="0" strike="noStrike" spc="-1">
-              <a:latin typeface="Arial"/>
-            </a:endParaRPr>
-          </a:p>
           <a:p>
             <a:pPr marL="288000">
               <a:lnSpc>
@@ -7360,11 +7375,33 @@
               <a:latin typeface="Arial"/>
             </a:endParaRPr>
           </a:p>
+          <a:p>
+            <a:pPr marL="288000">
+              <a:lnSpc>
+                <a:spcPct val="100000"/>
+              </a:lnSpc>
+              <a:spcAft>
+                <a:spcPts val="1134"/>
+              </a:spcAft>
+            </a:pPr>
+            <a:r>
+              <a:rPr lang="en-AU" sz="2600" b="1" strike="noStrike" spc="-1">
+                <a:solidFill>
+                  <a:srgbClr val="1C1C1C"/>
+                </a:solidFill>
+                <a:latin typeface="Source Sans Pro Semibold"/>
+              </a:rPr>
+              <a:t>	</a:t>
+            </a:r>
+            <a:endParaRPr lang="en-AU" sz="2600" b="0" strike="noStrike" spc="-1">
+              <a:latin typeface="Arial"/>
+            </a:endParaRPr>
+          </a:p>
         </p:txBody>
       </p:sp>
       <p:pic>
         <p:nvPicPr>
-          <p:cNvPr id="104" name="Picture 103"/>
+          <p:cNvPr id="101" name="Picture 100"/>
           <p:cNvPicPr/>
           <p:nvPr/>
         </p:nvPicPr>
@@ -7374,8 +7411,8 @@
         </p:blipFill>
         <p:spPr>
           <a:xfrm>
-            <a:off x="2157480" y="1634400"/>
-            <a:ext cx="5765760" cy="5065560"/>
+            <a:off x="241255" y="1575146"/>
+            <a:ext cx="7283807" cy="4975555"/>
           </a:xfrm>
           <a:prstGeom prst="rect">
             <a:avLst/>
@@ -7385,6 +7422,91 @@
           </a:ln>
         </p:spPr>
       </p:pic>
+      <p:sp>
+        <p:nvSpPr>
+          <p:cNvPr id="2" name="TextBox 1"/>
+          <p:cNvSpPr txBox="1"/>
+          <p:nvPr/>
+        </p:nvSpPr>
+        <p:spPr>
+          <a:xfrm>
+            <a:off x="7405141" y="1573967"/>
+            <a:ext cx="2548328" cy="4524315"/>
+          </a:xfrm>
+          <a:prstGeom prst="rect">
+            <a:avLst/>
+          </a:prstGeom>
+          <a:noFill/>
+        </p:spPr>
+        <p:txBody>
+          <a:bodyPr wrap="square" rtlCol="0">
+            <a:spAutoFit/>
+          </a:bodyPr>
+          <a:lstStyle/>
+          <a:p>
+            <a:pPr marL="285750" indent="-285750">
+              <a:buFont typeface="Arial" panose="020B0604020202020204" pitchFamily="34" charset="0"/>
+              <a:buChar char="•"/>
+            </a:pPr>
+            <a:r>
+              <a:rPr lang="en-US" dirty="0" smtClean="0"/>
+              <a:t>Lower density in 0-17 and 55+ facets.</a:t>
+            </a:r>
+          </a:p>
+          <a:p>
+            <a:pPr marL="285750" indent="-285750">
+              <a:buFont typeface="Arial" panose="020B0604020202020204" pitchFamily="34" charset="0"/>
+              <a:buChar char="•"/>
+            </a:pPr>
+            <a:endParaRPr lang="en-US" dirty="0" smtClean="0"/>
+          </a:p>
+          <a:p>
+            <a:pPr marL="285750" indent="-285750">
+              <a:buFont typeface="Arial" panose="020B0604020202020204" pitchFamily="34" charset="0"/>
+              <a:buChar char="•"/>
+            </a:pPr>
+            <a:r>
+              <a:rPr lang="en-US" dirty="0" smtClean="0"/>
+              <a:t>More males than females overall.</a:t>
+            </a:r>
+          </a:p>
+          <a:p>
+            <a:pPr marL="285750" indent="-285750">
+              <a:buFont typeface="Arial" panose="020B0604020202020204" pitchFamily="34" charset="0"/>
+              <a:buChar char="•"/>
+            </a:pPr>
+            <a:endParaRPr lang="en-US" dirty="0" smtClean="0"/>
+          </a:p>
+          <a:p>
+            <a:pPr marL="285750" indent="-285750">
+              <a:buFont typeface="Arial" panose="020B0604020202020204" pitchFamily="34" charset="0"/>
+              <a:buChar char="•"/>
+            </a:pPr>
+            <a:r>
+              <a:rPr lang="en-US" dirty="0" smtClean="0"/>
+              <a:t>Although difficult to interpret, males appear to be spending more on average once more.</a:t>
+            </a:r>
+          </a:p>
+          <a:p>
+            <a:pPr marL="285750" indent="-285750">
+              <a:buFont typeface="Arial" panose="020B0604020202020204" pitchFamily="34" charset="0"/>
+              <a:buChar char="•"/>
+            </a:pPr>
+            <a:endParaRPr lang="en-US" dirty="0" smtClean="0"/>
+          </a:p>
+          <a:p>
+            <a:pPr marL="285750" indent="-285750">
+              <a:buFont typeface="Arial" panose="020B0604020202020204" pitchFamily="34" charset="0"/>
+              <a:buChar char="•"/>
+            </a:pPr>
+            <a:r>
+              <a:rPr lang="en-US" dirty="0" smtClean="0"/>
+              <a:t>Similar relationship between count and average sales across all facets.</a:t>
+            </a:r>
+            <a:endParaRPr lang="en-US" dirty="0"/>
+          </a:p>
+        </p:txBody>
+      </p:sp>
     </p:spTree>
   </p:cSld>
   <p:clrMapOvr>
@@ -7439,7 +7561,7 @@
       </p:grpSpPr>
       <p:sp>
         <p:nvSpPr>
-          <p:cNvPr id="105" name="CustomShape 1"/>
+          <p:cNvPr id="102" name="CustomShape 1"/>
           <p:cNvSpPr/>
           <p:nvPr/>
         </p:nvSpPr>
@@ -7479,7 +7601,7 @@
                 </a:solidFill>
                 <a:latin typeface="Source Sans Pro Black"/>
               </a:rPr>
-              <a:t>Model String</a:t>
+              <a:t>Model Diagram</a:t>
             </a:r>
             <a:endParaRPr lang="en-AU" sz="3200" b="0" strike="noStrike" spc="-1">
               <a:latin typeface="Arial"/>
@@ -7489,7 +7611,7 @@
       </p:sp>
       <p:sp>
         <p:nvSpPr>
-          <p:cNvPr id="106" name="CustomShape 2"/>
+          <p:cNvPr id="103" name="CustomShape 2"/>
           <p:cNvSpPr/>
           <p:nvPr/>
         </p:nvSpPr>
@@ -7518,7 +7640,62 @@
           </a:effectRef>
           <a:fontRef idx="minor"/>
         </p:style>
-      </p:sp>
+        <p:txBody>
+          <a:bodyPr lIns="0" tIns="0" rIns="0" bIns="0">
+            <a:normAutofit/>
+          </a:bodyPr>
+          <a:lstStyle/>
+          <a:p>
+            <a:pPr>
+              <a:lnSpc>
+                <a:spcPct val="100000"/>
+              </a:lnSpc>
+              <a:spcAft>
+                <a:spcPts val="1142"/>
+              </a:spcAft>
+            </a:pPr>
+            <a:endParaRPr lang="en-AU" sz="1800" b="0" strike="noStrike" spc="-1">
+              <a:latin typeface="Arial"/>
+            </a:endParaRPr>
+          </a:p>
+          <a:p>
+            <a:pPr marL="288000">
+              <a:lnSpc>
+                <a:spcPct val="100000"/>
+              </a:lnSpc>
+              <a:spcAft>
+                <a:spcPts val="1134"/>
+              </a:spcAft>
+            </a:pPr>
+            <a:endParaRPr lang="en-AU" sz="1800" b="0" strike="noStrike" spc="-1">
+              <a:latin typeface="Arial"/>
+            </a:endParaRPr>
+          </a:p>
+        </p:txBody>
+      </p:sp>
+      <p:pic>
+        <p:nvPicPr>
+          <p:cNvPr id="104" name="Picture 103"/>
+          <p:cNvPicPr/>
+          <p:nvPr/>
+        </p:nvPicPr>
+        <p:blipFill>
+          <a:blip r:embed="rId2"/>
+          <a:stretch/>
+        </p:blipFill>
+        <p:spPr>
+          <a:xfrm>
+            <a:off x="2157480" y="1634400"/>
+            <a:ext cx="5765760" cy="5065560"/>
+          </a:xfrm>
+          <a:prstGeom prst="rect">
+            <a:avLst/>
+          </a:prstGeom>
+          <a:ln>
+            <a:noFill/>
+          </a:ln>
+        </p:spPr>
+      </p:pic>
     </p:spTree>
   </p:cSld>
   <p:clrMapOvr>

--- a/Presentation.pptx
+++ b/Presentation.pptx
@@ -4357,15 +4357,15 @@
           <a:lstStyle/>
           <a:p>
             <a:r>
-              <a:rPr lang="en-AU" sz="3200" b="1" strike="noStrike" spc="-1">
+              <a:rPr lang="en-AU" sz="3200" b="1" strike="noStrike" spc="-1" dirty="0" smtClean="0">
                 <a:solidFill>
                   <a:srgbClr val="FFFFFF"/>
                 </a:solidFill>
                 <a:latin typeface="Source Sans Pro Black"/>
               </a:rPr>
-              <a:t>Model String</a:t>
+              <a:t>Data and Model Strings</a:t>
             </a:r>
-            <a:endParaRPr lang="en-AU" sz="3200" b="0" strike="noStrike" spc="-1">
+            <a:endParaRPr lang="en-AU" sz="3200" b="0" strike="noStrike" spc="-1" dirty="0">
               <a:latin typeface="Arial"/>
             </a:endParaRPr>
           </a:p>
@@ -4402,6 +4402,114 @@
           </a:effectRef>
           <a:fontRef idx="minor"/>
         </p:style>
+      </p:sp>
+      <p:pic>
+        <p:nvPicPr>
+          <p:cNvPr id="2" name="Picture 1"/>
+          <p:cNvPicPr>
+            <a:picLocks noChangeAspect="1"/>
+          </p:cNvPicPr>
+          <p:nvPr/>
+        </p:nvPicPr>
+        <p:blipFill>
+          <a:blip r:embed="rId2"/>
+          <a:stretch>
+            <a:fillRect/>
+          </a:stretch>
+        </p:blipFill>
+        <p:spPr>
+          <a:xfrm>
+            <a:off x="183051" y="2218543"/>
+            <a:ext cx="4766769" cy="4530151"/>
+          </a:xfrm>
+          <a:prstGeom prst="rect">
+            <a:avLst/>
+          </a:prstGeom>
+        </p:spPr>
+      </p:pic>
+      <p:pic>
+        <p:nvPicPr>
+          <p:cNvPr id="3" name="Picture 2"/>
+          <p:cNvPicPr>
+            <a:picLocks noChangeAspect="1"/>
+          </p:cNvPicPr>
+          <p:nvPr/>
+        </p:nvPicPr>
+        <p:blipFill>
+          <a:blip r:embed="rId3"/>
+          <a:stretch>
+            <a:fillRect/>
+          </a:stretch>
+        </p:blipFill>
+        <p:spPr>
+          <a:xfrm>
+            <a:off x="5039820" y="2218543"/>
+            <a:ext cx="4953856" cy="4530151"/>
+          </a:xfrm>
+          <a:prstGeom prst="rect">
+            <a:avLst/>
+          </a:prstGeom>
+        </p:spPr>
+      </p:pic>
+      <p:sp>
+        <p:nvSpPr>
+          <p:cNvPr id="4" name="TextBox 3"/>
+          <p:cNvSpPr txBox="1"/>
+          <p:nvPr/>
+        </p:nvSpPr>
+        <p:spPr>
+          <a:xfrm>
+            <a:off x="183051" y="1760157"/>
+            <a:ext cx="1454244" cy="369332"/>
+          </a:xfrm>
+          <a:prstGeom prst="rect">
+            <a:avLst/>
+          </a:prstGeom>
+          <a:noFill/>
+        </p:spPr>
+        <p:txBody>
+          <a:bodyPr wrap="none" rtlCol="0">
+            <a:spAutoFit/>
+          </a:bodyPr>
+          <a:lstStyle/>
+          <a:p>
+            <a:r>
+              <a:rPr lang="en-US" b="1" dirty="0" smtClean="0"/>
+              <a:t>Data Block:</a:t>
+            </a:r>
+            <a:endParaRPr lang="en-US" b="1" dirty="0"/>
+          </a:p>
+        </p:txBody>
+      </p:sp>
+      <p:sp>
+        <p:nvSpPr>
+          <p:cNvPr id="7" name="TextBox 6"/>
+          <p:cNvSpPr txBox="1"/>
+          <p:nvPr/>
+        </p:nvSpPr>
+        <p:spPr>
+          <a:xfrm>
+            <a:off x="4909683" y="1771012"/>
+            <a:ext cx="1620957" cy="369332"/>
+          </a:xfrm>
+          <a:prstGeom prst="rect">
+            <a:avLst/>
+          </a:prstGeom>
+          <a:noFill/>
+        </p:spPr>
+        <p:txBody>
+          <a:bodyPr wrap="none" rtlCol="0">
+            <a:spAutoFit/>
+          </a:bodyPr>
+          <a:lstStyle/>
+          <a:p>
+            <a:r>
+              <a:rPr lang="en-US" b="1" dirty="0" smtClean="0"/>
+              <a:t>Model Block:</a:t>
+            </a:r>
+            <a:endParaRPr lang="en-US" b="1" dirty="0"/>
+          </a:p>
+        </p:txBody>
       </p:sp>
     </p:spTree>
   </p:cSld>
@@ -6468,7 +6576,7 @@
         </p:nvSpPr>
         <p:spPr>
           <a:xfrm>
-            <a:off x="512400" y="512400"/>
+            <a:off x="371297" y="412890"/>
             <a:ext cx="9359640" cy="899640"/>
           </a:xfrm>
           <a:prstGeom prst="rect">

--- a/Presentation.pptx
+++ b/Presentation.pptx
@@ -23,8 +23,6 @@
     <p:sldId id="269" r:id="rId18"/>
     <p:sldId id="270" r:id="rId19"/>
     <p:sldId id="271" r:id="rId20"/>
-    <p:sldId id="272" r:id="rId21"/>
-    <p:sldId id="273" r:id="rId22"/>
   </p:sldIdLst>
   <p:sldSz cx="10080625" cy="7559675"/>
   <p:notesSz cx="7559675" cy="10691812"/>
@@ -5214,7 +5212,34 @@
                 </a:solidFill>
                 <a:latin typeface="Arial"/>
               </a:rPr>
-              <a:t>Click to edit the title text format</a:t>
+              <a:t>Click to </a:t>
+            </a:r>
+            <a:r>
+              <a:rPr b="0" lang="en-US" sz="4400" spc="-1" strike="noStrike">
+                <a:solidFill>
+                  <a:srgbClr val="000000"/>
+                </a:solidFill>
+                <a:latin typeface="Arial"/>
+              </a:rPr>
+              <a:t>edit the </a:t>
+            </a:r>
+            <a:r>
+              <a:rPr b="0" lang="en-US" sz="4400" spc="-1" strike="noStrike">
+                <a:solidFill>
+                  <a:srgbClr val="000000"/>
+                </a:solidFill>
+                <a:latin typeface="Arial"/>
+              </a:rPr>
+              <a:t>title text </a:t>
+            </a:r>
+            <a:r>
+              <a:rPr b="0" lang="en-US" sz="4400" spc="-1" strike="noStrike">
+                <a:solidFill>
+                  <a:srgbClr val="000000"/>
+                </a:solidFill>
+                <a:latin typeface="Arial"/>
+              </a:rPr>
+              <a:t>format</a:t>
             </a:r>
             <a:endParaRPr b="0" lang="en-US" sz="4400" spc="-1" strike="noStrike">
               <a:solidFill>
@@ -6286,7 +6311,7 @@
         <p:spPr>
           <a:xfrm>
             <a:off x="6408000" y="1872000"/>
-            <a:ext cx="3240000" cy="4286160"/>
+            <a:ext cx="3240000" cy="4485960"/>
           </a:xfrm>
           <a:prstGeom prst="rect">
             <a:avLst/>
@@ -6319,23 +6344,19 @@
               <a:rPr b="0" lang="en-AU" sz="1400" spc="-1" strike="noStrike">
                 <a:latin typeface="Arial"/>
               </a:rPr>
-              <a:t>As with the beta model diagnostics we can see that the chains are overlapping which indicates that they have merged well. </a:t>
-            </a:r>
-            <a:endParaRPr b="0" lang="en-AU" sz="1400" spc="-1" strike="noStrike">
-              <a:latin typeface="Arial"/>
-            </a:endParaRPr>
-          </a:p>
-          <a:p>
-            <a:endParaRPr b="0" lang="en-AU" sz="1400" spc="-1" strike="noStrike">
-              <a:latin typeface="Arial"/>
-            </a:endParaRPr>
-          </a:p>
-          <a:p>
+              <a:t>As with the beta model diagnostics we can see that the </a:t>
+            </a:r>
+            <a:r>
+              <a:rPr b="1" lang="en-AU" sz="1400" spc="-1" strike="noStrike">
+                <a:latin typeface="Arial"/>
+              </a:rPr>
+              <a:t>chains are overlapping </a:t>
+            </a:r>
             <a:r>
               <a:rPr b="0" lang="en-AU" sz="1400" spc="-1" strike="noStrike">
                 <a:latin typeface="Arial"/>
               </a:rPr>
-              <a:t>The autocorellation and shrink factor plots both flatten immediately and the effective sample size is very large at 101326. This implies that there is independent information in the chains. </a:t>
+              <a:t>which indicates that they have converged well. </a:t>
             </a:r>
             <a:endParaRPr b="0" lang="en-AU" sz="1400" spc="-1" strike="noStrike">
               <a:latin typeface="Arial"/>
@@ -6351,7 +6372,47 @@
               <a:rPr b="0" lang="en-AU" sz="1400" spc="-1" strike="noStrike">
                 <a:latin typeface="Arial"/>
               </a:rPr>
-              <a:t>The density plot also follows a strong normal bell curve and the MCSE is very small at 0.0539.</a:t>
+              <a:t>The </a:t>
+            </a:r>
+            <a:r>
+              <a:rPr b="1" lang="en-AU" sz="1400" spc="-1" strike="noStrike">
+                <a:latin typeface="Arial"/>
+              </a:rPr>
+              <a:t>autocorellation and shrink factor plots both flatten immediately</a:t>
+            </a:r>
+            <a:r>
+              <a:rPr b="0" lang="en-AU" sz="1400" spc="-1" strike="noStrike">
+                <a:latin typeface="Arial"/>
+              </a:rPr>
+              <a:t> and the effective sample size is very large at 101326. This implies that there is independent information in the chains. </a:t>
+            </a:r>
+            <a:endParaRPr b="0" lang="en-AU" sz="1400" spc="-1" strike="noStrike">
+              <a:latin typeface="Arial"/>
+            </a:endParaRPr>
+          </a:p>
+          <a:p>
+            <a:endParaRPr b="0" lang="en-AU" sz="1400" spc="-1" strike="noStrike">
+              <a:latin typeface="Arial"/>
+            </a:endParaRPr>
+          </a:p>
+          <a:p>
+            <a:r>
+              <a:rPr b="0" lang="en-AU" sz="1400" spc="-1" strike="noStrike">
+                <a:latin typeface="Arial"/>
+              </a:rPr>
+              <a:t>The </a:t>
+            </a:r>
+            <a:r>
+              <a:rPr b="1" lang="en-AU" sz="1400" spc="-1" strike="noStrike">
+                <a:latin typeface="Arial"/>
+              </a:rPr>
+              <a:t>density plot also follows a standard normal distribution</a:t>
+            </a:r>
+            <a:r>
+              <a:rPr b="0" lang="en-AU" sz="1400" spc="-1" strike="noStrike">
+                <a:latin typeface="Arial"/>
+              </a:rPr>
+              <a:t> and the MCSE is very small at 0.0539.</a:t>
             </a:r>
             <a:endParaRPr b="0" lang="en-AU" sz="1400" spc="-1" strike="noStrike">
               <a:latin typeface="Arial"/>
@@ -6488,7 +6549,7 @@
                 <a:latin typeface="Source Sans Pro Black"/>
                 <a:ea typeface="DejaVu Sans"/>
               </a:rPr>
-              <a:t>Posterior Analysis 1</a:t>
+              <a:t>Posterior Analysis</a:t>
             </a:r>
             <a:endParaRPr b="0" lang="en-AU" sz="3200" spc="-1" strike="noStrike">
               <a:latin typeface="Arial"/>
@@ -6521,30 +6582,121 @@
           <a:effectRef idx="0"/>
           <a:fontRef idx="minor"/>
         </p:style>
-        <p:txBody>
-          <a:bodyPr lIns="0" rIns="0" tIns="0" bIns="0">
-            <a:normAutofit/>
-          </a:bodyPr>
-          <a:p>
-            <a:pPr>
-              <a:lnSpc>
-                <a:spcPct val="100000"/>
-              </a:lnSpc>
-              <a:spcAft>
-                <a:spcPts val="1142"/>
-              </a:spcAft>
-            </a:pPr>
-            <a:r>
-              <a:rPr b="1" lang="en-AU" sz="2600" spc="-1" strike="noStrike">
-                <a:solidFill>
-                  <a:srgbClr val="1c1c1c"/>
-                </a:solidFill>
-                <a:latin typeface="Source Sans Pro Semibold"/>
-                <a:ea typeface="DejaVu Sans"/>
-              </a:rPr>
-              <a:t>2 posteriors per slide</a:t>
-            </a:r>
-            <a:endParaRPr b="0" lang="en-AU" sz="2600" spc="-1" strike="noStrike">
+      </p:sp>
+      <p:pic>
+        <p:nvPicPr>
+          <p:cNvPr id="171" name="" descr=""/>
+          <p:cNvPicPr/>
+          <p:nvPr/>
+        </p:nvPicPr>
+        <p:blipFill>
+          <a:blip r:embed="rId1"/>
+          <a:stretch/>
+        </p:blipFill>
+        <p:spPr>
+          <a:xfrm>
+            <a:off x="920520" y="1584000"/>
+            <a:ext cx="3975480" cy="3571200"/>
+          </a:xfrm>
+          <a:prstGeom prst="rect">
+            <a:avLst/>
+          </a:prstGeom>
+          <a:ln>
+            <a:noFill/>
+          </a:ln>
+        </p:spPr>
+      </p:pic>
+      <p:sp>
+        <p:nvSpPr>
+          <p:cNvPr id="172" name="TextShape 3"/>
+          <p:cNvSpPr txBox="1"/>
+          <p:nvPr/>
+        </p:nvSpPr>
+        <p:spPr>
+          <a:xfrm>
+            <a:off x="1080000" y="5112000"/>
+            <a:ext cx="3744000" cy="1626120"/>
+          </a:xfrm>
+          <a:prstGeom prst="rect">
+            <a:avLst/>
+          </a:prstGeom>
+          <a:noFill/>
+          <a:ln>
+            <a:noFill/>
+          </a:ln>
+        </p:spPr>
+        <p:txBody>
+          <a:bodyPr lIns="90000" rIns="90000" tIns="45000" bIns="45000"/>
+          <a:p>
+            <a:r>
+              <a:rPr b="0" lang="en-AU" sz="1800" spc="-1" strike="noStrike">
+                <a:latin typeface="Arial"/>
+              </a:rPr>
+              <a:t>The intercept here has a mode of 6900, with a relatively small HDI range (6200, 7540). This would suggest a high level of confidence in the Intercept value. </a:t>
+            </a:r>
+            <a:endParaRPr b="0" lang="en-AU" sz="1800" spc="-1" strike="noStrike">
+              <a:latin typeface="Arial"/>
+            </a:endParaRPr>
+          </a:p>
+          <a:p>
+            <a:endParaRPr b="0" lang="en-AU" sz="1800" spc="-1" strike="noStrike">
+              <a:latin typeface="Arial"/>
+            </a:endParaRPr>
+          </a:p>
+        </p:txBody>
+      </p:sp>
+      <p:pic>
+        <p:nvPicPr>
+          <p:cNvPr id="173" name="" descr=""/>
+          <p:cNvPicPr/>
+          <p:nvPr/>
+        </p:nvPicPr>
+        <p:blipFill>
+          <a:blip r:embed="rId2"/>
+          <a:stretch/>
+        </p:blipFill>
+        <p:spPr>
+          <a:xfrm>
+            <a:off x="5871600" y="1656000"/>
+            <a:ext cx="3200400" cy="3343680"/>
+          </a:xfrm>
+          <a:prstGeom prst="rect">
+            <a:avLst/>
+          </a:prstGeom>
+          <a:ln>
+            <a:noFill/>
+          </a:ln>
+        </p:spPr>
+      </p:pic>
+      <p:sp>
+        <p:nvSpPr>
+          <p:cNvPr id="174" name="TextShape 4"/>
+          <p:cNvSpPr txBox="1"/>
+          <p:nvPr/>
+        </p:nvSpPr>
+        <p:spPr>
+          <a:xfrm>
+            <a:off x="5328000" y="5112000"/>
+            <a:ext cx="4536000" cy="2138040"/>
+          </a:xfrm>
+          <a:prstGeom prst="rect">
+            <a:avLst/>
+          </a:prstGeom>
+          <a:noFill/>
+          <a:ln>
+            <a:noFill/>
+          </a:ln>
+        </p:spPr>
+        <p:txBody>
+          <a:bodyPr lIns="90000" rIns="90000" tIns="45000" bIns="45000"/>
+          <a:p>
+            <a:r>
+              <a:rPr b="0" lang="en-AU" sz="1800" spc="-1" strike="noStrike">
+                <a:latin typeface="Arial"/>
+              </a:rPr>
+              <a:t>The count variable also has a very small interval suggesting that there is high level of confidence in the mode of -3.75. This figure unexpectedly shows that an increase in one transaction to the total will reduce the average amount spent by $3.75</a:t>
+            </a:r>
+            <a:endParaRPr b="0" lang="en-AU" sz="1800" spc="-1" strike="noStrike">
               <a:latin typeface="Arial"/>
             </a:endParaRPr>
           </a:p>
@@ -6601,7 +6753,7 @@
       </p:grpSpPr>
       <p:sp>
         <p:nvSpPr>
-          <p:cNvPr id="171" name="CustomShape 1"/>
+          <p:cNvPr id="175" name="CustomShape 1"/>
           <p:cNvSpPr/>
           <p:nvPr/>
         </p:nvSpPr>
@@ -6640,7 +6792,7 @@
                 <a:latin typeface="Source Sans Pro Black"/>
                 <a:ea typeface="DejaVu Sans"/>
               </a:rPr>
-              <a:t>Posterior Analysis 2</a:t>
+              <a:t>Posterior Analysis 3</a:t>
             </a:r>
             <a:endParaRPr b="0" lang="en-AU" sz="3200" spc="-1" strike="noStrike">
               <a:latin typeface="Arial"/>
@@ -6650,7 +6802,7 @@
       </p:sp>
       <p:sp>
         <p:nvSpPr>
-          <p:cNvPr id="172" name="CustomShape 2"/>
+          <p:cNvPr id="176" name="CustomShape 2"/>
           <p:cNvSpPr/>
           <p:nvPr/>
         </p:nvSpPr>
@@ -6673,30 +6825,116 @@
           <a:effectRef idx="0"/>
           <a:fontRef idx="minor"/>
         </p:style>
-        <p:txBody>
-          <a:bodyPr lIns="0" rIns="0" tIns="0" bIns="0">
-            <a:normAutofit/>
-          </a:bodyPr>
-          <a:p>
-            <a:pPr>
-              <a:lnSpc>
-                <a:spcPct val="100000"/>
-              </a:lnSpc>
-              <a:spcAft>
-                <a:spcPts val="1142"/>
-              </a:spcAft>
-            </a:pPr>
-            <a:r>
-              <a:rPr b="1" lang="en-AU" sz="2600" spc="-1" strike="noStrike">
-                <a:solidFill>
-                  <a:srgbClr val="1c1c1c"/>
-                </a:solidFill>
-                <a:latin typeface="Source Sans Pro Semibold"/>
-                <a:ea typeface="DejaVu Sans"/>
-              </a:rPr>
-              <a:t>2 posteriors per slide</a:t>
-            </a:r>
-            <a:endParaRPr b="0" lang="en-AU" sz="2600" spc="-1" strike="noStrike">
+      </p:sp>
+      <p:pic>
+        <p:nvPicPr>
+          <p:cNvPr id="177" name="" descr=""/>
+          <p:cNvPicPr/>
+          <p:nvPr/>
+        </p:nvPicPr>
+        <p:blipFill>
+          <a:blip r:embed="rId1"/>
+          <a:stretch/>
+        </p:blipFill>
+        <p:spPr>
+          <a:xfrm>
+            <a:off x="830880" y="1584000"/>
+            <a:ext cx="3201120" cy="3449160"/>
+          </a:xfrm>
+          <a:prstGeom prst="rect">
+            <a:avLst/>
+          </a:prstGeom>
+          <a:ln>
+            <a:noFill/>
+          </a:ln>
+        </p:spPr>
+      </p:pic>
+      <p:sp>
+        <p:nvSpPr>
+          <p:cNvPr id="178" name="TextShape 3"/>
+          <p:cNvSpPr txBox="1"/>
+          <p:nvPr/>
+        </p:nvSpPr>
+        <p:spPr>
+          <a:xfrm>
+            <a:off x="830880" y="5033160"/>
+            <a:ext cx="3777120" cy="1882080"/>
+          </a:xfrm>
+          <a:prstGeom prst="rect">
+            <a:avLst/>
+          </a:prstGeom>
+          <a:noFill/>
+          <a:ln>
+            <a:noFill/>
+          </a:ln>
+        </p:spPr>
+        <p:txBody>
+          <a:bodyPr lIns="90000" rIns="90000" tIns="45000" bIns="45000"/>
+          <a:p>
+            <a:r>
+              <a:rPr b="0" lang="en-AU" sz="1800" spc="-1" strike="noStrike">
+                <a:latin typeface="Arial"/>
+              </a:rPr>
+              <a:t>Beta 2 here shows that being Male will increase the average amount spend by $1950. This average increase should be given a high level of confidence due to the small associated interval</a:t>
+            </a:r>
+            <a:endParaRPr b="0" lang="en-AU" sz="1800" spc="-1" strike="noStrike">
+              <a:latin typeface="Arial"/>
+            </a:endParaRPr>
+          </a:p>
+        </p:txBody>
+      </p:sp>
+      <p:pic>
+        <p:nvPicPr>
+          <p:cNvPr id="179" name="" descr=""/>
+          <p:cNvPicPr/>
+          <p:nvPr/>
+        </p:nvPicPr>
+        <p:blipFill>
+          <a:blip r:embed="rId2"/>
+          <a:stretch/>
+        </p:blipFill>
+        <p:spPr>
+          <a:xfrm>
+            <a:off x="4896000" y="1439280"/>
+            <a:ext cx="3672000" cy="3508920"/>
+          </a:xfrm>
+          <a:prstGeom prst="rect">
+            <a:avLst/>
+          </a:prstGeom>
+          <a:ln>
+            <a:noFill/>
+          </a:ln>
+        </p:spPr>
+      </p:pic>
+      <p:sp>
+        <p:nvSpPr>
+          <p:cNvPr id="180" name="TextShape 4"/>
+          <p:cNvSpPr txBox="1"/>
+          <p:nvPr/>
+        </p:nvSpPr>
+        <p:spPr>
+          <a:xfrm>
+            <a:off x="4896000" y="4948200"/>
+            <a:ext cx="4680000" cy="2138040"/>
+          </a:xfrm>
+          <a:prstGeom prst="rect">
+            <a:avLst/>
+          </a:prstGeom>
+          <a:noFill/>
+          <a:ln>
+            <a:noFill/>
+          </a:ln>
+        </p:spPr>
+        <p:txBody>
+          <a:bodyPr lIns="90000" rIns="90000" tIns="45000" bIns="45000"/>
+          <a:p>
+            <a:r>
+              <a:rPr b="0" lang="en-AU" sz="1800" spc="-1" strike="noStrike">
+                <a:latin typeface="Arial"/>
+              </a:rPr>
+              <a:t>Beta 3 is an example of the age bracket variables within the black friday dataset. Unlike the previously seen posterior plots, beta 3 has a relatively low level of confidence associated with it. This is seen in all of the age variables with the mode increasing as the age bracket increases</a:t>
+            </a:r>
+            <a:endParaRPr b="0" lang="en-AU" sz="1800" spc="-1" strike="noStrike">
               <a:latin typeface="Arial"/>
             </a:endParaRPr>
           </a:p>
@@ -6753,7 +6991,7 @@
       </p:grpSpPr>
       <p:sp>
         <p:nvSpPr>
-          <p:cNvPr id="173" name="CustomShape 1"/>
+          <p:cNvPr id="181" name="CustomShape 1"/>
           <p:cNvSpPr/>
           <p:nvPr/>
         </p:nvSpPr>
@@ -6792,7 +7030,7 @@
                 <a:latin typeface="Source Sans Pro Black"/>
                 <a:ea typeface="DejaVu Sans"/>
               </a:rPr>
-              <a:t>Posterior Analysis 3</a:t>
+              <a:t>Predictions</a:t>
             </a:r>
             <a:endParaRPr b="0" lang="en-AU" sz="3200" spc="-1" strike="noStrike">
               <a:latin typeface="Arial"/>
@@ -6802,7 +7040,7 @@
       </p:sp>
       <p:sp>
         <p:nvSpPr>
-          <p:cNvPr id="174" name="CustomShape 2"/>
+          <p:cNvPr id="182" name="CustomShape 2"/>
           <p:cNvSpPr/>
           <p:nvPr/>
         </p:nvSpPr>
@@ -6825,34 +7063,6 @@
           <a:effectRef idx="0"/>
           <a:fontRef idx="minor"/>
         </p:style>
-        <p:txBody>
-          <a:bodyPr lIns="0" rIns="0" tIns="0" bIns="0">
-            <a:normAutofit/>
-          </a:bodyPr>
-          <a:p>
-            <a:pPr>
-              <a:lnSpc>
-                <a:spcPct val="100000"/>
-              </a:lnSpc>
-              <a:spcAft>
-                <a:spcPts val="1142"/>
-              </a:spcAft>
-            </a:pPr>
-            <a:r>
-              <a:rPr b="1" lang="en-AU" sz="2600" spc="-1" strike="noStrike">
-                <a:solidFill>
-                  <a:srgbClr val="1c1c1c"/>
-                </a:solidFill>
-                <a:latin typeface="Source Sans Pro Semibold"/>
-                <a:ea typeface="DejaVu Sans"/>
-              </a:rPr>
-              <a:t>2 posteriors per slide</a:t>
-            </a:r>
-            <a:endParaRPr b="0" lang="en-AU" sz="2600" spc="-1" strike="noStrike">
-              <a:latin typeface="Arial"/>
-            </a:endParaRPr>
-          </a:p>
-        </p:txBody>
       </p:sp>
     </p:spTree>
   </p:cSld>
@@ -6905,7 +7115,7 @@
       </p:grpSpPr>
       <p:sp>
         <p:nvSpPr>
-          <p:cNvPr id="175" name="CustomShape 1"/>
+          <p:cNvPr id="183" name="CustomShape 1"/>
           <p:cNvSpPr/>
           <p:nvPr/>
         </p:nvSpPr>
@@ -6944,7 +7154,7 @@
                 <a:latin typeface="Source Sans Pro Black"/>
                 <a:ea typeface="DejaVu Sans"/>
               </a:rPr>
-              <a:t>Posterior Analysis 4</a:t>
+              <a:t>Summary</a:t>
             </a:r>
             <a:endParaRPr b="0" lang="en-AU" sz="3200" spc="-1" strike="noStrike">
               <a:latin typeface="Arial"/>
@@ -6954,7 +7164,7 @@
       </p:sp>
       <p:sp>
         <p:nvSpPr>
-          <p:cNvPr id="176" name="CustomShape 2"/>
+          <p:cNvPr id="184" name="CustomShape 2"/>
           <p:cNvSpPr/>
           <p:nvPr/>
         </p:nvSpPr>
@@ -6977,34 +7187,6 @@
           <a:effectRef idx="0"/>
           <a:fontRef idx="minor"/>
         </p:style>
-        <p:txBody>
-          <a:bodyPr lIns="0" rIns="0" tIns="0" bIns="0">
-            <a:normAutofit/>
-          </a:bodyPr>
-          <a:p>
-            <a:pPr>
-              <a:lnSpc>
-                <a:spcPct val="100000"/>
-              </a:lnSpc>
-              <a:spcAft>
-                <a:spcPts val="1142"/>
-              </a:spcAft>
-            </a:pPr>
-            <a:r>
-              <a:rPr b="1" lang="en-AU" sz="2600" spc="-1" strike="noStrike">
-                <a:solidFill>
-                  <a:srgbClr val="1c1c1c"/>
-                </a:solidFill>
-                <a:latin typeface="Source Sans Pro Semibold"/>
-                <a:ea typeface="DejaVu Sans"/>
-              </a:rPr>
-              <a:t>2 posteriors per slide</a:t>
-            </a:r>
-            <a:endParaRPr b="0" lang="en-AU" sz="2600" spc="-1" strike="noStrike">
-              <a:latin typeface="Arial"/>
-            </a:endParaRPr>
-          </a:p>
-        </p:txBody>
       </p:sp>
     </p:spTree>
   </p:cSld>
@@ -7015,254 +7197,6 @@
           <p:childTnLst>
             <p:seq>
               <p:cTn id="32" nodeType="mainSeq"/>
-              <p:prevCondLst>
-                <p:cond delay="0" evt="onPrev">
-                  <p:tgtEl>
-                    <p:sldTgt/>
-                  </p:tgtEl>
-                </p:cond>
-              </p:prevCondLst>
-              <p:nextCondLst>
-                <p:cond delay="0" evt="onNext">
-                  <p:tgtEl>
-                    <p:sldTgt/>
-                  </p:tgtEl>
-                </p:cond>
-              </p:nextCondLst>
-            </p:seq>
-          </p:childTnLst>
-        </p:cTn>
-      </p:par>
-    </p:tnLst>
-  </p:timing>
-</p:sld>
-</file>
-
-<file path=ppt/slides/slide17.xml><?xml version="1.0" encoding="utf-8"?>
-<p:sld xmlns:a="http://schemas.openxmlformats.org/drawingml/2006/main" xmlns:p="http://schemas.openxmlformats.org/presentationml/2006/main" xmlns:r="http://schemas.openxmlformats.org/officeDocument/2006/relationships" xmlns:p14="http://schemas.microsoft.com/office/powerpoint/2010/main" xmlns:p15="http://schemas.microsoft.com/office/powerpoint/2012/main" xmlns:mc="http://schemas.openxmlformats.org/markup-compatibility/2006">
-  <p:cSld>
-    <p:spTree>
-      <p:nvGrpSpPr>
-        <p:cNvPr id="1" name=""/>
-        <p:cNvGrpSpPr/>
-        <p:nvPr/>
-      </p:nvGrpSpPr>
-      <p:grpSpPr>
-        <a:xfrm>
-          <a:off x="0" y="0"/>
-          <a:ext cx="0" cy="0"/>
-          <a:chOff x="0" y="0"/>
-          <a:chExt cx="0" cy="0"/>
-        </a:xfrm>
-      </p:grpSpPr>
-      <p:sp>
-        <p:nvSpPr>
-          <p:cNvPr id="177" name="CustomShape 1"/>
-          <p:cNvSpPr/>
-          <p:nvPr/>
-        </p:nvSpPr>
-        <p:spPr>
-          <a:xfrm>
-            <a:off x="360000" y="360000"/>
-            <a:ext cx="9359280" cy="899280"/>
-          </a:xfrm>
-          <a:prstGeom prst="rect">
-            <a:avLst/>
-          </a:prstGeom>
-          <a:noFill/>
-          <a:ln>
-            <a:noFill/>
-          </a:ln>
-        </p:spPr>
-        <p:style>
-          <a:lnRef idx="0"/>
-          <a:fillRef idx="0"/>
-          <a:effectRef idx="0"/>
-          <a:fontRef idx="minor"/>
-        </p:style>
-        <p:txBody>
-          <a:bodyPr lIns="0" rIns="0" tIns="0" bIns="0" anchor="b"/>
-          <a:p>
-            <a:pPr>
-              <a:lnSpc>
-                <a:spcPct val="100000"/>
-              </a:lnSpc>
-            </a:pPr>
-            <a:r>
-              <a:rPr b="1" lang="en-AU" sz="3200" spc="-1" strike="noStrike">
-                <a:solidFill>
-                  <a:srgbClr val="ffffff"/>
-                </a:solidFill>
-                <a:latin typeface="Source Sans Pro Black"/>
-                <a:ea typeface="DejaVu Sans"/>
-              </a:rPr>
-              <a:t>Predictions</a:t>
-            </a:r>
-            <a:endParaRPr b="0" lang="en-AU" sz="3200" spc="-1" strike="noStrike">
-              <a:latin typeface="Arial"/>
-            </a:endParaRPr>
-          </a:p>
-        </p:txBody>
-      </p:sp>
-      <p:sp>
-        <p:nvSpPr>
-          <p:cNvPr id="178" name="CustomShape 2"/>
-          <p:cNvSpPr/>
-          <p:nvPr/>
-        </p:nvSpPr>
-        <p:spPr>
-          <a:xfrm>
-            <a:off x="360000" y="1980000"/>
-            <a:ext cx="9179280" cy="4679280"/>
-          </a:xfrm>
-          <a:prstGeom prst="rect">
-            <a:avLst/>
-          </a:prstGeom>
-          <a:noFill/>
-          <a:ln>
-            <a:noFill/>
-          </a:ln>
-        </p:spPr>
-        <p:style>
-          <a:lnRef idx="0"/>
-          <a:fillRef idx="0"/>
-          <a:effectRef idx="0"/>
-          <a:fontRef idx="minor"/>
-        </p:style>
-      </p:sp>
-    </p:spTree>
-  </p:cSld>
-  <p:timing>
-    <p:tnLst>
-      <p:par>
-        <p:cTn id="33" dur="indefinite" restart="never" nodeType="tmRoot">
-          <p:childTnLst>
-            <p:seq>
-              <p:cTn id="34" nodeType="mainSeq"/>
-              <p:prevCondLst>
-                <p:cond delay="0" evt="onPrev">
-                  <p:tgtEl>
-                    <p:sldTgt/>
-                  </p:tgtEl>
-                </p:cond>
-              </p:prevCondLst>
-              <p:nextCondLst>
-                <p:cond delay="0" evt="onNext">
-                  <p:tgtEl>
-                    <p:sldTgt/>
-                  </p:tgtEl>
-                </p:cond>
-              </p:nextCondLst>
-            </p:seq>
-          </p:childTnLst>
-        </p:cTn>
-      </p:par>
-    </p:tnLst>
-  </p:timing>
-</p:sld>
-</file>
-
-<file path=ppt/slides/slide18.xml><?xml version="1.0" encoding="utf-8"?>
-<p:sld xmlns:a="http://schemas.openxmlformats.org/drawingml/2006/main" xmlns:p="http://schemas.openxmlformats.org/presentationml/2006/main" xmlns:r="http://schemas.openxmlformats.org/officeDocument/2006/relationships" xmlns:p14="http://schemas.microsoft.com/office/powerpoint/2010/main" xmlns:p15="http://schemas.microsoft.com/office/powerpoint/2012/main" xmlns:mc="http://schemas.openxmlformats.org/markup-compatibility/2006">
-  <p:cSld>
-    <p:spTree>
-      <p:nvGrpSpPr>
-        <p:cNvPr id="1" name=""/>
-        <p:cNvGrpSpPr/>
-        <p:nvPr/>
-      </p:nvGrpSpPr>
-      <p:grpSpPr>
-        <a:xfrm>
-          <a:off x="0" y="0"/>
-          <a:ext cx="0" cy="0"/>
-          <a:chOff x="0" y="0"/>
-          <a:chExt cx="0" cy="0"/>
-        </a:xfrm>
-      </p:grpSpPr>
-      <p:sp>
-        <p:nvSpPr>
-          <p:cNvPr id="179" name="CustomShape 1"/>
-          <p:cNvSpPr/>
-          <p:nvPr/>
-        </p:nvSpPr>
-        <p:spPr>
-          <a:xfrm>
-            <a:off x="360000" y="360000"/>
-            <a:ext cx="9359280" cy="899280"/>
-          </a:xfrm>
-          <a:prstGeom prst="rect">
-            <a:avLst/>
-          </a:prstGeom>
-          <a:noFill/>
-          <a:ln>
-            <a:noFill/>
-          </a:ln>
-        </p:spPr>
-        <p:style>
-          <a:lnRef idx="0"/>
-          <a:fillRef idx="0"/>
-          <a:effectRef idx="0"/>
-          <a:fontRef idx="minor"/>
-        </p:style>
-        <p:txBody>
-          <a:bodyPr lIns="0" rIns="0" tIns="0" bIns="0" anchor="b"/>
-          <a:p>
-            <a:pPr>
-              <a:lnSpc>
-                <a:spcPct val="100000"/>
-              </a:lnSpc>
-            </a:pPr>
-            <a:r>
-              <a:rPr b="1" lang="en-AU" sz="3200" spc="-1" strike="noStrike">
-                <a:solidFill>
-                  <a:srgbClr val="ffffff"/>
-                </a:solidFill>
-                <a:latin typeface="Source Sans Pro Black"/>
-                <a:ea typeface="DejaVu Sans"/>
-              </a:rPr>
-              <a:t>Summary</a:t>
-            </a:r>
-            <a:endParaRPr b="0" lang="en-AU" sz="3200" spc="-1" strike="noStrike">
-              <a:latin typeface="Arial"/>
-            </a:endParaRPr>
-          </a:p>
-        </p:txBody>
-      </p:sp>
-      <p:sp>
-        <p:nvSpPr>
-          <p:cNvPr id="180" name="CustomShape 2"/>
-          <p:cNvSpPr/>
-          <p:nvPr/>
-        </p:nvSpPr>
-        <p:spPr>
-          <a:xfrm>
-            <a:off x="360000" y="1980000"/>
-            <a:ext cx="9179280" cy="4679280"/>
-          </a:xfrm>
-          <a:prstGeom prst="rect">
-            <a:avLst/>
-          </a:prstGeom>
-          <a:noFill/>
-          <a:ln>
-            <a:noFill/>
-          </a:ln>
-        </p:spPr>
-        <p:style>
-          <a:lnRef idx="0"/>
-          <a:fillRef idx="0"/>
-          <a:effectRef idx="0"/>
-          <a:fontRef idx="minor"/>
-        </p:style>
-      </p:sp>
-    </p:spTree>
-  </p:cSld>
-  <p:timing>
-    <p:tnLst>
-      <p:par>
-        <p:cTn id="35" dur="indefinite" restart="never" nodeType="tmRoot">
-          <p:childTnLst>
-            <p:seq>
-              <p:cTn id="36" nodeType="mainSeq"/>
               <p:prevCondLst>
                 <p:cond delay="0" evt="onPrev">
                   <p:tgtEl>

--- a/Presentation.pptx
+++ b/Presentation.pptx
@@ -4382,7 +4382,16 @@
                 </a:solidFill>
                 <a:latin typeface="Arial"/>
               </a:rPr>
-              <a:t>Click to edit the title text format</a:t>
+              <a:t>Click to edit the </a:t>
+            </a:r>
+            <a:r>
+              <a:rPr b="0" lang="en-US" sz="4400" spc="-1" strike="noStrike">
+                <a:solidFill>
+                  <a:srgbClr val="000000"/>
+                </a:solidFill>
+                <a:latin typeface="Arial"/>
+              </a:rPr>
+              <a:t>title text format</a:t>
             </a:r>
             <a:endParaRPr b="0" lang="en-US" sz="4400" spc="-1" strike="noStrike">
               <a:solidFill>
@@ -5212,34 +5221,7 @@
                 </a:solidFill>
                 <a:latin typeface="Arial"/>
               </a:rPr>
-              <a:t>Click to </a:t>
-            </a:r>
-            <a:r>
-              <a:rPr b="0" lang="en-US" sz="4400" spc="-1" strike="noStrike">
-                <a:solidFill>
-                  <a:srgbClr val="000000"/>
-                </a:solidFill>
-                <a:latin typeface="Arial"/>
-              </a:rPr>
-              <a:t>edit the </a:t>
-            </a:r>
-            <a:r>
-              <a:rPr b="0" lang="en-US" sz="4400" spc="-1" strike="noStrike">
-                <a:solidFill>
-                  <a:srgbClr val="000000"/>
-                </a:solidFill>
-                <a:latin typeface="Arial"/>
-              </a:rPr>
-              <a:t>title text </a:t>
-            </a:r>
-            <a:r>
-              <a:rPr b="0" lang="en-US" sz="4400" spc="-1" strike="noStrike">
-                <a:solidFill>
-                  <a:srgbClr val="000000"/>
-                </a:solidFill>
-                <a:latin typeface="Arial"/>
-              </a:rPr>
-              <a:t>format</a:t>
+              <a:t>Click to edit the title text format</a:t>
             </a:r>
             <a:endParaRPr b="0" lang="en-US" sz="4400" spc="-1" strike="noStrike">
               <a:solidFill>
@@ -6792,7 +6774,7 @@
                 <a:latin typeface="Source Sans Pro Black"/>
                 <a:ea typeface="DejaVu Sans"/>
               </a:rPr>
-              <a:t>Posterior Analysis 3</a:t>
+              <a:t>Posterior Analysis</a:t>
             </a:r>
             <a:endParaRPr b="0" lang="en-AU" sz="3200" spc="-1" strike="noStrike">
               <a:latin typeface="Arial"/>

--- a/Presentation.pptx
+++ b/Presentation.pptx
@@ -24,7 +24,7 @@
     <p:sldId id="273" r:id="rId18"/>
     <p:sldId id="274" r:id="rId19"/>
     <p:sldId id="270" r:id="rId20"/>
-    <p:sldId id="271" r:id="rId21"/>
+    <p:sldId id="277" r:id="rId21"/>
     <p:sldId id="275" r:id="rId22"/>
     <p:sldId id="269" r:id="rId23"/>
     <p:sldId id="268" r:id="rId24"/>
@@ -6808,7 +6808,7 @@
         </p:nvSpPr>
         <p:spPr>
           <a:xfrm>
-            <a:off x="360000" y="2060512"/>
+            <a:off x="360000" y="1640788"/>
             <a:ext cx="9179280" cy="5020200"/>
           </a:xfrm>
           <a:prstGeom prst="rect">
@@ -6848,11 +6848,11 @@
               <a:buChar char="•"/>
             </a:pPr>
             <a:r>
-              <a:rPr lang="en-US" sz="2600" b="1" dirty="0" smtClean="0">
+              <a:rPr lang="en-US" sz="2600" dirty="0" smtClean="0">
                 <a:latin typeface="Source Sans Pro" panose="020B0503030403020204" pitchFamily="34" charset="0"/>
                 <a:ea typeface="Source Sans Pro" panose="020B0503030403020204" pitchFamily="34" charset="0"/>
               </a:rPr>
-              <a:t>Initially, a model was created and run with all independent variables.</a:t>
+              <a:t>Initially, a model was created and run with the full set of independent variables.</a:t>
             </a:r>
           </a:p>
           <a:p>
@@ -6866,7 +6866,7 @@
               <a:buFont typeface="Arial" panose="020B0604020202020204" pitchFamily="34" charset="0"/>
               <a:buChar char="•"/>
             </a:pPr>
-            <a:endParaRPr lang="en-AU" sz="2600" b="1" strike="noStrike" spc="-1" dirty="0" smtClean="0">
+            <a:endParaRPr lang="en-AU" sz="2600" strike="noStrike" spc="-1" dirty="0" smtClean="0">
               <a:solidFill>
                 <a:srgbClr val="1C1C1C"/>
               </a:solidFill>
@@ -6880,11 +6880,11 @@
               <a:buChar char="•"/>
             </a:pPr>
             <a:r>
-              <a:rPr lang="en-US" sz="2600" b="1" dirty="0" smtClean="0">
+              <a:rPr lang="en-US" sz="2600" dirty="0" smtClean="0">
                 <a:latin typeface="Source Sans Pro" panose="020B0503030403020204" pitchFamily="34" charset="0"/>
                 <a:ea typeface="Source Sans Pro" panose="020B0503030403020204" pitchFamily="34" charset="0"/>
               </a:rPr>
-              <a:t>Non-significant predictors were identified based on this, and a new reduced model was run which only included the      Gender, Age and Count variables as predictors.</a:t>
+              <a:t>Non-significant predictors were identified based on the outcome, and a new, reduced model was run which only included the Gender, Age and Count variables as predictors.</a:t>
             </a:r>
           </a:p>
           <a:p>
@@ -6892,7 +6892,7 @@
               <a:buFont typeface="Arial" panose="020B0604020202020204" pitchFamily="34" charset="0"/>
               <a:buChar char="•"/>
             </a:pPr>
-            <a:endParaRPr lang="en-US" sz="2600" b="1" dirty="0">
+            <a:endParaRPr lang="en-US" sz="2600" dirty="0">
               <a:latin typeface="Source Sans Pro" panose="020B0503030403020204" pitchFamily="34" charset="0"/>
               <a:ea typeface="Source Sans Pro" panose="020B0503030403020204" pitchFamily="34" charset="0"/>
             </a:endParaRPr>
@@ -6903,7 +6903,7 @@
               <a:buChar char="•"/>
             </a:pPr>
             <a:r>
-              <a:rPr lang="en-US" sz="2600" b="1" dirty="0" smtClean="0">
+              <a:rPr lang="en-US" sz="2600" dirty="0" smtClean="0">
                 <a:latin typeface="Source Sans Pro" panose="020B0503030403020204" pitchFamily="34" charset="0"/>
                 <a:ea typeface="Source Sans Pro" panose="020B0503030403020204" pitchFamily="34" charset="0"/>
               </a:rPr>
@@ -6919,7 +6919,28 @@
                 <a:spcPts val="1142"/>
               </a:spcAft>
             </a:pPr>
-            <a:endParaRPr lang="en-AU" sz="2600" b="0" strike="noStrike" spc="-1" dirty="0">
+            <a:endParaRPr lang="en-AU" sz="2600" strike="noStrike" spc="-1" dirty="0" smtClean="0">
+              <a:latin typeface="Source Sans Pro" panose="020B0503030403020204" pitchFamily="34" charset="0"/>
+              <a:ea typeface="Source Sans Pro" panose="020B0503030403020204" pitchFamily="34" charset="0"/>
+            </a:endParaRPr>
+          </a:p>
+          <a:p>
+            <a:pPr algn="ctr">
+              <a:lnSpc>
+                <a:spcPct val="100000"/>
+              </a:lnSpc>
+              <a:spcAft>
+                <a:spcPts val="1142"/>
+              </a:spcAft>
+            </a:pPr>
+            <a:r>
+              <a:rPr lang="en-AU" sz="2600" spc="-1" dirty="0" smtClean="0">
+                <a:latin typeface="Source Sans Pro" panose="020B0503030403020204" pitchFamily="34" charset="0"/>
+                <a:ea typeface="Source Sans Pro" panose="020B0503030403020204" pitchFamily="34" charset="0"/>
+              </a:rPr>
+              <a:t>For the final MCMC run, 100,000 iterations were run with 5000 burn-in and 5000 adaption steps. A thinning of 15 was used.</a:t>
+            </a:r>
+            <a:endParaRPr lang="en-AU" sz="2600" strike="noStrike" spc="-1" dirty="0">
               <a:latin typeface="Source Sans Pro" panose="020B0503030403020204" pitchFamily="34" charset="0"/>
               <a:ea typeface="Source Sans Pro" panose="020B0503030403020204" pitchFamily="34" charset="0"/>
             </a:endParaRPr>
@@ -6933,7 +6954,7 @@
                 <a:spcPts val="1142"/>
               </a:spcAft>
             </a:pPr>
-            <a:endParaRPr lang="en-AU" sz="2600" b="0" strike="noStrike" spc="-1" dirty="0">
+            <a:endParaRPr lang="en-AU" sz="2600" strike="noStrike" spc="-1" dirty="0">
               <a:latin typeface="Source Sans Pro" panose="020B0503030403020204" pitchFamily="34" charset="0"/>
               <a:ea typeface="Source Sans Pro" panose="020B0503030403020204" pitchFamily="34" charset="0"/>
             </a:endParaRPr>
@@ -6947,7 +6968,7 @@
                 <a:spcPts val="1142"/>
               </a:spcAft>
             </a:pPr>
-            <a:endParaRPr lang="en-AU" sz="2600" b="0" strike="noStrike" spc="-1" dirty="0">
+            <a:endParaRPr lang="en-AU" sz="2600" strike="noStrike" spc="-1" dirty="0">
               <a:latin typeface="Arial"/>
             </a:endParaRPr>
           </a:p>
@@ -6960,7 +6981,7 @@
                 <a:spcPts val="1142"/>
               </a:spcAft>
             </a:pPr>
-            <a:endParaRPr lang="en-AU" sz="2600" b="0" strike="noStrike" spc="-1" dirty="0">
+            <a:endParaRPr lang="en-AU" sz="2600" strike="noStrike" spc="-1" dirty="0">
               <a:latin typeface="Arial"/>
             </a:endParaRPr>
           </a:p>
@@ -7437,107 +7458,158 @@
           <a:lstStyle/>
           <a:p>
             <a:r>
-              <a:rPr lang="en-AU" sz="1400" b="0" strike="noStrike" spc="-1">
+              <a:rPr lang="en-AU" sz="1400" b="0" strike="noStrike" spc="-1" dirty="0">
                 <a:latin typeface="Arial"/>
               </a:rPr>
               <a:t>The diagnostic plots are very positive. We can see that there is </a:t>
             </a:r>
             <a:r>
-              <a:rPr lang="en-AU" sz="1400" b="1" strike="noStrike" spc="-1">
+              <a:rPr lang="en-AU" sz="1400" strike="noStrike" spc="-1" dirty="0">
                 <a:latin typeface="Arial"/>
               </a:rPr>
-              <a:t>very good representation</a:t>
-            </a:r>
-            <a:r>
-              <a:rPr lang="en-AU" sz="1400" b="0" strike="noStrike" spc="-1">
+              <a:t>very good representation </a:t>
+            </a:r>
+            <a:r>
+              <a:rPr lang="en-AU" sz="1400" b="0" strike="noStrike" spc="-1" dirty="0">
                 <a:latin typeface="Arial"/>
               </a:rPr>
-              <a:t> as the chains are almost entirely overlapping. </a:t>
-            </a:r>
-          </a:p>
-          <a:p>
-            <a:endParaRPr lang="en-AU" sz="1400" b="0" strike="noStrike" spc="-1">
-              <a:latin typeface="Arial"/>
-            </a:endParaRPr>
-          </a:p>
-          <a:p>
-            <a:r>
-              <a:rPr lang="en-AU" sz="1400" b="0" strike="noStrike" spc="-1">
+              <a:t>as the </a:t>
+            </a:r>
+            <a:r>
+              <a:rPr lang="en-AU" sz="1400" b="1" strike="noStrike" spc="-1" dirty="0">
                 <a:latin typeface="Arial"/>
               </a:rPr>
+              <a:t>chains are almost entirely </a:t>
+            </a:r>
+            <a:r>
+              <a:rPr lang="en-AU" sz="1400" b="1" spc="-1" dirty="0"/>
+              <a:t>overlapping </a:t>
+            </a:r>
+            <a:r>
+              <a:rPr lang="en-AU" sz="1400" b="1" spc="-1" dirty="0" smtClean="0"/>
+              <a:t>and the </a:t>
+            </a:r>
+            <a:r>
+              <a:rPr lang="en-AU" sz="1400" b="1" spc="-1" dirty="0"/>
+              <a:t>shrink factor approaches </a:t>
+            </a:r>
+            <a:r>
+              <a:rPr lang="en-AU" sz="1400" b="1" spc="-1" dirty="0" smtClean="0"/>
+              <a:t>1. </a:t>
+            </a:r>
+            <a:endParaRPr lang="en-AU" sz="1400" b="1" strike="noStrike" spc="-1" dirty="0">
+              <a:latin typeface="Arial"/>
+            </a:endParaRPr>
+          </a:p>
+          <a:p>
+            <a:endParaRPr lang="en-AU" sz="1400" b="0" strike="noStrike" spc="-1" dirty="0">
+              <a:latin typeface="Arial"/>
+            </a:endParaRPr>
+          </a:p>
+          <a:p>
+            <a:r>
+              <a:rPr lang="en-AU" sz="1400" b="0" strike="noStrike" spc="-1" dirty="0">
+                <a:latin typeface="Arial"/>
+              </a:rPr>
               <a:t>Also, the accuracy of the chains is very good with the </a:t>
             </a:r>
             <a:r>
-              <a:rPr lang="en-AU" sz="1400" b="1" strike="noStrike" spc="-1">
+              <a:rPr lang="en-AU" sz="1400" b="1" strike="noStrike" spc="-1" dirty="0">
                 <a:latin typeface="Arial"/>
               </a:rPr>
-              <a:t>very small MCSE value and the large domain of the chains</a:t>
-            </a:r>
-            <a:r>
-              <a:rPr lang="en-AU" sz="1400" b="0" strike="noStrike" spc="-1">
+              <a:t>very small MCSE value </a:t>
+            </a:r>
+            <a:r>
+              <a:rPr lang="en-AU" sz="1400" b="1" strike="noStrike" spc="-1" dirty="0" smtClean="0">
                 <a:latin typeface="Arial"/>
               </a:rPr>
-              <a:t>.</a:t>
-            </a:r>
-          </a:p>
-          <a:p>
-            <a:endParaRPr lang="en-AU" sz="1400" b="0" strike="noStrike" spc="-1">
-              <a:latin typeface="Arial"/>
-            </a:endParaRPr>
-          </a:p>
-          <a:p>
-            <a:r>
-              <a:rPr lang="en-AU" sz="1400" b="0" strike="noStrike" spc="-1">
+              <a:t>and very </a:t>
+            </a:r>
+            <a:r>
+              <a:rPr lang="en-AU" sz="1400" b="1" strike="noStrike" spc="-1" dirty="0">
                 <a:latin typeface="Arial"/>
               </a:rPr>
-              <a:t>As the </a:t>
-            </a:r>
-            <a:r>
-              <a:rPr lang="en-AU" sz="1400" b="1" strike="noStrike" spc="-1">
+              <a:t>high ESS </a:t>
+            </a:r>
+            <a:r>
+              <a:rPr lang="en-AU" sz="1400" b="1" strike="noStrike" spc="-1" dirty="0" smtClean="0">
                 <a:latin typeface="Arial"/>
               </a:rPr>
-              <a:t>shrink factor approaches 1</a:t>
-            </a:r>
-            <a:r>
-              <a:rPr lang="en-AU" sz="1400" b="0" strike="noStrike" spc="-1">
+              <a:t>value. </a:t>
+            </a:r>
+            <a:r>
+              <a:rPr lang="en-AU" sz="1400" spc="-1" dirty="0" smtClean="0">
                 <a:latin typeface="Arial"/>
               </a:rPr>
-              <a:t> and the </a:t>
-            </a:r>
-            <a:r>
-              <a:rPr lang="en-AU" sz="1400" b="1" strike="noStrike" spc="-1">
+              <a:t>Although MSCE is not exactly zero, this may attributable to the relatively large scale of the parameter.</a:t>
+            </a:r>
+            <a:endParaRPr lang="en-AU" sz="1400" strike="noStrike" spc="-1" dirty="0">
+              <a:latin typeface="Arial"/>
+            </a:endParaRPr>
+          </a:p>
+          <a:p>
+            <a:endParaRPr lang="en-AU" sz="1400" b="0" strike="noStrike" spc="-1" dirty="0">
+              <a:latin typeface="Arial"/>
+            </a:endParaRPr>
+          </a:p>
+          <a:p>
+            <a:r>
+              <a:rPr lang="en-AU" sz="1400" b="0" strike="noStrike" spc="-1" dirty="0">
                 <a:latin typeface="Arial"/>
               </a:rPr>
-              <a:t>autocorrelation approaches 0</a:t>
-            </a:r>
-            <a:r>
-              <a:rPr lang="en-AU" sz="1400" b="0" strike="noStrike" spc="-1">
+              <a:t>The </a:t>
+            </a:r>
+            <a:r>
+              <a:rPr lang="en-AU" sz="1400" b="0" strike="noStrike" spc="-1" dirty="0" smtClean="0">
                 <a:latin typeface="Arial"/>
               </a:rPr>
-              <a:t>, we can say that there is a good level of independent information. This is also seen in the </a:t>
-            </a:r>
-            <a:r>
-              <a:rPr lang="en-AU" sz="1400" b="1" strike="noStrike" spc="-1">
+              <a:t>results here </a:t>
+            </a:r>
+            <a:r>
+              <a:rPr lang="en-AU" sz="1400" b="0" strike="noStrike" spc="-1" dirty="0">
                 <a:latin typeface="Arial"/>
               </a:rPr>
-              <a:t>very high ESS value.</a:t>
-            </a:r>
-            <a:endParaRPr lang="en-AU" sz="1400" b="0" strike="noStrike" spc="-1">
-              <a:latin typeface="Arial"/>
-            </a:endParaRPr>
-          </a:p>
-          <a:p>
-            <a:endParaRPr lang="en-AU" sz="1400" b="0" strike="noStrike" spc="-1">
-              <a:latin typeface="Arial"/>
-            </a:endParaRPr>
-          </a:p>
-          <a:p>
-            <a:r>
-              <a:rPr lang="en-AU" sz="1400" b="0" strike="noStrike" spc="-1">
+              <a:t>are not unique to beta0 with the rest of the beta </a:t>
+            </a:r>
+            <a:r>
+              <a:rPr lang="en-AU" sz="1400" spc="-1" dirty="0" smtClean="0">
                 <a:latin typeface="Arial"/>
               </a:rPr>
-              <a:t>The diagnostics here are not unique to beta0 with the rest of the beta plots all showing a similar outcome. </a:t>
-            </a:r>
+              <a:t>parameter diagnostic plots</a:t>
+            </a:r>
+            <a:r>
+              <a:rPr lang="en-AU" sz="1400" b="0" strike="noStrike" spc="-1" dirty="0" smtClean="0">
+                <a:latin typeface="Arial"/>
+              </a:rPr>
+              <a:t> </a:t>
+            </a:r>
+            <a:r>
+              <a:rPr lang="en-AU" sz="1400" b="0" strike="noStrike" spc="-1" dirty="0">
+                <a:latin typeface="Arial"/>
+              </a:rPr>
+              <a:t>all </a:t>
+            </a:r>
+            <a:r>
+              <a:rPr lang="en-AU" sz="1400" b="0" strike="noStrike" spc="-1" dirty="0" smtClean="0">
+                <a:latin typeface="Arial"/>
+              </a:rPr>
+              <a:t>showing </a:t>
+            </a:r>
+            <a:r>
+              <a:rPr lang="en-AU" sz="1400" b="0" strike="noStrike" spc="-1" dirty="0">
+                <a:latin typeface="Arial"/>
+              </a:rPr>
+              <a:t>similar </a:t>
+            </a:r>
+            <a:r>
+              <a:rPr lang="en-AU" sz="1400" b="0" strike="noStrike" spc="-1" dirty="0" smtClean="0">
+                <a:latin typeface="Arial"/>
+              </a:rPr>
+              <a:t>outcomes. </a:t>
+            </a:r>
+            <a:endParaRPr lang="en-AU" sz="1400" b="0" strike="noStrike" spc="-1" dirty="0">
+              <a:latin typeface="Arial"/>
+            </a:endParaRPr>
           </a:p>
         </p:txBody>
       </p:sp>
@@ -7689,7 +7761,7 @@
         </p:nvSpPr>
         <p:spPr>
           <a:xfrm>
-            <a:off x="6376320" y="1606140"/>
+            <a:off x="6376320" y="1905120"/>
             <a:ext cx="3240000" cy="4485960"/>
           </a:xfrm>
           <a:prstGeom prst="rect">
@@ -7721,13 +7793,25 @@
               <a:rPr lang="en-AU" sz="1400" b="0" strike="noStrike" spc="-1" dirty="0">
                 <a:latin typeface="Arial"/>
               </a:rPr>
-              <a:t>As with the beta model diagnostics we can see that the </a:t>
+              <a:t>As with the beta model diagnostics we can see that </a:t>
+            </a:r>
+            <a:r>
+              <a:rPr lang="en-AU" sz="1400" b="0" strike="noStrike" spc="-1" dirty="0" smtClean="0">
+                <a:latin typeface="Arial"/>
+              </a:rPr>
+              <a:t>the </a:t>
+            </a:r>
+            <a:r>
+              <a:rPr lang="en-AU" sz="1400" b="1" strike="noStrike" spc="-1" dirty="0" smtClean="0">
+                <a:latin typeface="Arial"/>
+              </a:rPr>
+              <a:t>shrink factor is well below 1.1 and that chains </a:t>
             </a:r>
             <a:r>
               <a:rPr lang="en-AU" sz="1400" b="1" strike="noStrike" spc="-1" dirty="0">
                 <a:latin typeface="Arial"/>
               </a:rPr>
-              <a:t>chains are overlapping </a:t>
+              <a:t>are overlapping </a:t>
             </a:r>
             <a:r>
               <a:rPr lang="en-AU" sz="1400" b="0" strike="noStrike" spc="-1" dirty="0">
@@ -7749,61 +7833,52 @@
               <a:t>The </a:t>
             </a:r>
             <a:r>
+              <a:rPr lang="en-AU" sz="1400" strike="noStrike" spc="-1" dirty="0" smtClean="0">
+                <a:latin typeface="Arial"/>
+              </a:rPr>
+              <a:t>autocorrelation plot flattens </a:t>
+            </a:r>
+            <a:r>
+              <a:rPr lang="en-AU" sz="1400" strike="noStrike" spc="-1" dirty="0">
+                <a:latin typeface="Arial"/>
+              </a:rPr>
+              <a:t>immediately </a:t>
+            </a:r>
+            <a:r>
+              <a:rPr lang="en-AU" sz="1400" b="0" strike="noStrike" spc="-1" dirty="0">
+                <a:latin typeface="Arial"/>
+              </a:rPr>
+              <a:t>and </a:t>
+            </a:r>
+            <a:r>
+              <a:rPr lang="en-AU" sz="1400" b="1" strike="noStrike" spc="-1" dirty="0">
+                <a:latin typeface="Arial"/>
+              </a:rPr>
+              <a:t>the effective sample size is very </a:t>
+            </a:r>
+            <a:r>
               <a:rPr lang="en-AU" sz="1400" b="1" strike="noStrike" spc="-1" dirty="0" smtClean="0">
                 <a:latin typeface="Arial"/>
               </a:rPr>
-              <a:t>autocorrelation </a:t>
-            </a:r>
-            <a:r>
-              <a:rPr lang="en-AU" sz="1400" b="1" strike="noStrike" spc="-1" dirty="0">
+              <a:t>large. Furthermore, the MSCE is very close to zero. </a:t>
+            </a:r>
+            <a:r>
+              <a:rPr lang="en-AU" sz="1400" b="0" strike="noStrike" spc="-1" dirty="0" smtClean="0">
                 <a:latin typeface="Arial"/>
               </a:rPr>
-              <a:t>and shrink factor plots both flatten immediately</a:t>
+              <a:t>This </a:t>
             </a:r>
             <a:r>
               <a:rPr lang="en-AU" sz="1400" b="0" strike="noStrike" spc="-1" dirty="0">
                 <a:latin typeface="Arial"/>
               </a:rPr>
-              <a:t> and the effective sample size is very large at 101326. This implies that there is independent information in the chains. </a:t>
+              <a:t>implies that there is independent information in the chains. </a:t>
             </a:r>
           </a:p>
           <a:p>
             <a:endParaRPr lang="en-AU" sz="1400" b="0" strike="noStrike" spc="-1" dirty="0">
               <a:latin typeface="Arial"/>
             </a:endParaRPr>
-          </a:p>
-          <a:p>
-            <a:r>
-              <a:rPr lang="en-AU" sz="1400" b="0" strike="noStrike" spc="-1" dirty="0">
-                <a:latin typeface="Arial"/>
-              </a:rPr>
-              <a:t>The </a:t>
-            </a:r>
-            <a:r>
-              <a:rPr lang="en-AU" sz="1400" b="1" strike="noStrike" spc="-1" dirty="0">
-                <a:latin typeface="Arial"/>
-              </a:rPr>
-              <a:t>density plot also follows a standard normal distribution</a:t>
-            </a:r>
-            <a:r>
-              <a:rPr lang="en-AU" sz="1400" b="0" strike="noStrike" spc="-1" dirty="0">
-                <a:latin typeface="Arial"/>
-              </a:rPr>
-              <a:t> and the MCSE is very small at 0.0539.</a:t>
-            </a:r>
-          </a:p>
-          <a:p>
-            <a:endParaRPr lang="en-AU" sz="1400" b="0" strike="noStrike" spc="-1" dirty="0">
-              <a:latin typeface="Arial"/>
-            </a:endParaRPr>
-          </a:p>
-          <a:p>
-            <a:r>
-              <a:rPr lang="en-AU" sz="1400" b="0" strike="noStrike" spc="-1" dirty="0">
-                <a:latin typeface="Arial"/>
-              </a:rPr>
-              <a:t>With all of this taken into account we can be very confident with these diagnostics.</a:t>
-            </a:r>
           </a:p>
         </p:txBody>
       </p:sp>
@@ -7971,7 +8046,7 @@
         <p:spPr>
           <a:xfrm>
             <a:off x="8004749" y="2233533"/>
-            <a:ext cx="1834454" cy="3139321"/>
+            <a:ext cx="1834454" cy="4247317"/>
           </a:xfrm>
           <a:prstGeom prst="rect">
             <a:avLst/>
@@ -8001,6 +8076,15 @@
             <a:r>
               <a:rPr lang="en-US" dirty="0" smtClean="0"/>
               <a:t>Mode estimates appear to roughly correspond to with descriptive trends.</a:t>
+            </a:r>
+          </a:p>
+          <a:p>
+            <a:endParaRPr lang="en-US" dirty="0"/>
+          </a:p>
+          <a:p>
+            <a:r>
+              <a:rPr lang="en-US" dirty="0" smtClean="0"/>
+              <a:t>Count estimate is unexpectedly negative.</a:t>
             </a:r>
             <a:endParaRPr lang="en-US" dirty="0"/>
           </a:p>
@@ -8115,7 +8199,7 @@
         </p:blipFill>
         <p:spPr>
           <a:xfrm>
-            <a:off x="105167" y="1873772"/>
+            <a:off x="240078" y="1903752"/>
             <a:ext cx="7700173" cy="4712506"/>
           </a:xfrm>
           <a:prstGeom prst="rect">
@@ -8131,7 +8215,7 @@
         </p:nvSpPr>
         <p:spPr>
           <a:xfrm>
-            <a:off x="7805340" y="2833142"/>
+            <a:off x="7940251" y="2833142"/>
             <a:ext cx="2118149" cy="2031325"/>
           </a:xfrm>
           <a:prstGeom prst="rect">
@@ -8732,7 +8816,79 @@
       </p:grpSpPr>
       <p:sp>
         <p:nvSpPr>
-          <p:cNvPr id="183" name="CustomShape 1"/>
+          <p:cNvPr id="3" name="Subtitle 2"/>
+          <p:cNvSpPr>
+            <a:spLocks noGrp="1"/>
+          </p:cNvSpPr>
+          <p:nvPr>
+            <p:ph type="subTitle"/>
+          </p:nvPr>
+        </p:nvSpPr>
+        <p:spPr>
+          <a:xfrm>
+            <a:off x="504000" y="1768680"/>
+            <a:ext cx="9072000" cy="4991884"/>
+          </a:xfrm>
+        </p:spPr>
+        <p:txBody>
+          <a:bodyPr>
+            <a:normAutofit/>
+          </a:bodyPr>
+          <a:lstStyle/>
+          <a:p>
+            <a:pPr marL="0" indent="0">
+              <a:buNone/>
+            </a:pPr>
+            <a:r>
+              <a:rPr lang="en-US" sz="2200" b="1" dirty="0" smtClean="0"/>
+              <a:t>Overview:</a:t>
+            </a:r>
+          </a:p>
+          <a:p>
+            <a:r>
+              <a:rPr lang="en-US" sz="2200" dirty="0" smtClean="0"/>
+              <a:t>This report looked to construct a multiple regression model for predicting average Black Friday sales per person using Bayesian estimation and MCMC.</a:t>
+            </a:r>
+          </a:p>
+          <a:p>
+            <a:r>
+              <a:rPr lang="en-US" sz="2200" dirty="0" smtClean="0"/>
+              <a:t>Model diagnostics and posterior distributions were good.</a:t>
+            </a:r>
+          </a:p>
+          <a:p>
+            <a:r>
+              <a:rPr lang="en-US" sz="2200" dirty="0" smtClean="0"/>
+              <a:t>Ultimately, predictions generated on the test data were shown to be fairly inaccurate, with a large MSE.</a:t>
+            </a:r>
+          </a:p>
+          <a:p>
+            <a:pPr marL="0" indent="0">
+              <a:buNone/>
+            </a:pPr>
+            <a:r>
+              <a:rPr lang="en-US" sz="2200" b="1" dirty="0" smtClean="0"/>
+              <a:t>Recommendations:</a:t>
+            </a:r>
+          </a:p>
+          <a:p>
+            <a:r>
+              <a:rPr lang="en-US" sz="2200" dirty="0" smtClean="0"/>
+              <a:t>To construct a more accurate model, additional predictor variables might be considered, as those used here were only able to explain a small proportion of the variance in the response variable.</a:t>
+            </a:r>
+          </a:p>
+          <a:p>
+            <a:r>
+              <a:rPr lang="en-US" sz="2200" dirty="0" smtClean="0"/>
+              <a:t>Introducing some kind of expert information to create informative priors might also aid in the construction of a more effective model.</a:t>
+            </a:r>
+            <a:endParaRPr lang="en-US" sz="2200" dirty="0"/>
+          </a:p>
+        </p:txBody>
+      </p:sp>
+      <p:sp>
+        <p:nvSpPr>
+          <p:cNvPr id="4" name="CustomShape 1"/>
           <p:cNvSpPr/>
           <p:nvPr/>
         </p:nvSpPr>
@@ -8771,7 +8927,7 @@
               </a:lnSpc>
             </a:pPr>
             <a:r>
-              <a:rPr lang="en-AU" sz="3200" b="1" strike="noStrike" spc="-1">
+              <a:rPr lang="en-AU" sz="3200" b="1" strike="noStrike" spc="-1" dirty="0">
                 <a:solidFill>
                   <a:srgbClr val="FFFFFF"/>
                 </a:solidFill>
@@ -8780,45 +8936,18 @@
               </a:rPr>
               <a:t>Summary</a:t>
             </a:r>
-            <a:endParaRPr lang="en-AU" sz="3200" b="0" strike="noStrike" spc="-1">
-              <a:latin typeface="Arial"/>
-            </a:endParaRPr>
-          </a:p>
-        </p:txBody>
-      </p:sp>
-      <p:sp>
-        <p:nvSpPr>
-          <p:cNvPr id="184" name="CustomShape 2"/>
-          <p:cNvSpPr/>
-          <p:nvPr/>
-        </p:nvSpPr>
-        <p:spPr>
-          <a:xfrm>
-            <a:off x="360000" y="1980000"/>
-            <a:ext cx="9179280" cy="4679280"/>
-          </a:xfrm>
-          <a:prstGeom prst="rect">
-            <a:avLst/>
-          </a:prstGeom>
-          <a:noFill/>
-          <a:ln>
-            <a:noFill/>
-          </a:ln>
-        </p:spPr>
-        <p:style>
-          <a:lnRef idx="0">
-            <a:scrgbClr r="0" g="0" b="0"/>
-          </a:lnRef>
-          <a:fillRef idx="0">
-            <a:scrgbClr r="0" g="0" b="0"/>
-          </a:fillRef>
-          <a:effectRef idx="0">
-            <a:scrgbClr r="0" g="0" b="0"/>
-          </a:effectRef>
-          <a:fontRef idx="minor"/>
-        </p:style>
+            <a:endParaRPr lang="en-AU" sz="3200" b="0" strike="noStrike" spc="-1" dirty="0">
+              <a:latin typeface="Arial"/>
+            </a:endParaRPr>
+          </a:p>
+        </p:txBody>
       </p:sp>
     </p:spTree>
+    <p:extLst>
+      <p:ext uri="{BB962C8B-B14F-4D97-AF65-F5344CB8AC3E}">
+        <p14:creationId xmlns:p14="http://schemas.microsoft.com/office/powerpoint/2010/main" val="1193406503"/>
+      </p:ext>
+    </p:extLst>
   </p:cSld>
   <p:clrMapOvr>
     <a:masterClrMapping/>
@@ -8826,27 +8955,7 @@
   <p:timing>
     <p:tnLst>
       <p:par>
-        <p:cTn id="1" dur="indefinite" restart="never" nodeType="tmRoot">
-          <p:childTnLst>
-            <p:seq>
-              <p:cTn id="2" nodeType="mainSeq"/>
-              <p:prevCondLst>
-                <p:cond evt="onPrev" delay="0">
-                  <p:tgtEl>
-                    <p:sldTgt/>
-                  </p:tgtEl>
-                </p:cond>
-              </p:prevCondLst>
-              <p:nextCondLst>
-                <p:cond evt="onNext" delay="0">
-                  <p:tgtEl>
-                    <p:sldTgt/>
-                  </p:tgtEl>
-                </p:cond>
-              </p:nextCondLst>
-            </p:seq>
-          </p:childTnLst>
-        </p:cTn>
+        <p:cTn id="1" dur="indefinite" restart="never" nodeType="tmRoot"/>
       </p:par>
     </p:tnLst>
   </p:timing>
@@ -10460,7 +10569,7 @@
         </p:blipFill>
         <p:spPr>
           <a:xfrm>
-            <a:off x="739440" y="2369880"/>
+            <a:off x="739440" y="2474812"/>
             <a:ext cx="8419320" cy="1528560"/>
           </a:xfrm>
           <a:prstGeom prst="rect">

--- a/Presentation.pptx
+++ b/Presentation.pptx
@@ -26,8 +26,6 @@
     <p:sldId id="270" r:id="rId20"/>
     <p:sldId id="277" r:id="rId21"/>
     <p:sldId id="275" r:id="rId22"/>
-    <p:sldId id="269" r:id="rId23"/>
-    <p:sldId id="268" r:id="rId24"/>
   </p:sldIdLst>
   <p:sldSz cx="10080625" cy="7559675"/>
   <p:notesSz cx="7559675" cy="10691813"/>
@@ -6690,27 +6688,7 @@
   <p:timing>
     <p:tnLst>
       <p:par>
-        <p:cTn id="1" dur="indefinite" restart="never" nodeType="tmRoot">
-          <p:childTnLst>
-            <p:seq>
-              <p:cTn id="2" nodeType="mainSeq"/>
-              <p:prevCondLst>
-                <p:cond evt="onPrev" delay="0">
-                  <p:tgtEl>
-                    <p:sldTgt/>
-                  </p:tgtEl>
-                </p:cond>
-              </p:prevCondLst>
-              <p:nextCondLst>
-                <p:cond evt="onNext" delay="0">
-                  <p:tgtEl>
-                    <p:sldTgt/>
-                  </p:tgtEl>
-                </p:cond>
-              </p:nextCondLst>
-            </p:seq>
-          </p:childTnLst>
-        </p:cTn>
+        <p:cTn id="1" dur="indefinite" restart="never" nodeType="tmRoot"/>
       </p:par>
     </p:tnLst>
   </p:timing>
@@ -6934,13 +6912,13 @@
               </a:spcAft>
             </a:pPr>
             <a:r>
-              <a:rPr lang="en-AU" sz="2600" spc="-1" dirty="0" smtClean="0">
+              <a:rPr lang="en-AU" sz="2600" b="1" spc="-1" dirty="0" smtClean="0">
                 <a:latin typeface="Source Sans Pro" panose="020B0503030403020204" pitchFamily="34" charset="0"/>
                 <a:ea typeface="Source Sans Pro" panose="020B0503030403020204" pitchFamily="34" charset="0"/>
               </a:rPr>
-              <a:t>For the final MCMC run, 100,000 iterations were run with 5000 burn-in and 5000 adaption steps. A thinning of 15 was used.</a:t>
-            </a:r>
-            <a:endParaRPr lang="en-AU" sz="2600" strike="noStrike" spc="-1" dirty="0">
+              <a:t>For the final MCMC run, 100,000 iterations were run with 5000 burn-in and 5000 adaption steps and a thinning of 15.</a:t>
+            </a:r>
+            <a:endParaRPr lang="en-AU" sz="2600" b="1" strike="noStrike" spc="-1" dirty="0">
               <a:latin typeface="Source Sans Pro" panose="020B0503030403020204" pitchFamily="34" charset="0"/>
               <a:ea typeface="Source Sans Pro" panose="020B0503030403020204" pitchFamily="34" charset="0"/>
             </a:endParaRPr>
@@ -8417,6 +8395,9 @@
           <a:prstGeom prst="rect">
             <a:avLst/>
           </a:prstGeom>
+          <a:ln>
+            <a:noFill/>
+          </a:ln>
         </p:spPr>
         <p:txBody>
           <a:bodyPr wrap="none">
@@ -8689,7 +8670,7 @@
         </p:blipFill>
         <p:spPr>
           <a:xfrm>
-            <a:off x="729468" y="2773614"/>
+            <a:off x="2077140" y="2749441"/>
             <a:ext cx="5924999" cy="3661678"/>
           </a:xfrm>
           <a:prstGeom prst="rect">
@@ -8697,35 +8678,6 @@
           </a:prstGeom>
         </p:spPr>
       </p:pic>
-      <p:sp>
-        <p:nvSpPr>
-          <p:cNvPr id="3" name="TextBox 2"/>
-          <p:cNvSpPr txBox="1"/>
-          <p:nvPr/>
-        </p:nvSpPr>
-        <p:spPr>
-          <a:xfrm>
-            <a:off x="6958651" y="4319640"/>
-            <a:ext cx="2276445" cy="369332"/>
-          </a:xfrm>
-          <a:prstGeom prst="rect">
-            <a:avLst/>
-          </a:prstGeom>
-          <a:noFill/>
-        </p:spPr>
-        <p:txBody>
-          <a:bodyPr wrap="square" rtlCol="0">
-            <a:spAutoFit/>
-          </a:bodyPr>
-          <a:lstStyle/>
-          <a:p>
-            <a:r>
-              <a:rPr lang="en-US" b="1" dirty="0" smtClean="0"/>
-              <a:t>MSE = 3,638,930</a:t>
-            </a:r>
-          </a:p>
-        </p:txBody>
-      </p:sp>
       <p:sp>
         <p:nvSpPr>
           <p:cNvPr id="6" name="TextBox 5"/>
@@ -8734,7 +8686,7 @@
         </p:nvSpPr>
         <p:spPr>
           <a:xfrm>
-            <a:off x="729468" y="1668173"/>
+            <a:off x="2136441" y="1595279"/>
             <a:ext cx="5806398" cy="769441"/>
           </a:xfrm>
           <a:prstGeom prst="rect">
@@ -8770,27 +8722,7 @@
   <p:timing>
     <p:tnLst>
       <p:par>
-        <p:cTn id="1" dur="indefinite" restart="never" nodeType="tmRoot">
-          <p:childTnLst>
-            <p:seq>
-              <p:cTn id="2" nodeType="mainSeq"/>
-              <p:prevCondLst>
-                <p:cond evt="onPrev" delay="0">
-                  <p:tgtEl>
-                    <p:sldTgt/>
-                  </p:tgtEl>
-                </p:cond>
-              </p:prevCondLst>
-              <p:nextCondLst>
-                <p:cond evt="onNext" delay="0">
-                  <p:tgtEl>
-                    <p:sldTgt/>
-                  </p:tgtEl>
-                </p:cond>
-              </p:nextCondLst>
-            </p:seq>
-          </p:childTnLst>
-        </p:cTn>
+        <p:cTn id="1" dur="indefinite" restart="never" nodeType="tmRoot"/>
       </p:par>
     </p:tnLst>
   </p:timing>
@@ -9287,544 +9219,7 @@
   <p:timing>
     <p:tnLst>
       <p:par>
-        <p:cTn id="1" dur="indefinite" restart="never" nodeType="tmRoot">
-          <p:childTnLst>
-            <p:seq>
-              <p:cTn id="2" nodeType="mainSeq"/>
-              <p:prevCondLst>
-                <p:cond evt="onPrev" delay="0">
-                  <p:tgtEl>
-                    <p:sldTgt/>
-                  </p:tgtEl>
-                </p:cond>
-              </p:prevCondLst>
-              <p:nextCondLst>
-                <p:cond evt="onNext" delay="0">
-                  <p:tgtEl>
-                    <p:sldTgt/>
-                  </p:tgtEl>
-                </p:cond>
-              </p:nextCondLst>
-            </p:seq>
-          </p:childTnLst>
-        </p:cTn>
-      </p:par>
-    </p:tnLst>
-  </p:timing>
-</p:sld>
-</file>
-
-<file path=ppt/slides/slide20.xml><?xml version="1.0" encoding="utf-8"?>
-<p:sld xmlns:a="http://schemas.openxmlformats.org/drawingml/2006/main" xmlns:r="http://schemas.openxmlformats.org/officeDocument/2006/relationships" xmlns:p="http://schemas.openxmlformats.org/presentationml/2006/main">
-  <p:cSld>
-    <p:spTree>
-      <p:nvGrpSpPr>
-        <p:cNvPr id="1" name=""/>
-        <p:cNvGrpSpPr/>
-        <p:nvPr/>
-      </p:nvGrpSpPr>
-      <p:grpSpPr>
-        <a:xfrm>
-          <a:off x="0" y="0"/>
-          <a:ext cx="0" cy="0"/>
-          <a:chOff x="0" y="0"/>
-          <a:chExt cx="0" cy="0"/>
-        </a:xfrm>
-      </p:grpSpPr>
-      <p:sp>
-        <p:nvSpPr>
-          <p:cNvPr id="175" name="CustomShape 1"/>
-          <p:cNvSpPr/>
-          <p:nvPr/>
-        </p:nvSpPr>
-        <p:spPr>
-          <a:xfrm>
-            <a:off x="360000" y="360000"/>
-            <a:ext cx="9359280" cy="899280"/>
-          </a:xfrm>
-          <a:prstGeom prst="rect">
-            <a:avLst/>
-          </a:prstGeom>
-          <a:noFill/>
-          <a:ln>
-            <a:noFill/>
-          </a:ln>
-        </p:spPr>
-        <p:style>
-          <a:lnRef idx="0">
-            <a:scrgbClr r="0" g="0" b="0"/>
-          </a:lnRef>
-          <a:fillRef idx="0">
-            <a:scrgbClr r="0" g="0" b="0"/>
-          </a:fillRef>
-          <a:effectRef idx="0">
-            <a:scrgbClr r="0" g="0" b="0"/>
-          </a:effectRef>
-          <a:fontRef idx="minor"/>
-        </p:style>
-        <p:txBody>
-          <a:bodyPr lIns="0" tIns="0" rIns="0" bIns="0" anchor="b"/>
-          <a:lstStyle/>
-          <a:p>
-            <a:pPr>
-              <a:lnSpc>
-                <a:spcPct val="100000"/>
-              </a:lnSpc>
-            </a:pPr>
-            <a:r>
-              <a:rPr lang="en-AU" sz="3200" b="1" strike="noStrike" spc="-1">
-                <a:solidFill>
-                  <a:srgbClr val="FFFFFF"/>
-                </a:solidFill>
-                <a:latin typeface="Source Sans Pro Black"/>
-                <a:ea typeface="DejaVu Sans"/>
-              </a:rPr>
-              <a:t>Posterior Analysis</a:t>
-            </a:r>
-            <a:endParaRPr lang="en-AU" sz="3200" b="0" strike="noStrike" spc="-1">
-              <a:latin typeface="Arial"/>
-            </a:endParaRPr>
-          </a:p>
-        </p:txBody>
-      </p:sp>
-      <p:sp>
-        <p:nvSpPr>
-          <p:cNvPr id="176" name="CustomShape 2"/>
-          <p:cNvSpPr/>
-          <p:nvPr/>
-        </p:nvSpPr>
-        <p:spPr>
-          <a:xfrm>
-            <a:off x="360000" y="1980000"/>
-            <a:ext cx="9179280" cy="4679280"/>
-          </a:xfrm>
-          <a:prstGeom prst="rect">
-            <a:avLst/>
-          </a:prstGeom>
-          <a:noFill/>
-          <a:ln>
-            <a:noFill/>
-          </a:ln>
-        </p:spPr>
-        <p:style>
-          <a:lnRef idx="0">
-            <a:scrgbClr r="0" g="0" b="0"/>
-          </a:lnRef>
-          <a:fillRef idx="0">
-            <a:scrgbClr r="0" g="0" b="0"/>
-          </a:fillRef>
-          <a:effectRef idx="0">
-            <a:scrgbClr r="0" g="0" b="0"/>
-          </a:effectRef>
-          <a:fontRef idx="minor"/>
-        </p:style>
-      </p:sp>
-      <p:pic>
-        <p:nvPicPr>
-          <p:cNvPr id="177" name="Picture 176"/>
-          <p:cNvPicPr/>
-          <p:nvPr/>
-        </p:nvPicPr>
-        <p:blipFill>
-          <a:blip r:embed="rId2"/>
-          <a:stretch/>
-        </p:blipFill>
-        <p:spPr>
-          <a:xfrm>
-            <a:off x="830880" y="1584000"/>
-            <a:ext cx="3201120" cy="3449160"/>
-          </a:xfrm>
-          <a:prstGeom prst="rect">
-            <a:avLst/>
-          </a:prstGeom>
-          <a:ln>
-            <a:noFill/>
-          </a:ln>
-        </p:spPr>
-      </p:pic>
-      <p:sp>
-        <p:nvSpPr>
-          <p:cNvPr id="178" name="TextShape 3"/>
-          <p:cNvSpPr txBox="1"/>
-          <p:nvPr/>
-        </p:nvSpPr>
-        <p:spPr>
-          <a:xfrm>
-            <a:off x="830880" y="5033160"/>
-            <a:ext cx="3777120" cy="1882080"/>
-          </a:xfrm>
-          <a:prstGeom prst="rect">
-            <a:avLst/>
-          </a:prstGeom>
-          <a:noFill/>
-          <a:ln>
-            <a:noFill/>
-          </a:ln>
-        </p:spPr>
-        <p:txBody>
-          <a:bodyPr lIns="90000" tIns="45000" rIns="90000" bIns="45000"/>
-          <a:lstStyle/>
-          <a:p>
-            <a:r>
-              <a:rPr lang="en-AU" sz="1800" b="0" strike="noStrike" spc="-1">
-                <a:latin typeface="Arial"/>
-              </a:rPr>
-              <a:t>Beta 2 here shows that being Male will increase the average amount spend by $1950. This average increase should be given a high level of confidence due to the small associated interval</a:t>
-            </a:r>
-          </a:p>
-        </p:txBody>
-      </p:sp>
-      <p:pic>
-        <p:nvPicPr>
-          <p:cNvPr id="179" name="Picture 178"/>
-          <p:cNvPicPr/>
-          <p:nvPr/>
-        </p:nvPicPr>
-        <p:blipFill>
-          <a:blip r:embed="rId3"/>
-          <a:stretch/>
-        </p:blipFill>
-        <p:spPr>
-          <a:xfrm>
-            <a:off x="4896000" y="1439280"/>
-            <a:ext cx="3672000" cy="3508920"/>
-          </a:xfrm>
-          <a:prstGeom prst="rect">
-            <a:avLst/>
-          </a:prstGeom>
-          <a:ln>
-            <a:noFill/>
-          </a:ln>
-        </p:spPr>
-      </p:pic>
-      <p:sp>
-        <p:nvSpPr>
-          <p:cNvPr id="180" name="TextShape 4"/>
-          <p:cNvSpPr txBox="1"/>
-          <p:nvPr/>
-        </p:nvSpPr>
-        <p:spPr>
-          <a:xfrm>
-            <a:off x="4896000" y="4903696"/>
-            <a:ext cx="4680000" cy="2138040"/>
-          </a:xfrm>
-          <a:prstGeom prst="rect">
-            <a:avLst/>
-          </a:prstGeom>
-          <a:noFill/>
-          <a:ln>
-            <a:noFill/>
-          </a:ln>
-        </p:spPr>
-        <p:txBody>
-          <a:bodyPr lIns="90000" tIns="45000" rIns="90000" bIns="45000"/>
-          <a:lstStyle/>
-          <a:p>
-            <a:r>
-              <a:rPr lang="en-AU" sz="1800" b="0" strike="noStrike" spc="-1" dirty="0">
-                <a:latin typeface="Arial"/>
-              </a:rPr>
-              <a:t>Beta 3 is an example of the age bracket variables within the black </a:t>
-            </a:r>
-            <a:r>
-              <a:rPr lang="en-AU" sz="1800" b="0" strike="noStrike" spc="-1" dirty="0" err="1">
-                <a:latin typeface="Arial"/>
-              </a:rPr>
-              <a:t>friday</a:t>
-            </a:r>
-            <a:r>
-              <a:rPr lang="en-AU" sz="1800" b="0" strike="noStrike" spc="-1" dirty="0">
-                <a:latin typeface="Arial"/>
-              </a:rPr>
-              <a:t> dataset. Unlike the previously seen posterior plots, beta 3 has a relatively low level of confidence associated with it. This is seen in all of the age variables with the mode increasing as the age bracket increases</a:t>
-            </a:r>
-          </a:p>
-        </p:txBody>
-      </p:sp>
-    </p:spTree>
-  </p:cSld>
-  <p:clrMapOvr>
-    <a:masterClrMapping/>
-  </p:clrMapOvr>
-  <p:timing>
-    <p:tnLst>
-      <p:par>
-        <p:cTn id="1" dur="indefinite" restart="never" nodeType="tmRoot">
-          <p:childTnLst>
-            <p:seq>
-              <p:cTn id="2" nodeType="mainSeq"/>
-              <p:prevCondLst>
-                <p:cond evt="onPrev" delay="0">
-                  <p:tgtEl>
-                    <p:sldTgt/>
-                  </p:tgtEl>
-                </p:cond>
-              </p:prevCondLst>
-              <p:nextCondLst>
-                <p:cond evt="onNext" delay="0">
-                  <p:tgtEl>
-                    <p:sldTgt/>
-                  </p:tgtEl>
-                </p:cond>
-              </p:nextCondLst>
-            </p:seq>
-          </p:childTnLst>
-        </p:cTn>
-      </p:par>
-    </p:tnLst>
-  </p:timing>
-</p:sld>
-</file>
-
-<file path=ppt/slides/slide21.xml><?xml version="1.0" encoding="utf-8"?>
-<p:sld xmlns:a="http://schemas.openxmlformats.org/drawingml/2006/main" xmlns:r="http://schemas.openxmlformats.org/officeDocument/2006/relationships" xmlns:p="http://schemas.openxmlformats.org/presentationml/2006/main">
-  <p:cSld>
-    <p:spTree>
-      <p:nvGrpSpPr>
-        <p:cNvPr id="1" name=""/>
-        <p:cNvGrpSpPr/>
-        <p:nvPr/>
-      </p:nvGrpSpPr>
-      <p:grpSpPr>
-        <a:xfrm>
-          <a:off x="0" y="0"/>
-          <a:ext cx="0" cy="0"/>
-          <a:chOff x="0" y="0"/>
-          <a:chExt cx="0" cy="0"/>
-        </a:xfrm>
-      </p:grpSpPr>
-      <p:sp>
-        <p:nvSpPr>
-          <p:cNvPr id="169" name="CustomShape 1"/>
-          <p:cNvSpPr/>
-          <p:nvPr/>
-        </p:nvSpPr>
-        <p:spPr>
-          <a:xfrm>
-            <a:off x="360000" y="360000"/>
-            <a:ext cx="9359280" cy="899280"/>
-          </a:xfrm>
-          <a:prstGeom prst="rect">
-            <a:avLst/>
-          </a:prstGeom>
-          <a:noFill/>
-          <a:ln>
-            <a:noFill/>
-          </a:ln>
-        </p:spPr>
-        <p:style>
-          <a:lnRef idx="0">
-            <a:scrgbClr r="0" g="0" b="0"/>
-          </a:lnRef>
-          <a:fillRef idx="0">
-            <a:scrgbClr r="0" g="0" b="0"/>
-          </a:fillRef>
-          <a:effectRef idx="0">
-            <a:scrgbClr r="0" g="0" b="0"/>
-          </a:effectRef>
-          <a:fontRef idx="minor"/>
-        </p:style>
-        <p:txBody>
-          <a:bodyPr lIns="0" tIns="0" rIns="0" bIns="0" anchor="b"/>
-          <a:lstStyle/>
-          <a:p>
-            <a:pPr>
-              <a:lnSpc>
-                <a:spcPct val="100000"/>
-              </a:lnSpc>
-            </a:pPr>
-            <a:r>
-              <a:rPr lang="en-AU" sz="3200" b="1" strike="noStrike" spc="-1" dirty="0">
-                <a:solidFill>
-                  <a:srgbClr val="FFFFFF"/>
-                </a:solidFill>
-                <a:latin typeface="Source Sans Pro Black"/>
-                <a:ea typeface="DejaVu Sans"/>
-              </a:rPr>
-              <a:t>Posterior Analysis</a:t>
-            </a:r>
-            <a:endParaRPr lang="en-AU" sz="3200" b="0" strike="noStrike" spc="-1" dirty="0">
-              <a:latin typeface="Arial"/>
-            </a:endParaRPr>
-          </a:p>
-        </p:txBody>
-      </p:sp>
-      <p:sp>
-        <p:nvSpPr>
-          <p:cNvPr id="170" name="CustomShape 2"/>
-          <p:cNvSpPr/>
-          <p:nvPr/>
-        </p:nvSpPr>
-        <p:spPr>
-          <a:xfrm>
-            <a:off x="360000" y="1980000"/>
-            <a:ext cx="9179280" cy="4679280"/>
-          </a:xfrm>
-          <a:prstGeom prst="rect">
-            <a:avLst/>
-          </a:prstGeom>
-          <a:noFill/>
-          <a:ln>
-            <a:noFill/>
-          </a:ln>
-        </p:spPr>
-        <p:style>
-          <a:lnRef idx="0">
-            <a:scrgbClr r="0" g="0" b="0"/>
-          </a:lnRef>
-          <a:fillRef idx="0">
-            <a:scrgbClr r="0" g="0" b="0"/>
-          </a:fillRef>
-          <a:effectRef idx="0">
-            <a:scrgbClr r="0" g="0" b="0"/>
-          </a:effectRef>
-          <a:fontRef idx="minor"/>
-        </p:style>
-      </p:sp>
-      <p:pic>
-        <p:nvPicPr>
-          <p:cNvPr id="171" name="Picture 170"/>
-          <p:cNvPicPr/>
-          <p:nvPr/>
-        </p:nvPicPr>
-        <p:blipFill>
-          <a:blip r:embed="rId2"/>
-          <a:stretch/>
-        </p:blipFill>
-        <p:spPr>
-          <a:xfrm>
-            <a:off x="920520" y="1584000"/>
-            <a:ext cx="3975480" cy="3571200"/>
-          </a:xfrm>
-          <a:prstGeom prst="rect">
-            <a:avLst/>
-          </a:prstGeom>
-          <a:ln>
-            <a:noFill/>
-          </a:ln>
-        </p:spPr>
-      </p:pic>
-      <p:sp>
-        <p:nvSpPr>
-          <p:cNvPr id="172" name="TextShape 3"/>
-          <p:cNvSpPr txBox="1"/>
-          <p:nvPr/>
-        </p:nvSpPr>
-        <p:spPr>
-          <a:xfrm>
-            <a:off x="1080000" y="5112000"/>
-            <a:ext cx="3744000" cy="1626120"/>
-          </a:xfrm>
-          <a:prstGeom prst="rect">
-            <a:avLst/>
-          </a:prstGeom>
-          <a:noFill/>
-          <a:ln>
-            <a:noFill/>
-          </a:ln>
-        </p:spPr>
-        <p:txBody>
-          <a:bodyPr lIns="90000" tIns="45000" rIns="90000" bIns="45000"/>
-          <a:lstStyle/>
-          <a:p>
-            <a:r>
-              <a:rPr lang="en-AU" sz="1800" b="0" strike="noStrike" spc="-1">
-                <a:latin typeface="Arial"/>
-              </a:rPr>
-              <a:t>The intercept here has a mode of 6900, with a relatively small HDI range (6200, 7540). This would suggest a high level of confidence in the Intercept value. </a:t>
-            </a:r>
-          </a:p>
-          <a:p>
-            <a:endParaRPr lang="en-AU" sz="1800" b="0" strike="noStrike" spc="-1">
-              <a:latin typeface="Arial"/>
-            </a:endParaRPr>
-          </a:p>
-        </p:txBody>
-      </p:sp>
-      <p:pic>
-        <p:nvPicPr>
-          <p:cNvPr id="173" name="Picture 172"/>
-          <p:cNvPicPr/>
-          <p:nvPr/>
-        </p:nvPicPr>
-        <p:blipFill>
-          <a:blip r:embed="rId3"/>
-          <a:stretch/>
-        </p:blipFill>
-        <p:spPr>
-          <a:xfrm>
-            <a:off x="5871600" y="1656000"/>
-            <a:ext cx="3200400" cy="3343680"/>
-          </a:xfrm>
-          <a:prstGeom prst="rect">
-            <a:avLst/>
-          </a:prstGeom>
-          <a:ln>
-            <a:noFill/>
-          </a:ln>
-        </p:spPr>
-      </p:pic>
-      <p:sp>
-        <p:nvSpPr>
-          <p:cNvPr id="174" name="TextShape 4"/>
-          <p:cNvSpPr txBox="1"/>
-          <p:nvPr/>
-        </p:nvSpPr>
-        <p:spPr>
-          <a:xfrm>
-            <a:off x="5328000" y="5112000"/>
-            <a:ext cx="4536000" cy="2138040"/>
-          </a:xfrm>
-          <a:prstGeom prst="rect">
-            <a:avLst/>
-          </a:prstGeom>
-          <a:noFill/>
-          <a:ln>
-            <a:noFill/>
-          </a:ln>
-        </p:spPr>
-        <p:txBody>
-          <a:bodyPr lIns="90000" tIns="45000" rIns="90000" bIns="45000"/>
-          <a:lstStyle/>
-          <a:p>
-            <a:r>
-              <a:rPr lang="en-AU" sz="1800" b="0" strike="noStrike" spc="-1">
-                <a:latin typeface="Arial"/>
-              </a:rPr>
-              <a:t>The count variable also has a very small interval suggesting that there is high level of confidence in the mode of -3.75. This figure unexpectedly shows that an increase in one transaction to the total will reduce the average amount spent by $3.75</a:t>
-            </a:r>
-          </a:p>
-        </p:txBody>
-      </p:sp>
-    </p:spTree>
-  </p:cSld>
-  <p:clrMapOvr>
-    <a:masterClrMapping/>
-  </p:clrMapOvr>
-  <p:timing>
-    <p:tnLst>
-      <p:par>
-        <p:cTn id="1" dur="indefinite" restart="never" nodeType="tmRoot">
-          <p:childTnLst>
-            <p:seq>
-              <p:cTn id="2" nodeType="mainSeq"/>
-              <p:prevCondLst>
-                <p:cond evt="onPrev" delay="0">
-                  <p:tgtEl>
-                    <p:sldTgt/>
-                  </p:tgtEl>
-                </p:cond>
-              </p:prevCondLst>
-              <p:nextCondLst>
-                <p:cond evt="onNext" delay="0">
-                  <p:tgtEl>
-                    <p:sldTgt/>
-                  </p:tgtEl>
-                </p:cond>
-              </p:nextCondLst>
-            </p:seq>
-          </p:childTnLst>
-        </p:cTn>
+        <p:cTn id="1" dur="indefinite" restart="never" nodeType="tmRoot"/>
       </p:par>
     </p:tnLst>
   </p:timing>
@@ -10235,27 +9630,7 @@
   <p:timing>
     <p:tnLst>
       <p:par>
-        <p:cTn id="1" dur="indefinite" restart="never" nodeType="tmRoot">
-          <p:childTnLst>
-            <p:seq>
-              <p:cTn id="2" nodeType="mainSeq"/>
-              <p:prevCondLst>
-                <p:cond evt="onPrev" delay="0">
-                  <p:tgtEl>
-                    <p:sldTgt/>
-                  </p:tgtEl>
-                </p:cond>
-              </p:prevCondLst>
-              <p:nextCondLst>
-                <p:cond evt="onNext" delay="0">
-                  <p:tgtEl>
-                    <p:sldTgt/>
-                  </p:tgtEl>
-                </p:cond>
-              </p:nextCondLst>
-            </p:seq>
-          </p:childTnLst>
-        </p:cTn>
+        <p:cTn id="1" dur="indefinite" restart="never" nodeType="tmRoot"/>
       </p:par>
     </p:tnLst>
   </p:timing>
@@ -10381,17 +9756,37 @@
               </a:spcAft>
             </a:pPr>
             <a:r>
-              <a:rPr lang="en-AU" sz="2400" b="1" strike="noStrike" spc="-1">
+              <a:rPr lang="en-AU" sz="2400" b="1" strike="noStrike" spc="-1" dirty="0">
                 <a:solidFill>
                   <a:srgbClr val="1C1C1C"/>
                 </a:solidFill>
                 <a:latin typeface="Source Sans Pro Semibold"/>
                 <a:ea typeface="DejaVu Sans"/>
               </a:rPr>
-              <a:t>The dataset used was obtained from Kaggle and can be accessed here: </a:t>
-            </a:r>
-            <a:r>
-              <a:rPr lang="en-AU" sz="2400" b="1" u="sng" strike="noStrike" spc="-1">
+              <a:t>The dataset used was obtained from </a:t>
+            </a:r>
+            <a:r>
+              <a:rPr lang="en-AU" sz="2400" b="1" strike="noStrike" spc="-1" dirty="0" err="1">
+                <a:solidFill>
+                  <a:srgbClr val="1C1C1C"/>
+                </a:solidFill>
+                <a:latin typeface="Source Sans Pro Semibold"/>
+                <a:ea typeface="DejaVu Sans"/>
+              </a:rPr>
+              <a:t>Kaggle</a:t>
+            </a:r>
+            <a:r>
+              <a:rPr lang="en-AU" sz="2400" b="1" strike="noStrike" spc="-1" dirty="0">
+                <a:solidFill>
+                  <a:srgbClr val="1C1C1C"/>
+                </a:solidFill>
+                <a:latin typeface="Source Sans Pro Semibold"/>
+                <a:ea typeface="DejaVu Sans"/>
+              </a:rPr>
+              <a:t> and can be accessed here: </a:t>
+            </a:r>
+            <a:r>
+              <a:rPr lang="en-AU" sz="2400" b="1" u="sng" strike="noStrike" spc="-1" dirty="0">
                 <a:solidFill>
                   <a:srgbClr val="0000FF"/>
                 </a:solidFill>
@@ -10402,7 +9797,7 @@
               </a:rPr>
               <a:t>https://www.kaggle.com/abhisingh10p14/black-friday</a:t>
             </a:r>
-            <a:endParaRPr lang="en-AU" sz="2400" b="0" strike="noStrike" spc="-1">
+            <a:endParaRPr lang="en-AU" sz="2400" b="0" strike="noStrike" spc="-1" dirty="0">
               <a:latin typeface="Arial"/>
             </a:endParaRPr>
           </a:p>
@@ -10415,7 +9810,7 @@
                 <a:spcPts val="1142"/>
               </a:spcAft>
             </a:pPr>
-            <a:endParaRPr lang="en-AU" sz="2400" b="0" strike="noStrike" spc="-1">
+            <a:endParaRPr lang="en-AU" sz="2400" b="0" strike="noStrike" spc="-1" dirty="0">
               <a:latin typeface="Arial"/>
             </a:endParaRPr>
           </a:p>
@@ -10434,7 +9829,7 @@
               <a:buChar char="•"/>
             </a:pPr>
             <a:r>
-              <a:rPr lang="en-AU" sz="2400" b="1" strike="noStrike" spc="-1">
+              <a:rPr lang="en-AU" sz="2400" b="1" strike="noStrike" spc="-1" dirty="0">
                 <a:solidFill>
                   <a:srgbClr val="1C1C1C"/>
                 </a:solidFill>
@@ -10443,7 +9838,7 @@
               </a:rPr>
               <a:t>The data were aggregated to ensure each individual was represented once.</a:t>
             </a:r>
-            <a:endParaRPr lang="en-AU" sz="2400" b="0" strike="noStrike" spc="-1">
+            <a:endParaRPr lang="en-AU" sz="2400" b="0" strike="noStrike" spc="-1" dirty="0">
               <a:latin typeface="Arial"/>
             </a:endParaRPr>
           </a:p>
@@ -10462,7 +9857,7 @@
               <a:buChar char="•"/>
             </a:pPr>
             <a:r>
-              <a:rPr lang="en-AU" sz="2400" b="1" strike="noStrike" spc="-1">
+              <a:rPr lang="en-AU" sz="2400" b="1" strike="noStrike" spc="-1" dirty="0">
                 <a:solidFill>
                   <a:srgbClr val="1C1C1C"/>
                 </a:solidFill>
@@ -10471,7 +9866,7 @@
               </a:rPr>
               <a:t>New variables were created to represent total and average amounts spent by each individual.</a:t>
             </a:r>
-            <a:endParaRPr lang="en-AU" sz="2400" b="0" strike="noStrike" spc="-1">
+            <a:endParaRPr lang="en-AU" sz="2400" b="0" strike="noStrike" spc="-1" dirty="0">
               <a:latin typeface="Arial"/>
             </a:endParaRPr>
           </a:p>
@@ -10490,7 +9885,7 @@
               <a:buChar char="•"/>
             </a:pPr>
             <a:r>
-              <a:rPr lang="en-AU" sz="2400" b="1" strike="noStrike" spc="-1">
+              <a:rPr lang="en-AU" sz="2400" b="1" strike="noStrike" spc="-1" dirty="0">
                 <a:solidFill>
                   <a:srgbClr val="1C1C1C"/>
                 </a:solidFill>
@@ -10499,7 +9894,7 @@
               </a:rPr>
               <a:t>Factor columns such as sex and age were made into binary dummy variables	</a:t>
             </a:r>
-            <a:endParaRPr lang="en-AU" sz="2400" b="0" strike="noStrike" spc="-1">
+            <a:endParaRPr lang="en-AU" sz="2400" b="0" strike="noStrike" spc="-1" dirty="0">
               <a:latin typeface="Arial"/>
             </a:endParaRPr>
           </a:p>
@@ -10513,27 +9908,7 @@
   <p:timing>
     <p:tnLst>
       <p:par>
-        <p:cTn id="1" dur="indefinite" restart="never" nodeType="tmRoot">
-          <p:childTnLst>
-            <p:seq>
-              <p:cTn id="2" nodeType="mainSeq"/>
-              <p:prevCondLst>
-                <p:cond evt="onPrev" delay="0">
-                  <p:tgtEl>
-                    <p:sldTgt/>
-                  </p:tgtEl>
-                </p:cond>
-              </p:prevCondLst>
-              <p:nextCondLst>
-                <p:cond evt="onNext" delay="0">
-                  <p:tgtEl>
-                    <p:sldTgt/>
-                  </p:tgtEl>
-                </p:cond>
-              </p:nextCondLst>
-            </p:seq>
-          </p:childTnLst>
-        </p:cTn>
+        <p:cTn id="1" dur="indefinite" restart="never" nodeType="tmRoot"/>
       </p:par>
     </p:tnLst>
   </p:timing>
@@ -10779,27 +10154,7 @@
   <p:timing>
     <p:tnLst>
       <p:par>
-        <p:cTn id="1" dur="indefinite" restart="never" nodeType="tmRoot">
-          <p:childTnLst>
-            <p:seq>
-              <p:cTn id="2" nodeType="mainSeq"/>
-              <p:prevCondLst>
-                <p:cond evt="onPrev" delay="0">
-                  <p:tgtEl>
-                    <p:sldTgt/>
-                  </p:tgtEl>
-                </p:cond>
-              </p:prevCondLst>
-              <p:nextCondLst>
-                <p:cond evt="onNext" delay="0">
-                  <p:tgtEl>
-                    <p:sldTgt/>
-                  </p:tgtEl>
-                </p:cond>
-              </p:nextCondLst>
-            </p:seq>
-          </p:childTnLst>
-        </p:cTn>
+        <p:cTn id="1" dur="indefinite" restart="never" nodeType="tmRoot"/>
       </p:par>
     </p:tnLst>
   </p:timing>
@@ -11214,27 +10569,7 @@
   <p:timing>
     <p:tnLst>
       <p:par>
-        <p:cTn id="1" dur="indefinite" restart="never" nodeType="tmRoot">
-          <p:childTnLst>
-            <p:seq>
-              <p:cTn id="2" nodeType="mainSeq"/>
-              <p:prevCondLst>
-                <p:cond evt="onPrev" delay="0">
-                  <p:tgtEl>
-                    <p:sldTgt/>
-                  </p:tgtEl>
-                </p:cond>
-              </p:prevCondLst>
-              <p:nextCondLst>
-                <p:cond evt="onNext" delay="0">
-                  <p:tgtEl>
-                    <p:sldTgt/>
-                  </p:tgtEl>
-                </p:cond>
-              </p:nextCondLst>
-            </p:seq>
-          </p:childTnLst>
-        </p:cTn>
+        <p:cTn id="1" dur="indefinite" restart="never" nodeType="tmRoot"/>
       </p:par>
     </p:tnLst>
   </p:timing>
@@ -11614,27 +10949,7 @@
   <p:timing>
     <p:tnLst>
       <p:par>
-        <p:cTn id="1" dur="indefinite" restart="never" nodeType="tmRoot">
-          <p:childTnLst>
-            <p:seq>
-              <p:cTn id="2" nodeType="mainSeq"/>
-              <p:prevCondLst>
-                <p:cond evt="onPrev" delay="0">
-                  <p:tgtEl>
-                    <p:sldTgt/>
-                  </p:tgtEl>
-                </p:cond>
-              </p:prevCondLst>
-              <p:nextCondLst>
-                <p:cond evt="onNext" delay="0">
-                  <p:tgtEl>
-                    <p:sldTgt/>
-                  </p:tgtEl>
-                </p:cond>
-              </p:nextCondLst>
-            </p:seq>
-          </p:childTnLst>
-        </p:cTn>
+        <p:cTn id="1" dur="indefinite" restart="never" nodeType="tmRoot"/>
       </p:par>
     </p:tnLst>
   </p:timing>
@@ -11985,27 +11300,7 @@
   <p:timing>
     <p:tnLst>
       <p:par>
-        <p:cTn id="1" dur="indefinite" restart="never" nodeType="tmRoot">
-          <p:childTnLst>
-            <p:seq>
-              <p:cTn id="2" nodeType="mainSeq"/>
-              <p:prevCondLst>
-                <p:cond evt="onPrev" delay="0">
-                  <p:tgtEl>
-                    <p:sldTgt/>
-                  </p:tgtEl>
-                </p:cond>
-              </p:prevCondLst>
-              <p:nextCondLst>
-                <p:cond evt="onNext" delay="0">
-                  <p:tgtEl>
-                    <p:sldTgt/>
-                  </p:tgtEl>
-                </p:cond>
-              </p:nextCondLst>
-            </p:seq>
-          </p:childTnLst>
-        </p:cTn>
+        <p:cTn id="1" dur="indefinite" restart="never" nodeType="tmRoot"/>
       </p:par>
     </p:tnLst>
   </p:timing>
@@ -12180,27 +11475,7 @@
   <p:timing>
     <p:tnLst>
       <p:par>
-        <p:cTn id="1" dur="indefinite" restart="never" nodeType="tmRoot">
-          <p:childTnLst>
-            <p:seq>
-              <p:cTn id="2" nodeType="mainSeq"/>
-              <p:prevCondLst>
-                <p:cond evt="onPrev" delay="0">
-                  <p:tgtEl>
-                    <p:sldTgt/>
-                  </p:tgtEl>
-                </p:cond>
-              </p:prevCondLst>
-              <p:nextCondLst>
-                <p:cond evt="onNext" delay="0">
-                  <p:tgtEl>
-                    <p:sldTgt/>
-                  </p:tgtEl>
-                </p:cond>
-              </p:nextCondLst>
-            </p:seq>
-          </p:childTnLst>
-        </p:cTn>
+        <p:cTn id="1" dur="indefinite" restart="never" nodeType="tmRoot"/>
       </p:par>
     </p:tnLst>
   </p:timing>

--- a/Presentation.pptx
+++ b/Presentation.pptx
@@ -8791,7 +8791,7 @@
           <a:p>
             <a:r>
               <a:rPr lang="en-US" sz="2200" dirty="0" smtClean="0"/>
-              <a:t>Ultimately, predictions generated on the test data were shown to be fairly inaccurate, with a large MSE.</a:t>
+              <a:t>Ultimately, predictions generated on the test data were shown to be fairly inaccurate</a:t>
             </a:r>
           </a:p>
           <a:p>
